--- a/Composable Batch File Helper.pptx
+++ b/Composable Batch File Helper.pptx
@@ -5,23 +5,19 @@
     <p:sldMasterId id="2147483648" r:id="rId2"/>
   </p:sldMasterIdLst>
   <p:notesMasterIdLst>
-    <p:notesMasterId r:id="rId14"/>
+    <p:notesMasterId r:id="rId10"/>
   </p:notesMasterIdLst>
   <p:handoutMasterIdLst>
-    <p:handoutMasterId r:id="rId15"/>
+    <p:handoutMasterId r:id="rId11"/>
   </p:handoutMasterIdLst>
   <p:sldIdLst>
-    <p:sldId id="256" r:id="rId3"/>
-    <p:sldId id="267" r:id="rId4"/>
-    <p:sldId id="269" r:id="rId5"/>
-    <p:sldId id="268" r:id="rId6"/>
-    <p:sldId id="257" r:id="rId7"/>
-    <p:sldId id="277" r:id="rId8"/>
-    <p:sldId id="275" r:id="rId9"/>
-    <p:sldId id="271" r:id="rId10"/>
-    <p:sldId id="274" r:id="rId11"/>
-    <p:sldId id="276" r:id="rId12"/>
-    <p:sldId id="273" r:id="rId13"/>
+    <p:sldId id="267" r:id="rId3"/>
+    <p:sldId id="268" r:id="rId4"/>
+    <p:sldId id="257" r:id="rId5"/>
+    <p:sldId id="275" r:id="rId6"/>
+    <p:sldId id="274" r:id="rId7"/>
+    <p:sldId id="276" r:id="rId8"/>
+    <p:sldId id="273" r:id="rId9"/>
   </p:sldIdLst>
   <p:sldSz cx="12192000" cy="6858000"/>
   <p:notesSz cx="6858000" cy="9144000"/>
@@ -228,7 +224,7 @@
           <a:p>
             <a:fld id="{34475077-A074-4E8C-B45E-964494945228}" type="datetimeFigureOut">
               <a:rPr lang="en-US"/>
-              <a:t>1/4/2018</a:t>
+              <a:t>1/23/2018</a:t>
             </a:fld>
             <a:endParaRPr/>
           </a:p>
@@ -393,7 +389,7 @@
           <a:p>
             <a:fld id="{6A2B48A4-4B96-49F4-8C25-4C9D06114B2C}" type="datetimeFigureOut">
               <a:rPr lang="en-US"/>
-              <a:t>1/4/2018</a:t>
+              <a:t>1/23/2018</a:t>
             </a:fld>
             <a:endParaRPr/>
           </a:p>
@@ -1024,7 +1020,7 @@
           <a:p>
             <a:fld id="{0402902D-A5F5-4D7D-AAA7-32469BA0BC4D}" type="datetimeFigureOut">
               <a:rPr lang="en-US"/>
-              <a:t>1/4/2018</a:t>
+              <a:t>1/23/2018</a:t>
             </a:fld>
             <a:endParaRPr/>
           </a:p>
@@ -1295,7 +1291,7 @@
           <a:p>
             <a:fld id="{0402902D-A5F5-4D7D-AAA7-32469BA0BC4D}" type="datetimeFigureOut">
               <a:rPr lang="en-US"/>
-              <a:t>1/4/2018</a:t>
+              <a:t>1/23/2018</a:t>
             </a:fld>
             <a:endParaRPr/>
           </a:p>
@@ -1477,7 +1473,7 @@
           <a:p>
             <a:fld id="{0402902D-A5F5-4D7D-AAA7-32469BA0BC4D}" type="datetimeFigureOut">
               <a:rPr lang="en-US"/>
-              <a:t>1/4/2018</a:t>
+              <a:t>1/23/2018</a:t>
             </a:fld>
             <a:endParaRPr/>
           </a:p>
@@ -2064,7 +2060,7 @@
           <a:p>
             <a:fld id="{0402902D-A5F5-4D7D-AAA7-32469BA0BC4D}" type="datetimeFigureOut">
               <a:rPr lang="en-US"/>
-              <a:t>1/4/2018</a:t>
+              <a:t>1/23/2018</a:t>
             </a:fld>
             <a:endParaRPr/>
           </a:p>
@@ -2512,7 +2508,7 @@
           <a:p>
             <a:fld id="{0402902D-A5F5-4D7D-AAA7-32469BA0BC4D}" type="datetimeFigureOut">
               <a:rPr lang="en-US"/>
-              <a:t>1/4/2018</a:t>
+              <a:t>1/23/2018</a:t>
             </a:fld>
             <a:endParaRPr/>
           </a:p>
@@ -2642,7 +2638,7 @@
           <a:p>
             <a:fld id="{0402902D-A5F5-4D7D-AAA7-32469BA0BC4D}" type="datetimeFigureOut">
               <a:rPr lang="en-US"/>
-              <a:t>1/4/2018</a:t>
+              <a:t>1/23/2018</a:t>
             </a:fld>
             <a:endParaRPr/>
           </a:p>
@@ -2749,7 +2745,7 @@
           <a:p>
             <a:fld id="{0402902D-A5F5-4D7D-AAA7-32469BA0BC4D}" type="datetimeFigureOut">
               <a:rPr lang="en-US"/>
-              <a:t>1/4/2018</a:t>
+              <a:t>1/23/2018</a:t>
             </a:fld>
             <a:endParaRPr/>
           </a:p>
@@ -3684,7 +3680,7 @@
             <a:fld id="{0402902D-A5F5-4D7D-AAA7-32469BA0BC4D}" type="datetimeFigureOut">
               <a:rPr lang="en-US"/>
               <a:pPr/>
-              <a:t>1/4/2018</a:t>
+              <a:t>1/23/2018</a:t>
             </a:fld>
             <a:endParaRPr/>
           </a:p>
@@ -4143,31 +4139,7 @@
             <a:spLocks noGrp="1"/>
           </p:cNvSpPr>
           <p:nvPr>
-            <p:ph type="ctrTitle"/>
-          </p:nvPr>
-        </p:nvSpPr>
-        <p:spPr/>
-        <p:txBody>
-          <a:bodyPr>
-            <a:normAutofit/>
-          </a:bodyPr>
-          <a:lstStyle/>
-          <a:p>
-            <a:r>
-              <a:rPr lang="en-US" dirty="0"/>
-              <a:t>Mercury Helper</a:t>
-            </a:r>
-          </a:p>
-        </p:txBody>
-      </p:sp>
-      <p:sp>
-        <p:nvSpPr>
-          <p:cNvPr id="3" name="Subtitle 2"/>
-          <p:cNvSpPr>
-            <a:spLocks noGrp="1"/>
-          </p:cNvSpPr>
-          <p:nvPr>
-            <p:ph type="subTitle" idx="1"/>
+            <p:ph type="title"/>
           </p:nvPr>
         </p:nvSpPr>
         <p:spPr/>
@@ -4177,312 +4149,7 @@
           <a:p>
             <a:r>
               <a:rPr lang="en-US" dirty="0"/>
-              <a:t>What It Can Do For You - May-19-2017 1:24 PM</a:t>
-            </a:r>
-          </a:p>
-        </p:txBody>
-      </p:sp>
-      <p:pic>
-        <p:nvPicPr>
-          <p:cNvPr id="5" name="Picture 4"/>
-          <p:cNvPicPr>
-            <a:picLocks noChangeAspect="1"/>
-          </p:cNvPicPr>
-          <p:nvPr/>
-        </p:nvPicPr>
-        <p:blipFill>
-          <a:blip r:embed="rId2"/>
-          <a:stretch>
-            <a:fillRect/>
-          </a:stretch>
-        </p:blipFill>
-        <p:spPr>
-          <a:xfrm>
-            <a:off x="0" y="0"/>
-            <a:ext cx="9612086" cy="4573364"/>
-          </a:xfrm>
-          <a:prstGeom prst="rect">
-            <a:avLst/>
-          </a:prstGeom>
-        </p:spPr>
-      </p:pic>
-      <p:pic>
-        <p:nvPicPr>
-          <p:cNvPr id="6" name="Picture 5"/>
-          <p:cNvPicPr>
-            <a:picLocks noChangeAspect="1"/>
-          </p:cNvPicPr>
-          <p:nvPr/>
-        </p:nvPicPr>
-        <p:blipFill>
-          <a:blip r:embed="rId3"/>
-          <a:stretch>
-            <a:fillRect/>
-          </a:stretch>
-        </p:blipFill>
-        <p:spPr>
-          <a:xfrm>
-            <a:off x="9612086" y="0"/>
-            <a:ext cx="2579914" cy="4573364"/>
-          </a:xfrm>
-          <a:prstGeom prst="rect">
-            <a:avLst/>
-          </a:prstGeom>
-        </p:spPr>
-      </p:pic>
-    </p:spTree>
-    <p:extLst>
-      <p:ext uri="{BB962C8B-B14F-4D97-AF65-F5344CB8AC3E}">
-        <p14:creationId xmlns:p14="http://schemas.microsoft.com/office/powerpoint/2010/main" val="1420781873"/>
-      </p:ext>
-    </p:extLst>
-  </p:cSld>
-  <p:clrMapOvr>
-    <a:masterClrMapping/>
-  </p:clrMapOvr>
-  <mc:AlternateContent xmlns:mc="http://schemas.openxmlformats.org/markup-compatibility/2006" xmlns:p14="http://schemas.microsoft.com/office/powerpoint/2010/main">
-    <mc:Choice Requires="p14">
-      <p:transition spd="med" p14:dur="700">
-        <p:fade/>
-      </p:transition>
-    </mc:Choice>
-    <mc:Fallback xmlns="">
-      <p:transition spd="med">
-        <p:fade/>
-      </p:transition>
-    </mc:Fallback>
-  </mc:AlternateContent>
-</p:sld>
-</file>
-
-<file path=ppt/slides/slide10.xml><?xml version="1.0" encoding="utf-8"?>
-<p:sld xmlns:a="http://schemas.openxmlformats.org/drawingml/2006/main" xmlns:r="http://schemas.openxmlformats.org/officeDocument/2006/relationships" xmlns:p="http://schemas.openxmlformats.org/presentationml/2006/main">
-  <p:cSld>
-    <p:spTree>
-      <p:nvGrpSpPr>
-        <p:cNvPr id="1" name=""/>
-        <p:cNvGrpSpPr/>
-        <p:nvPr/>
-      </p:nvGrpSpPr>
-      <p:grpSpPr>
-        <a:xfrm>
-          <a:off x="0" y="0"/>
-          <a:ext cx="0" cy="0"/>
-          <a:chOff x="0" y="0"/>
-          <a:chExt cx="0" cy="0"/>
-        </a:xfrm>
-      </p:grpSpPr>
-      <p:sp>
-        <p:nvSpPr>
-          <p:cNvPr id="2" name="Title 1"/>
-          <p:cNvSpPr>
-            <a:spLocks noGrp="1"/>
-          </p:cNvSpPr>
-          <p:nvPr>
-            <p:ph type="title"/>
-          </p:nvPr>
-        </p:nvSpPr>
-        <p:spPr/>
-        <p:txBody>
-          <a:bodyPr/>
-          <a:lstStyle/>
-          <a:p>
-            <a:r>
-              <a:rPr lang="en-US" dirty="0"/>
-              <a:t>Team Sharing</a:t>
-            </a:r>
-          </a:p>
-        </p:txBody>
-      </p:sp>
-      <p:sp>
-        <p:nvSpPr>
-          <p:cNvPr id="3" name="Content Placeholder 2"/>
-          <p:cNvSpPr>
-            <a:spLocks noGrp="1"/>
-          </p:cNvSpPr>
-          <p:nvPr>
-            <p:ph idx="1"/>
-          </p:nvPr>
-        </p:nvSpPr>
-        <p:spPr/>
-        <p:txBody>
-          <a:bodyPr>
-            <a:normAutofit/>
-          </a:bodyPr>
-          <a:lstStyle/>
-          <a:p>
-            <a:r>
-              <a:rPr lang="en-US" dirty="0"/>
-              <a:t>No one’s obligated to use any of this stuff. I just wanted to share it and make it available to the other team members in found it helpful.</a:t>
-            </a:r>
-          </a:p>
-          <a:p>
-            <a:r>
-              <a:rPr lang="en-US" dirty="0"/>
-              <a:t>A cool thing about this architecture is that it is scalable in the sense that if you want some new script feature all you need to do is add a unique label and a code block and you are up and running.</a:t>
-            </a:r>
-          </a:p>
-        </p:txBody>
-      </p:sp>
-    </p:spTree>
-    <p:extLst>
-      <p:ext uri="{BB962C8B-B14F-4D97-AF65-F5344CB8AC3E}">
-        <p14:creationId xmlns:p14="http://schemas.microsoft.com/office/powerpoint/2010/main" val="3503943722"/>
-      </p:ext>
-    </p:extLst>
-  </p:cSld>
-  <p:clrMapOvr>
-    <a:masterClrMapping/>
-  </p:clrMapOvr>
-  <mc:AlternateContent xmlns:mc="http://schemas.openxmlformats.org/markup-compatibility/2006" xmlns:p14="http://schemas.microsoft.com/office/powerpoint/2010/main">
-    <mc:Choice Requires="p14">
-      <p:transition spd="med" p14:dur="700">
-        <p:fade/>
-      </p:transition>
-    </mc:Choice>
-    <mc:Fallback xmlns="">
-      <p:transition spd="med">
-        <p:fade/>
-      </p:transition>
-    </mc:Fallback>
-  </mc:AlternateContent>
-</p:sld>
-</file>
-
-<file path=ppt/slides/slide11.xml><?xml version="1.0" encoding="utf-8"?>
-<p:sld xmlns:a="http://schemas.openxmlformats.org/drawingml/2006/main" xmlns:r="http://schemas.openxmlformats.org/officeDocument/2006/relationships" xmlns:p="http://schemas.openxmlformats.org/presentationml/2006/main">
-  <p:cSld>
-    <p:spTree>
-      <p:nvGrpSpPr>
-        <p:cNvPr id="1" name=""/>
-        <p:cNvGrpSpPr/>
-        <p:nvPr/>
-      </p:nvGrpSpPr>
-      <p:grpSpPr>
-        <a:xfrm>
-          <a:off x="0" y="0"/>
-          <a:ext cx="0" cy="0"/>
-          <a:chOff x="0" y="0"/>
-          <a:chExt cx="0" cy="0"/>
-        </a:xfrm>
-      </p:grpSpPr>
-      <p:sp>
-        <p:nvSpPr>
-          <p:cNvPr id="2" name="Title 1"/>
-          <p:cNvSpPr>
-            <a:spLocks noGrp="1"/>
-          </p:cNvSpPr>
-          <p:nvPr>
-            <p:ph type="title"/>
-          </p:nvPr>
-        </p:nvSpPr>
-        <p:spPr>
-          <a:xfrm>
-            <a:off x="4970585" y="165100"/>
-            <a:ext cx="3401889" cy="1097280"/>
-          </a:xfrm>
-        </p:spPr>
-        <p:txBody>
-          <a:bodyPr/>
-          <a:lstStyle/>
-          <a:p>
-            <a:r>
-              <a:rPr lang="en-US" dirty="0"/>
-              <a:t>The End</a:t>
-            </a:r>
-          </a:p>
-        </p:txBody>
-      </p:sp>
-      <p:pic>
-        <p:nvPicPr>
-          <p:cNvPr id="5" name="Picture 4"/>
-          <p:cNvPicPr>
-            <a:picLocks noChangeAspect="1"/>
-          </p:cNvPicPr>
-          <p:nvPr/>
-        </p:nvPicPr>
-        <p:blipFill>
-          <a:blip r:embed="rId2">
-            <a:extLst>
-              <a:ext uri="{28A0092B-C50C-407E-A947-70E740481C1C}">
-                <a14:useLocalDpi xmlns:a14="http://schemas.microsoft.com/office/drawing/2010/main" val="0"/>
-              </a:ext>
-            </a:extLst>
-          </a:blip>
-          <a:stretch>
-            <a:fillRect/>
-          </a:stretch>
-        </p:blipFill>
-        <p:spPr>
-          <a:xfrm>
-            <a:off x="3368431" y="1774092"/>
-            <a:ext cx="5571308" cy="4397497"/>
-          </a:xfrm>
-          <a:prstGeom prst="rect">
-            <a:avLst/>
-          </a:prstGeom>
-        </p:spPr>
-      </p:pic>
-    </p:spTree>
-    <p:extLst>
-      <p:ext uri="{BB962C8B-B14F-4D97-AF65-F5344CB8AC3E}">
-        <p14:creationId xmlns:p14="http://schemas.microsoft.com/office/powerpoint/2010/main" val="2235719706"/>
-      </p:ext>
-    </p:extLst>
-  </p:cSld>
-  <p:clrMapOvr>
-    <a:masterClrMapping/>
-  </p:clrMapOvr>
-  <mc:AlternateContent xmlns:mc="http://schemas.openxmlformats.org/markup-compatibility/2006" xmlns:p14="http://schemas.microsoft.com/office/powerpoint/2010/main">
-    <mc:Choice Requires="p14">
-      <p:transition spd="med" p14:dur="700">
-        <p:fade/>
-      </p:transition>
-    </mc:Choice>
-    <mc:Fallback xmlns="">
-      <p:transition spd="med">
-        <p:fade/>
-      </p:transition>
-    </mc:Fallback>
-  </mc:AlternateContent>
-</p:sld>
-</file>
-
-<file path=ppt/slides/slide2.xml><?xml version="1.0" encoding="utf-8"?>
-<p:sld xmlns:a="http://schemas.openxmlformats.org/drawingml/2006/main" xmlns:r="http://schemas.openxmlformats.org/officeDocument/2006/relationships" xmlns:p="http://schemas.openxmlformats.org/presentationml/2006/main">
-  <p:cSld>
-    <p:spTree>
-      <p:nvGrpSpPr>
-        <p:cNvPr id="1" name=""/>
-        <p:cNvGrpSpPr/>
-        <p:nvPr/>
-      </p:nvGrpSpPr>
-      <p:grpSpPr>
-        <a:xfrm>
-          <a:off x="0" y="0"/>
-          <a:ext cx="0" cy="0"/>
-          <a:chOff x="0" y="0"/>
-          <a:chExt cx="0" cy="0"/>
-        </a:xfrm>
-      </p:grpSpPr>
-      <p:sp>
-        <p:nvSpPr>
-          <p:cNvPr id="2" name="Title 1"/>
-          <p:cNvSpPr>
-            <a:spLocks noGrp="1"/>
-          </p:cNvSpPr>
-          <p:nvPr>
-            <p:ph type="title"/>
-          </p:nvPr>
-        </p:nvSpPr>
-        <p:spPr/>
-        <p:txBody>
-          <a:bodyPr/>
-          <a:lstStyle/>
-          <a:p>
-            <a:r>
-              <a:rPr lang="en-US" dirty="0"/>
-              <a:t>Get serious . . . about Mercury process automation.</a:t>
+              <a:t>Get serious . . . about automation.</a:t>
             </a:r>
           </a:p>
         </p:txBody>
@@ -4505,7 +4172,7 @@
         </p:spPr>
         <p:txBody>
           <a:bodyPr>
-            <a:normAutofit fontScale="55000" lnSpcReduction="20000"/>
+            <a:normAutofit/>
           </a:bodyPr>
           <a:lstStyle/>
           <a:p>
@@ -4549,18 +4216,6 @@
               <a:buNone/>
             </a:pPr>
             <a:endParaRPr lang="en-US" dirty="0"/>
-          </a:p>
-          <a:p>
-            <a:r>
-              <a:rPr lang="en-US" sz="3200" dirty="0"/>
-              <a:t>When I first started on this project I was a bit overwhelmed by the number of technologies and processes Mike and David used. To deal with this challenge I strived to automate, simplify and make repeatable Mercury processes.</a:t>
-            </a:r>
-          </a:p>
-          <a:p>
-            <a:r>
-              <a:rPr lang="en-US" sz="3200" dirty="0"/>
-              <a:t>I like to write things down because if I figure out how to do something once, I won’t to have to figure it out again if I forget it.</a:t>
-            </a:r>
           </a:p>
           <a:p>
             <a:endParaRPr lang="en-US" dirty="0"/>
@@ -4616,6 +4271,101 @@
 </p:sld>
 </file>
 
+<file path=ppt/slides/slide2.xml><?xml version="1.0" encoding="utf-8"?>
+<p:sld xmlns:a="http://schemas.openxmlformats.org/drawingml/2006/main" xmlns:r="http://schemas.openxmlformats.org/officeDocument/2006/relationships" xmlns:p="http://schemas.openxmlformats.org/presentationml/2006/main">
+  <p:cSld>
+    <p:spTree>
+      <p:nvGrpSpPr>
+        <p:cNvPr id="1" name=""/>
+        <p:cNvGrpSpPr/>
+        <p:nvPr/>
+      </p:nvGrpSpPr>
+      <p:grpSpPr>
+        <a:xfrm>
+          <a:off x="0" y="0"/>
+          <a:ext cx="0" cy="0"/>
+          <a:chOff x="0" y="0"/>
+          <a:chExt cx="0" cy="0"/>
+        </a:xfrm>
+      </p:grpSpPr>
+      <p:sp>
+        <p:nvSpPr>
+          <p:cNvPr id="2" name="Title 1"/>
+          <p:cNvSpPr>
+            <a:spLocks noGrp="1"/>
+          </p:cNvSpPr>
+          <p:nvPr>
+            <p:ph type="title"/>
+          </p:nvPr>
+        </p:nvSpPr>
+        <p:spPr/>
+        <p:txBody>
+          <a:bodyPr/>
+          <a:lstStyle/>
+          <a:p>
+            <a:r>
+              <a:rPr lang="en-US" dirty="0"/>
+              <a:t>The command line is fun for keyboard junkies.</a:t>
+            </a:r>
+          </a:p>
+        </p:txBody>
+      </p:sp>
+      <p:sp>
+        <p:nvSpPr>
+          <p:cNvPr id="3" name="Content Placeholder 2"/>
+          <p:cNvSpPr>
+            <a:spLocks noGrp="1"/>
+          </p:cNvSpPr>
+          <p:nvPr>
+            <p:ph idx="1"/>
+          </p:nvPr>
+        </p:nvSpPr>
+        <p:spPr/>
+        <p:txBody>
+          <a:bodyPr/>
+          <a:lstStyle/>
+          <a:p>
+            <a:r>
+              <a:rPr lang="en-US" dirty="0"/>
+              <a:t>Add %COMPOSABLE_BATCH_FILES% to you environment variables and path.</a:t>
+            </a:r>
+          </a:p>
+          <a:p>
+            <a:endParaRPr lang="en-US" dirty="0"/>
+          </a:p>
+          <a:p>
+            <a:r>
+              <a:rPr lang="en-US" dirty="0"/>
+              <a:t>To see a list of the primary CBF batch files and their functions, type: 	C:\&gt;m list</a:t>
+            </a:r>
+          </a:p>
+        </p:txBody>
+      </p:sp>
+    </p:spTree>
+    <p:extLst>
+      <p:ext uri="{BB962C8B-B14F-4D97-AF65-F5344CB8AC3E}">
+        <p14:creationId xmlns:p14="http://schemas.microsoft.com/office/powerpoint/2010/main" val="2401593634"/>
+      </p:ext>
+    </p:extLst>
+  </p:cSld>
+  <p:clrMapOvr>
+    <a:masterClrMapping/>
+  </p:clrMapOvr>
+  <mc:AlternateContent xmlns:mc="http://schemas.openxmlformats.org/markup-compatibility/2006" xmlns:p14="http://schemas.microsoft.com/office/powerpoint/2010/main">
+    <mc:Choice Requires="p14">
+      <p:transition spd="med" p14:dur="700">
+        <p:fade/>
+      </p:transition>
+    </mc:Choice>
+    <mc:Fallback xmlns="">
+      <p:transition spd="med">
+        <p:fade/>
+      </p:transition>
+    </mc:Fallback>
+  </mc:AlternateContent>
+</p:sld>
+</file>
+
 <file path=ppt/slides/slide3.xml><?xml version="1.0" encoding="utf-8"?>
 <p:sld xmlns:a="http://schemas.openxmlformats.org/drawingml/2006/main" xmlns:r="http://schemas.openxmlformats.org/officeDocument/2006/relationships" xmlns:p="http://schemas.openxmlformats.org/presentationml/2006/main">
   <p:cSld>
@@ -4649,28 +4399,8 @@
           <a:lstStyle/>
           <a:p>
             <a:r>
-              <a:rPr lang="en-US" dirty="0" err="1"/>
-              <a:t>Git</a:t>
-            </a:r>
-            <a:r>
               <a:rPr lang="en-US" dirty="0"/>
-              <a:t> serious . . . </a:t>
-            </a:r>
-            <a:r>
-              <a:rPr lang="en-US" dirty="0" err="1"/>
-              <a:t>Git</a:t>
-            </a:r>
-            <a:r>
-              <a:rPr lang="en-US" dirty="0"/>
-              <a:t> </a:t>
-            </a:r>
-            <a:r>
-              <a:rPr lang="en-US" dirty="0" err="1"/>
-              <a:t>batch_files</a:t>
-            </a:r>
-            <a:r>
-              <a:rPr lang="en-US" dirty="0"/>
-              <a:t>.</a:t>
+              <a:t>Get help.</a:t>
             </a:r>
           </a:p>
         </p:txBody>
@@ -4692,70 +4422,55 @@
           <a:p>
             <a:r>
               <a:rPr lang="en-US" dirty="0"/>
-              <a:t>Because these scripts can be used on our work machines as well as the servers, I recommend you install the </a:t>
-            </a:r>
-            <a:r>
-              <a:rPr lang="en-US" dirty="0" err="1"/>
-              <a:t>batch_files</a:t>
-            </a:r>
+              <a:t>To see the available functions for a batch file use the “/?” parameter.</a:t>
+            </a:r>
+          </a:p>
+          <a:p>
+            <a:pPr marL="0" indent="0">
+              <a:buNone/>
+            </a:pPr>
             <a:r>
               <a:rPr lang="en-US" dirty="0"/>
-              <a:t> folder at  the commonly used folder across all, viz. </a:t>
+              <a:t>   For example, to get help (run these now):</a:t>
+            </a:r>
+          </a:p>
+          <a:p>
+            <a:pPr marL="0" indent="0">
+              <a:buNone/>
+            </a:pPr>
+            <a:r>
+              <a:rPr lang="en-US" dirty="0"/>
+              <a:t>	c:\&gt;m /?	</a:t>
+            </a:r>
+          </a:p>
+          <a:p>
+            <a:pPr marL="0" indent="0">
+              <a:buNone/>
+            </a:pPr>
+            <a:r>
+              <a:rPr lang="en-US" dirty="0"/>
+              <a:t>	c:\td /?</a:t>
+            </a:r>
+          </a:p>
+          <a:p>
+            <a:pPr marL="0" indent="0">
+              <a:buNone/>
+            </a:pPr>
+            <a:r>
+              <a:rPr lang="en-US" dirty="0"/>
+              <a:t>	c:\&gt;</a:t>
             </a:r>
             <a:r>
               <a:rPr lang="en-US" dirty="0">
                 <a:solidFill>
-                  <a:schemeClr val="accent3">
-                    <a:lumMod val="75000"/>
-                  </a:schemeClr>
+                  <a:srgbClr val="FFC000"/>
                 </a:solidFill>
               </a:rPr>
-              <a:t>c:\mercury</a:t>
+              <a:t>no</a:t>
             </a:r>
             <a:r>
               <a:rPr lang="en-US" dirty="0"/>
-              <a:t>.</a:t>
-            </a:r>
-          </a:p>
-          <a:p>
-            <a:r>
-              <a:rPr lang="en-US" dirty="0"/>
-              <a:t>For example, the command I would use is:</a:t>
-            </a:r>
-          </a:p>
-          <a:p>
-            <a:r>
-              <a:rPr lang="en-US" dirty="0"/>
-              <a:t>C:\mercury&gt;git clone </a:t>
-            </a:r>
-            <a:r>
-              <a:rPr lang="en-US" dirty="0">
-                <a:hlinkClick r:id="rId2"/>
-              </a:rPr>
-              <a:t>https://Jonathan17@bitbucket.org/nesmercuryteam/batch_files.git</a:t>
-            </a:r>
-            <a:r>
-              <a:rPr lang="en-US" dirty="0"/>
-              <a:t> --branch master .\</a:t>
-            </a:r>
-            <a:r>
-              <a:rPr lang="en-US" dirty="0" err="1"/>
-              <a:t>batch_files</a:t>
-            </a:r>
-            <a:endParaRPr lang="en-US" dirty="0"/>
-          </a:p>
-          <a:p>
-            <a:r>
-              <a:rPr lang="en-US" dirty="0"/>
-              <a:t>I know David likes GitGui, so feel free to </a:t>
-            </a:r>
-            <a:r>
-              <a:rPr lang="en-US" dirty="0" err="1"/>
-              <a:t>Git</a:t>
-            </a:r>
-            <a:r>
-              <a:rPr lang="en-US" dirty="0"/>
-              <a:t> it, whatever way works for you.</a:t>
+              <a:t> /?</a:t>
             </a:r>
           </a:p>
         </p:txBody>
@@ -4763,7 +4478,7 @@
     </p:spTree>
     <p:extLst>
       <p:ext uri="{BB962C8B-B14F-4D97-AF65-F5344CB8AC3E}">
-        <p14:creationId xmlns:p14="http://schemas.microsoft.com/office/powerpoint/2010/main" val="356454896"/>
+        <p14:creationId xmlns:p14="http://schemas.microsoft.com/office/powerpoint/2010/main" val="2422939108"/>
       </p:ext>
     </p:extLst>
   </p:cSld>
@@ -4819,7 +4534,7 @@
           <a:p>
             <a:r>
               <a:rPr lang="en-US" dirty="0"/>
-              <a:t>The command line is fun for keyboard junkies.</a:t>
+              <a:t>Some trivial examples to try . . .</a:t>
             </a:r>
           </a:p>
         </p:txBody>
@@ -4836,455 +4551,14 @@
         </p:nvSpPr>
         <p:spPr/>
         <p:txBody>
-          <a:bodyPr/>
-          <a:lstStyle/>
-          <a:p>
-            <a:r>
-              <a:rPr lang="en-US" dirty="0"/>
-              <a:t>From the </a:t>
-            </a:r>
-            <a:r>
-              <a:rPr lang="en-US" dirty="0" err="1"/>
-              <a:t>batch_files</a:t>
-            </a:r>
-            <a:r>
-              <a:rPr lang="en-US" dirty="0"/>
-              <a:t> folder, control drag and drop Mercury </a:t>
-            </a:r>
-            <a:r>
-              <a:rPr lang="en-US" dirty="0" err="1"/>
-              <a:t>Helper.lnk</a:t>
-            </a:r>
-            <a:r>
-              <a:rPr lang="en-US" dirty="0"/>
-              <a:t> to your desktop.</a:t>
-            </a:r>
-          </a:p>
-          <a:p>
-            <a:r>
-              <a:rPr lang="en-US" dirty="0"/>
-              <a:t>To see a list of the primary Mercury Helper batch files and their functions, type: 	C:\&gt;m list</a:t>
-            </a:r>
-          </a:p>
-          <a:p>
-            <a:endParaRPr lang="en-US" dirty="0"/>
-          </a:p>
-        </p:txBody>
-      </p:sp>
-      <p:pic>
-        <p:nvPicPr>
-          <p:cNvPr id="5" name="Picture 4"/>
-          <p:cNvPicPr>
-            <a:picLocks noChangeAspect="1"/>
-          </p:cNvPicPr>
-          <p:nvPr/>
-        </p:nvPicPr>
-        <p:blipFill>
-          <a:blip r:embed="rId2"/>
-          <a:stretch>
-            <a:fillRect/>
-          </a:stretch>
-        </p:blipFill>
-        <p:spPr>
-          <a:xfrm>
-            <a:off x="2802095" y="3571692"/>
-            <a:ext cx="5133975" cy="2314575"/>
-          </a:xfrm>
-          <a:prstGeom prst="rect">
-            <a:avLst/>
-          </a:prstGeom>
-        </p:spPr>
-      </p:pic>
-    </p:spTree>
-    <p:extLst>
-      <p:ext uri="{BB962C8B-B14F-4D97-AF65-F5344CB8AC3E}">
-        <p14:creationId xmlns:p14="http://schemas.microsoft.com/office/powerpoint/2010/main" val="2401593634"/>
-      </p:ext>
-    </p:extLst>
-  </p:cSld>
-  <p:clrMapOvr>
-    <a:masterClrMapping/>
-  </p:clrMapOvr>
-  <mc:AlternateContent xmlns:mc="http://schemas.openxmlformats.org/markup-compatibility/2006" xmlns:p14="http://schemas.microsoft.com/office/powerpoint/2010/main">
-    <mc:Choice Requires="p14">
-      <p:transition spd="med" p14:dur="700">
-        <p:fade/>
-      </p:transition>
-    </mc:Choice>
-    <mc:Fallback xmlns="">
-      <p:transition spd="med">
-        <p:fade/>
-      </p:transition>
-    </mc:Fallback>
-  </mc:AlternateContent>
-</p:sld>
-</file>
-
-<file path=ppt/slides/slide5.xml><?xml version="1.0" encoding="utf-8"?>
-<p:sld xmlns:a="http://schemas.openxmlformats.org/drawingml/2006/main" xmlns:r="http://schemas.openxmlformats.org/officeDocument/2006/relationships" xmlns:p="http://schemas.openxmlformats.org/presentationml/2006/main">
-  <p:cSld>
-    <p:spTree>
-      <p:nvGrpSpPr>
-        <p:cNvPr id="1" name=""/>
-        <p:cNvGrpSpPr/>
-        <p:nvPr/>
-      </p:nvGrpSpPr>
-      <p:grpSpPr>
-        <a:xfrm>
-          <a:off x="0" y="0"/>
-          <a:ext cx="0" cy="0"/>
-          <a:chOff x="0" y="0"/>
-          <a:chExt cx="0" cy="0"/>
-        </a:xfrm>
-      </p:grpSpPr>
-      <p:sp>
-        <p:nvSpPr>
-          <p:cNvPr id="2" name="Title 1"/>
-          <p:cNvSpPr>
-            <a:spLocks noGrp="1"/>
-          </p:cNvSpPr>
-          <p:nvPr>
-            <p:ph type="title"/>
-          </p:nvPr>
-        </p:nvSpPr>
-        <p:spPr/>
-        <p:txBody>
-          <a:bodyPr/>
-          <a:lstStyle/>
-          <a:p>
-            <a:r>
-              <a:rPr lang="en-US" dirty="0"/>
-              <a:t>Get help.</a:t>
-            </a:r>
-          </a:p>
-        </p:txBody>
-      </p:sp>
-      <p:sp>
-        <p:nvSpPr>
-          <p:cNvPr id="3" name="Content Placeholder 2"/>
-          <p:cNvSpPr>
-            <a:spLocks noGrp="1"/>
-          </p:cNvSpPr>
-          <p:nvPr>
-            <p:ph idx="1"/>
-          </p:nvPr>
-        </p:nvSpPr>
-        <p:spPr/>
-        <p:txBody>
-          <a:bodyPr/>
-          <a:lstStyle/>
-          <a:p>
-            <a:r>
-              <a:rPr lang="en-US" dirty="0"/>
-              <a:t>To see the available functions for a batch file use the “/?” parameter.</a:t>
-            </a:r>
-          </a:p>
-          <a:p>
-            <a:pPr marL="0" indent="0">
-              <a:buNone/>
-            </a:pPr>
-            <a:r>
-              <a:rPr lang="en-US" dirty="0"/>
-              <a:t>   For example, to get help (run these now):</a:t>
-            </a:r>
-          </a:p>
-          <a:p>
-            <a:pPr marL="0" indent="0">
-              <a:buNone/>
-            </a:pPr>
-            <a:r>
-              <a:rPr lang="en-US" dirty="0"/>
-              <a:t>	c:\&gt;m /?	</a:t>
-            </a:r>
-          </a:p>
-          <a:p>
-            <a:pPr marL="0" indent="0">
-              <a:buNone/>
-            </a:pPr>
-            <a:r>
-              <a:rPr lang="en-US" dirty="0"/>
-              <a:t>	c:\td /?</a:t>
-            </a:r>
-          </a:p>
-          <a:p>
-            <a:pPr marL="0" indent="0">
-              <a:buNone/>
-            </a:pPr>
-            <a:r>
-              <a:rPr lang="en-US" dirty="0"/>
-              <a:t>	c:\&gt;</a:t>
-            </a:r>
-            <a:r>
-              <a:rPr lang="en-US" dirty="0">
-                <a:solidFill>
-                  <a:srgbClr val="FFC000"/>
-                </a:solidFill>
-              </a:rPr>
-              <a:t>no</a:t>
-            </a:r>
-            <a:r>
-              <a:rPr lang="en-US" dirty="0"/>
-              <a:t> /?</a:t>
-            </a:r>
-          </a:p>
-          <a:p>
-            <a:r>
-              <a:rPr lang="en-US" dirty="0"/>
-              <a:t>I believe good software should usually be predictable. Given that what would you say the command is to use Notepad to edit in the server </a:t>
-            </a:r>
-            <a:r>
-              <a:rPr lang="en-US" sz="3200" dirty="0">
-                <a:solidFill>
-                  <a:srgbClr val="FFC000"/>
-                </a:solidFill>
-              </a:rPr>
-              <a:t>log</a:t>
-            </a:r>
-            <a:r>
-              <a:rPr lang="en-US" dirty="0"/>
-              <a:t> file? . . .? . . .? Guesses?</a:t>
-            </a:r>
-          </a:p>
-        </p:txBody>
-      </p:sp>
-    </p:spTree>
-    <p:extLst>
-      <p:ext uri="{BB962C8B-B14F-4D97-AF65-F5344CB8AC3E}">
-        <p14:creationId xmlns:p14="http://schemas.microsoft.com/office/powerpoint/2010/main" val="2422939108"/>
-      </p:ext>
-    </p:extLst>
-  </p:cSld>
-  <p:clrMapOvr>
-    <a:masterClrMapping/>
-  </p:clrMapOvr>
-  <mc:AlternateContent xmlns:mc="http://schemas.openxmlformats.org/markup-compatibility/2006" xmlns:p14="http://schemas.microsoft.com/office/powerpoint/2010/main">
-    <mc:Choice Requires="p14">
-      <p:transition spd="med" p14:dur="700">
-        <p:fade/>
-      </p:transition>
-    </mc:Choice>
-    <mc:Fallback xmlns="">
-      <p:transition spd="med">
-        <p:fade/>
-      </p:transition>
-    </mc:Fallback>
-  </mc:AlternateContent>
-</p:sld>
-</file>
-
-<file path=ppt/slides/slide6.xml><?xml version="1.0" encoding="utf-8"?>
-<p:sld xmlns:a="http://schemas.openxmlformats.org/drawingml/2006/main" xmlns:r="http://schemas.openxmlformats.org/officeDocument/2006/relationships" xmlns:p="http://schemas.openxmlformats.org/presentationml/2006/main">
-  <p:cSld>
-    <p:spTree>
-      <p:nvGrpSpPr>
-        <p:cNvPr id="1" name=""/>
-        <p:cNvGrpSpPr/>
-        <p:nvPr/>
-      </p:nvGrpSpPr>
-      <p:grpSpPr>
-        <a:xfrm>
-          <a:off x="0" y="0"/>
-          <a:ext cx="0" cy="0"/>
-          <a:chOff x="0" y="0"/>
-          <a:chExt cx="0" cy="0"/>
-        </a:xfrm>
-      </p:grpSpPr>
-      <p:sp>
-        <p:nvSpPr>
-          <p:cNvPr id="2" name="Title 1"/>
-          <p:cNvSpPr>
-            <a:spLocks noGrp="1"/>
-          </p:cNvSpPr>
-          <p:nvPr>
-            <p:ph type="title"/>
-          </p:nvPr>
-        </p:nvSpPr>
-        <p:spPr/>
-        <p:txBody>
-          <a:bodyPr/>
-          <a:lstStyle/>
-          <a:p>
-            <a:r>
-              <a:rPr lang="en-US" dirty="0"/>
-              <a:t>The answer is:</a:t>
-            </a:r>
-          </a:p>
-        </p:txBody>
-      </p:sp>
-      <p:sp>
-        <p:nvSpPr>
-          <p:cNvPr id="3" name="Content Placeholder 2"/>
-          <p:cNvSpPr>
-            <a:spLocks noGrp="1"/>
-          </p:cNvSpPr>
-          <p:nvPr>
-            <p:ph idx="1"/>
-          </p:nvPr>
-        </p:nvSpPr>
-        <p:spPr/>
-        <p:txBody>
-          <a:bodyPr/>
-          <a:lstStyle/>
-          <a:p>
-            <a:r>
-              <a:rPr lang="en-US" dirty="0"/>
-              <a:t>C:\&gt;</a:t>
-            </a:r>
-            <a:r>
-              <a:rPr lang="en-US" dirty="0">
-                <a:solidFill>
-                  <a:srgbClr val="FFC000"/>
-                </a:solidFill>
-              </a:rPr>
-              <a:t>no log</a:t>
-            </a:r>
-          </a:p>
-          <a:p>
-            <a:r>
-              <a:rPr lang="en-US" dirty="0">
-                <a:solidFill>
-                  <a:srgbClr val="FFC000"/>
-                </a:solidFill>
-              </a:rPr>
-              <a:t>However, user-defined aliases can be used so a single operation could have any number of aliases. Search on the log tag in the no.bat file for some examples.</a:t>
-            </a:r>
-          </a:p>
-          <a:p>
-            <a:r>
-              <a:rPr lang="pt-BR" dirty="0">
-                <a:solidFill>
-                  <a:srgbClr val="FFC000"/>
-                </a:solidFill>
-              </a:rPr>
-              <a:t>All of these do the same as c:\&gt;no log:</a:t>
-            </a:r>
-          </a:p>
-          <a:p>
-            <a:pPr marL="0" indent="0">
-              <a:buNone/>
-            </a:pPr>
-            <a:r>
-              <a:rPr lang="pt-BR" sz="2000" dirty="0">
-                <a:solidFill>
-                  <a:srgbClr val="FFC000"/>
-                </a:solidFill>
-              </a:rPr>
-              <a:t>c:\&gt;no l, c:\&gt;no lo, c:\&gt;no log, c:\&gt;no serve, c:\&gt;no server, </a:t>
-            </a:r>
-          </a:p>
-          <a:p>
-            <a:pPr marL="0" indent="0">
-              <a:buNone/>
-            </a:pPr>
-            <a:r>
-              <a:rPr lang="pt-BR" sz="2000" dirty="0">
-                <a:solidFill>
-                  <a:srgbClr val="FFC000"/>
-                </a:solidFill>
-              </a:rPr>
-              <a:t>c:\&gt;no server.log, c:\&gt;no serverlog, c:\&gt;no server_log, c:\&gt;no slog</a:t>
-            </a:r>
-          </a:p>
-          <a:p>
-            <a:endParaRPr lang="pt-BR" dirty="0">
-              <a:solidFill>
-                <a:srgbClr val="FFC000"/>
-              </a:solidFill>
-            </a:endParaRPr>
-          </a:p>
-          <a:p>
-            <a:endParaRPr lang="en-US" dirty="0">
-              <a:solidFill>
-                <a:srgbClr val="FFC000"/>
-              </a:solidFill>
-            </a:endParaRPr>
-          </a:p>
-        </p:txBody>
-      </p:sp>
-    </p:spTree>
-    <p:extLst>
-      <p:ext uri="{BB962C8B-B14F-4D97-AF65-F5344CB8AC3E}">
-        <p14:creationId xmlns:p14="http://schemas.microsoft.com/office/powerpoint/2010/main" val="2686982131"/>
-      </p:ext>
-    </p:extLst>
-  </p:cSld>
-  <p:clrMapOvr>
-    <a:masterClrMapping/>
-  </p:clrMapOvr>
-  <mc:AlternateContent xmlns:mc="http://schemas.openxmlformats.org/markup-compatibility/2006" xmlns:p14="http://schemas.microsoft.com/office/powerpoint/2010/main">
-    <mc:Choice Requires="p14">
-      <p:transition spd="med" p14:dur="700">
-        <p:fade/>
-      </p:transition>
-    </mc:Choice>
-    <mc:Fallback xmlns="">
-      <p:transition spd="med">
-        <p:fade/>
-      </p:transition>
-    </mc:Fallback>
-  </mc:AlternateContent>
-</p:sld>
-</file>
-
-<file path=ppt/slides/slide7.xml><?xml version="1.0" encoding="utf-8"?>
-<p:sld xmlns:a="http://schemas.openxmlformats.org/drawingml/2006/main" xmlns:r="http://schemas.openxmlformats.org/officeDocument/2006/relationships" xmlns:p="http://schemas.openxmlformats.org/presentationml/2006/main">
-  <p:cSld>
-    <p:spTree>
-      <p:nvGrpSpPr>
-        <p:cNvPr id="1" name=""/>
-        <p:cNvGrpSpPr/>
-        <p:nvPr/>
-      </p:nvGrpSpPr>
-      <p:grpSpPr>
-        <a:xfrm>
-          <a:off x="0" y="0"/>
-          <a:ext cx="0" cy="0"/>
-          <a:chOff x="0" y="0"/>
-          <a:chExt cx="0" cy="0"/>
-        </a:xfrm>
-      </p:grpSpPr>
-      <p:sp>
-        <p:nvSpPr>
-          <p:cNvPr id="2" name="Title 1"/>
-          <p:cNvSpPr>
-            <a:spLocks noGrp="1"/>
-          </p:cNvSpPr>
-          <p:nvPr>
-            <p:ph type="title"/>
-          </p:nvPr>
-        </p:nvSpPr>
-        <p:spPr/>
-        <p:txBody>
-          <a:bodyPr/>
-          <a:lstStyle/>
-          <a:p>
-            <a:r>
-              <a:rPr lang="en-US" dirty="0"/>
-              <a:t>Some trivial examples to try . . .</a:t>
-            </a:r>
-          </a:p>
-        </p:txBody>
-      </p:sp>
-      <p:sp>
-        <p:nvSpPr>
-          <p:cNvPr id="3" name="Content Placeholder 2"/>
-          <p:cNvSpPr>
-            <a:spLocks noGrp="1"/>
-          </p:cNvSpPr>
-          <p:nvPr>
-            <p:ph idx="1"/>
-          </p:nvPr>
-        </p:nvSpPr>
-        <p:spPr/>
-        <p:txBody>
           <a:bodyPr>
-            <a:normAutofit fontScale="92500" lnSpcReduction="10000"/>
+            <a:normAutofit/>
           </a:bodyPr>
           <a:lstStyle/>
           <a:p>
             <a:r>
               <a:rPr lang="en-US" dirty="0"/>
-              <a:t>C:\&gt;td projects	Navigates to the projects directory in DOS.</a:t>
+              <a:t>C:\&gt;td temp		Navigates to the user’s temp directory in DOS.</a:t>
             </a:r>
           </a:p>
           <a:p>
@@ -5302,43 +4576,7 @@
           <a:p>
             <a:r>
               <a:rPr lang="en-US" dirty="0"/>
-              <a:t>C:\&gt;m </a:t>
-            </a:r>
-            <a:r>
-              <a:rPr lang="en-US" dirty="0" err="1"/>
-              <a:t>gen_ver</a:t>
-            </a:r>
-            <a:r>
-              <a:rPr lang="en-US" dirty="0"/>
-              <a:t> 	Generate a new Mercury Version Number</a:t>
-            </a:r>
-          </a:p>
-          <a:p>
-            <a:r>
-              <a:rPr lang="en-US" dirty="0"/>
-              <a:t>C:\&gt;no </a:t>
-            </a:r>
-            <a:r>
-              <a:rPr lang="en-US" dirty="0" err="1"/>
-              <a:t>sw</a:t>
-            </a:r>
-            <a:r>
-              <a:rPr lang="en-US" dirty="0"/>
-              <a:t>            	Opens the SystemWidget.js in Notepad.</a:t>
-            </a:r>
-          </a:p>
-          <a:p>
-            <a:r>
-              <a:rPr lang="en-US" dirty="0"/>
-              <a:t>C:\&gt;g </a:t>
-            </a:r>
-            <a:r>
-              <a:rPr lang="en-US" dirty="0" err="1"/>
-              <a:t>ss</a:t>
-            </a:r>
-            <a:r>
-              <a:rPr lang="en-US" dirty="0"/>
-              <a:t>		Show </a:t>
+              <a:t>C:\&gt;g s		Show </a:t>
             </a:r>
             <a:r>
               <a:rPr lang="en-US" dirty="0" err="1"/>
@@ -5346,16 +4584,7 @@
             </a:r>
             <a:r>
               <a:rPr lang="en-US" dirty="0"/>
-              <a:t> status for all 3 repositories INCLUDES</a:t>
-            </a:r>
-          </a:p>
-          <a:p>
-            <a:pPr marL="0" indent="0">
-              <a:buNone/>
-            </a:pPr>
-            <a:r>
-              <a:rPr lang="en-US" dirty="0"/>
-              <a:t>			online repository status comparison. I use this a lot.</a:t>
+              <a:t> status for current folder repositories 			INCLUDES online repository status comparison. I use this a lot.</a:t>
             </a:r>
           </a:p>
           <a:p>
@@ -5421,155 +4650,7 @@
 </p:sld>
 </file>
 
-<file path=ppt/slides/slide8.xml><?xml version="1.0" encoding="utf-8"?>
-<p:sld xmlns:a="http://schemas.openxmlformats.org/drawingml/2006/main" xmlns:r="http://schemas.openxmlformats.org/officeDocument/2006/relationships" xmlns:p="http://schemas.openxmlformats.org/presentationml/2006/main">
-  <p:cSld>
-    <p:spTree>
-      <p:nvGrpSpPr>
-        <p:cNvPr id="1" name=""/>
-        <p:cNvGrpSpPr/>
-        <p:nvPr/>
-      </p:nvGrpSpPr>
-      <p:grpSpPr>
-        <a:xfrm>
-          <a:off x="0" y="0"/>
-          <a:ext cx="0" cy="0"/>
-          <a:chOff x="0" y="0"/>
-          <a:chExt cx="0" cy="0"/>
-        </a:xfrm>
-      </p:grpSpPr>
-      <p:sp>
-        <p:nvSpPr>
-          <p:cNvPr id="2" name="Title 1"/>
-          <p:cNvSpPr>
-            <a:spLocks noGrp="1"/>
-          </p:cNvSpPr>
-          <p:nvPr>
-            <p:ph type="title"/>
-          </p:nvPr>
-        </p:nvSpPr>
-        <p:spPr/>
-        <p:txBody>
-          <a:bodyPr/>
-          <a:lstStyle/>
-          <a:p>
-            <a:r>
-              <a:rPr lang="en-US" dirty="0"/>
-              <a:t>Some nontrivial examples to know about . . .</a:t>
-            </a:r>
-          </a:p>
-        </p:txBody>
-      </p:sp>
-      <p:sp>
-        <p:nvSpPr>
-          <p:cNvPr id="3" name="Content Placeholder 2"/>
-          <p:cNvSpPr>
-            <a:spLocks noGrp="1"/>
-          </p:cNvSpPr>
-          <p:nvPr>
-            <p:ph idx="1"/>
-          </p:nvPr>
-        </p:nvSpPr>
-        <p:spPr/>
-        <p:txBody>
-          <a:bodyPr/>
-          <a:lstStyle/>
-          <a:p>
-            <a:r>
-              <a:rPr lang="en-US" dirty="0"/>
-              <a:t>C:\&gt;m wiz/</a:t>
-            </a:r>
-            <a:r>
-              <a:rPr lang="en-US" dirty="0" err="1"/>
-              <a:t>wizp</a:t>
-            </a:r>
-            <a:r>
-              <a:rPr lang="en-US" dirty="0"/>
-              <a:t>	17 step script that builds a dev/prod WAR file.</a:t>
-            </a:r>
-          </a:p>
-          <a:p>
-            <a:r>
-              <a:rPr lang="en-US" dirty="0"/>
-              <a:t>C:\&gt;m f5		Compile and refresh Ext JS code. Thanks to David for 			lots of help with this one.</a:t>
-            </a:r>
-          </a:p>
-          <a:p>
-            <a:r>
-              <a:rPr lang="en-US" dirty="0"/>
-              <a:t>C:\&gt;m </a:t>
-            </a:r>
-            <a:r>
-              <a:rPr lang="en-US" dirty="0" err="1"/>
-              <a:t>back_up</a:t>
-            </a:r>
-            <a:r>
-              <a:rPr lang="en-US" dirty="0"/>
-              <a:t>	Perform database backup.</a:t>
-            </a:r>
-          </a:p>
-          <a:p>
-            <a:r>
-              <a:rPr lang="en-US" dirty="0"/>
-              <a:t>C:\&gt;m </a:t>
-            </a:r>
-            <a:r>
-              <a:rPr lang="en-US" dirty="0" err="1"/>
-              <a:t>ldap</a:t>
-            </a:r>
-            <a:r>
-              <a:rPr lang="en-US" dirty="0"/>
-              <a:t> 		Start LDAP control panel.</a:t>
-            </a:r>
-          </a:p>
-          <a:p>
-            <a:r>
-              <a:rPr lang="en-US" dirty="0"/>
-              <a:t>C:\&gt;m </a:t>
-            </a:r>
-            <a:r>
-              <a:rPr lang="en-US" dirty="0" err="1"/>
-              <a:t>sql</a:t>
-            </a:r>
-            <a:r>
-              <a:rPr lang="en-US" dirty="0"/>
-              <a:t>  		Connect to MySQL monitor.</a:t>
-            </a:r>
-          </a:p>
-          <a:p>
-            <a:r>
-              <a:rPr lang="en-US" dirty="0"/>
-              <a:t>C:\&gt;of heatmap	Open heatmap image generation location on server.</a:t>
-            </a:r>
-          </a:p>
-        </p:txBody>
-      </p:sp>
-    </p:spTree>
-    <p:extLst>
-      <p:ext uri="{BB962C8B-B14F-4D97-AF65-F5344CB8AC3E}">
-        <p14:creationId xmlns:p14="http://schemas.microsoft.com/office/powerpoint/2010/main" val="3170400686"/>
-      </p:ext>
-    </p:extLst>
-  </p:cSld>
-  <p:clrMapOvr>
-    <a:masterClrMapping/>
-  </p:clrMapOvr>
-  <mc:AlternateContent xmlns:mc="http://schemas.openxmlformats.org/markup-compatibility/2006" xmlns:p14="http://schemas.microsoft.com/office/powerpoint/2010/main">
-    <mc:Choice Requires="p14">
-      <p:transition spd="med" p14:dur="700">
-        <p:fade/>
-      </p:transition>
-    </mc:Choice>
-    <mc:Fallback xmlns="">
-      <p:transition spd="med">
-        <p:fade/>
-      </p:transition>
-    </mc:Fallback>
-  </mc:AlternateContent>
-</p:sld>
-</file>
-
-<file path=ppt/slides/slide9.xml><?xml version="1.0" encoding="utf-8"?>
+<file path=ppt/slides/slide5.xml><?xml version="1.0" encoding="utf-8"?>
 <p:sld xmlns:a="http://schemas.openxmlformats.org/drawingml/2006/main" xmlns:r="http://schemas.openxmlformats.org/officeDocument/2006/relationships" xmlns:p="http://schemas.openxmlformats.org/presentationml/2006/main">
   <p:cSld>
     <p:spTree>
@@ -5775,6 +4856,163 @@
     <p:extLst>
       <p:ext uri="{BB962C8B-B14F-4D97-AF65-F5344CB8AC3E}">
         <p14:creationId xmlns:p14="http://schemas.microsoft.com/office/powerpoint/2010/main" val="2017820587"/>
+      </p:ext>
+    </p:extLst>
+  </p:cSld>
+  <p:clrMapOvr>
+    <a:masterClrMapping/>
+  </p:clrMapOvr>
+  <mc:AlternateContent xmlns:mc="http://schemas.openxmlformats.org/markup-compatibility/2006" xmlns:p14="http://schemas.microsoft.com/office/powerpoint/2010/main">
+    <mc:Choice Requires="p14">
+      <p:transition spd="med" p14:dur="700">
+        <p:fade/>
+      </p:transition>
+    </mc:Choice>
+    <mc:Fallback xmlns="">
+      <p:transition spd="med">
+        <p:fade/>
+      </p:transition>
+    </mc:Fallback>
+  </mc:AlternateContent>
+</p:sld>
+</file>
+
+<file path=ppt/slides/slide6.xml><?xml version="1.0" encoding="utf-8"?>
+<p:sld xmlns:a="http://schemas.openxmlformats.org/drawingml/2006/main" xmlns:r="http://schemas.openxmlformats.org/officeDocument/2006/relationships" xmlns:p="http://schemas.openxmlformats.org/presentationml/2006/main">
+  <p:cSld>
+    <p:spTree>
+      <p:nvGrpSpPr>
+        <p:cNvPr id="1" name=""/>
+        <p:cNvGrpSpPr/>
+        <p:nvPr/>
+      </p:nvGrpSpPr>
+      <p:grpSpPr>
+        <a:xfrm>
+          <a:off x="0" y="0"/>
+          <a:ext cx="0" cy="0"/>
+          <a:chOff x="0" y="0"/>
+          <a:chExt cx="0" cy="0"/>
+        </a:xfrm>
+      </p:grpSpPr>
+      <p:sp>
+        <p:nvSpPr>
+          <p:cNvPr id="2" name="Title 1"/>
+          <p:cNvSpPr>
+            <a:spLocks noGrp="1"/>
+          </p:cNvSpPr>
+          <p:nvPr>
+            <p:ph type="title"/>
+          </p:nvPr>
+        </p:nvSpPr>
+        <p:spPr/>
+        <p:txBody>
+          <a:bodyPr/>
+          <a:lstStyle/>
+          <a:p>
+            <a:r>
+              <a:rPr lang="en-US" dirty="0"/>
+              <a:t>Scalable Self-Documenting Scripting</a:t>
+            </a:r>
+          </a:p>
+        </p:txBody>
+      </p:sp>
+      <p:sp>
+        <p:nvSpPr>
+          <p:cNvPr id="3" name="Content Placeholder 2"/>
+          <p:cNvSpPr>
+            <a:spLocks noGrp="1"/>
+          </p:cNvSpPr>
+          <p:nvPr>
+            <p:ph idx="1"/>
+          </p:nvPr>
+        </p:nvSpPr>
+        <p:spPr/>
+        <p:txBody>
+          <a:bodyPr>
+            <a:normAutofit/>
+          </a:bodyPr>
+          <a:lstStyle/>
+          <a:p>
+            <a:r>
+              <a:rPr lang="en-US" dirty="0"/>
+              <a:t>A cool thing about this architecture is that it is scalable in the sense that if you want some new script feature all you need to do is add a unique label and a code block and you are up and running.</a:t>
+            </a:r>
+          </a:p>
+        </p:txBody>
+      </p:sp>
+    </p:spTree>
+    <p:extLst>
+      <p:ext uri="{BB962C8B-B14F-4D97-AF65-F5344CB8AC3E}">
+        <p14:creationId xmlns:p14="http://schemas.microsoft.com/office/powerpoint/2010/main" val="3503943722"/>
+      </p:ext>
+    </p:extLst>
+  </p:cSld>
+  <p:clrMapOvr>
+    <a:masterClrMapping/>
+  </p:clrMapOvr>
+  <mc:AlternateContent xmlns:mc="http://schemas.openxmlformats.org/markup-compatibility/2006" xmlns:p14="http://schemas.microsoft.com/office/powerpoint/2010/main">
+    <mc:Choice Requires="p14">
+      <p:transition spd="med" p14:dur="700">
+        <p:fade/>
+      </p:transition>
+    </mc:Choice>
+    <mc:Fallback xmlns="">
+      <p:transition spd="med">
+        <p:fade/>
+      </p:transition>
+    </mc:Fallback>
+  </mc:AlternateContent>
+</p:sld>
+</file>
+
+<file path=ppt/slides/slide7.xml><?xml version="1.0" encoding="utf-8"?>
+<p:sld xmlns:a="http://schemas.openxmlformats.org/drawingml/2006/main" xmlns:r="http://schemas.openxmlformats.org/officeDocument/2006/relationships" xmlns:p="http://schemas.openxmlformats.org/presentationml/2006/main">
+  <p:cSld>
+    <p:spTree>
+      <p:nvGrpSpPr>
+        <p:cNvPr id="1" name=""/>
+        <p:cNvGrpSpPr/>
+        <p:nvPr/>
+      </p:nvGrpSpPr>
+      <p:grpSpPr>
+        <a:xfrm>
+          <a:off x="0" y="0"/>
+          <a:ext cx="0" cy="0"/>
+          <a:chOff x="0" y="0"/>
+          <a:chExt cx="0" cy="0"/>
+        </a:xfrm>
+      </p:grpSpPr>
+      <p:sp>
+        <p:nvSpPr>
+          <p:cNvPr id="2" name="Title 1"/>
+          <p:cNvSpPr>
+            <a:spLocks noGrp="1"/>
+          </p:cNvSpPr>
+          <p:nvPr>
+            <p:ph type="title"/>
+          </p:nvPr>
+        </p:nvSpPr>
+        <p:spPr>
+          <a:xfrm>
+            <a:off x="4970585" y="165100"/>
+            <a:ext cx="3401889" cy="1097280"/>
+          </a:xfrm>
+        </p:spPr>
+        <p:txBody>
+          <a:bodyPr/>
+          <a:lstStyle/>
+          <a:p>
+            <a:r>
+              <a:rPr lang="en-US" dirty="0"/>
+              <a:t>The End</a:t>
+            </a:r>
+          </a:p>
+        </p:txBody>
+      </p:sp>
+    </p:spTree>
+    <p:extLst>
+      <p:ext uri="{BB962C8B-B14F-4D97-AF65-F5344CB8AC3E}">
+        <p14:creationId xmlns:p14="http://schemas.microsoft.com/office/powerpoint/2010/main" val="2235719706"/>
       </p:ext>
     </p:extLst>
   </p:cSld>

--- a/Composable Batch File Helper.pptx
+++ b/Composable Batch File Helper.pptx
@@ -138,10 +138,6 @@
 </p:presentation>
 </file>
 
-<file path=ppt/revisionInfo.xml><?xml version="1.0" encoding="utf-8"?>
-<p1510:revInfo xmlns:a="http://schemas.openxmlformats.org/drawingml/2006/main" xmlns:r="http://schemas.openxmlformats.org/officeDocument/2006/relationships" xmlns:p1510="http://schemas.microsoft.com/office/powerpoint/2015/10/main"/>
-</file>
-
 <file path=ppt/handoutMasters/handoutMaster1.xml><?xml version="1.0" encoding="utf-8"?>
 <p:handoutMaster xmlns:a="http://schemas.openxmlformats.org/drawingml/2006/main" xmlns:r="http://schemas.openxmlformats.org/officeDocument/2006/relationships" xmlns:p="http://schemas.openxmlformats.org/presentationml/2006/main">
   <p:cSld>
@@ -224,7 +220,7 @@
           <a:p>
             <a:fld id="{34475077-A074-4E8C-B45E-964494945228}" type="datetimeFigureOut">
               <a:rPr lang="en-US"/>
-              <a:t>1/23/2018</a:t>
+              <a:t>6/12/2018</a:t>
             </a:fld>
             <a:endParaRPr/>
           </a:p>
@@ -389,7 +385,7 @@
           <a:p>
             <a:fld id="{6A2B48A4-4B96-49F4-8C25-4C9D06114B2C}" type="datetimeFigureOut">
               <a:rPr lang="en-US"/>
-              <a:t>1/23/2018</a:t>
+              <a:t>6/12/2018</a:t>
             </a:fld>
             <a:endParaRPr/>
           </a:p>
@@ -1020,7 +1016,7 @@
           <a:p>
             <a:fld id="{0402902D-A5F5-4D7D-AAA7-32469BA0BC4D}" type="datetimeFigureOut">
               <a:rPr lang="en-US"/>
-              <a:t>1/23/2018</a:t>
+              <a:t>6/12/2018</a:t>
             </a:fld>
             <a:endParaRPr/>
           </a:p>
@@ -1291,7 +1287,7 @@
           <a:p>
             <a:fld id="{0402902D-A5F5-4D7D-AAA7-32469BA0BC4D}" type="datetimeFigureOut">
               <a:rPr lang="en-US"/>
-              <a:t>1/23/2018</a:t>
+              <a:t>6/12/2018</a:t>
             </a:fld>
             <a:endParaRPr/>
           </a:p>
@@ -1473,7 +1469,7 @@
           <a:p>
             <a:fld id="{0402902D-A5F5-4D7D-AAA7-32469BA0BC4D}" type="datetimeFigureOut">
               <a:rPr lang="en-US"/>
-              <a:t>1/23/2018</a:t>
+              <a:t>6/12/2018</a:t>
             </a:fld>
             <a:endParaRPr/>
           </a:p>
@@ -2060,7 +2056,7 @@
           <a:p>
             <a:fld id="{0402902D-A5F5-4D7D-AAA7-32469BA0BC4D}" type="datetimeFigureOut">
               <a:rPr lang="en-US"/>
-              <a:t>1/23/2018</a:t>
+              <a:t>6/12/2018</a:t>
             </a:fld>
             <a:endParaRPr/>
           </a:p>
@@ -2508,7 +2504,7 @@
           <a:p>
             <a:fld id="{0402902D-A5F5-4D7D-AAA7-32469BA0BC4D}" type="datetimeFigureOut">
               <a:rPr lang="en-US"/>
-              <a:t>1/23/2018</a:t>
+              <a:t>6/12/2018</a:t>
             </a:fld>
             <a:endParaRPr/>
           </a:p>
@@ -2638,7 +2634,7 @@
           <a:p>
             <a:fld id="{0402902D-A5F5-4D7D-AAA7-32469BA0BC4D}" type="datetimeFigureOut">
               <a:rPr lang="en-US"/>
-              <a:t>1/23/2018</a:t>
+              <a:t>6/12/2018</a:t>
             </a:fld>
             <a:endParaRPr/>
           </a:p>
@@ -2745,7 +2741,7 @@
           <a:p>
             <a:fld id="{0402902D-A5F5-4D7D-AAA7-32469BA0BC4D}" type="datetimeFigureOut">
               <a:rPr lang="en-US"/>
-              <a:t>1/23/2018</a:t>
+              <a:t>6/12/2018</a:t>
             </a:fld>
             <a:endParaRPr/>
           </a:p>
@@ -3680,7 +3676,7 @@
             <a:fld id="{0402902D-A5F5-4D7D-AAA7-32469BA0BC4D}" type="datetimeFigureOut">
               <a:rPr lang="en-US"/>
               <a:pPr/>
-              <a:t>1/23/2018</a:t>
+              <a:t>6/12/2018</a:t>
             </a:fld>
             <a:endParaRPr/>
           </a:p>
@@ -4336,7 +4332,7 @@
           <a:p>
             <a:r>
               <a:rPr lang="en-US" dirty="0"/>
-              <a:t>To see a list of the primary CBF batch files and their functions, type: 	C:\&gt;m list</a:t>
+              <a:t>To see a list of the primary CBF batch files and their functions, type: 	C:\&gt;cbf or m list</a:t>
             </a:r>
           </a:p>
         </p:txBody>
@@ -5009,6 +5005,42 @@
           </a:p>
         </p:txBody>
       </p:sp>
+      <p:pic>
+        <p:nvPicPr>
+          <p:cNvPr id="4" name="Picture 3">
+            <a:extLst>
+              <a:ext uri="{FF2B5EF4-FFF2-40B4-BE49-F238E27FC236}">
+                <a16:creationId xmlns:a16="http://schemas.microsoft.com/office/drawing/2014/main" id="{757258D2-F6D3-4944-A775-62D2B1E75C46}"/>
+              </a:ext>
+            </a:extLst>
+          </p:cNvPr>
+          <p:cNvPicPr>
+            <a:picLocks noChangeAspect="1"/>
+          </p:cNvPicPr>
+          <p:nvPr/>
+        </p:nvPicPr>
+        <p:blipFill>
+          <a:blip r:embed="rId2">
+            <a:extLst>
+              <a:ext uri="{28A0092B-C50C-407E-A947-70E740481C1C}">
+                <a14:useLocalDpi xmlns:a14="http://schemas.microsoft.com/office/drawing/2010/main" val="0"/>
+              </a:ext>
+            </a:extLst>
+          </a:blip>
+          <a:stretch>
+            <a:fillRect/>
+          </a:stretch>
+        </p:blipFill>
+        <p:spPr>
+          <a:xfrm>
+            <a:off x="3494339" y="1976890"/>
+            <a:ext cx="4777467" cy="3186533"/>
+          </a:xfrm>
+          <a:prstGeom prst="rect">
+            <a:avLst/>
+          </a:prstGeom>
+        </p:spPr>
+      </p:pic>
     </p:spTree>
     <p:extLst>
       <p:ext uri="{BB962C8B-B14F-4D97-AF65-F5344CB8AC3E}">

--- a/Composable Batch File Helper.pptx
+++ b/Composable Batch File Helper.pptx
@@ -220,7 +220,7 @@
           <a:p>
             <a:fld id="{34475077-A074-4E8C-B45E-964494945228}" type="datetimeFigureOut">
               <a:rPr lang="en-US"/>
-              <a:t>6/12/2018</a:t>
+              <a:t>6/13/2018</a:t>
             </a:fld>
             <a:endParaRPr/>
           </a:p>
@@ -385,7 +385,7 @@
           <a:p>
             <a:fld id="{6A2B48A4-4B96-49F4-8C25-4C9D06114B2C}" type="datetimeFigureOut">
               <a:rPr lang="en-US"/>
-              <a:t>6/12/2018</a:t>
+              <a:t>6/13/2018</a:t>
             </a:fld>
             <a:endParaRPr/>
           </a:p>
@@ -1016,7 +1016,7 @@
           <a:p>
             <a:fld id="{0402902D-A5F5-4D7D-AAA7-32469BA0BC4D}" type="datetimeFigureOut">
               <a:rPr lang="en-US"/>
-              <a:t>6/12/2018</a:t>
+              <a:t>6/13/2018</a:t>
             </a:fld>
             <a:endParaRPr/>
           </a:p>
@@ -1287,7 +1287,7 @@
           <a:p>
             <a:fld id="{0402902D-A5F5-4D7D-AAA7-32469BA0BC4D}" type="datetimeFigureOut">
               <a:rPr lang="en-US"/>
-              <a:t>6/12/2018</a:t>
+              <a:t>6/13/2018</a:t>
             </a:fld>
             <a:endParaRPr/>
           </a:p>
@@ -1469,7 +1469,7 @@
           <a:p>
             <a:fld id="{0402902D-A5F5-4D7D-AAA7-32469BA0BC4D}" type="datetimeFigureOut">
               <a:rPr lang="en-US"/>
-              <a:t>6/12/2018</a:t>
+              <a:t>6/13/2018</a:t>
             </a:fld>
             <a:endParaRPr/>
           </a:p>
@@ -2056,7 +2056,7 @@
           <a:p>
             <a:fld id="{0402902D-A5F5-4D7D-AAA7-32469BA0BC4D}" type="datetimeFigureOut">
               <a:rPr lang="en-US"/>
-              <a:t>6/12/2018</a:t>
+              <a:t>6/13/2018</a:t>
             </a:fld>
             <a:endParaRPr/>
           </a:p>
@@ -2504,7 +2504,7 @@
           <a:p>
             <a:fld id="{0402902D-A5F5-4D7D-AAA7-32469BA0BC4D}" type="datetimeFigureOut">
               <a:rPr lang="en-US"/>
-              <a:t>6/12/2018</a:t>
+              <a:t>6/13/2018</a:t>
             </a:fld>
             <a:endParaRPr/>
           </a:p>
@@ -2634,7 +2634,7 @@
           <a:p>
             <a:fld id="{0402902D-A5F5-4D7D-AAA7-32469BA0BC4D}" type="datetimeFigureOut">
               <a:rPr lang="en-US"/>
-              <a:t>6/12/2018</a:t>
+              <a:t>6/13/2018</a:t>
             </a:fld>
             <a:endParaRPr/>
           </a:p>
@@ -2741,7 +2741,7 @@
           <a:p>
             <a:fld id="{0402902D-A5F5-4D7D-AAA7-32469BA0BC4D}" type="datetimeFigureOut">
               <a:rPr lang="en-US"/>
-              <a:t>6/12/2018</a:t>
+              <a:t>6/13/2018</a:t>
             </a:fld>
             <a:endParaRPr/>
           </a:p>
@@ -3676,7 +3676,7 @@
             <a:fld id="{0402902D-A5F5-4D7D-AAA7-32469BA0BC4D}" type="datetimeFigureOut">
               <a:rPr lang="en-US"/>
               <a:pPr/>
-              <a:t>6/12/2018</a:t>
+              <a:t>6/13/2018</a:t>
             </a:fld>
             <a:endParaRPr/>
           </a:p>
@@ -5000,8 +5000,20 @@
           <a:p>
             <a:r>
               <a:rPr lang="en-US" dirty="0"/>
-              <a:t>The End</a:t>
-            </a:r>
+              <a:t>The End </a:t>
+            </a:r>
+            <a:br>
+              <a:rPr lang="en-US" dirty="0"/>
+            </a:br>
+            <a:r>
+              <a:rPr lang="en-US" dirty="0"/>
+              <a:t>c:\sf </a:t>
+            </a:r>
+            <a:r>
+              <a:rPr lang="en-US" dirty="0" err="1"/>
+              <a:t>clcr</a:t>
+            </a:r>
+            <a:endParaRPr lang="en-US" dirty="0"/>
           </a:p>
         </p:txBody>
       </p:sp>

--- a/Composable Batch File Helper.pptx
+++ b/Composable Batch File Helper.pptx
@@ -4990,17 +4990,19 @@
         </p:nvSpPr>
         <p:spPr>
           <a:xfrm>
-            <a:off x="4970585" y="165100"/>
-            <a:ext cx="3401889" cy="1097280"/>
+            <a:off x="2139192" y="156711"/>
+            <a:ext cx="7273255" cy="1097280"/>
           </a:xfrm>
         </p:spPr>
         <p:txBody>
-          <a:bodyPr/>
+          <a:bodyPr>
+            <a:normAutofit/>
+          </a:bodyPr>
           <a:lstStyle/>
           <a:p>
             <a:r>
               <a:rPr lang="en-US" dirty="0"/>
-              <a:t>The End </a:t>
+              <a:t>The End (with a batch file of course) </a:t>
             </a:r>
             <a:br>
               <a:rPr lang="en-US" dirty="0"/>

--- a/Composable Batch File Helper.pptx
+++ b/Composable Batch File Helper.pptx
@@ -5,19 +5,18 @@
     <p:sldMasterId id="2147483648" r:id="rId2"/>
   </p:sldMasterIdLst>
   <p:notesMasterIdLst>
-    <p:notesMasterId r:id="rId10"/>
+    <p:notesMasterId r:id="rId9"/>
   </p:notesMasterIdLst>
   <p:handoutMasterIdLst>
-    <p:handoutMasterId r:id="rId11"/>
+    <p:handoutMasterId r:id="rId10"/>
   </p:handoutMasterIdLst>
   <p:sldIdLst>
     <p:sldId id="267" r:id="rId3"/>
     <p:sldId id="268" r:id="rId4"/>
     <p:sldId id="257" r:id="rId5"/>
     <p:sldId id="275" r:id="rId6"/>
-    <p:sldId id="274" r:id="rId7"/>
-    <p:sldId id="276" r:id="rId8"/>
-    <p:sldId id="273" r:id="rId9"/>
+    <p:sldId id="276" r:id="rId7"/>
+    <p:sldId id="273" r:id="rId8"/>
   </p:sldIdLst>
   <p:sldSz cx="12192000" cy="6858000"/>
   <p:notesSz cx="6858000" cy="9144000"/>
@@ -220,7 +219,7 @@
           <a:p>
             <a:fld id="{34475077-A074-4E8C-B45E-964494945228}" type="datetimeFigureOut">
               <a:rPr lang="en-US"/>
-              <a:t>6/13/2018</a:t>
+              <a:t>8/8/2018</a:t>
             </a:fld>
             <a:endParaRPr/>
           </a:p>
@@ -385,7 +384,7 @@
           <a:p>
             <a:fld id="{6A2B48A4-4B96-49F4-8C25-4C9D06114B2C}" type="datetimeFigureOut">
               <a:rPr lang="en-US"/>
-              <a:t>6/13/2018</a:t>
+              <a:t>8/8/2018</a:t>
             </a:fld>
             <a:endParaRPr/>
           </a:p>
@@ -1016,7 +1015,7 @@
           <a:p>
             <a:fld id="{0402902D-A5F5-4D7D-AAA7-32469BA0BC4D}" type="datetimeFigureOut">
               <a:rPr lang="en-US"/>
-              <a:t>6/13/2018</a:t>
+              <a:t>8/8/2018</a:t>
             </a:fld>
             <a:endParaRPr/>
           </a:p>
@@ -1287,7 +1286,7 @@
           <a:p>
             <a:fld id="{0402902D-A5F5-4D7D-AAA7-32469BA0BC4D}" type="datetimeFigureOut">
               <a:rPr lang="en-US"/>
-              <a:t>6/13/2018</a:t>
+              <a:t>8/8/2018</a:t>
             </a:fld>
             <a:endParaRPr/>
           </a:p>
@@ -1469,7 +1468,7 @@
           <a:p>
             <a:fld id="{0402902D-A5F5-4D7D-AAA7-32469BA0BC4D}" type="datetimeFigureOut">
               <a:rPr lang="en-US"/>
-              <a:t>6/13/2018</a:t>
+              <a:t>8/8/2018</a:t>
             </a:fld>
             <a:endParaRPr/>
           </a:p>
@@ -2056,7 +2055,7 @@
           <a:p>
             <a:fld id="{0402902D-A5F5-4D7D-AAA7-32469BA0BC4D}" type="datetimeFigureOut">
               <a:rPr lang="en-US"/>
-              <a:t>6/13/2018</a:t>
+              <a:t>8/8/2018</a:t>
             </a:fld>
             <a:endParaRPr/>
           </a:p>
@@ -2504,7 +2503,7 @@
           <a:p>
             <a:fld id="{0402902D-A5F5-4D7D-AAA7-32469BA0BC4D}" type="datetimeFigureOut">
               <a:rPr lang="en-US"/>
-              <a:t>6/13/2018</a:t>
+              <a:t>8/8/2018</a:t>
             </a:fld>
             <a:endParaRPr/>
           </a:p>
@@ -2634,7 +2633,7 @@
           <a:p>
             <a:fld id="{0402902D-A5F5-4D7D-AAA7-32469BA0BC4D}" type="datetimeFigureOut">
               <a:rPr lang="en-US"/>
-              <a:t>6/13/2018</a:t>
+              <a:t>8/8/2018</a:t>
             </a:fld>
             <a:endParaRPr/>
           </a:p>
@@ -2741,7 +2740,7 @@
           <a:p>
             <a:fld id="{0402902D-A5F5-4D7D-AAA7-32469BA0BC4D}" type="datetimeFigureOut">
               <a:rPr lang="en-US"/>
-              <a:t>6/13/2018</a:t>
+              <a:t>8/8/2018</a:t>
             </a:fld>
             <a:endParaRPr/>
           </a:p>
@@ -3676,7 +3675,7 @@
             <a:fld id="{0402902D-A5F5-4D7D-AAA7-32469BA0BC4D}" type="datetimeFigureOut">
               <a:rPr lang="en-US"/>
               <a:pPr/>
-              <a:t>6/13/2018</a:t>
+              <a:t>8/8/2018</a:t>
             </a:fld>
             <a:endParaRPr/>
           </a:p>
@@ -4301,7 +4300,7 @@
           <a:p>
             <a:r>
               <a:rPr lang="en-US" dirty="0"/>
-              <a:t>The command line is fun for keyboard junkies.</a:t>
+              <a:t>Setup Instructions</a:t>
             </a:r>
           </a:p>
         </p:txBody>
@@ -4320,6 +4319,17 @@
         <p:txBody>
           <a:bodyPr/>
           <a:lstStyle/>
+          <a:p>
+            <a:r>
+              <a:rPr lang="en-US" dirty="0"/>
+              <a:t>Everything shown here can be downloaded from my GitHub repo at: sf </a:t>
+            </a:r>
+            <a:r>
+              <a:rPr lang="en-US" dirty="0" err="1"/>
+              <a:t>png</a:t>
+            </a:r>
+            <a:endParaRPr lang="en-US" dirty="0"/>
+          </a:p>
           <a:p>
             <a:r>
               <a:rPr lang="en-US" dirty="0"/>
@@ -4427,7 +4437,7 @@
             </a:pPr>
             <a:r>
               <a:rPr lang="en-US" dirty="0"/>
-              <a:t>   For example, to get help (run these now):</a:t>
+              <a:t>   For example, to get help:</a:t>
             </a:r>
           </a:p>
           <a:p>
@@ -4436,7 +4446,7 @@
             </a:pPr>
             <a:r>
               <a:rPr lang="en-US" dirty="0"/>
-              <a:t>	c:\&gt;m /?	</a:t>
+              <a:t>	c:\&gt;sf/?	</a:t>
             </a:r>
           </a:p>
           <a:p>
@@ -4445,7 +4455,7 @@
             </a:pPr>
             <a:r>
               <a:rPr lang="en-US" dirty="0"/>
-              <a:t>	c:\td /?</a:t>
+              <a:t>	c:\td/?</a:t>
             </a:r>
           </a:p>
           <a:p>
@@ -4454,19 +4464,7 @@
             </a:pPr>
             <a:r>
               <a:rPr lang="en-US" dirty="0"/>
-              <a:t>	c:\&gt;</a:t>
-            </a:r>
-            <a:r>
-              <a:rPr lang="en-US" dirty="0">
-                <a:solidFill>
-                  <a:srgbClr val="FFC000"/>
-                </a:solidFill>
-              </a:rPr>
-              <a:t>no</a:t>
-            </a:r>
-            <a:r>
-              <a:rPr lang="en-US" dirty="0"/>
-              <a:t> /?</a:t>
+              <a:t>	c:\&gt;of/?</a:t>
             </a:r>
           </a:p>
         </p:txBody>
@@ -4560,13 +4558,13 @@
           <a:p>
             <a:r>
               <a:rPr lang="en-US" dirty="0"/>
-              <a:t>C:\&gt;of projects	Opens the SAME folder as above except in Windows Explorer.</a:t>
+              <a:t>C:\&gt;of temp		Opens the SAME folder as above except in Windows 			Explorer.</a:t>
             </a:r>
           </a:p>
           <a:p>
             <a:r>
               <a:rPr lang="en-US" dirty="0"/>
-              <a:t>C:\&gt;of cd	   	Opens current DOS directory in Windows Explorer.</a:t>
+              <a:t>C:\&gt;of 	   	Opens current DOS directory in Windows Explorer.</a:t>
             </a:r>
           </a:p>
           <a:p>
@@ -4580,13 +4578,13 @@
             </a:r>
             <a:r>
               <a:rPr lang="en-US" dirty="0"/>
-              <a:t> status for current folder repositories 			INCLUDES online repository status comparison. I use this a lot.</a:t>
+              <a:t> status for current folder repositories 			INCLUDES online repository status comparison. I use 			this a lot.</a:t>
             </a:r>
           </a:p>
           <a:p>
             <a:r>
               <a:rPr lang="en-US" dirty="0"/>
-              <a:t>C:\&gt;c                        	Clears the screen and resets the prompt color.</a:t>
+              <a:t>C:\&gt;c                       	Clears the screen and resets the prompt color.</a:t>
             </a:r>
           </a:p>
         </p:txBody>
@@ -4680,7 +4678,7 @@
           <a:p>
             <a:r>
               <a:rPr lang="en-US" dirty="0"/>
-              <a:t>Need more info?</a:t>
+              <a:t>Scalable Self-Documenting Scripting</a:t>
             </a:r>
           </a:p>
         </p:txBody>
@@ -4697,161 +4695,22 @@
         </p:nvSpPr>
         <p:spPr/>
         <p:txBody>
-          <a:bodyPr/>
+          <a:bodyPr>
+            <a:normAutofit/>
+          </a:bodyPr>
           <a:lstStyle/>
           <a:p>
             <a:r>
               <a:rPr lang="en-US" dirty="0"/>
-              <a:t>Running C:\&gt;no m  		</a:t>
-            </a:r>
-          </a:p>
-          <a:p>
-            <a:pPr marL="0" indent="0">
-              <a:buNone/>
-            </a:pPr>
-            <a:r>
-              <a:rPr lang="en-US" dirty="0"/>
-              <a:t>Uses Notepad to open the mercury helper.bat file.</a:t>
-            </a:r>
-          </a:p>
-          <a:p>
-            <a:pPr marL="0" indent="0">
-              <a:buNone/>
-            </a:pPr>
-            <a:r>
-              <a:rPr lang="en-US" dirty="0"/>
-              <a:t>Search for the label, for instance “</a:t>
-            </a:r>
-            <a:r>
-              <a:rPr lang="en-US" dirty="0" err="1"/>
-              <a:t>ladp_svc</a:t>
-            </a:r>
-            <a:r>
-              <a:rPr lang="en-US" dirty="0"/>
-              <a:t>”, </a:t>
-            </a:r>
-          </a:p>
-          <a:p>
-            <a:pPr marL="0" indent="0">
-              <a:buNone/>
-            </a:pPr>
-            <a:r>
-              <a:rPr lang="en-US" dirty="0"/>
-              <a:t>and you can see the code I ran to install </a:t>
-            </a:r>
-            <a:r>
-              <a:rPr lang="en-US" dirty="0" err="1"/>
-              <a:t>ldap</a:t>
-            </a:r>
-            <a:r>
-              <a:rPr lang="en-US" dirty="0"/>
-              <a:t> </a:t>
-            </a:r>
-          </a:p>
-          <a:p>
-            <a:pPr marL="0" indent="0">
-              <a:buNone/>
-            </a:pPr>
-            <a:r>
-              <a:rPr lang="en-US" dirty="0"/>
-              <a:t>as a service, which be ran any time by entering </a:t>
-            </a:r>
-          </a:p>
-          <a:p>
-            <a:pPr marL="0" indent="0">
-              <a:buNone/>
-            </a:pPr>
-            <a:r>
-              <a:rPr lang="en-US" dirty="0"/>
-              <a:t>c:\&gt;m </a:t>
-            </a:r>
-            <a:r>
-              <a:rPr lang="en-US" dirty="0" err="1"/>
-              <a:t>ldap_svc</a:t>
-            </a:r>
-            <a:endParaRPr lang="en-US" dirty="0"/>
-          </a:p>
-        </p:txBody>
-      </p:sp>
-      <p:pic>
-        <p:nvPicPr>
-          <p:cNvPr id="4" name="Picture 3"/>
-          <p:cNvPicPr>
-            <a:picLocks noChangeAspect="1"/>
-          </p:cNvPicPr>
-          <p:nvPr/>
-        </p:nvPicPr>
-        <p:blipFill>
-          <a:blip r:embed="rId2"/>
-          <a:stretch>
-            <a:fillRect/>
-          </a:stretch>
-        </p:blipFill>
-        <p:spPr>
-          <a:xfrm>
-            <a:off x="7807902" y="1776840"/>
-            <a:ext cx="3248025" cy="3924300"/>
-          </a:xfrm>
-          <a:prstGeom prst="rect">
-            <a:avLst/>
-          </a:prstGeom>
-          <a:ln>
-            <a:solidFill>
-              <a:srgbClr val="FF0000"/>
-            </a:solidFill>
-          </a:ln>
-        </p:spPr>
-      </p:pic>
-      <p:sp>
-        <p:nvSpPr>
-          <p:cNvPr id="5" name="Rectangle 4"/>
-          <p:cNvSpPr/>
-          <p:nvPr/>
-        </p:nvSpPr>
-        <p:spPr>
-          <a:xfrm>
-            <a:off x="7841672" y="4433448"/>
-            <a:ext cx="2770909" cy="678873"/>
-          </a:xfrm>
-          <a:prstGeom prst="rect">
-            <a:avLst/>
-          </a:prstGeom>
-          <a:noFill/>
-          <a:ln>
-            <a:solidFill>
-              <a:srgbClr val="FF0000"/>
-            </a:solidFill>
-          </a:ln>
-        </p:spPr>
-        <p:style>
-          <a:lnRef idx="2">
-            <a:schemeClr val="accent1">
-              <a:shade val="50000"/>
-            </a:schemeClr>
-          </a:lnRef>
-          <a:fillRef idx="1">
-            <a:schemeClr val="accent1"/>
-          </a:fillRef>
-          <a:effectRef idx="0">
-            <a:schemeClr val="accent1"/>
-          </a:effectRef>
-          <a:fontRef idx="minor">
-            <a:schemeClr val="lt1"/>
-          </a:fontRef>
-        </p:style>
-        <p:txBody>
-          <a:bodyPr rtlCol="0" anchor="ctr"/>
-          <a:lstStyle/>
-          <a:p>
-            <a:pPr algn="ctr"/>
-            <a:endParaRPr lang="en-US"/>
+              <a:t>A cool thing about this architecture is that it is scalable in the sense that if you want some new script feature all you need to do is add a unique label and a code block and you are up and running.</a:t>
+            </a:r>
           </a:p>
         </p:txBody>
       </p:sp>
     </p:spTree>
     <p:extLst>
       <p:ext uri="{BB962C8B-B14F-4D97-AF65-F5344CB8AC3E}">
-        <p14:creationId xmlns:p14="http://schemas.microsoft.com/office/powerpoint/2010/main" val="2017820587"/>
+        <p14:creationId xmlns:p14="http://schemas.microsoft.com/office/powerpoint/2010/main" val="3503943722"/>
       </p:ext>
     </p:extLst>
   </p:cSld>
@@ -4900,29 +4759,12 @@
             <p:ph type="title"/>
           </p:nvPr>
         </p:nvSpPr>
-        <p:spPr/>
-        <p:txBody>
-          <a:bodyPr/>
-          <a:lstStyle/>
-          <a:p>
-            <a:r>
-              <a:rPr lang="en-US" dirty="0"/>
-              <a:t>Scalable Self-Documenting Scripting</a:t>
-            </a:r>
-          </a:p>
-        </p:txBody>
-      </p:sp>
-      <p:sp>
-        <p:nvSpPr>
-          <p:cNvPr id="3" name="Content Placeholder 2"/>
-          <p:cNvSpPr>
-            <a:spLocks noGrp="1"/>
-          </p:cNvSpPr>
-          <p:nvPr>
-            <p:ph idx="1"/>
-          </p:nvPr>
-        </p:nvSpPr>
-        <p:spPr/>
+        <p:spPr>
+          <a:xfrm>
+            <a:off x="2139192" y="144011"/>
+            <a:ext cx="7273255" cy="1097280"/>
+          </a:xfrm>
+        </p:spPr>
         <p:txBody>
           <a:bodyPr>
             <a:normAutofit/>
@@ -4931,89 +4773,11 @@
           <a:p>
             <a:r>
               <a:rPr lang="en-US" dirty="0"/>
-              <a:t>A cool thing about this architecture is that it is scalable in the sense that if you want some new script feature all you need to do is add a unique label and a code block and you are up and running.</a:t>
-            </a:r>
-          </a:p>
-        </p:txBody>
-      </p:sp>
-    </p:spTree>
-    <p:extLst>
-      <p:ext uri="{BB962C8B-B14F-4D97-AF65-F5344CB8AC3E}">
-        <p14:creationId xmlns:p14="http://schemas.microsoft.com/office/powerpoint/2010/main" val="3503943722"/>
-      </p:ext>
-    </p:extLst>
-  </p:cSld>
-  <p:clrMapOvr>
-    <a:masterClrMapping/>
-  </p:clrMapOvr>
-  <mc:AlternateContent xmlns:mc="http://schemas.openxmlformats.org/markup-compatibility/2006" xmlns:p14="http://schemas.microsoft.com/office/powerpoint/2010/main">
-    <mc:Choice Requires="p14">
-      <p:transition spd="med" p14:dur="700">
-        <p:fade/>
-      </p:transition>
-    </mc:Choice>
-    <mc:Fallback xmlns="">
-      <p:transition spd="med">
-        <p:fade/>
-      </p:transition>
-    </mc:Fallback>
-  </mc:AlternateContent>
-</p:sld>
-</file>
-
-<file path=ppt/slides/slide7.xml><?xml version="1.0" encoding="utf-8"?>
-<p:sld xmlns:a="http://schemas.openxmlformats.org/drawingml/2006/main" xmlns:r="http://schemas.openxmlformats.org/officeDocument/2006/relationships" xmlns:p="http://schemas.openxmlformats.org/presentationml/2006/main">
-  <p:cSld>
-    <p:spTree>
-      <p:nvGrpSpPr>
-        <p:cNvPr id="1" name=""/>
-        <p:cNvGrpSpPr/>
-        <p:nvPr/>
-      </p:nvGrpSpPr>
-      <p:grpSpPr>
-        <a:xfrm>
-          <a:off x="0" y="0"/>
-          <a:ext cx="0" cy="0"/>
-          <a:chOff x="0" y="0"/>
-          <a:chExt cx="0" cy="0"/>
-        </a:xfrm>
-      </p:grpSpPr>
-      <p:sp>
-        <p:nvSpPr>
-          <p:cNvPr id="2" name="Title 1"/>
-          <p:cNvSpPr>
-            <a:spLocks noGrp="1"/>
-          </p:cNvSpPr>
-          <p:nvPr>
-            <p:ph type="title"/>
-          </p:nvPr>
-        </p:nvSpPr>
-        <p:spPr>
-          <a:xfrm>
-            <a:off x="2139192" y="156711"/>
-            <a:ext cx="7273255" cy="1097280"/>
-          </a:xfrm>
-        </p:spPr>
-        <p:txBody>
-          <a:bodyPr>
-            <a:normAutofit/>
-          </a:bodyPr>
-          <a:lstStyle/>
-          <a:p>
-            <a:r>
-              <a:rPr lang="en-US" dirty="0"/>
-              <a:t>The End (with a batch file of course) </a:t>
-            </a:r>
-            <a:br>
-              <a:rPr lang="en-US" dirty="0"/>
-            </a:br>
-            <a:r>
-              <a:rPr lang="en-US" dirty="0"/>
-              <a:t>c:\sf </a:t>
+              <a:t>The End - c:\sf </a:t>
             </a:r>
             <a:r>
               <a:rPr lang="en-US" dirty="0" err="1"/>
-              <a:t>clcr</a:t>
+              <a:t>png</a:t>
             </a:r>
             <a:endParaRPr lang="en-US" dirty="0"/>
           </a:p>

--- a/Composable Batch File Helper.pptx
+++ b/Composable Batch File Helper.pptx
@@ -219,7 +219,7 @@
           <a:p>
             <a:fld id="{34475077-A074-4E8C-B45E-964494945228}" type="datetimeFigureOut">
               <a:rPr lang="en-US"/>
-              <a:t>8/8/2018</a:t>
+              <a:t>8/9/2018</a:t>
             </a:fld>
             <a:endParaRPr/>
           </a:p>
@@ -384,7 +384,7 @@
           <a:p>
             <a:fld id="{6A2B48A4-4B96-49F4-8C25-4C9D06114B2C}" type="datetimeFigureOut">
               <a:rPr lang="en-US"/>
-              <a:t>8/8/2018</a:t>
+              <a:t>8/9/2018</a:t>
             </a:fld>
             <a:endParaRPr/>
           </a:p>
@@ -1015,7 +1015,7 @@
           <a:p>
             <a:fld id="{0402902D-A5F5-4D7D-AAA7-32469BA0BC4D}" type="datetimeFigureOut">
               <a:rPr lang="en-US"/>
-              <a:t>8/8/2018</a:t>
+              <a:t>8/9/2018</a:t>
             </a:fld>
             <a:endParaRPr/>
           </a:p>
@@ -1286,7 +1286,7 @@
           <a:p>
             <a:fld id="{0402902D-A5F5-4D7D-AAA7-32469BA0BC4D}" type="datetimeFigureOut">
               <a:rPr lang="en-US"/>
-              <a:t>8/8/2018</a:t>
+              <a:t>8/9/2018</a:t>
             </a:fld>
             <a:endParaRPr/>
           </a:p>
@@ -1468,7 +1468,7 @@
           <a:p>
             <a:fld id="{0402902D-A5F5-4D7D-AAA7-32469BA0BC4D}" type="datetimeFigureOut">
               <a:rPr lang="en-US"/>
-              <a:t>8/8/2018</a:t>
+              <a:t>8/9/2018</a:t>
             </a:fld>
             <a:endParaRPr/>
           </a:p>
@@ -2055,7 +2055,7 @@
           <a:p>
             <a:fld id="{0402902D-A5F5-4D7D-AAA7-32469BA0BC4D}" type="datetimeFigureOut">
               <a:rPr lang="en-US"/>
-              <a:t>8/8/2018</a:t>
+              <a:t>8/9/2018</a:t>
             </a:fld>
             <a:endParaRPr/>
           </a:p>
@@ -2503,7 +2503,7 @@
           <a:p>
             <a:fld id="{0402902D-A5F5-4D7D-AAA7-32469BA0BC4D}" type="datetimeFigureOut">
               <a:rPr lang="en-US"/>
-              <a:t>8/8/2018</a:t>
+              <a:t>8/9/2018</a:t>
             </a:fld>
             <a:endParaRPr/>
           </a:p>
@@ -2633,7 +2633,7 @@
           <a:p>
             <a:fld id="{0402902D-A5F5-4D7D-AAA7-32469BA0BC4D}" type="datetimeFigureOut">
               <a:rPr lang="en-US"/>
-              <a:t>8/8/2018</a:t>
+              <a:t>8/9/2018</a:t>
             </a:fld>
             <a:endParaRPr/>
           </a:p>
@@ -2740,7 +2740,7 @@
           <a:p>
             <a:fld id="{0402902D-A5F5-4D7D-AAA7-32469BA0BC4D}" type="datetimeFigureOut">
               <a:rPr lang="en-US"/>
-              <a:t>8/8/2018</a:t>
+              <a:t>8/9/2018</a:t>
             </a:fld>
             <a:endParaRPr/>
           </a:p>
@@ -3675,7 +3675,7 @@
             <a:fld id="{0402902D-A5F5-4D7D-AAA7-32469BA0BC4D}" type="datetimeFigureOut">
               <a:rPr lang="en-US"/>
               <a:pPr/>
-              <a:t>8/8/2018</a:t>
+              <a:t>8/9/2018</a:t>
             </a:fld>
             <a:endParaRPr/>
           </a:p>
@@ -4144,7 +4144,7 @@
           <a:p>
             <a:r>
               <a:rPr lang="en-US" dirty="0"/>
-              <a:t>Get serious . . . about automation.</a:t>
+              <a:t>	  Get serious . . . about automation.</a:t>
             </a:r>
           </a:p>
         </p:txBody>
@@ -4300,7 +4300,7 @@
           <a:p>
             <a:r>
               <a:rPr lang="en-US" dirty="0"/>
-              <a:t>Setup Instructions</a:t>
+              <a:t>                              Old Technology</a:t>
             </a:r>
           </a:p>
         </p:txBody>
@@ -4317,33 +4317,60 @@
         </p:nvSpPr>
         <p:spPr/>
         <p:txBody>
-          <a:bodyPr/>
+          <a:bodyPr>
+            <a:normAutofit/>
+          </a:bodyPr>
           <a:lstStyle/>
           <a:p>
             <a:r>
               <a:rPr lang="en-US" dirty="0"/>
-              <a:t>Everything shown here can be downloaded from my GitHub repo at: sf </a:t>
+              <a:t>This presentation is about a really old technology, Windows' batch files. Does anybody use Windows' batch files?</a:t>
+            </a:r>
+          </a:p>
+          <a:p>
+            <a:r>
+              <a:rPr lang="en-US" dirty="0"/>
+              <a:t>Many batch files I've seen in the wild are pretty messy. They are often quite long and not well structured. I know this partly because I've written hundreds like them. I wrote batch files for years that were a mess. I like to think I'm a little better now.</a:t>
+            </a:r>
+          </a:p>
+          <a:p>
+            <a:r>
+              <a:rPr lang="en-US" dirty="0"/>
+              <a:t>For Example, I googled "typical batch file" and this was the first hit:</a:t>
+            </a:r>
+          </a:p>
+          <a:p>
+            <a:pPr marL="0" indent="0">
+              <a:buNone/>
+            </a:pPr>
+            <a:r>
+              <a:rPr lang="en-US" dirty="0"/>
+              <a:t>	</a:t>
+            </a:r>
+            <a:r>
+              <a:rPr lang="en-US" dirty="0">
+                <a:hlinkClick r:id="rId2"/>
+              </a:rPr>
+              <a:t>https://www.instructables.com/id/5-Cool-Batch-Files/</a:t>
+            </a:r>
+            <a:endParaRPr lang="en-US" dirty="0"/>
+          </a:p>
+          <a:p>
+            <a:r>
+              <a:rPr lang="en-US" dirty="0"/>
+              <a:t>This small file has 19 </a:t>
             </a:r>
             <a:r>
               <a:rPr lang="en-US" dirty="0" err="1"/>
-              <a:t>png</a:t>
-            </a:r>
+              <a:t>goto</a:t>
+            </a:r>
+            <a:r>
+              <a:rPr lang="en-US" dirty="0"/>
+              <a:t> statements! Makes my head hurt looking at it.</a:t>
+            </a:r>
+          </a:p>
+          <a:p>
             <a:endParaRPr lang="en-US" dirty="0"/>
-          </a:p>
-          <a:p>
-            <a:r>
-              <a:rPr lang="en-US" dirty="0"/>
-              <a:t>Add %COMPOSABLE_BATCH_FILES% to you environment variables and path.</a:t>
-            </a:r>
-          </a:p>
-          <a:p>
-            <a:endParaRPr lang="en-US" dirty="0"/>
-          </a:p>
-          <a:p>
-            <a:r>
-              <a:rPr lang="en-US" dirty="0"/>
-              <a:t>To see a list of the primary CBF batch files and their functions, type: 	C:\&gt;cbf or m list</a:t>
-            </a:r>
           </a:p>
         </p:txBody>
       </p:sp>
@@ -4406,14 +4433,20 @@
           <a:p>
             <a:r>
               <a:rPr lang="en-US" dirty="0"/>
-              <a:t>Get help.</a:t>
-            </a:r>
-          </a:p>
-        </p:txBody>
-      </p:sp>
-      <p:sp>
-        <p:nvSpPr>
-          <p:cNvPr id="3" name="Content Placeholder 2"/>
+              <a:t> </a:t>
+            </a:r>
+          </a:p>
+        </p:txBody>
+      </p:sp>
+      <p:sp>
+        <p:nvSpPr>
+          <p:cNvPr id="6" name="Content Placeholder 5">
+            <a:extLst>
+              <a:ext uri="{FF2B5EF4-FFF2-40B4-BE49-F238E27FC236}">
+                <a16:creationId xmlns:a16="http://schemas.microsoft.com/office/drawing/2014/main" id="{A5A7BC5C-8887-4F1D-8DD0-E7D92514E07B}"/>
+              </a:ext>
+            </a:extLst>
+          </p:cNvPr>
           <p:cNvSpPr>
             <a:spLocks noGrp="1"/>
           </p:cNvSpPr>
@@ -4426,49 +4459,43 @@
           <a:bodyPr/>
           <a:lstStyle/>
           <a:p>
-            <a:r>
-              <a:rPr lang="en-US" dirty="0"/>
-              <a:t>To see the available functions for a batch file use the “/?” parameter.</a:t>
-            </a:r>
-          </a:p>
-          <a:p>
-            <a:pPr marL="0" indent="0">
-              <a:buNone/>
-            </a:pPr>
-            <a:r>
-              <a:rPr lang="en-US" dirty="0"/>
-              <a:t>   For example, to get help:</a:t>
-            </a:r>
-          </a:p>
-          <a:p>
-            <a:pPr marL="0" indent="0">
-              <a:buNone/>
-            </a:pPr>
-            <a:r>
-              <a:rPr lang="en-US" dirty="0"/>
-              <a:t>	c:\&gt;sf/?	</a:t>
-            </a:r>
-          </a:p>
-          <a:p>
-            <a:pPr marL="0" indent="0">
-              <a:buNone/>
-            </a:pPr>
-            <a:r>
-              <a:rPr lang="en-US" dirty="0"/>
-              <a:t>	c:\td/?</a:t>
-            </a:r>
-          </a:p>
-          <a:p>
-            <a:pPr marL="0" indent="0">
-              <a:buNone/>
-            </a:pPr>
-            <a:r>
-              <a:rPr lang="en-US" dirty="0"/>
-              <a:t>	c:\&gt;of/?</a:t>
-            </a:r>
-          </a:p>
-        </p:txBody>
-      </p:sp>
+            <a:endParaRPr lang="en-US"/>
+          </a:p>
+          <a:p>
+            <a:endParaRPr lang="en-US"/>
+          </a:p>
+        </p:txBody>
+      </p:sp>
+      <p:pic>
+        <p:nvPicPr>
+          <p:cNvPr id="7" name="Picture 6">
+            <a:extLst>
+              <a:ext uri="{FF2B5EF4-FFF2-40B4-BE49-F238E27FC236}">
+                <a16:creationId xmlns:a16="http://schemas.microsoft.com/office/drawing/2014/main" id="{AB710E66-691C-4D06-9067-20D098B328F3}"/>
+              </a:ext>
+            </a:extLst>
+          </p:cNvPr>
+          <p:cNvPicPr>
+            <a:picLocks noChangeAspect="1"/>
+          </p:cNvPicPr>
+          <p:nvPr/>
+        </p:nvPicPr>
+        <p:blipFill>
+          <a:blip r:embed="rId2"/>
+          <a:stretch>
+            <a:fillRect/>
+          </a:stretch>
+        </p:blipFill>
+        <p:spPr>
+          <a:xfrm>
+            <a:off x="3339941" y="0"/>
+            <a:ext cx="5512118" cy="6858000"/>
+          </a:xfrm>
+          <a:prstGeom prst="rect">
+            <a:avLst/>
+          </a:prstGeom>
+        </p:spPr>
+      </p:pic>
     </p:spTree>
     <p:extLst>
       <p:ext uri="{BB962C8B-B14F-4D97-AF65-F5344CB8AC3E}">
@@ -4761,8 +4788,8 @@
         </p:nvSpPr>
         <p:spPr>
           <a:xfrm>
-            <a:off x="2139192" y="144011"/>
-            <a:ext cx="7273255" cy="1097280"/>
+            <a:off x="1161292" y="144011"/>
+            <a:ext cx="7843008" cy="1097280"/>
           </a:xfrm>
         </p:spPr>
         <p:txBody>
@@ -4773,13 +4800,8 @@
           <a:p>
             <a:r>
               <a:rPr lang="en-US" dirty="0"/>
-              <a:t>The End - c:\sf </a:t>
-            </a:r>
-            <a:r>
-              <a:rPr lang="en-US" dirty="0" err="1"/>
-              <a:t>png</a:t>
-            </a:r>
-            <a:endParaRPr lang="en-US" dirty="0"/>
+              <a:t>    To download and for more info., see:</a:t>
+            </a:r>
           </a:p>
         </p:txBody>
       </p:sp>

--- a/Composable Batch File Helper.pptx
+++ b/Composable Batch File Helper.pptx
@@ -5,18 +5,21 @@
     <p:sldMasterId id="2147483648" r:id="rId2"/>
   </p:sldMasterIdLst>
   <p:notesMasterIdLst>
-    <p:notesMasterId r:id="rId9"/>
+    <p:notesMasterId r:id="rId12"/>
   </p:notesMasterIdLst>
   <p:handoutMasterIdLst>
-    <p:handoutMasterId r:id="rId10"/>
+    <p:handoutMasterId r:id="rId13"/>
   </p:handoutMasterIdLst>
   <p:sldIdLst>
     <p:sldId id="267" r:id="rId3"/>
     <p:sldId id="268" r:id="rId4"/>
     <p:sldId id="257" r:id="rId5"/>
     <p:sldId id="275" r:id="rId6"/>
-    <p:sldId id="276" r:id="rId7"/>
-    <p:sldId id="273" r:id="rId8"/>
+    <p:sldId id="277" r:id="rId7"/>
+    <p:sldId id="276" r:id="rId8"/>
+    <p:sldId id="279" r:id="rId9"/>
+    <p:sldId id="278" r:id="rId10"/>
+    <p:sldId id="273" r:id="rId11"/>
   </p:sldIdLst>
   <p:sldSz cx="12192000" cy="6858000"/>
   <p:notesSz cx="6858000" cy="9144000"/>
@@ -4300,7 +4303,7 @@
           <a:p>
             <a:r>
               <a:rPr lang="en-US" dirty="0"/>
-              <a:t>                              Old Technology</a:t>
+              <a:t>                            Old Technology</a:t>
             </a:r>
           </a:p>
         </p:txBody>
@@ -4354,20 +4357,6 @@
               <a:t>https://www.instructables.com/id/5-Cool-Batch-Files/</a:t>
             </a:r>
             <a:endParaRPr lang="en-US" dirty="0"/>
-          </a:p>
-          <a:p>
-            <a:r>
-              <a:rPr lang="en-US" dirty="0"/>
-              <a:t>This small file has 19 </a:t>
-            </a:r>
-            <a:r>
-              <a:rPr lang="en-US" dirty="0" err="1"/>
-              <a:t>goto</a:t>
-            </a:r>
-            <a:r>
-              <a:rPr lang="en-US" dirty="0"/>
-              <a:t> statements! Makes my head hurt looking at it.</a:t>
-            </a:r>
           </a:p>
           <a:p>
             <a:endParaRPr lang="en-US" dirty="0"/>
@@ -4555,7 +4544,7 @@
           <a:p>
             <a:r>
               <a:rPr lang="en-US" dirty="0"/>
-              <a:t>Some trivial examples to try . . .</a:t>
+              <a:t> </a:t>
             </a:r>
           </a:p>
         </p:txBody>
@@ -4579,73 +4568,25 @@
           <a:p>
             <a:r>
               <a:rPr lang="en-US" dirty="0"/>
-              <a:t>C:\&gt;td temp		Navigates to the user’s temp directory in DOS.</a:t>
-            </a:r>
-          </a:p>
-          <a:p>
+              <a:t>This small file has 19 </a:t>
+            </a:r>
+            <a:r>
+              <a:rPr lang="en-US" dirty="0" err="1"/>
+              <a:t>goto</a:t>
+            </a:r>
             <a:r>
               <a:rPr lang="en-US" dirty="0"/>
-              <a:t>C:\&gt;of temp		Opens the SAME folder as above except in Windows 			Explorer.</a:t>
+              <a:t> statements! Makes my head hurt looking at it.</a:t>
             </a:r>
           </a:p>
           <a:p>
             <a:r>
               <a:rPr lang="en-US" dirty="0"/>
-              <a:t>C:\&gt;of 	   	Opens current DOS directory in Windows Explorer.</a:t>
-            </a:r>
-          </a:p>
-          <a:p>
-            <a:r>
-              <a:rPr lang="en-US" dirty="0"/>
-              <a:t>C:\&gt;g s		Show </a:t>
-            </a:r>
-            <a:r>
-              <a:rPr lang="en-US" dirty="0" err="1"/>
-              <a:t>BitBucket</a:t>
-            </a:r>
-            <a:r>
-              <a:rPr lang="en-US" dirty="0"/>
-              <a:t> status for current folder repositories 			INCLUDES online repository status comparison. I use 			this a lot.</a:t>
-            </a:r>
-          </a:p>
-          <a:p>
-            <a:r>
-              <a:rPr lang="en-US" dirty="0"/>
-              <a:t>C:\&gt;c                       	Clears the screen and resets the prompt color.</a:t>
-            </a:r>
-          </a:p>
-        </p:txBody>
-      </p:sp>
-      <p:pic>
-        <p:nvPicPr>
-          <p:cNvPr id="7" name="Picture 6"/>
-          <p:cNvPicPr>
-            <a:picLocks noChangeAspect="1"/>
-          </p:cNvPicPr>
-          <p:nvPr/>
-        </p:nvPicPr>
-        <p:blipFill>
-          <a:blip r:embed="rId2" cstate="print">
-            <a:extLst>
-              <a:ext uri="{28A0092B-C50C-407E-A947-70E740481C1C}">
-                <a14:useLocalDpi xmlns:a14="http://schemas.microsoft.com/office/drawing/2010/main" val="0"/>
-              </a:ext>
-            </a:extLst>
-          </a:blip>
-          <a:stretch>
-            <a:fillRect/>
-          </a:stretch>
-        </p:blipFill>
-        <p:spPr>
-          <a:xfrm>
-            <a:off x="7651261" y="76396"/>
-            <a:ext cx="1836615" cy="1147884"/>
-          </a:xfrm>
-          <a:prstGeom prst="rect">
-            <a:avLst/>
-          </a:prstGeom>
-        </p:spPr>
-      </p:pic>
+              <a:t>The lack of structure is a problem and leads to hard to read and understand code.</a:t>
+            </a:r>
+          </a:p>
+        </p:txBody>
+      </p:sp>
     </p:spTree>
     <p:extLst>
       <p:ext uri="{BB962C8B-B14F-4D97-AF65-F5344CB8AC3E}">
@@ -4705,6 +4646,185 @@
           <a:p>
             <a:r>
               <a:rPr lang="en-US" dirty="0"/>
+              <a:t>                        How to Modularize?</a:t>
+            </a:r>
+          </a:p>
+        </p:txBody>
+      </p:sp>
+      <p:sp>
+        <p:nvSpPr>
+          <p:cNvPr id="3" name="Content Placeholder 2"/>
+          <p:cNvSpPr>
+            <a:spLocks noGrp="1"/>
+          </p:cNvSpPr>
+          <p:nvPr>
+            <p:ph idx="1"/>
+          </p:nvPr>
+        </p:nvSpPr>
+        <p:spPr/>
+        <p:txBody>
+          <a:bodyPr>
+            <a:normAutofit fontScale="85000" lnSpcReduction="20000"/>
+          </a:bodyPr>
+          <a:lstStyle/>
+          <a:p>
+            <a:r>
+              <a:rPr lang="en-US" dirty="0"/>
+              <a:t>So let's impose some structure. In most programming languages there's a concept of a </a:t>
+            </a:r>
+            <a:r>
+              <a:rPr lang="en-US" dirty="0">
+                <a:solidFill>
+                  <a:schemeClr val="accent2">
+                    <a:lumMod val="60000"/>
+                    <a:lumOff val="40000"/>
+                  </a:schemeClr>
+                </a:solidFill>
+              </a:rPr>
+              <a:t>function</a:t>
+            </a:r>
+            <a:r>
+              <a:rPr lang="en-US" dirty="0"/>
+              <a:t>.</a:t>
+            </a:r>
+          </a:p>
+          <a:p>
+            <a:r>
+              <a:rPr lang="en-US" dirty="0"/>
+              <a:t>At the heart of Composable Batch Files is the enforcing the use of traditional functions or code blocks.</a:t>
+            </a:r>
+          </a:p>
+          <a:p>
+            <a:r>
+              <a:rPr lang="en-US" dirty="0"/>
+              <a:t>Anatomy of a function. Here are the basic structural elements:</a:t>
+            </a:r>
+          </a:p>
+          <a:p>
+            <a:pPr marL="0" indent="0">
+              <a:buNone/>
+            </a:pPr>
+            <a:r>
+              <a:rPr lang="en-US" dirty="0"/>
+              <a:t>[label] = function name (which must be unique)</a:t>
+            </a:r>
+          </a:p>
+          <a:p>
+            <a:pPr marL="0" indent="0">
+              <a:buNone/>
+            </a:pPr>
+            <a:r>
+              <a:rPr lang="en-US" dirty="0"/>
+              <a:t>call :[label] = function call to another function in this batch file.</a:t>
+            </a:r>
+          </a:p>
+          <a:p>
+            <a:pPr marL="0" indent="0">
+              <a:buNone/>
+            </a:pPr>
+            <a:r>
+              <a:rPr lang="en-US" dirty="0" err="1"/>
+              <a:t>goto</a:t>
+            </a:r>
+            <a:r>
+              <a:rPr lang="en-US" dirty="0"/>
+              <a:t> [label] = also a function call, which does not return to the caller. Use judiciously.</a:t>
+            </a:r>
+          </a:p>
+          <a:p>
+            <a:pPr marL="0" indent="0">
+              <a:buNone/>
+            </a:pPr>
+            <a:r>
+              <a:rPr lang="en-US" dirty="0"/>
+              <a:t>exit/b = end of function. The lack of exit/b is the most common culprit. Without ending </a:t>
+            </a:r>
+          </a:p>
+          <a:p>
+            <a:pPr marL="0" indent="0">
+              <a:buNone/>
+            </a:pPr>
+            <a:r>
+              <a:rPr lang="en-US" dirty="0"/>
+              <a:t>functions, you have spaghetti code.</a:t>
+            </a:r>
+          </a:p>
+          <a:p>
+            <a:pPr marL="0" indent="0">
+              <a:buNone/>
+            </a:pPr>
+            <a:endParaRPr lang="en-US" dirty="0"/>
+          </a:p>
+          <a:p>
+            <a:pPr marL="0" indent="0">
+              <a:buNone/>
+            </a:pPr>
+            <a:endParaRPr lang="en-US" dirty="0"/>
+          </a:p>
+          <a:p>
+            <a:endParaRPr lang="en-US" dirty="0"/>
+          </a:p>
+        </p:txBody>
+      </p:sp>
+    </p:spTree>
+    <p:extLst>
+      <p:ext uri="{BB962C8B-B14F-4D97-AF65-F5344CB8AC3E}">
+        <p14:creationId xmlns:p14="http://schemas.microsoft.com/office/powerpoint/2010/main" val="3262004891"/>
+      </p:ext>
+    </p:extLst>
+  </p:cSld>
+  <p:clrMapOvr>
+    <a:masterClrMapping/>
+  </p:clrMapOvr>
+  <mc:AlternateContent xmlns:mc="http://schemas.openxmlformats.org/markup-compatibility/2006" xmlns:p14="http://schemas.microsoft.com/office/powerpoint/2010/main">
+    <mc:Choice Requires="p14">
+      <p:transition spd="med" p14:dur="700">
+        <p:fade/>
+      </p:transition>
+    </mc:Choice>
+    <mc:Fallback xmlns="">
+      <p:transition spd="med">
+        <p:fade/>
+      </p:transition>
+    </mc:Fallback>
+  </mc:AlternateContent>
+</p:sld>
+</file>
+
+<file path=ppt/slides/slide6.xml><?xml version="1.0" encoding="utf-8"?>
+<p:sld xmlns:a="http://schemas.openxmlformats.org/drawingml/2006/main" xmlns:r="http://schemas.openxmlformats.org/officeDocument/2006/relationships" xmlns:p="http://schemas.openxmlformats.org/presentationml/2006/main">
+  <p:cSld>
+    <p:spTree>
+      <p:nvGrpSpPr>
+        <p:cNvPr id="1" name=""/>
+        <p:cNvGrpSpPr/>
+        <p:nvPr/>
+      </p:nvGrpSpPr>
+      <p:grpSpPr>
+        <a:xfrm>
+          <a:off x="0" y="0"/>
+          <a:ext cx="0" cy="0"/>
+          <a:chOff x="0" y="0"/>
+          <a:chExt cx="0" cy="0"/>
+        </a:xfrm>
+      </p:grpSpPr>
+      <p:sp>
+        <p:nvSpPr>
+          <p:cNvPr id="2" name="Title 1"/>
+          <p:cNvSpPr>
+            <a:spLocks noGrp="1"/>
+          </p:cNvSpPr>
+          <p:nvPr>
+            <p:ph type="title"/>
+          </p:nvPr>
+        </p:nvSpPr>
+        <p:spPr/>
+        <p:txBody>
+          <a:bodyPr/>
+          <a:lstStyle/>
+          <a:p>
+            <a:r>
+              <a:rPr lang="en-US" dirty="0"/>
               <a:t>Scalable Self-Documenting Scripting</a:t>
             </a:r>
           </a:p>
@@ -4759,7 +4879,183 @@
 </p:sld>
 </file>
 
-<file path=ppt/slides/slide6.xml><?xml version="1.0" encoding="utf-8"?>
+<file path=ppt/slides/slide7.xml><?xml version="1.0" encoding="utf-8"?>
+<p:sld xmlns:a="http://schemas.openxmlformats.org/drawingml/2006/main" xmlns:r="http://schemas.openxmlformats.org/officeDocument/2006/relationships" xmlns:p="http://schemas.openxmlformats.org/presentationml/2006/main">
+  <p:cSld>
+    <p:spTree>
+      <p:nvGrpSpPr>
+        <p:cNvPr id="1" name=""/>
+        <p:cNvGrpSpPr/>
+        <p:nvPr/>
+      </p:nvGrpSpPr>
+      <p:grpSpPr>
+        <a:xfrm>
+          <a:off x="0" y="0"/>
+          <a:ext cx="0" cy="0"/>
+          <a:chOff x="0" y="0"/>
+          <a:chExt cx="0" cy="0"/>
+        </a:xfrm>
+      </p:grpSpPr>
+      <p:sp>
+        <p:nvSpPr>
+          <p:cNvPr id="2" name="Title 1"/>
+          <p:cNvSpPr>
+            <a:spLocks noGrp="1"/>
+          </p:cNvSpPr>
+          <p:nvPr>
+            <p:ph type="title"/>
+          </p:nvPr>
+        </p:nvSpPr>
+        <p:spPr/>
+        <p:txBody>
+          <a:bodyPr/>
+          <a:lstStyle/>
+          <a:p>
+            <a:r>
+              <a:rPr lang="en-US" dirty="0"/>
+              <a:t>Scalable Self-Documenting Scripting</a:t>
+            </a:r>
+          </a:p>
+        </p:txBody>
+      </p:sp>
+      <p:sp>
+        <p:nvSpPr>
+          <p:cNvPr id="3" name="Content Placeholder 2"/>
+          <p:cNvSpPr>
+            <a:spLocks noGrp="1"/>
+          </p:cNvSpPr>
+          <p:nvPr>
+            <p:ph idx="1"/>
+          </p:nvPr>
+        </p:nvSpPr>
+        <p:spPr/>
+        <p:txBody>
+          <a:bodyPr>
+            <a:normAutofit/>
+          </a:bodyPr>
+          <a:lstStyle/>
+          <a:p>
+            <a:r>
+              <a:rPr lang="en-US" dirty="0"/>
+              <a:t>A cool thing about this architecture is that it is scalable in the sense that if you want some new script feature all you need to do is add a unique label and a code block and you are up and running.</a:t>
+            </a:r>
+          </a:p>
+        </p:txBody>
+      </p:sp>
+    </p:spTree>
+    <p:extLst>
+      <p:ext uri="{BB962C8B-B14F-4D97-AF65-F5344CB8AC3E}">
+        <p14:creationId xmlns:p14="http://schemas.microsoft.com/office/powerpoint/2010/main" val="2364582589"/>
+      </p:ext>
+    </p:extLst>
+  </p:cSld>
+  <p:clrMapOvr>
+    <a:masterClrMapping/>
+  </p:clrMapOvr>
+  <mc:AlternateContent xmlns:mc="http://schemas.openxmlformats.org/markup-compatibility/2006" xmlns:p14="http://schemas.microsoft.com/office/powerpoint/2010/main">
+    <mc:Choice Requires="p14">
+      <p:transition spd="med" p14:dur="700">
+        <p:fade/>
+      </p:transition>
+    </mc:Choice>
+    <mc:Fallback xmlns="">
+      <p:transition spd="med">
+        <p:fade/>
+      </p:transition>
+    </mc:Fallback>
+  </mc:AlternateContent>
+</p:sld>
+</file>
+
+<file path=ppt/slides/slide8.xml><?xml version="1.0" encoding="utf-8"?>
+<p:sld xmlns:a="http://schemas.openxmlformats.org/drawingml/2006/main" xmlns:r="http://schemas.openxmlformats.org/officeDocument/2006/relationships" xmlns:p="http://schemas.openxmlformats.org/presentationml/2006/main">
+  <p:cSld>
+    <p:spTree>
+      <p:nvGrpSpPr>
+        <p:cNvPr id="1" name=""/>
+        <p:cNvGrpSpPr/>
+        <p:nvPr/>
+      </p:nvGrpSpPr>
+      <p:grpSpPr>
+        <a:xfrm>
+          <a:off x="0" y="0"/>
+          <a:ext cx="0" cy="0"/>
+          <a:chOff x="0" y="0"/>
+          <a:chExt cx="0" cy="0"/>
+        </a:xfrm>
+      </p:grpSpPr>
+      <p:sp>
+        <p:nvSpPr>
+          <p:cNvPr id="2" name="Title 1"/>
+          <p:cNvSpPr>
+            <a:spLocks noGrp="1"/>
+          </p:cNvSpPr>
+          <p:nvPr>
+            <p:ph type="title"/>
+          </p:nvPr>
+        </p:nvSpPr>
+        <p:spPr/>
+        <p:txBody>
+          <a:bodyPr/>
+          <a:lstStyle/>
+          <a:p>
+            <a:r>
+              <a:rPr lang="en-US" dirty="0"/>
+              <a:t>Scalable Self-Documenting Scripting</a:t>
+            </a:r>
+          </a:p>
+        </p:txBody>
+      </p:sp>
+      <p:sp>
+        <p:nvSpPr>
+          <p:cNvPr id="3" name="Content Placeholder 2"/>
+          <p:cNvSpPr>
+            <a:spLocks noGrp="1"/>
+          </p:cNvSpPr>
+          <p:nvPr>
+            <p:ph idx="1"/>
+          </p:nvPr>
+        </p:nvSpPr>
+        <p:spPr/>
+        <p:txBody>
+          <a:bodyPr>
+            <a:normAutofit/>
+          </a:bodyPr>
+          <a:lstStyle/>
+          <a:p>
+            <a:r>
+              <a:rPr lang="en-US" dirty="0"/>
+              <a:t>A cool thing about this architecture is that it is scalable in the sense that if you want some new script feature all you need to do is add a unique label and a code block and you are up and running.</a:t>
+            </a:r>
+          </a:p>
+        </p:txBody>
+      </p:sp>
+    </p:spTree>
+    <p:extLst>
+      <p:ext uri="{BB962C8B-B14F-4D97-AF65-F5344CB8AC3E}">
+        <p14:creationId xmlns:p14="http://schemas.microsoft.com/office/powerpoint/2010/main" val="3521850401"/>
+      </p:ext>
+    </p:extLst>
+  </p:cSld>
+  <p:clrMapOvr>
+    <a:masterClrMapping/>
+  </p:clrMapOvr>
+  <mc:AlternateContent xmlns:mc="http://schemas.openxmlformats.org/markup-compatibility/2006" xmlns:p14="http://schemas.microsoft.com/office/powerpoint/2010/main">
+    <mc:Choice Requires="p14">
+      <p:transition spd="med" p14:dur="700">
+        <p:fade/>
+      </p:transition>
+    </mc:Choice>
+    <mc:Fallback xmlns="">
+      <p:transition spd="med">
+        <p:fade/>
+      </p:transition>
+    </mc:Fallback>
+  </mc:AlternateContent>
+</p:sld>
+</file>
+
+<file path=ppt/slides/slide9.xml><?xml version="1.0" encoding="utf-8"?>
 <p:sld xmlns:a="http://schemas.openxmlformats.org/drawingml/2006/main" xmlns:r="http://schemas.openxmlformats.org/officeDocument/2006/relationships" xmlns:p="http://schemas.openxmlformats.org/presentationml/2006/main">
   <p:cSld>
     <p:spTree>

--- a/Composable Batch File Helper.pptx
+++ b/Composable Batch File Helper.pptx
@@ -4333,7 +4333,7 @@
           <a:p>
             <a:r>
               <a:rPr lang="en-US" dirty="0"/>
-              <a:t>Many batch files I've seen in the wild are pretty messy. They are often quite long and not well structured. I know this partly because I've written hundreds like them. I wrote batch files for years that were a mess. I like to think I'm a little better now.</a:t>
+              <a:t>Many batch files I've seen in the wild are pretty messy. They are often quite long and not well structured. I know this partly because I've written hundreds of them. I wrote batch files for years that were a mess. I like to think I'm a little better now.</a:t>
             </a:r>
           </a:p>
           <a:p>
@@ -4568,15 +4568,7 @@
           <a:p>
             <a:r>
               <a:rPr lang="en-US" dirty="0"/>
-              <a:t>This small file has 19 </a:t>
-            </a:r>
-            <a:r>
-              <a:rPr lang="en-US" dirty="0" err="1"/>
-              <a:t>goto</a:t>
-            </a:r>
-            <a:r>
-              <a:rPr lang="en-US" dirty="0"/>
-              <a:t> statements! Makes my head hurt looking at it.</a:t>
+              <a:t>This small file has 19 goto statements! Makes my head hurt looking at it.</a:t>
             </a:r>
           </a:p>
           <a:p>
@@ -4705,8 +4697,19 @@
               <a:buNone/>
             </a:pPr>
             <a:r>
+              <a:rPr lang="en-US" dirty="0">
+                <a:solidFill>
+                  <a:schemeClr val="accent2">
+                    <a:lumMod val="60000"/>
+                    <a:lumOff val="40000"/>
+                  </a:schemeClr>
+                </a:solidFill>
+              </a:rPr>
+              <a:t>[label]</a:t>
+            </a:r>
+            <a:r>
               <a:rPr lang="en-US" dirty="0"/>
-              <a:t>[label] = function name (which must be unique)</a:t>
+              <a:t> = function name (which must be unique)</a:t>
             </a:r>
           </a:p>
           <a:p>
@@ -4714,8 +4717,19 @@
               <a:buNone/>
             </a:pPr>
             <a:r>
+              <a:rPr lang="en-US" dirty="0">
+                <a:solidFill>
+                  <a:schemeClr val="accent2">
+                    <a:lumMod val="60000"/>
+                    <a:lumOff val="40000"/>
+                  </a:schemeClr>
+                </a:solidFill>
+              </a:rPr>
+              <a:t>call :[label]</a:t>
+            </a:r>
+            <a:r>
               <a:rPr lang="en-US" dirty="0"/>
-              <a:t>call :[label] = function call to another function in this batch file.</a:t>
+              <a:t> = function call to another function in this batch file.</a:t>
             </a:r>
           </a:p>
           <a:p>
@@ -4723,12 +4737,19 @@
               <a:buNone/>
             </a:pPr>
             <a:r>
-              <a:rPr lang="en-US" dirty="0" err="1"/>
-              <a:t>goto</a:t>
+              <a:rPr lang="en-US" dirty="0">
+                <a:solidFill>
+                  <a:schemeClr val="accent2">
+                    <a:lumMod val="60000"/>
+                    <a:lumOff val="40000"/>
+                  </a:schemeClr>
+                </a:solidFill>
+              </a:rPr>
+              <a:t>goto [label]</a:t>
             </a:r>
             <a:r>
               <a:rPr lang="en-US" dirty="0"/>
-              <a:t> [label] = also a function call, which does not return to the caller. Use judiciously.</a:t>
+              <a:t> = also a function call, which does not return to the caller. Use judiciously.</a:t>
             </a:r>
           </a:p>
           <a:p>
@@ -4736,8 +4757,19 @@
               <a:buNone/>
             </a:pPr>
             <a:r>
+              <a:rPr lang="en-US" dirty="0">
+                <a:solidFill>
+                  <a:schemeClr val="accent2">
+                    <a:lumMod val="60000"/>
+                    <a:lumOff val="40000"/>
+                  </a:schemeClr>
+                </a:solidFill>
+              </a:rPr>
+              <a:t>exit/b</a:t>
+            </a:r>
+            <a:r>
               <a:rPr lang="en-US" dirty="0"/>
-              <a:t>exit/b = end of function. The lack of exit/b is the most common culprit. Without ending </a:t>
+              <a:t> = end of function. The lack of exit/b is the most common culprit. Without ending </a:t>
             </a:r>
           </a:p>
           <a:p>

--- a/Composable Batch File Helper.pptx
+++ b/Composable Batch File Helper.pptx
@@ -16,8 +16,8 @@
     <p:sldId id="257" r:id="rId5"/>
     <p:sldId id="275" r:id="rId6"/>
     <p:sldId id="277" r:id="rId7"/>
-    <p:sldId id="276" r:id="rId8"/>
-    <p:sldId id="279" r:id="rId9"/>
+    <p:sldId id="279" r:id="rId8"/>
+    <p:sldId id="276" r:id="rId9"/>
     <p:sldId id="278" r:id="rId10"/>
     <p:sldId id="273" r:id="rId11"/>
   </p:sldIdLst>
@@ -4857,7 +4857,7 @@
           <a:p>
             <a:r>
               <a:rPr lang="en-US" dirty="0"/>
-              <a:t>Scalable Self-Documenting Scripting</a:t>
+              <a:t>A More Structured and Functionalized Approach</a:t>
             </a:r>
           </a:p>
         </p:txBody>
@@ -4881,7 +4881,7 @@
           <a:p>
             <a:r>
               <a:rPr lang="en-US" dirty="0"/>
-              <a:t>A cool thing about this architecture is that it is scalable in the sense that if you want some new script feature all you need to do is add a unique label and a code block and you are up and running.</a:t>
+              <a:t>Building the batch file around the a set of functions can turn a normally disorganized environment into a structured and organized one.</a:t>
             </a:r>
           </a:p>
         </p:txBody>
@@ -4889,7 +4889,7 @@
     </p:spTree>
     <p:extLst>
       <p:ext uri="{BB962C8B-B14F-4D97-AF65-F5344CB8AC3E}">
-        <p14:creationId xmlns:p14="http://schemas.microsoft.com/office/powerpoint/2010/main" val="3503943722"/>
+        <p14:creationId xmlns:p14="http://schemas.microsoft.com/office/powerpoint/2010/main" val="2364582589"/>
       </p:ext>
     </p:extLst>
   </p:cSld>
@@ -4945,7 +4945,7 @@
           <a:p>
             <a:r>
               <a:rPr lang="en-US" dirty="0"/>
-              <a:t>Scalable Self-Documenting Scripting</a:t>
+              <a:t> </a:t>
             </a:r>
           </a:p>
         </p:txBody>
@@ -4967,17 +4967,50 @@
           </a:bodyPr>
           <a:lstStyle/>
           <a:p>
+            <a:pPr marL="0" indent="0">
+              <a:buNone/>
+            </a:pPr>
             <a:r>
               <a:rPr lang="en-US" dirty="0"/>
-              <a:t>A cool thing about this architecture is that it is scalable in the sense that if you want some new script feature all you need to do is add a unique label and a code block and you are up and running.</a:t>
-            </a:r>
-          </a:p>
-        </p:txBody>
-      </p:sp>
+              <a:t> </a:t>
+            </a:r>
+          </a:p>
+        </p:txBody>
+      </p:sp>
+      <p:pic>
+        <p:nvPicPr>
+          <p:cNvPr id="4" name="Picture 3">
+            <a:extLst>
+              <a:ext uri="{FF2B5EF4-FFF2-40B4-BE49-F238E27FC236}">
+                <a16:creationId xmlns:a16="http://schemas.microsoft.com/office/drawing/2014/main" id="{41F6ABDD-6CCF-4241-8843-F4E819020155}"/>
+              </a:ext>
+            </a:extLst>
+          </p:cNvPr>
+          <p:cNvPicPr>
+            <a:picLocks noChangeAspect="1"/>
+          </p:cNvPicPr>
+          <p:nvPr/>
+        </p:nvPicPr>
+        <p:blipFill>
+          <a:blip r:embed="rId2"/>
+          <a:stretch>
+            <a:fillRect/>
+          </a:stretch>
+        </p:blipFill>
+        <p:spPr>
+          <a:xfrm>
+            <a:off x="4127196" y="0"/>
+            <a:ext cx="3937608" cy="6858000"/>
+          </a:xfrm>
+          <a:prstGeom prst="rect">
+            <a:avLst/>
+          </a:prstGeom>
+        </p:spPr>
+      </p:pic>
     </p:spTree>
     <p:extLst>
       <p:ext uri="{BB962C8B-B14F-4D97-AF65-F5344CB8AC3E}">
-        <p14:creationId xmlns:p14="http://schemas.microsoft.com/office/powerpoint/2010/main" val="2364582589"/>
+        <p14:creationId xmlns:p14="http://schemas.microsoft.com/office/powerpoint/2010/main" val="3503943722"/>
       </p:ext>
     </p:extLst>
   </p:cSld>

--- a/Composable Batch File Helper.pptx
+++ b/Composable Batch File Helper.pptx
@@ -5,21 +5,20 @@
     <p:sldMasterId id="2147483648" r:id="rId2"/>
   </p:sldMasterIdLst>
   <p:notesMasterIdLst>
-    <p:notesMasterId r:id="rId12"/>
+    <p:notesMasterId r:id="rId11"/>
   </p:notesMasterIdLst>
   <p:handoutMasterIdLst>
-    <p:handoutMasterId r:id="rId13"/>
+    <p:handoutMasterId r:id="rId12"/>
   </p:handoutMasterIdLst>
   <p:sldIdLst>
-    <p:sldId id="267" r:id="rId3"/>
-    <p:sldId id="268" r:id="rId4"/>
-    <p:sldId id="257" r:id="rId5"/>
-    <p:sldId id="275" r:id="rId6"/>
-    <p:sldId id="277" r:id="rId7"/>
-    <p:sldId id="279" r:id="rId8"/>
-    <p:sldId id="276" r:id="rId9"/>
-    <p:sldId id="278" r:id="rId10"/>
-    <p:sldId id="273" r:id="rId11"/>
+    <p:sldId id="268" r:id="rId3"/>
+    <p:sldId id="257" r:id="rId4"/>
+    <p:sldId id="275" r:id="rId5"/>
+    <p:sldId id="277" r:id="rId6"/>
+    <p:sldId id="279" r:id="rId7"/>
+    <p:sldId id="276" r:id="rId8"/>
+    <p:sldId id="278" r:id="rId9"/>
+    <p:sldId id="273" r:id="rId10"/>
   </p:sldIdLst>
   <p:sldSz cx="12192000" cy="6858000"/>
   <p:notesSz cx="6858000" cy="9144000"/>
@@ -222,7 +221,7 @@
           <a:p>
             <a:fld id="{34475077-A074-4E8C-B45E-964494945228}" type="datetimeFigureOut">
               <a:rPr lang="en-US"/>
-              <a:t>8/9/2018</a:t>
+              <a:t>8/10/2018</a:t>
             </a:fld>
             <a:endParaRPr/>
           </a:p>
@@ -387,7 +386,7 @@
           <a:p>
             <a:fld id="{6A2B48A4-4B96-49F4-8C25-4C9D06114B2C}" type="datetimeFigureOut">
               <a:rPr lang="en-US"/>
-              <a:t>8/9/2018</a:t>
+              <a:t>8/10/2018</a:t>
             </a:fld>
             <a:endParaRPr/>
           </a:p>
@@ -1018,7 +1017,7 @@
           <a:p>
             <a:fld id="{0402902D-A5F5-4D7D-AAA7-32469BA0BC4D}" type="datetimeFigureOut">
               <a:rPr lang="en-US"/>
-              <a:t>8/9/2018</a:t>
+              <a:t>8/10/2018</a:t>
             </a:fld>
             <a:endParaRPr/>
           </a:p>
@@ -1289,7 +1288,7 @@
           <a:p>
             <a:fld id="{0402902D-A5F5-4D7D-AAA7-32469BA0BC4D}" type="datetimeFigureOut">
               <a:rPr lang="en-US"/>
-              <a:t>8/9/2018</a:t>
+              <a:t>8/10/2018</a:t>
             </a:fld>
             <a:endParaRPr/>
           </a:p>
@@ -1471,7 +1470,7 @@
           <a:p>
             <a:fld id="{0402902D-A5F5-4D7D-AAA7-32469BA0BC4D}" type="datetimeFigureOut">
               <a:rPr lang="en-US"/>
-              <a:t>8/9/2018</a:t>
+              <a:t>8/10/2018</a:t>
             </a:fld>
             <a:endParaRPr/>
           </a:p>
@@ -2058,7 +2057,7 @@
           <a:p>
             <a:fld id="{0402902D-A5F5-4D7D-AAA7-32469BA0BC4D}" type="datetimeFigureOut">
               <a:rPr lang="en-US"/>
-              <a:t>8/9/2018</a:t>
+              <a:t>8/10/2018</a:t>
             </a:fld>
             <a:endParaRPr/>
           </a:p>
@@ -2506,7 +2505,7 @@
           <a:p>
             <a:fld id="{0402902D-A5F5-4D7D-AAA7-32469BA0BC4D}" type="datetimeFigureOut">
               <a:rPr lang="en-US"/>
-              <a:t>8/9/2018</a:t>
+              <a:t>8/10/2018</a:t>
             </a:fld>
             <a:endParaRPr/>
           </a:p>
@@ -2636,7 +2635,7 @@
           <a:p>
             <a:fld id="{0402902D-A5F5-4D7D-AAA7-32469BA0BC4D}" type="datetimeFigureOut">
               <a:rPr lang="en-US"/>
-              <a:t>8/9/2018</a:t>
+              <a:t>8/10/2018</a:t>
             </a:fld>
             <a:endParaRPr/>
           </a:p>
@@ -2743,7 +2742,7 @@
           <a:p>
             <a:fld id="{0402902D-A5F5-4D7D-AAA7-32469BA0BC4D}" type="datetimeFigureOut">
               <a:rPr lang="en-US"/>
-              <a:t>8/9/2018</a:t>
+              <a:t>8/10/2018</a:t>
             </a:fld>
             <a:endParaRPr/>
           </a:p>
@@ -3678,7 +3677,7 @@
             <a:fld id="{0402902D-A5F5-4D7D-AAA7-32469BA0BC4D}" type="datetimeFigureOut">
               <a:rPr lang="en-US"/>
               <a:pPr/>
-              <a:t>8/9/2018</a:t>
+              <a:t>8/10/2018</a:t>
             </a:fld>
             <a:endParaRPr/>
           </a:p>
@@ -4147,162 +4146,6 @@
           <a:p>
             <a:r>
               <a:rPr lang="en-US" dirty="0"/>
-              <a:t>	  Get serious . . . about automation.</a:t>
-            </a:r>
-          </a:p>
-        </p:txBody>
-      </p:sp>
-      <p:sp>
-        <p:nvSpPr>
-          <p:cNvPr id="3" name="Content Placeholder 2"/>
-          <p:cNvSpPr>
-            <a:spLocks noGrp="1"/>
-          </p:cNvSpPr>
-          <p:nvPr>
-            <p:ph idx="1"/>
-          </p:nvPr>
-        </p:nvSpPr>
-        <p:spPr>
-          <a:xfrm>
-            <a:off x="1066800" y="1633455"/>
-            <a:ext cx="10058400" cy="4457700"/>
-          </a:xfrm>
-        </p:spPr>
-        <p:txBody>
-          <a:bodyPr>
-            <a:normAutofit/>
-          </a:bodyPr>
-          <a:lstStyle/>
-          <a:p>
-            <a:pPr marL="0" indent="0">
-              <a:buNone/>
-            </a:pPr>
-            <a:endParaRPr lang="en-US" dirty="0"/>
-          </a:p>
-          <a:p>
-            <a:pPr marL="0" indent="0">
-              <a:buNone/>
-            </a:pPr>
-            <a:endParaRPr lang="en-US" dirty="0"/>
-          </a:p>
-          <a:p>
-            <a:pPr marL="0" indent="0">
-              <a:buNone/>
-            </a:pPr>
-            <a:endParaRPr lang="en-US" dirty="0"/>
-          </a:p>
-          <a:p>
-            <a:pPr marL="0" indent="0">
-              <a:buNone/>
-            </a:pPr>
-            <a:endParaRPr lang="en-US" dirty="0"/>
-          </a:p>
-          <a:p>
-            <a:pPr marL="0" indent="0">
-              <a:buNone/>
-            </a:pPr>
-            <a:endParaRPr lang="en-US" dirty="0"/>
-          </a:p>
-          <a:p>
-            <a:pPr marL="0" indent="0">
-              <a:buNone/>
-            </a:pPr>
-            <a:endParaRPr lang="en-US" dirty="0"/>
-          </a:p>
-          <a:p>
-            <a:pPr marL="0" indent="0">
-              <a:buNone/>
-            </a:pPr>
-            <a:endParaRPr lang="en-US" dirty="0"/>
-          </a:p>
-          <a:p>
-            <a:endParaRPr lang="en-US" dirty="0"/>
-          </a:p>
-        </p:txBody>
-      </p:sp>
-      <p:pic>
-        <p:nvPicPr>
-          <p:cNvPr id="4" name="Picture 3"/>
-          <p:cNvPicPr>
-            <a:picLocks noChangeAspect="1"/>
-          </p:cNvPicPr>
-          <p:nvPr/>
-        </p:nvPicPr>
-        <p:blipFill>
-          <a:blip r:embed="rId2"/>
-          <a:stretch>
-            <a:fillRect/>
-          </a:stretch>
-        </p:blipFill>
-        <p:spPr>
-          <a:xfrm>
-            <a:off x="4969005" y="1785324"/>
-            <a:ext cx="1776692" cy="2461773"/>
-          </a:xfrm>
-          <a:prstGeom prst="rect">
-            <a:avLst/>
-          </a:prstGeom>
-        </p:spPr>
-      </p:pic>
-    </p:spTree>
-    <p:extLst>
-      <p:ext uri="{BB962C8B-B14F-4D97-AF65-F5344CB8AC3E}">
-        <p14:creationId xmlns:p14="http://schemas.microsoft.com/office/powerpoint/2010/main" val="88167818"/>
-      </p:ext>
-    </p:extLst>
-  </p:cSld>
-  <p:clrMapOvr>
-    <a:masterClrMapping/>
-  </p:clrMapOvr>
-  <mc:AlternateContent xmlns:mc="http://schemas.openxmlformats.org/markup-compatibility/2006" xmlns:p14="http://schemas.microsoft.com/office/powerpoint/2010/main">
-    <mc:Choice Requires="p14">
-      <p:transition spd="med" p14:dur="700">
-        <p:fade/>
-      </p:transition>
-    </mc:Choice>
-    <mc:Fallback xmlns="">
-      <p:transition spd="med">
-        <p:fade/>
-      </p:transition>
-    </mc:Fallback>
-  </mc:AlternateContent>
-</p:sld>
-</file>
-
-<file path=ppt/slides/slide2.xml><?xml version="1.0" encoding="utf-8"?>
-<p:sld xmlns:a="http://schemas.openxmlformats.org/drawingml/2006/main" xmlns:r="http://schemas.openxmlformats.org/officeDocument/2006/relationships" xmlns:p="http://schemas.openxmlformats.org/presentationml/2006/main">
-  <p:cSld>
-    <p:spTree>
-      <p:nvGrpSpPr>
-        <p:cNvPr id="1" name=""/>
-        <p:cNvGrpSpPr/>
-        <p:nvPr/>
-      </p:nvGrpSpPr>
-      <p:grpSpPr>
-        <a:xfrm>
-          <a:off x="0" y="0"/>
-          <a:ext cx="0" cy="0"/>
-          <a:chOff x="0" y="0"/>
-          <a:chExt cx="0" cy="0"/>
-        </a:xfrm>
-      </p:grpSpPr>
-      <p:sp>
-        <p:nvSpPr>
-          <p:cNvPr id="2" name="Title 1"/>
-          <p:cNvSpPr>
-            <a:spLocks noGrp="1"/>
-          </p:cNvSpPr>
-          <p:nvPr>
-            <p:ph type="title"/>
-          </p:nvPr>
-        </p:nvSpPr>
-        <p:spPr/>
-        <p:txBody>
-          <a:bodyPr/>
-          <a:lstStyle/>
-          <a:p>
-            <a:r>
-              <a:rPr lang="en-US" dirty="0"/>
               <a:t>                            Old Technology</a:t>
             </a:r>
           </a:p>
@@ -4388,7 +4231,7 @@
 </p:sld>
 </file>
 
-<file path=ppt/slides/slide3.xml><?xml version="1.0" encoding="utf-8"?>
+<file path=ppt/slides/slide2.xml><?xml version="1.0" encoding="utf-8"?>
 <p:sld xmlns:a="http://schemas.openxmlformats.org/drawingml/2006/main" xmlns:r="http://schemas.openxmlformats.org/officeDocument/2006/relationships" xmlns:p="http://schemas.openxmlformats.org/presentationml/2006/main">
   <p:cSld>
     <p:spTree>
@@ -4510,6 +4353,100 @@
 </p:sld>
 </file>
 
+<file path=ppt/slides/slide3.xml><?xml version="1.0" encoding="utf-8"?>
+<p:sld xmlns:a="http://schemas.openxmlformats.org/drawingml/2006/main" xmlns:r="http://schemas.openxmlformats.org/officeDocument/2006/relationships" xmlns:p="http://schemas.openxmlformats.org/presentationml/2006/main">
+  <p:cSld>
+    <p:spTree>
+      <p:nvGrpSpPr>
+        <p:cNvPr id="1" name=""/>
+        <p:cNvGrpSpPr/>
+        <p:nvPr/>
+      </p:nvGrpSpPr>
+      <p:grpSpPr>
+        <a:xfrm>
+          <a:off x="0" y="0"/>
+          <a:ext cx="0" cy="0"/>
+          <a:chOff x="0" y="0"/>
+          <a:chExt cx="0" cy="0"/>
+        </a:xfrm>
+      </p:grpSpPr>
+      <p:sp>
+        <p:nvSpPr>
+          <p:cNvPr id="2" name="Title 1"/>
+          <p:cNvSpPr>
+            <a:spLocks noGrp="1"/>
+          </p:cNvSpPr>
+          <p:nvPr>
+            <p:ph type="title"/>
+          </p:nvPr>
+        </p:nvSpPr>
+        <p:spPr/>
+        <p:txBody>
+          <a:bodyPr/>
+          <a:lstStyle/>
+          <a:p>
+            <a:r>
+              <a:rPr lang="en-US" dirty="0"/>
+              <a:t> </a:t>
+            </a:r>
+          </a:p>
+        </p:txBody>
+      </p:sp>
+      <p:sp>
+        <p:nvSpPr>
+          <p:cNvPr id="3" name="Content Placeholder 2"/>
+          <p:cNvSpPr>
+            <a:spLocks noGrp="1"/>
+          </p:cNvSpPr>
+          <p:nvPr>
+            <p:ph idx="1"/>
+          </p:nvPr>
+        </p:nvSpPr>
+        <p:spPr/>
+        <p:txBody>
+          <a:bodyPr>
+            <a:normAutofit/>
+          </a:bodyPr>
+          <a:lstStyle/>
+          <a:p>
+            <a:r>
+              <a:rPr lang="en-US" dirty="0"/>
+              <a:t>This small file has 19 goto statements! Makes my head hurt looking at it.</a:t>
+            </a:r>
+          </a:p>
+          <a:p>
+            <a:r>
+              <a:rPr lang="en-US" dirty="0"/>
+              <a:t>The lack of structure is a problem and leads to hard to read and understand code.</a:t>
+            </a:r>
+          </a:p>
+        </p:txBody>
+      </p:sp>
+    </p:spTree>
+    <p:extLst>
+      <p:ext uri="{BB962C8B-B14F-4D97-AF65-F5344CB8AC3E}">
+        <p14:creationId xmlns:p14="http://schemas.microsoft.com/office/powerpoint/2010/main" val="640977179"/>
+      </p:ext>
+    </p:extLst>
+  </p:cSld>
+  <p:clrMapOvr>
+    <a:masterClrMapping/>
+  </p:clrMapOvr>
+  <mc:AlternateContent xmlns:mc="http://schemas.openxmlformats.org/markup-compatibility/2006" xmlns:p14="http://schemas.microsoft.com/office/powerpoint/2010/main">
+    <mc:Choice Requires="p14">
+      <p:transition spd="med" p14:dur="700">
+        <p:fade/>
+      </p:transition>
+    </mc:Choice>
+    <mc:Fallback xmlns="">
+      <p:transition spd="med">
+        <p:fade/>
+      </p:transition>
+    </mc:Fallback>
+  </mc:AlternateContent>
+</p:sld>
+</file>
+
 <file path=ppt/slides/slide4.xml><?xml version="1.0" encoding="utf-8"?>
 <p:sld xmlns:a="http://schemas.openxmlformats.org/drawingml/2006/main" xmlns:r="http://schemas.openxmlformats.org/officeDocument/2006/relationships" xmlns:p="http://schemas.openxmlformats.org/presentationml/2006/main">
   <p:cSld>
@@ -4544,7 +4481,7 @@
           <a:p>
             <a:r>
               <a:rPr lang="en-US" dirty="0"/>
-              <a:t> </a:t>
+              <a:t>                        How to Modularize?</a:t>
             </a:r>
           </a:p>
         </p:txBody>
@@ -4562,27 +4499,152 @@
         <p:spPr/>
         <p:txBody>
           <a:bodyPr>
-            <a:normAutofit/>
+            <a:normAutofit fontScale="85000" lnSpcReduction="20000"/>
           </a:bodyPr>
           <a:lstStyle/>
           <a:p>
             <a:r>
               <a:rPr lang="en-US" dirty="0"/>
-              <a:t>This small file has 19 goto statements! Makes my head hurt looking at it.</a:t>
-            </a:r>
-          </a:p>
-          <a:p>
+              <a:t>So let's impose some structure. In most programming languages there's a concept of a </a:t>
+            </a:r>
+            <a:r>
+              <a:rPr lang="en-US" dirty="0">
+                <a:solidFill>
+                  <a:schemeClr val="accent2">
+                    <a:lumMod val="60000"/>
+                    <a:lumOff val="40000"/>
+                  </a:schemeClr>
+                </a:solidFill>
+              </a:rPr>
+              <a:t>function</a:t>
+            </a:r>
             <a:r>
               <a:rPr lang="en-US" dirty="0"/>
-              <a:t>The lack of structure is a problem and leads to hard to read and understand code.</a:t>
-            </a:r>
+              <a:t>.</a:t>
+            </a:r>
+          </a:p>
+          <a:p>
+            <a:r>
+              <a:rPr lang="en-US" dirty="0"/>
+              <a:t>At the heart of Composable Batch Files is the enforcing the use of traditional functions or code blocks.</a:t>
+            </a:r>
+          </a:p>
+          <a:p>
+            <a:r>
+              <a:rPr lang="en-US" dirty="0"/>
+              <a:t>Anatomy of a function. Here are the basic structural elements:</a:t>
+            </a:r>
+          </a:p>
+          <a:p>
+            <a:pPr marL="0" indent="0">
+              <a:buNone/>
+            </a:pPr>
+            <a:r>
+              <a:rPr lang="en-US" dirty="0">
+                <a:solidFill>
+                  <a:schemeClr val="accent2">
+                    <a:lumMod val="60000"/>
+                    <a:lumOff val="40000"/>
+                  </a:schemeClr>
+                </a:solidFill>
+              </a:rPr>
+              <a:t>[label]</a:t>
+            </a:r>
+            <a:r>
+              <a:rPr lang="en-US" dirty="0"/>
+              <a:t> = function name (which must be unique)</a:t>
+            </a:r>
+          </a:p>
+          <a:p>
+            <a:pPr marL="0" indent="0">
+              <a:buNone/>
+            </a:pPr>
+            <a:r>
+              <a:rPr lang="en-US" dirty="0">
+                <a:solidFill>
+                  <a:schemeClr val="accent2">
+                    <a:lumMod val="60000"/>
+                    <a:lumOff val="40000"/>
+                  </a:schemeClr>
+                </a:solidFill>
+              </a:rPr>
+              <a:t>call :[label]</a:t>
+            </a:r>
+            <a:r>
+              <a:rPr lang="en-US" dirty="0"/>
+              <a:t> = function call to another function in this batch file.</a:t>
+            </a:r>
+          </a:p>
+          <a:p>
+            <a:pPr marL="0" indent="0">
+              <a:buNone/>
+            </a:pPr>
+            <a:r>
+              <a:rPr lang="en-US" dirty="0">
+                <a:solidFill>
+                  <a:schemeClr val="accent2">
+                    <a:lumMod val="60000"/>
+                    <a:lumOff val="40000"/>
+                  </a:schemeClr>
+                </a:solidFill>
+              </a:rPr>
+              <a:t>goto [label]</a:t>
+            </a:r>
+            <a:r>
+              <a:rPr lang="en-US" dirty="0"/>
+              <a:t> = also a function call, which does not return to the caller. Use judiciously.</a:t>
+            </a:r>
+          </a:p>
+          <a:p>
+            <a:pPr marL="0" indent="0">
+              <a:buNone/>
+            </a:pPr>
+            <a:r>
+              <a:rPr lang="en-US" dirty="0">
+                <a:solidFill>
+                  <a:schemeClr val="accent2">
+                    <a:lumMod val="60000"/>
+                    <a:lumOff val="40000"/>
+                  </a:schemeClr>
+                </a:solidFill>
+              </a:rPr>
+              <a:t>exit/b</a:t>
+            </a:r>
+            <a:r>
+              <a:rPr lang="en-US" dirty="0"/>
+              <a:t> = end of function. The lack of exit/b is the most common culprit. Without ending </a:t>
+            </a:r>
+          </a:p>
+          <a:p>
+            <a:pPr marL="0" indent="0">
+              <a:buNone/>
+            </a:pPr>
+            <a:r>
+              <a:rPr lang="en-US" dirty="0"/>
+              <a:t>functions, you have spaghetti code.</a:t>
+            </a:r>
+          </a:p>
+          <a:p>
+            <a:pPr marL="0" indent="0">
+              <a:buNone/>
+            </a:pPr>
+            <a:endParaRPr lang="en-US" dirty="0"/>
+          </a:p>
+          <a:p>
+            <a:pPr marL="0" indent="0">
+              <a:buNone/>
+            </a:pPr>
+            <a:endParaRPr lang="en-US" dirty="0"/>
+          </a:p>
+          <a:p>
+            <a:endParaRPr lang="en-US" dirty="0"/>
           </a:p>
         </p:txBody>
       </p:sp>
     </p:spTree>
     <p:extLst>
       <p:ext uri="{BB962C8B-B14F-4D97-AF65-F5344CB8AC3E}">
-        <p14:creationId xmlns:p14="http://schemas.microsoft.com/office/powerpoint/2010/main" val="640977179"/>
+        <p14:creationId xmlns:p14="http://schemas.microsoft.com/office/powerpoint/2010/main" val="3262004891"/>
       </p:ext>
     </p:extLst>
   </p:cSld>
@@ -4638,225 +4700,6 @@
           <a:p>
             <a:r>
               <a:rPr lang="en-US" dirty="0"/>
-              <a:t>                        How to Modularize?</a:t>
-            </a:r>
-          </a:p>
-        </p:txBody>
-      </p:sp>
-      <p:sp>
-        <p:nvSpPr>
-          <p:cNvPr id="3" name="Content Placeholder 2"/>
-          <p:cNvSpPr>
-            <a:spLocks noGrp="1"/>
-          </p:cNvSpPr>
-          <p:nvPr>
-            <p:ph idx="1"/>
-          </p:nvPr>
-        </p:nvSpPr>
-        <p:spPr/>
-        <p:txBody>
-          <a:bodyPr>
-            <a:normAutofit fontScale="85000" lnSpcReduction="20000"/>
-          </a:bodyPr>
-          <a:lstStyle/>
-          <a:p>
-            <a:r>
-              <a:rPr lang="en-US" dirty="0"/>
-              <a:t>So let's impose some structure. In most programming languages there's a concept of a </a:t>
-            </a:r>
-            <a:r>
-              <a:rPr lang="en-US" dirty="0">
-                <a:solidFill>
-                  <a:schemeClr val="accent2">
-                    <a:lumMod val="60000"/>
-                    <a:lumOff val="40000"/>
-                  </a:schemeClr>
-                </a:solidFill>
-              </a:rPr>
-              <a:t>function</a:t>
-            </a:r>
-            <a:r>
-              <a:rPr lang="en-US" dirty="0"/>
-              <a:t>.</a:t>
-            </a:r>
-          </a:p>
-          <a:p>
-            <a:r>
-              <a:rPr lang="en-US" dirty="0"/>
-              <a:t>At the heart of Composable Batch Files is the enforcing the use of traditional functions or code blocks.</a:t>
-            </a:r>
-          </a:p>
-          <a:p>
-            <a:r>
-              <a:rPr lang="en-US" dirty="0"/>
-              <a:t>Anatomy of a function. Here are the basic structural elements:</a:t>
-            </a:r>
-          </a:p>
-          <a:p>
-            <a:pPr marL="0" indent="0">
-              <a:buNone/>
-            </a:pPr>
-            <a:r>
-              <a:rPr lang="en-US" dirty="0">
-                <a:solidFill>
-                  <a:schemeClr val="accent2">
-                    <a:lumMod val="60000"/>
-                    <a:lumOff val="40000"/>
-                  </a:schemeClr>
-                </a:solidFill>
-              </a:rPr>
-              <a:t>[label]</a:t>
-            </a:r>
-            <a:r>
-              <a:rPr lang="en-US" dirty="0"/>
-              <a:t> = function name (which must be unique)</a:t>
-            </a:r>
-          </a:p>
-          <a:p>
-            <a:pPr marL="0" indent="0">
-              <a:buNone/>
-            </a:pPr>
-            <a:r>
-              <a:rPr lang="en-US" dirty="0">
-                <a:solidFill>
-                  <a:schemeClr val="accent2">
-                    <a:lumMod val="60000"/>
-                    <a:lumOff val="40000"/>
-                  </a:schemeClr>
-                </a:solidFill>
-              </a:rPr>
-              <a:t>call :[label]</a:t>
-            </a:r>
-            <a:r>
-              <a:rPr lang="en-US" dirty="0"/>
-              <a:t> = function call to another function in this batch file.</a:t>
-            </a:r>
-          </a:p>
-          <a:p>
-            <a:pPr marL="0" indent="0">
-              <a:buNone/>
-            </a:pPr>
-            <a:r>
-              <a:rPr lang="en-US" dirty="0">
-                <a:solidFill>
-                  <a:schemeClr val="accent2">
-                    <a:lumMod val="60000"/>
-                    <a:lumOff val="40000"/>
-                  </a:schemeClr>
-                </a:solidFill>
-              </a:rPr>
-              <a:t>goto [label]</a:t>
-            </a:r>
-            <a:r>
-              <a:rPr lang="en-US" dirty="0"/>
-              <a:t> = also a function call, which does not return to the caller. Use judiciously.</a:t>
-            </a:r>
-          </a:p>
-          <a:p>
-            <a:pPr marL="0" indent="0">
-              <a:buNone/>
-            </a:pPr>
-            <a:r>
-              <a:rPr lang="en-US" dirty="0">
-                <a:solidFill>
-                  <a:schemeClr val="accent2">
-                    <a:lumMod val="60000"/>
-                    <a:lumOff val="40000"/>
-                  </a:schemeClr>
-                </a:solidFill>
-              </a:rPr>
-              <a:t>exit/b</a:t>
-            </a:r>
-            <a:r>
-              <a:rPr lang="en-US" dirty="0"/>
-              <a:t> = end of function. The lack of exit/b is the most common culprit. Without ending </a:t>
-            </a:r>
-          </a:p>
-          <a:p>
-            <a:pPr marL="0" indent="0">
-              <a:buNone/>
-            </a:pPr>
-            <a:r>
-              <a:rPr lang="en-US" dirty="0"/>
-              <a:t>functions, you have spaghetti code.</a:t>
-            </a:r>
-          </a:p>
-          <a:p>
-            <a:pPr marL="0" indent="0">
-              <a:buNone/>
-            </a:pPr>
-            <a:endParaRPr lang="en-US" dirty="0"/>
-          </a:p>
-          <a:p>
-            <a:pPr marL="0" indent="0">
-              <a:buNone/>
-            </a:pPr>
-            <a:endParaRPr lang="en-US" dirty="0"/>
-          </a:p>
-          <a:p>
-            <a:endParaRPr lang="en-US" dirty="0"/>
-          </a:p>
-        </p:txBody>
-      </p:sp>
-    </p:spTree>
-    <p:extLst>
-      <p:ext uri="{BB962C8B-B14F-4D97-AF65-F5344CB8AC3E}">
-        <p14:creationId xmlns:p14="http://schemas.microsoft.com/office/powerpoint/2010/main" val="3262004891"/>
-      </p:ext>
-    </p:extLst>
-  </p:cSld>
-  <p:clrMapOvr>
-    <a:masterClrMapping/>
-  </p:clrMapOvr>
-  <mc:AlternateContent xmlns:mc="http://schemas.openxmlformats.org/markup-compatibility/2006" xmlns:p14="http://schemas.microsoft.com/office/powerpoint/2010/main">
-    <mc:Choice Requires="p14">
-      <p:transition spd="med" p14:dur="700">
-        <p:fade/>
-      </p:transition>
-    </mc:Choice>
-    <mc:Fallback xmlns="">
-      <p:transition spd="med">
-        <p:fade/>
-      </p:transition>
-    </mc:Fallback>
-  </mc:AlternateContent>
-</p:sld>
-</file>
-
-<file path=ppt/slides/slide6.xml><?xml version="1.0" encoding="utf-8"?>
-<p:sld xmlns:a="http://schemas.openxmlformats.org/drawingml/2006/main" xmlns:r="http://schemas.openxmlformats.org/officeDocument/2006/relationships" xmlns:p="http://schemas.openxmlformats.org/presentationml/2006/main">
-  <p:cSld>
-    <p:spTree>
-      <p:nvGrpSpPr>
-        <p:cNvPr id="1" name=""/>
-        <p:cNvGrpSpPr/>
-        <p:nvPr/>
-      </p:nvGrpSpPr>
-      <p:grpSpPr>
-        <a:xfrm>
-          <a:off x="0" y="0"/>
-          <a:ext cx="0" cy="0"/>
-          <a:chOff x="0" y="0"/>
-          <a:chExt cx="0" cy="0"/>
-        </a:xfrm>
-      </p:grpSpPr>
-      <p:sp>
-        <p:nvSpPr>
-          <p:cNvPr id="2" name="Title 1"/>
-          <p:cNvSpPr>
-            <a:spLocks noGrp="1"/>
-          </p:cNvSpPr>
-          <p:nvPr>
-            <p:ph type="title"/>
-          </p:nvPr>
-        </p:nvSpPr>
-        <p:spPr/>
-        <p:txBody>
-          <a:bodyPr/>
-          <a:lstStyle/>
-          <a:p>
-            <a:r>
-              <a:rPr lang="en-US" dirty="0"/>
               <a:t>A More Structured and Functionalized Approach</a:t>
             </a:r>
           </a:p>
@@ -4911,7 +4754,7 @@
 </p:sld>
 </file>
 
-<file path=ppt/slides/slide7.xml><?xml version="1.0" encoding="utf-8"?>
+<file path=ppt/slides/slide6.xml><?xml version="1.0" encoding="utf-8"?>
 <p:sld xmlns:a="http://schemas.openxmlformats.org/drawingml/2006/main" xmlns:r="http://schemas.openxmlformats.org/officeDocument/2006/relationships" xmlns:p="http://schemas.openxmlformats.org/presentationml/2006/main">
   <p:cSld>
     <p:spTree>
@@ -5032,7 +4875,7 @@
 </p:sld>
 </file>
 
-<file path=ppt/slides/slide8.xml><?xml version="1.0" encoding="utf-8"?>
+<file path=ppt/slides/slide7.xml><?xml version="1.0" encoding="utf-8"?>
 <p:sld xmlns:a="http://schemas.openxmlformats.org/drawingml/2006/main" xmlns:r="http://schemas.openxmlformats.org/officeDocument/2006/relationships" xmlns:p="http://schemas.openxmlformats.org/presentationml/2006/main">
   <p:cSld>
     <p:spTree>
@@ -5120,7 +4963,7 @@
 </p:sld>
 </file>
 
-<file path=ppt/slides/slide9.xml><?xml version="1.0" encoding="utf-8"?>
+<file path=ppt/slides/slide8.xml><?xml version="1.0" encoding="utf-8"?>
 <p:sld xmlns:a="http://schemas.openxmlformats.org/drawingml/2006/main" xmlns:r="http://schemas.openxmlformats.org/officeDocument/2006/relationships" xmlns:p="http://schemas.openxmlformats.org/presentationml/2006/main">
   <p:cSld>
     <p:spTree>

--- a/Composable Batch File Helper.pptx
+++ b/Composable Batch File Helper.pptx
@@ -5011,10 +5011,10 @@
       </p:sp>
       <p:pic>
         <p:nvPicPr>
-          <p:cNvPr id="4" name="Picture 3">
+          <p:cNvPr id="5" name="Picture 4">
             <a:extLst>
               <a:ext uri="{FF2B5EF4-FFF2-40B4-BE49-F238E27FC236}">
-                <a16:creationId xmlns:a16="http://schemas.microsoft.com/office/drawing/2014/main" id="{757258D2-F6D3-4944-A775-62D2B1E75C46}"/>
+                <a16:creationId xmlns:a16="http://schemas.microsoft.com/office/drawing/2014/main" id="{A0DA6ACB-8DA6-4D5B-AA19-C969C195A727}"/>
               </a:ext>
             </a:extLst>
           </p:cNvPr>
@@ -5037,8 +5037,8 @@
         </p:blipFill>
         <p:spPr>
           <a:xfrm>
-            <a:off x="3494339" y="1976890"/>
-            <a:ext cx="4777467" cy="3186533"/>
+            <a:off x="2139461" y="1435100"/>
+            <a:ext cx="7913077" cy="5422900"/>
           </a:xfrm>
           <a:prstGeom prst="rect">
             <a:avLst/>

--- a/Composable Batch File Helper.pptx
+++ b/Composable Batch File Helper.pptx
@@ -5,20 +5,21 @@
     <p:sldMasterId id="2147483648" r:id="rId2"/>
   </p:sldMasterIdLst>
   <p:notesMasterIdLst>
-    <p:notesMasterId r:id="rId11"/>
+    <p:notesMasterId r:id="rId12"/>
   </p:notesMasterIdLst>
   <p:handoutMasterIdLst>
-    <p:handoutMasterId r:id="rId12"/>
+    <p:handoutMasterId r:id="rId13"/>
   </p:handoutMasterIdLst>
   <p:sldIdLst>
     <p:sldId id="268" r:id="rId3"/>
-    <p:sldId id="257" r:id="rId4"/>
-    <p:sldId id="275" r:id="rId5"/>
-    <p:sldId id="277" r:id="rId6"/>
-    <p:sldId id="279" r:id="rId7"/>
-    <p:sldId id="276" r:id="rId8"/>
-    <p:sldId id="278" r:id="rId9"/>
-    <p:sldId id="273" r:id="rId10"/>
+    <p:sldId id="280" r:id="rId4"/>
+    <p:sldId id="257" r:id="rId5"/>
+    <p:sldId id="275" r:id="rId6"/>
+    <p:sldId id="277" r:id="rId7"/>
+    <p:sldId id="279" r:id="rId8"/>
+    <p:sldId id="276" r:id="rId9"/>
+    <p:sldId id="278" r:id="rId10"/>
+    <p:sldId id="273" r:id="rId11"/>
   </p:sldIdLst>
   <p:sldSz cx="12192000" cy="6858000"/>
   <p:notesSz cx="6858000" cy="9144000"/>
@@ -4173,37 +4174,6 @@
               <a:t>This presentation is about a really old technology, Windows' batch files. Does anybody use Windows' batch files?</a:t>
             </a:r>
           </a:p>
-          <a:p>
-            <a:r>
-              <a:rPr lang="en-US" dirty="0"/>
-              <a:t>Many batch files I've seen in the wild are pretty messy. They are often quite long and not well structured. I know this partly because I've written hundreds of them. I wrote batch files for years that were a mess. I like to think I'm a little better now.</a:t>
-            </a:r>
-          </a:p>
-          <a:p>
-            <a:r>
-              <a:rPr lang="en-US" dirty="0"/>
-              <a:t>For Example, I googled "typical batch file" and this was the first hit:</a:t>
-            </a:r>
-          </a:p>
-          <a:p>
-            <a:pPr marL="0" indent="0">
-              <a:buNone/>
-            </a:pPr>
-            <a:r>
-              <a:rPr lang="en-US" dirty="0"/>
-              <a:t>	</a:t>
-            </a:r>
-            <a:r>
-              <a:rPr lang="en-US" dirty="0">
-                <a:hlinkClick r:id="rId2"/>
-              </a:rPr>
-              <a:t>https://www.instructables.com/id/5-Cool-Batch-Files/</a:t>
-            </a:r>
-            <a:endParaRPr lang="en-US" dirty="0"/>
-          </a:p>
-          <a:p>
-            <a:endParaRPr lang="en-US" dirty="0"/>
-          </a:p>
         </p:txBody>
       </p:sp>
     </p:spTree>
@@ -4232,6 +4202,123 @@
 </file>
 
 <file path=ppt/slides/slide2.xml><?xml version="1.0" encoding="utf-8"?>
+<p:sld xmlns:a="http://schemas.openxmlformats.org/drawingml/2006/main" xmlns:r="http://schemas.openxmlformats.org/officeDocument/2006/relationships" xmlns:p="http://schemas.openxmlformats.org/presentationml/2006/main">
+  <p:cSld>
+    <p:spTree>
+      <p:nvGrpSpPr>
+        <p:cNvPr id="1" name=""/>
+        <p:cNvGrpSpPr/>
+        <p:nvPr/>
+      </p:nvGrpSpPr>
+      <p:grpSpPr>
+        <a:xfrm>
+          <a:off x="0" y="0"/>
+          <a:ext cx="0" cy="0"/>
+          <a:chOff x="0" y="0"/>
+          <a:chExt cx="0" cy="0"/>
+        </a:xfrm>
+      </p:grpSpPr>
+      <p:sp>
+        <p:nvSpPr>
+          <p:cNvPr id="2" name="Title 1"/>
+          <p:cNvSpPr>
+            <a:spLocks noGrp="1"/>
+          </p:cNvSpPr>
+          <p:nvPr>
+            <p:ph type="title"/>
+          </p:nvPr>
+        </p:nvSpPr>
+        <p:spPr/>
+        <p:txBody>
+          <a:bodyPr/>
+          <a:lstStyle/>
+          <a:p>
+            <a:r>
+              <a:rPr lang="en-US" dirty="0"/>
+              <a:t>                   Most Batch Files Are A Mess</a:t>
+            </a:r>
+          </a:p>
+        </p:txBody>
+      </p:sp>
+      <p:sp>
+        <p:nvSpPr>
+          <p:cNvPr id="3" name="Content Placeholder 2"/>
+          <p:cNvSpPr>
+            <a:spLocks noGrp="1"/>
+          </p:cNvSpPr>
+          <p:nvPr>
+            <p:ph idx="1"/>
+          </p:nvPr>
+        </p:nvSpPr>
+        <p:spPr/>
+        <p:txBody>
+          <a:bodyPr>
+            <a:normAutofit/>
+          </a:bodyPr>
+          <a:lstStyle/>
+          <a:p>
+            <a:r>
+              <a:rPr lang="en-US"/>
+              <a:t>Most </a:t>
+            </a:r>
+            <a:r>
+              <a:rPr lang="en-US" dirty="0"/>
+              <a:t>batch files I've seen in the wild are pretty messy. They are often quite long and not well structured. I know this partly because I've written hundreds of them. I wrote batch files for years that were a mess. I like to think I'm a little better now.</a:t>
+            </a:r>
+          </a:p>
+          <a:p>
+            <a:r>
+              <a:rPr lang="en-US" dirty="0"/>
+              <a:t>For Example, I googled "typical batch file" and this was the first hit:</a:t>
+            </a:r>
+          </a:p>
+          <a:p>
+            <a:pPr marL="0" indent="0">
+              <a:buNone/>
+            </a:pPr>
+            <a:r>
+              <a:rPr lang="en-US" dirty="0"/>
+              <a:t>	</a:t>
+            </a:r>
+            <a:r>
+              <a:rPr lang="en-US" dirty="0">
+                <a:hlinkClick r:id="rId2"/>
+              </a:rPr>
+              <a:t>https://www.instructables.com/id/5-Cool-Batch-Files/</a:t>
+            </a:r>
+            <a:endParaRPr lang="en-US" dirty="0"/>
+          </a:p>
+          <a:p>
+            <a:endParaRPr lang="en-US" dirty="0"/>
+          </a:p>
+        </p:txBody>
+      </p:sp>
+    </p:spTree>
+    <p:extLst>
+      <p:ext uri="{BB962C8B-B14F-4D97-AF65-F5344CB8AC3E}">
+        <p14:creationId xmlns:p14="http://schemas.microsoft.com/office/powerpoint/2010/main" val="2888317160"/>
+      </p:ext>
+    </p:extLst>
+  </p:cSld>
+  <p:clrMapOvr>
+    <a:masterClrMapping/>
+  </p:clrMapOvr>
+  <mc:AlternateContent xmlns:mc="http://schemas.openxmlformats.org/markup-compatibility/2006" xmlns:p14="http://schemas.microsoft.com/office/powerpoint/2010/main">
+    <mc:Choice Requires="p14">
+      <p:transition spd="med" p14:dur="700">
+        <p:fade/>
+      </p:transition>
+    </mc:Choice>
+    <mc:Fallback xmlns="">
+      <p:transition spd="med">
+        <p:fade/>
+      </p:transition>
+    </mc:Fallback>
+  </mc:AlternateContent>
+</p:sld>
+</file>
+
+<file path=ppt/slides/slide3.xml><?xml version="1.0" encoding="utf-8"?>
 <p:sld xmlns:a="http://schemas.openxmlformats.org/drawingml/2006/main" xmlns:r="http://schemas.openxmlformats.org/officeDocument/2006/relationships" xmlns:p="http://schemas.openxmlformats.org/presentationml/2006/main">
   <p:cSld>
     <p:spTree>
@@ -4353,100 +4440,6 @@
 </p:sld>
 </file>
 
-<file path=ppt/slides/slide3.xml><?xml version="1.0" encoding="utf-8"?>
-<p:sld xmlns:a="http://schemas.openxmlformats.org/drawingml/2006/main" xmlns:r="http://schemas.openxmlformats.org/officeDocument/2006/relationships" xmlns:p="http://schemas.openxmlformats.org/presentationml/2006/main">
-  <p:cSld>
-    <p:spTree>
-      <p:nvGrpSpPr>
-        <p:cNvPr id="1" name=""/>
-        <p:cNvGrpSpPr/>
-        <p:nvPr/>
-      </p:nvGrpSpPr>
-      <p:grpSpPr>
-        <a:xfrm>
-          <a:off x="0" y="0"/>
-          <a:ext cx="0" cy="0"/>
-          <a:chOff x="0" y="0"/>
-          <a:chExt cx="0" cy="0"/>
-        </a:xfrm>
-      </p:grpSpPr>
-      <p:sp>
-        <p:nvSpPr>
-          <p:cNvPr id="2" name="Title 1"/>
-          <p:cNvSpPr>
-            <a:spLocks noGrp="1"/>
-          </p:cNvSpPr>
-          <p:nvPr>
-            <p:ph type="title"/>
-          </p:nvPr>
-        </p:nvSpPr>
-        <p:spPr/>
-        <p:txBody>
-          <a:bodyPr/>
-          <a:lstStyle/>
-          <a:p>
-            <a:r>
-              <a:rPr lang="en-US" dirty="0"/>
-              <a:t> </a:t>
-            </a:r>
-          </a:p>
-        </p:txBody>
-      </p:sp>
-      <p:sp>
-        <p:nvSpPr>
-          <p:cNvPr id="3" name="Content Placeholder 2"/>
-          <p:cNvSpPr>
-            <a:spLocks noGrp="1"/>
-          </p:cNvSpPr>
-          <p:nvPr>
-            <p:ph idx="1"/>
-          </p:nvPr>
-        </p:nvSpPr>
-        <p:spPr/>
-        <p:txBody>
-          <a:bodyPr>
-            <a:normAutofit/>
-          </a:bodyPr>
-          <a:lstStyle/>
-          <a:p>
-            <a:r>
-              <a:rPr lang="en-US" dirty="0"/>
-              <a:t>This small file has 19 goto statements! Makes my head hurt looking at it.</a:t>
-            </a:r>
-          </a:p>
-          <a:p>
-            <a:r>
-              <a:rPr lang="en-US" dirty="0"/>
-              <a:t>The lack of structure is a problem and leads to hard to read and understand code.</a:t>
-            </a:r>
-          </a:p>
-        </p:txBody>
-      </p:sp>
-    </p:spTree>
-    <p:extLst>
-      <p:ext uri="{BB962C8B-B14F-4D97-AF65-F5344CB8AC3E}">
-        <p14:creationId xmlns:p14="http://schemas.microsoft.com/office/powerpoint/2010/main" val="640977179"/>
-      </p:ext>
-    </p:extLst>
-  </p:cSld>
-  <p:clrMapOvr>
-    <a:masterClrMapping/>
-  </p:clrMapOvr>
-  <mc:AlternateContent xmlns:mc="http://schemas.openxmlformats.org/markup-compatibility/2006" xmlns:p14="http://schemas.microsoft.com/office/powerpoint/2010/main">
-    <mc:Choice Requires="p14">
-      <p:transition spd="med" p14:dur="700">
-        <p:fade/>
-      </p:transition>
-    </mc:Choice>
-    <mc:Fallback xmlns="">
-      <p:transition spd="med">
-        <p:fade/>
-      </p:transition>
-    </mc:Fallback>
-  </mc:AlternateContent>
-</p:sld>
-</file>
-
 <file path=ppt/slides/slide4.xml><?xml version="1.0" encoding="utf-8"?>
 <p:sld xmlns:a="http://schemas.openxmlformats.org/drawingml/2006/main" xmlns:r="http://schemas.openxmlformats.org/officeDocument/2006/relationships" xmlns:p="http://schemas.openxmlformats.org/presentationml/2006/main">
   <p:cSld>
@@ -4481,7 +4474,7 @@
           <a:p>
             <a:r>
               <a:rPr lang="en-US" dirty="0"/>
-              <a:t>                        How to Modularize?</a:t>
+              <a:t> </a:t>
             </a:r>
           </a:p>
         </p:txBody>
@@ -4499,152 +4492,27 @@
         <p:spPr/>
         <p:txBody>
           <a:bodyPr>
-            <a:normAutofit fontScale="85000" lnSpcReduction="20000"/>
+            <a:normAutofit/>
           </a:bodyPr>
           <a:lstStyle/>
           <a:p>
             <a:r>
               <a:rPr lang="en-US" dirty="0"/>
-              <a:t>So let's impose some structure. In most programming languages there's a concept of a </a:t>
-            </a:r>
-            <a:r>
-              <a:rPr lang="en-US" dirty="0">
-                <a:solidFill>
-                  <a:schemeClr val="accent2">
-                    <a:lumMod val="60000"/>
-                    <a:lumOff val="40000"/>
-                  </a:schemeClr>
-                </a:solidFill>
-              </a:rPr>
-              <a:t>function</a:t>
-            </a:r>
+              <a:t>This small file has 19 goto statements! Makes my head hurt looking at it.</a:t>
+            </a:r>
+          </a:p>
+          <a:p>
             <a:r>
               <a:rPr lang="en-US" dirty="0"/>
-              <a:t>.</a:t>
-            </a:r>
-          </a:p>
-          <a:p>
-            <a:r>
-              <a:rPr lang="en-US" dirty="0"/>
-              <a:t>At the heart of Composable Batch Files is the enforcing the use of traditional functions or code blocks.</a:t>
-            </a:r>
-          </a:p>
-          <a:p>
-            <a:r>
-              <a:rPr lang="en-US" dirty="0"/>
-              <a:t>Anatomy of a function. Here are the basic structural elements:</a:t>
-            </a:r>
-          </a:p>
-          <a:p>
-            <a:pPr marL="0" indent="0">
-              <a:buNone/>
-            </a:pPr>
-            <a:r>
-              <a:rPr lang="en-US" dirty="0">
-                <a:solidFill>
-                  <a:schemeClr val="accent2">
-                    <a:lumMod val="60000"/>
-                    <a:lumOff val="40000"/>
-                  </a:schemeClr>
-                </a:solidFill>
-              </a:rPr>
-              <a:t>[label]</a:t>
-            </a:r>
-            <a:r>
-              <a:rPr lang="en-US" dirty="0"/>
-              <a:t> = function name (which must be unique)</a:t>
-            </a:r>
-          </a:p>
-          <a:p>
-            <a:pPr marL="0" indent="0">
-              <a:buNone/>
-            </a:pPr>
-            <a:r>
-              <a:rPr lang="en-US" dirty="0">
-                <a:solidFill>
-                  <a:schemeClr val="accent2">
-                    <a:lumMod val="60000"/>
-                    <a:lumOff val="40000"/>
-                  </a:schemeClr>
-                </a:solidFill>
-              </a:rPr>
-              <a:t>call :[label]</a:t>
-            </a:r>
-            <a:r>
-              <a:rPr lang="en-US" dirty="0"/>
-              <a:t> = function call to another function in this batch file.</a:t>
-            </a:r>
-          </a:p>
-          <a:p>
-            <a:pPr marL="0" indent="0">
-              <a:buNone/>
-            </a:pPr>
-            <a:r>
-              <a:rPr lang="en-US" dirty="0">
-                <a:solidFill>
-                  <a:schemeClr val="accent2">
-                    <a:lumMod val="60000"/>
-                    <a:lumOff val="40000"/>
-                  </a:schemeClr>
-                </a:solidFill>
-              </a:rPr>
-              <a:t>goto [label]</a:t>
-            </a:r>
-            <a:r>
-              <a:rPr lang="en-US" dirty="0"/>
-              <a:t> = also a function call, which does not return to the caller. Use judiciously.</a:t>
-            </a:r>
-          </a:p>
-          <a:p>
-            <a:pPr marL="0" indent="0">
-              <a:buNone/>
-            </a:pPr>
-            <a:r>
-              <a:rPr lang="en-US" dirty="0">
-                <a:solidFill>
-                  <a:schemeClr val="accent2">
-                    <a:lumMod val="60000"/>
-                    <a:lumOff val="40000"/>
-                  </a:schemeClr>
-                </a:solidFill>
-              </a:rPr>
-              <a:t>exit/b</a:t>
-            </a:r>
-            <a:r>
-              <a:rPr lang="en-US" dirty="0"/>
-              <a:t> = end of function. The lack of exit/b is the most common culprit. Without ending </a:t>
-            </a:r>
-          </a:p>
-          <a:p>
-            <a:pPr marL="0" indent="0">
-              <a:buNone/>
-            </a:pPr>
-            <a:r>
-              <a:rPr lang="en-US" dirty="0"/>
-              <a:t>functions, you have spaghetti code.</a:t>
-            </a:r>
-          </a:p>
-          <a:p>
-            <a:pPr marL="0" indent="0">
-              <a:buNone/>
-            </a:pPr>
-            <a:endParaRPr lang="en-US" dirty="0"/>
-          </a:p>
-          <a:p>
-            <a:pPr marL="0" indent="0">
-              <a:buNone/>
-            </a:pPr>
-            <a:endParaRPr lang="en-US" dirty="0"/>
-          </a:p>
-          <a:p>
-            <a:endParaRPr lang="en-US" dirty="0"/>
+              <a:t>The lack of structure is a problem and leads to hard to read and understand code.</a:t>
+            </a:r>
           </a:p>
         </p:txBody>
       </p:sp>
     </p:spTree>
     <p:extLst>
       <p:ext uri="{BB962C8B-B14F-4D97-AF65-F5344CB8AC3E}">
-        <p14:creationId xmlns:p14="http://schemas.microsoft.com/office/powerpoint/2010/main" val="3262004891"/>
+        <p14:creationId xmlns:p14="http://schemas.microsoft.com/office/powerpoint/2010/main" val="640977179"/>
       </p:ext>
     </p:extLst>
   </p:cSld>
@@ -4700,6 +4568,225 @@
           <a:p>
             <a:r>
               <a:rPr lang="en-US" dirty="0"/>
+              <a:t>                        How to Modularize?</a:t>
+            </a:r>
+          </a:p>
+        </p:txBody>
+      </p:sp>
+      <p:sp>
+        <p:nvSpPr>
+          <p:cNvPr id="3" name="Content Placeholder 2"/>
+          <p:cNvSpPr>
+            <a:spLocks noGrp="1"/>
+          </p:cNvSpPr>
+          <p:nvPr>
+            <p:ph idx="1"/>
+          </p:nvPr>
+        </p:nvSpPr>
+        <p:spPr/>
+        <p:txBody>
+          <a:bodyPr>
+            <a:normAutofit fontScale="85000" lnSpcReduction="20000"/>
+          </a:bodyPr>
+          <a:lstStyle/>
+          <a:p>
+            <a:r>
+              <a:rPr lang="en-US" dirty="0"/>
+              <a:t>So let's impose some structure. In most programming languages there's a concept of a </a:t>
+            </a:r>
+            <a:r>
+              <a:rPr lang="en-US" dirty="0">
+                <a:solidFill>
+                  <a:schemeClr val="accent2">
+                    <a:lumMod val="60000"/>
+                    <a:lumOff val="40000"/>
+                  </a:schemeClr>
+                </a:solidFill>
+              </a:rPr>
+              <a:t>function</a:t>
+            </a:r>
+            <a:r>
+              <a:rPr lang="en-US" dirty="0"/>
+              <a:t>.</a:t>
+            </a:r>
+          </a:p>
+          <a:p>
+            <a:r>
+              <a:rPr lang="en-US" dirty="0"/>
+              <a:t>At the heart of Composable Batch Files is the enforcing the use of traditional functions or code blocks.</a:t>
+            </a:r>
+          </a:p>
+          <a:p>
+            <a:r>
+              <a:rPr lang="en-US" dirty="0"/>
+              <a:t>Anatomy of a function. Here are the basic structural elements:</a:t>
+            </a:r>
+          </a:p>
+          <a:p>
+            <a:pPr marL="0" indent="0">
+              <a:buNone/>
+            </a:pPr>
+            <a:r>
+              <a:rPr lang="en-US" dirty="0">
+                <a:solidFill>
+                  <a:schemeClr val="accent2">
+                    <a:lumMod val="60000"/>
+                    <a:lumOff val="40000"/>
+                  </a:schemeClr>
+                </a:solidFill>
+              </a:rPr>
+              <a:t>[label]</a:t>
+            </a:r>
+            <a:r>
+              <a:rPr lang="en-US" dirty="0"/>
+              <a:t> = function name (which must be unique)</a:t>
+            </a:r>
+          </a:p>
+          <a:p>
+            <a:pPr marL="0" indent="0">
+              <a:buNone/>
+            </a:pPr>
+            <a:r>
+              <a:rPr lang="en-US" dirty="0">
+                <a:solidFill>
+                  <a:schemeClr val="accent2">
+                    <a:lumMod val="60000"/>
+                    <a:lumOff val="40000"/>
+                  </a:schemeClr>
+                </a:solidFill>
+              </a:rPr>
+              <a:t>call :[label]</a:t>
+            </a:r>
+            <a:r>
+              <a:rPr lang="en-US" dirty="0"/>
+              <a:t> = function call to another function in this batch file.</a:t>
+            </a:r>
+          </a:p>
+          <a:p>
+            <a:pPr marL="0" indent="0">
+              <a:buNone/>
+            </a:pPr>
+            <a:r>
+              <a:rPr lang="en-US" dirty="0">
+                <a:solidFill>
+                  <a:schemeClr val="accent2">
+                    <a:lumMod val="60000"/>
+                    <a:lumOff val="40000"/>
+                  </a:schemeClr>
+                </a:solidFill>
+              </a:rPr>
+              <a:t>goto [label]</a:t>
+            </a:r>
+            <a:r>
+              <a:rPr lang="en-US" dirty="0"/>
+              <a:t> = also a function call, which does not return to the caller. Use judiciously.</a:t>
+            </a:r>
+          </a:p>
+          <a:p>
+            <a:pPr marL="0" indent="0">
+              <a:buNone/>
+            </a:pPr>
+            <a:r>
+              <a:rPr lang="en-US" dirty="0">
+                <a:solidFill>
+                  <a:schemeClr val="accent2">
+                    <a:lumMod val="60000"/>
+                    <a:lumOff val="40000"/>
+                  </a:schemeClr>
+                </a:solidFill>
+              </a:rPr>
+              <a:t>exit/b</a:t>
+            </a:r>
+            <a:r>
+              <a:rPr lang="en-US" dirty="0"/>
+              <a:t> = end of function. The lack of exit/b is the most common culprit. Without ending </a:t>
+            </a:r>
+          </a:p>
+          <a:p>
+            <a:pPr marL="0" indent="0">
+              <a:buNone/>
+            </a:pPr>
+            <a:r>
+              <a:rPr lang="en-US" dirty="0"/>
+              <a:t>functions, you have spaghetti code.</a:t>
+            </a:r>
+          </a:p>
+          <a:p>
+            <a:pPr marL="0" indent="0">
+              <a:buNone/>
+            </a:pPr>
+            <a:endParaRPr lang="en-US" dirty="0"/>
+          </a:p>
+          <a:p>
+            <a:pPr marL="0" indent="0">
+              <a:buNone/>
+            </a:pPr>
+            <a:endParaRPr lang="en-US" dirty="0"/>
+          </a:p>
+          <a:p>
+            <a:endParaRPr lang="en-US" dirty="0"/>
+          </a:p>
+        </p:txBody>
+      </p:sp>
+    </p:spTree>
+    <p:extLst>
+      <p:ext uri="{BB962C8B-B14F-4D97-AF65-F5344CB8AC3E}">
+        <p14:creationId xmlns:p14="http://schemas.microsoft.com/office/powerpoint/2010/main" val="3262004891"/>
+      </p:ext>
+    </p:extLst>
+  </p:cSld>
+  <p:clrMapOvr>
+    <a:masterClrMapping/>
+  </p:clrMapOvr>
+  <mc:AlternateContent xmlns:mc="http://schemas.openxmlformats.org/markup-compatibility/2006" xmlns:p14="http://schemas.microsoft.com/office/powerpoint/2010/main">
+    <mc:Choice Requires="p14">
+      <p:transition spd="med" p14:dur="700">
+        <p:fade/>
+      </p:transition>
+    </mc:Choice>
+    <mc:Fallback xmlns="">
+      <p:transition spd="med">
+        <p:fade/>
+      </p:transition>
+    </mc:Fallback>
+  </mc:AlternateContent>
+</p:sld>
+</file>
+
+<file path=ppt/slides/slide6.xml><?xml version="1.0" encoding="utf-8"?>
+<p:sld xmlns:a="http://schemas.openxmlformats.org/drawingml/2006/main" xmlns:r="http://schemas.openxmlformats.org/officeDocument/2006/relationships" xmlns:p="http://schemas.openxmlformats.org/presentationml/2006/main">
+  <p:cSld>
+    <p:spTree>
+      <p:nvGrpSpPr>
+        <p:cNvPr id="1" name=""/>
+        <p:cNvGrpSpPr/>
+        <p:nvPr/>
+      </p:nvGrpSpPr>
+      <p:grpSpPr>
+        <a:xfrm>
+          <a:off x="0" y="0"/>
+          <a:ext cx="0" cy="0"/>
+          <a:chOff x="0" y="0"/>
+          <a:chExt cx="0" cy="0"/>
+        </a:xfrm>
+      </p:grpSpPr>
+      <p:sp>
+        <p:nvSpPr>
+          <p:cNvPr id="2" name="Title 1"/>
+          <p:cNvSpPr>
+            <a:spLocks noGrp="1"/>
+          </p:cNvSpPr>
+          <p:nvPr>
+            <p:ph type="title"/>
+          </p:nvPr>
+        </p:nvSpPr>
+        <p:spPr/>
+        <p:txBody>
+          <a:bodyPr/>
+          <a:lstStyle/>
+          <a:p>
+            <a:r>
+              <a:rPr lang="en-US" dirty="0"/>
               <a:t>A More Structured and Functionalized Approach</a:t>
             </a:r>
           </a:p>
@@ -4754,7 +4841,7 @@
 </p:sld>
 </file>
 
-<file path=ppt/slides/slide6.xml><?xml version="1.0" encoding="utf-8"?>
+<file path=ppt/slides/slide7.xml><?xml version="1.0" encoding="utf-8"?>
 <p:sld xmlns:a="http://schemas.openxmlformats.org/drawingml/2006/main" xmlns:r="http://schemas.openxmlformats.org/officeDocument/2006/relationships" xmlns:p="http://schemas.openxmlformats.org/presentationml/2006/main">
   <p:cSld>
     <p:spTree>
@@ -4875,7 +4962,7 @@
 </p:sld>
 </file>
 
-<file path=ppt/slides/slide7.xml><?xml version="1.0" encoding="utf-8"?>
+<file path=ppt/slides/slide8.xml><?xml version="1.0" encoding="utf-8"?>
 <p:sld xmlns:a="http://schemas.openxmlformats.org/drawingml/2006/main" xmlns:r="http://schemas.openxmlformats.org/officeDocument/2006/relationships" xmlns:p="http://schemas.openxmlformats.org/presentationml/2006/main">
   <p:cSld>
     <p:spTree>
@@ -4963,7 +5050,7 @@
 </p:sld>
 </file>
 
-<file path=ppt/slides/slide8.xml><?xml version="1.0" encoding="utf-8"?>
+<file path=ppt/slides/slide9.xml><?xml version="1.0" encoding="utf-8"?>
 <p:sld xmlns:a="http://schemas.openxmlformats.org/drawingml/2006/main" xmlns:r="http://schemas.openxmlformats.org/officeDocument/2006/relationships" xmlns:p="http://schemas.openxmlformats.org/presentationml/2006/main">
   <p:cSld>
     <p:spTree>

--- a/Composable Batch File Helper.pptx
+++ b/Composable Batch File Helper.pptx
@@ -5,10 +5,10 @@
     <p:sldMasterId id="2147483648" r:id="rId2"/>
   </p:sldMasterIdLst>
   <p:notesMasterIdLst>
-    <p:notesMasterId r:id="rId12"/>
+    <p:notesMasterId r:id="rId16"/>
   </p:notesMasterIdLst>
   <p:handoutMasterIdLst>
-    <p:handoutMasterId r:id="rId13"/>
+    <p:handoutMasterId r:id="rId17"/>
   </p:handoutMasterIdLst>
   <p:sldIdLst>
     <p:sldId id="268" r:id="rId3"/>
@@ -19,7 +19,11 @@
     <p:sldId id="279" r:id="rId8"/>
     <p:sldId id="276" r:id="rId9"/>
     <p:sldId id="278" r:id="rId10"/>
-    <p:sldId id="273" r:id="rId11"/>
+    <p:sldId id="281" r:id="rId11"/>
+    <p:sldId id="284" r:id="rId12"/>
+    <p:sldId id="282" r:id="rId13"/>
+    <p:sldId id="283" r:id="rId14"/>
+    <p:sldId id="273" r:id="rId15"/>
   </p:sldIdLst>
   <p:sldSz cx="12192000" cy="6858000"/>
   <p:notesSz cx="6858000" cy="9144000"/>
@@ -4201,6 +4205,377 @@
 </p:sld>
 </file>
 
+<file path=ppt/slides/slide10.xml><?xml version="1.0" encoding="utf-8"?>
+<p:sld xmlns:a="http://schemas.openxmlformats.org/drawingml/2006/main" xmlns:r="http://schemas.openxmlformats.org/officeDocument/2006/relationships" xmlns:p="http://schemas.openxmlformats.org/presentationml/2006/main">
+  <p:cSld>
+    <p:spTree>
+      <p:nvGrpSpPr>
+        <p:cNvPr id="1" name=""/>
+        <p:cNvGrpSpPr/>
+        <p:nvPr/>
+      </p:nvGrpSpPr>
+      <p:grpSpPr>
+        <a:xfrm>
+          <a:off x="0" y="0"/>
+          <a:ext cx="0" cy="0"/>
+          <a:chOff x="0" y="0"/>
+          <a:chExt cx="0" cy="0"/>
+        </a:xfrm>
+      </p:grpSpPr>
+      <p:sp>
+        <p:nvSpPr>
+          <p:cNvPr id="2" name="Title 1"/>
+          <p:cNvSpPr>
+            <a:spLocks noGrp="1"/>
+          </p:cNvSpPr>
+          <p:nvPr>
+            <p:ph type="title"/>
+          </p:nvPr>
+        </p:nvSpPr>
+        <p:spPr/>
+        <p:txBody>
+          <a:bodyPr/>
+          <a:lstStyle/>
+          <a:p>
+            <a:r>
+              <a:rPr lang="en-US" dirty="0"/>
+              <a:t>                            Done with Setup</a:t>
+            </a:r>
+          </a:p>
+        </p:txBody>
+      </p:sp>
+      <p:sp>
+        <p:nvSpPr>
+          <p:cNvPr id="3" name="Content Placeholder 2"/>
+          <p:cNvSpPr>
+            <a:spLocks noGrp="1"/>
+          </p:cNvSpPr>
+          <p:nvPr>
+            <p:ph idx="1"/>
+          </p:nvPr>
+        </p:nvSpPr>
+        <p:spPr/>
+        <p:txBody>
+          <a:bodyPr>
+            <a:normAutofit/>
+          </a:bodyPr>
+          <a:lstStyle/>
+          <a:p>
+            <a:r>
+              <a:rPr lang="en-US" dirty="0"/>
+              <a:t>After you have cloned or downloaded the CBF repository, double click the shortcut titled "Composable Batch Files Helper" to open up a blue command prompt.</a:t>
+            </a:r>
+          </a:p>
+        </p:txBody>
+      </p:sp>
+    </p:spTree>
+    <p:extLst>
+      <p:ext uri="{BB962C8B-B14F-4D97-AF65-F5344CB8AC3E}">
+        <p14:creationId xmlns:p14="http://schemas.microsoft.com/office/powerpoint/2010/main" val="3030792914"/>
+      </p:ext>
+    </p:extLst>
+  </p:cSld>
+  <p:clrMapOvr>
+    <a:masterClrMapping/>
+  </p:clrMapOvr>
+  <mc:AlternateContent xmlns:mc="http://schemas.openxmlformats.org/markup-compatibility/2006" xmlns:p14="http://schemas.microsoft.com/office/powerpoint/2010/main">
+    <mc:Choice Requires="p14">
+      <p:transition spd="med" p14:dur="700">
+        <p:fade/>
+      </p:transition>
+    </mc:Choice>
+    <mc:Fallback xmlns="">
+      <p:transition spd="med">
+        <p:fade/>
+      </p:transition>
+    </mc:Fallback>
+  </mc:AlternateContent>
+</p:sld>
+</file>
+
+<file path=ppt/slides/slide11.xml><?xml version="1.0" encoding="utf-8"?>
+<p:sld xmlns:a="http://schemas.openxmlformats.org/drawingml/2006/main" xmlns:r="http://schemas.openxmlformats.org/officeDocument/2006/relationships" xmlns:p="http://schemas.openxmlformats.org/presentationml/2006/main">
+  <p:cSld>
+    <p:spTree>
+      <p:nvGrpSpPr>
+        <p:cNvPr id="1" name=""/>
+        <p:cNvGrpSpPr/>
+        <p:nvPr/>
+      </p:nvGrpSpPr>
+      <p:grpSpPr>
+        <a:xfrm>
+          <a:off x="0" y="0"/>
+          <a:ext cx="0" cy="0"/>
+          <a:chOff x="0" y="0"/>
+          <a:chExt cx="0" cy="0"/>
+        </a:xfrm>
+      </p:grpSpPr>
+      <p:sp>
+        <p:nvSpPr>
+          <p:cNvPr id="2" name="Title 1"/>
+          <p:cNvSpPr>
+            <a:spLocks noGrp="1"/>
+          </p:cNvSpPr>
+          <p:nvPr>
+            <p:ph type="title"/>
+          </p:nvPr>
+        </p:nvSpPr>
+        <p:spPr/>
+        <p:txBody>
+          <a:bodyPr/>
+          <a:lstStyle/>
+          <a:p>
+            <a:r>
+              <a:rPr lang="en-US" dirty="0"/>
+              <a:t>Scalable Self-Documenting Scripting</a:t>
+            </a:r>
+          </a:p>
+        </p:txBody>
+      </p:sp>
+      <p:sp>
+        <p:nvSpPr>
+          <p:cNvPr id="3" name="Content Placeholder 2"/>
+          <p:cNvSpPr>
+            <a:spLocks noGrp="1"/>
+          </p:cNvSpPr>
+          <p:nvPr>
+            <p:ph idx="1"/>
+          </p:nvPr>
+        </p:nvSpPr>
+        <p:spPr/>
+        <p:txBody>
+          <a:bodyPr>
+            <a:normAutofit/>
+          </a:bodyPr>
+          <a:lstStyle/>
+          <a:p>
+            <a:r>
+              <a:rPr lang="en-US" dirty="0"/>
+              <a:t>A cool thing about this architecture is that it is scalable in the sense that if you want some new script feature all you need to do is add a unique label and a code block and you are up and running.</a:t>
+            </a:r>
+          </a:p>
+        </p:txBody>
+      </p:sp>
+    </p:spTree>
+    <p:extLst>
+      <p:ext uri="{BB962C8B-B14F-4D97-AF65-F5344CB8AC3E}">
+        <p14:creationId xmlns:p14="http://schemas.microsoft.com/office/powerpoint/2010/main" val="610424941"/>
+      </p:ext>
+    </p:extLst>
+  </p:cSld>
+  <p:clrMapOvr>
+    <a:masterClrMapping/>
+  </p:clrMapOvr>
+  <mc:AlternateContent xmlns:mc="http://schemas.openxmlformats.org/markup-compatibility/2006" xmlns:p14="http://schemas.microsoft.com/office/powerpoint/2010/main">
+    <mc:Choice Requires="p14">
+      <p:transition spd="med" p14:dur="700">
+        <p:fade/>
+      </p:transition>
+    </mc:Choice>
+    <mc:Fallback xmlns="">
+      <p:transition spd="med">
+        <p:fade/>
+      </p:transition>
+    </mc:Fallback>
+  </mc:AlternateContent>
+</p:sld>
+</file>
+
+<file path=ppt/slides/slide12.xml><?xml version="1.0" encoding="utf-8"?>
+<p:sld xmlns:a="http://schemas.openxmlformats.org/drawingml/2006/main" xmlns:r="http://schemas.openxmlformats.org/officeDocument/2006/relationships" xmlns:p="http://schemas.openxmlformats.org/presentationml/2006/main">
+  <p:cSld>
+    <p:spTree>
+      <p:nvGrpSpPr>
+        <p:cNvPr id="1" name=""/>
+        <p:cNvGrpSpPr/>
+        <p:nvPr/>
+      </p:nvGrpSpPr>
+      <p:grpSpPr>
+        <a:xfrm>
+          <a:off x="0" y="0"/>
+          <a:ext cx="0" cy="0"/>
+          <a:chOff x="0" y="0"/>
+          <a:chExt cx="0" cy="0"/>
+        </a:xfrm>
+      </p:grpSpPr>
+      <p:sp>
+        <p:nvSpPr>
+          <p:cNvPr id="2" name="Title 1"/>
+          <p:cNvSpPr>
+            <a:spLocks noGrp="1"/>
+          </p:cNvSpPr>
+          <p:nvPr>
+            <p:ph type="title"/>
+          </p:nvPr>
+        </p:nvSpPr>
+        <p:spPr/>
+        <p:txBody>
+          <a:bodyPr/>
+          <a:lstStyle/>
+          <a:p>
+            <a:r>
+              <a:rPr lang="en-US" dirty="0"/>
+              <a:t>Scalable Self-Documenting Scripting</a:t>
+            </a:r>
+          </a:p>
+        </p:txBody>
+      </p:sp>
+      <p:sp>
+        <p:nvSpPr>
+          <p:cNvPr id="3" name="Content Placeholder 2"/>
+          <p:cNvSpPr>
+            <a:spLocks noGrp="1"/>
+          </p:cNvSpPr>
+          <p:nvPr>
+            <p:ph idx="1"/>
+          </p:nvPr>
+        </p:nvSpPr>
+        <p:spPr/>
+        <p:txBody>
+          <a:bodyPr>
+            <a:normAutofit/>
+          </a:bodyPr>
+          <a:lstStyle/>
+          <a:p>
+            <a:r>
+              <a:rPr lang="en-US" dirty="0"/>
+              <a:t>A cool thing about this architecture is that it is scalable in the sense that if you want some new script feature all you need to do is add a unique label and a code block and you are up and running.</a:t>
+            </a:r>
+          </a:p>
+        </p:txBody>
+      </p:sp>
+    </p:spTree>
+    <p:extLst>
+      <p:ext uri="{BB962C8B-B14F-4D97-AF65-F5344CB8AC3E}">
+        <p14:creationId xmlns:p14="http://schemas.microsoft.com/office/powerpoint/2010/main" val="2645714553"/>
+      </p:ext>
+    </p:extLst>
+  </p:cSld>
+  <p:clrMapOvr>
+    <a:masterClrMapping/>
+  </p:clrMapOvr>
+  <mc:AlternateContent xmlns:mc="http://schemas.openxmlformats.org/markup-compatibility/2006" xmlns:p14="http://schemas.microsoft.com/office/powerpoint/2010/main">
+    <mc:Choice Requires="p14">
+      <p:transition spd="med" p14:dur="700">
+        <p:fade/>
+      </p:transition>
+    </mc:Choice>
+    <mc:Fallback xmlns="">
+      <p:transition spd="med">
+        <p:fade/>
+      </p:transition>
+    </mc:Fallback>
+  </mc:AlternateContent>
+</p:sld>
+</file>
+
+<file path=ppt/slides/slide13.xml><?xml version="1.0" encoding="utf-8"?>
+<p:sld xmlns:a="http://schemas.openxmlformats.org/drawingml/2006/main" xmlns:r="http://schemas.openxmlformats.org/officeDocument/2006/relationships" xmlns:p="http://schemas.openxmlformats.org/presentationml/2006/main">
+  <p:cSld>
+    <p:spTree>
+      <p:nvGrpSpPr>
+        <p:cNvPr id="1" name=""/>
+        <p:cNvGrpSpPr/>
+        <p:nvPr/>
+      </p:nvGrpSpPr>
+      <p:grpSpPr>
+        <a:xfrm>
+          <a:off x="0" y="0"/>
+          <a:ext cx="0" cy="0"/>
+          <a:chOff x="0" y="0"/>
+          <a:chExt cx="0" cy="0"/>
+        </a:xfrm>
+      </p:grpSpPr>
+      <p:sp>
+        <p:nvSpPr>
+          <p:cNvPr id="2" name="Title 1"/>
+          <p:cNvSpPr>
+            <a:spLocks noGrp="1"/>
+          </p:cNvSpPr>
+          <p:nvPr>
+            <p:ph type="title"/>
+          </p:nvPr>
+        </p:nvSpPr>
+        <p:spPr>
+          <a:xfrm>
+            <a:off x="1161292" y="144011"/>
+            <a:ext cx="7843008" cy="1097280"/>
+          </a:xfrm>
+        </p:spPr>
+        <p:txBody>
+          <a:bodyPr>
+            <a:normAutofit/>
+          </a:bodyPr>
+          <a:lstStyle/>
+          <a:p>
+            <a:r>
+              <a:rPr lang="en-US" dirty="0"/>
+              <a:t>    To download and for more info., see:</a:t>
+            </a:r>
+          </a:p>
+        </p:txBody>
+      </p:sp>
+      <p:pic>
+        <p:nvPicPr>
+          <p:cNvPr id="5" name="Picture 4">
+            <a:extLst>
+              <a:ext uri="{FF2B5EF4-FFF2-40B4-BE49-F238E27FC236}">
+                <a16:creationId xmlns:a16="http://schemas.microsoft.com/office/drawing/2014/main" id="{A0DA6ACB-8DA6-4D5B-AA19-C969C195A727}"/>
+              </a:ext>
+            </a:extLst>
+          </p:cNvPr>
+          <p:cNvPicPr>
+            <a:picLocks noChangeAspect="1"/>
+          </p:cNvPicPr>
+          <p:nvPr/>
+        </p:nvPicPr>
+        <p:blipFill>
+          <a:blip r:embed="rId2">
+            <a:extLst>
+              <a:ext uri="{28A0092B-C50C-407E-A947-70E740481C1C}">
+                <a14:useLocalDpi xmlns:a14="http://schemas.microsoft.com/office/drawing/2010/main" val="0"/>
+              </a:ext>
+            </a:extLst>
+          </a:blip>
+          <a:stretch>
+            <a:fillRect/>
+          </a:stretch>
+        </p:blipFill>
+        <p:spPr>
+          <a:xfrm>
+            <a:off x="2139461" y="1435100"/>
+            <a:ext cx="7913077" cy="5422900"/>
+          </a:xfrm>
+          <a:prstGeom prst="rect">
+            <a:avLst/>
+          </a:prstGeom>
+        </p:spPr>
+      </p:pic>
+    </p:spTree>
+    <p:extLst>
+      <p:ext uri="{BB962C8B-B14F-4D97-AF65-F5344CB8AC3E}">
+        <p14:creationId xmlns:p14="http://schemas.microsoft.com/office/powerpoint/2010/main" val="2235719706"/>
+      </p:ext>
+    </p:extLst>
+  </p:cSld>
+  <p:clrMapOvr>
+    <a:masterClrMapping/>
+  </p:clrMapOvr>
+  <mc:AlternateContent xmlns:mc="http://schemas.openxmlformats.org/markup-compatibility/2006" xmlns:p14="http://schemas.microsoft.com/office/powerpoint/2010/main">
+    <mc:Choice Requires="p14">
+      <p:transition spd="med" p14:dur="700">
+        <p:fade/>
+      </p:transition>
+    </mc:Choice>
+    <mc:Fallback xmlns="">
+      <p:transition spd="med">
+        <p:fade/>
+      </p:transition>
+    </mc:Fallback>
+  </mc:AlternateContent>
+</p:sld>
+</file>
+
 <file path=ppt/slides/slide2.xml><?xml version="1.0" encoding="utf-8"?>
 <p:sld xmlns:a="http://schemas.openxmlformats.org/drawingml/2006/main" xmlns:r="http://schemas.openxmlformats.org/officeDocument/2006/relationships" xmlns:p="http://schemas.openxmlformats.org/presentationml/2006/main">
   <p:cSld>
@@ -4996,7 +5371,7 @@
           <a:p>
             <a:r>
               <a:rPr lang="en-US" dirty="0"/>
-              <a:t>Scalable Self-Documenting Scripting</a:t>
+              <a:t>                       Setup Instructions</a:t>
             </a:r>
           </a:p>
         </p:txBody>
@@ -5011,7 +5386,12 @@
             <p:ph idx="1"/>
           </p:nvPr>
         </p:nvSpPr>
-        <p:spPr/>
+        <p:spPr>
+          <a:xfrm>
+            <a:off x="1066800" y="1714500"/>
+            <a:ext cx="10058400" cy="4457700"/>
+          </a:xfrm>
+        </p:spPr>
         <p:txBody>
           <a:bodyPr>
             <a:normAutofit/>
@@ -5020,8 +5400,47 @@
           <a:p>
             <a:r>
               <a:rPr lang="en-US" dirty="0"/>
-              <a:t>A cool thing about this architecture is that it is scalable in the sense that if you want some new script feature all you need to do is add a unique label and a code block and you are up and running.</a:t>
-            </a:r>
+              <a:t>Add %COMPOSABLE_BATCH_FILES% as an environment variable or, at least, add it to your path to where you installed the repository.</a:t>
+            </a:r>
+          </a:p>
+          <a:p>
+            <a:r>
+              <a:rPr lang="en-US" dirty="0"/>
+              <a:t>If you so choose, also add these environment variables for the following:</a:t>
+            </a:r>
+          </a:p>
+          <a:p>
+            <a:pPr marL="0" indent="0">
+              <a:buNone/>
+            </a:pPr>
+            <a:r>
+              <a:rPr lang="en-US" dirty="0"/>
+              <a:t>	* %CBF_DEFAULT_BROWSER%</a:t>
+            </a:r>
+          </a:p>
+          <a:p>
+            <a:pPr marL="0" indent="0">
+              <a:buNone/>
+            </a:pPr>
+            <a:r>
+              <a:rPr lang="en-US" dirty="0"/>
+              <a:t>	* %CBF_DEFAULT_TEXT_EDITOR%</a:t>
+            </a:r>
+          </a:p>
+          <a:p>
+            <a:pPr marL="0" indent="0">
+              <a:buNone/>
+            </a:pPr>
+            <a:r>
+              <a:rPr lang="en-US" dirty="0"/>
+              <a:t>	* %CBF_DEFAULT_REPOSITORY_FOLDER%</a:t>
+            </a:r>
+          </a:p>
+          <a:p>
+            <a:pPr marL="0" indent="0">
+              <a:buNone/>
+            </a:pPr>
+            <a:endParaRPr lang="en-US" dirty="0"/>
           </a:p>
         </p:txBody>
       </p:sp>
@@ -5077,38 +5496,33 @@
             <p:ph type="title"/>
           </p:nvPr>
         </p:nvSpPr>
-        <p:spPr>
-          <a:xfrm>
-            <a:off x="1161292" y="144011"/>
-            <a:ext cx="7843008" cy="1097280"/>
-          </a:xfrm>
-        </p:spPr>
-        <p:txBody>
-          <a:bodyPr>
-            <a:normAutofit/>
-          </a:bodyPr>
+        <p:spPr/>
+        <p:txBody>
+          <a:bodyPr/>
           <a:lstStyle/>
           <a:p>
             <a:r>
               <a:rPr lang="en-US" dirty="0"/>
-              <a:t>    To download and for more info., see:</a:t>
+              <a:t>Here's an example of some CBF environment variables:</a:t>
             </a:r>
           </a:p>
         </p:txBody>
       </p:sp>
       <p:pic>
         <p:nvPicPr>
-          <p:cNvPr id="5" name="Picture 4">
+          <p:cNvPr id="5" name="Content Placeholder 4">
             <a:extLst>
               <a:ext uri="{FF2B5EF4-FFF2-40B4-BE49-F238E27FC236}">
-                <a16:creationId xmlns:a16="http://schemas.microsoft.com/office/drawing/2014/main" id="{A0DA6ACB-8DA6-4D5B-AA19-C969C195A727}"/>
+                <a16:creationId xmlns:a16="http://schemas.microsoft.com/office/drawing/2014/main" id="{533C788E-B902-48A8-A7D0-00EC4991AE0B}"/>
               </a:ext>
             </a:extLst>
           </p:cNvPr>
           <p:cNvPicPr>
-            <a:picLocks noChangeAspect="1"/>
+            <a:picLocks noGrp="1" noChangeAspect="1"/>
           </p:cNvPicPr>
-          <p:nvPr/>
+          <p:nvPr>
+            <p:ph idx="1"/>
+          </p:nvPr>
         </p:nvPicPr>
         <p:blipFill>
           <a:blip r:embed="rId2">
@@ -5124,18 +5538,15 @@
         </p:blipFill>
         <p:spPr>
           <a:xfrm>
-            <a:off x="2139461" y="1435100"/>
-            <a:ext cx="7913077" cy="5422900"/>
+            <a:off x="3048000" y="1426515"/>
+            <a:ext cx="5689600" cy="5420873"/>
           </a:xfrm>
-          <a:prstGeom prst="rect">
-            <a:avLst/>
-          </a:prstGeom>
         </p:spPr>
       </p:pic>
     </p:spTree>
     <p:extLst>
       <p:ext uri="{BB962C8B-B14F-4D97-AF65-F5344CB8AC3E}">
-        <p14:creationId xmlns:p14="http://schemas.microsoft.com/office/powerpoint/2010/main" val="2235719706"/>
+        <p14:creationId xmlns:p14="http://schemas.microsoft.com/office/powerpoint/2010/main" val="2774527376"/>
       </p:ext>
     </p:extLst>
   </p:cSld>

--- a/Composable Batch File Helper.pptx
+++ b/Composable Batch File Helper.pptx
@@ -4151,7 +4151,7 @@
           <a:p>
             <a:r>
               <a:rPr lang="en-US" dirty="0"/>
-              <a:t>                            Old Technology</a:t>
+              <a:t>                          Old Technology</a:t>
             </a:r>
           </a:p>
         </p:txBody>
@@ -4327,7 +4327,7 @@
           <a:p>
             <a:r>
               <a:rPr lang="en-US" dirty="0"/>
-              <a:t>Scalable Self-Documenting Scripting</a:t>
+              <a:t>Hello World Demo</a:t>
             </a:r>
           </a:p>
         </p:txBody>
@@ -4351,8 +4351,54 @@
           <a:p>
             <a:r>
               <a:rPr lang="en-US" dirty="0"/>
-              <a:t>A cool thing about this architecture is that it is scalable in the sense that if you want some new script feature all you need to do is add a unique label and a code block and you are up and running.</a:t>
-            </a:r>
+              <a:t>c:\Hello_World  function_1</a:t>
+            </a:r>
+          </a:p>
+          <a:p>
+            <a:r>
+              <a:rPr lang="en-US" dirty="0"/>
+              <a:t>c:\Hello_World  function_2</a:t>
+            </a:r>
+          </a:p>
+          <a:p>
+            <a:r>
+              <a:rPr lang="en-US" dirty="0"/>
+              <a:t>c:\Hello_World  function_3</a:t>
+            </a:r>
+          </a:p>
+          <a:p>
+            <a:r>
+              <a:rPr lang="en-US" dirty="0"/>
+              <a:t>c:\Hello_World  function </a:t>
+            </a:r>
+            <a:r>
+              <a:rPr lang="en-US" dirty="0" err="1"/>
+              <a:t>some_functions</a:t>
+            </a:r>
+            <a:endParaRPr lang="en-US" dirty="0"/>
+          </a:p>
+          <a:p>
+            <a:r>
+              <a:rPr lang="en-US" dirty="0"/>
+              <a:t>c:\Hello_World  </a:t>
+            </a:r>
+            <a:r>
+              <a:rPr lang="en-US"/>
+              <a:t>all_functions</a:t>
+            </a:r>
+            <a:endParaRPr lang="en-US" dirty="0"/>
+          </a:p>
+          <a:p>
+            <a:endParaRPr lang="en-US" dirty="0"/>
+          </a:p>
+          <a:p>
+            <a:endParaRPr lang="en-US" dirty="0"/>
+          </a:p>
+          <a:p>
+            <a:pPr marL="0" indent="0">
+              <a:buNone/>
+            </a:pPr>
+            <a:endParaRPr lang="en-US" dirty="0"/>
           </a:p>
         </p:txBody>
       </p:sp>
@@ -4610,7 +4656,7 @@
           <a:p>
             <a:r>
               <a:rPr lang="en-US" dirty="0"/>
-              <a:t>                   Most Batch Files Are A Mess</a:t>
+              <a:t>               Most Batch Files Are A Mess</a:t>
             </a:r>
           </a:p>
         </p:txBody>
@@ -4943,7 +4989,7 @@
           <a:p>
             <a:r>
               <a:rPr lang="en-US" dirty="0"/>
-              <a:t>                        How to Modularize?</a:t>
+              <a:t>                       How to Modularize?</a:t>
             </a:r>
           </a:p>
         </p:txBody>

--- a/Composable Batch File Helper.pptx
+++ b/Composable Batch File Helper.pptx
@@ -4326,82 +4326,51 @@
           <a:lstStyle/>
           <a:p>
             <a:r>
+              <a:rPr lang="en-US"/>
+              <a:t>                   Hello </a:t>
+            </a:r>
+            <a:r>
               <a:rPr lang="en-US" dirty="0"/>
-              <a:t>Hello World Demo</a:t>
-            </a:r>
-          </a:p>
-        </p:txBody>
-      </p:sp>
-      <p:sp>
-        <p:nvSpPr>
-          <p:cNvPr id="3" name="Content Placeholder 2"/>
-          <p:cNvSpPr>
-            <a:spLocks noGrp="1"/>
-          </p:cNvSpPr>
+              <a:t>World Demo</a:t>
+            </a:r>
+          </a:p>
+        </p:txBody>
+      </p:sp>
+      <p:pic>
+        <p:nvPicPr>
+          <p:cNvPr id="6" name="Content Placeholder 5">
+            <a:extLst>
+              <a:ext uri="{FF2B5EF4-FFF2-40B4-BE49-F238E27FC236}">
+                <a16:creationId xmlns:a16="http://schemas.microsoft.com/office/drawing/2014/main" id="{21913C1A-203A-4C79-8A27-095F533ABCA7}"/>
+              </a:ext>
+            </a:extLst>
+          </p:cNvPr>
+          <p:cNvPicPr>
+            <a:picLocks noGrp="1" noChangeAspect="1"/>
+          </p:cNvPicPr>
           <p:nvPr>
             <p:ph idx="1"/>
           </p:nvPr>
-        </p:nvSpPr>
-        <p:spPr/>
-        <p:txBody>
-          <a:bodyPr>
-            <a:normAutofit/>
-          </a:bodyPr>
-          <a:lstStyle/>
-          <a:p>
-            <a:r>
-              <a:rPr lang="en-US" dirty="0"/>
-              <a:t>c:\Hello_World  function_1</a:t>
-            </a:r>
-          </a:p>
-          <a:p>
-            <a:r>
-              <a:rPr lang="en-US" dirty="0"/>
-              <a:t>c:\Hello_World  function_2</a:t>
-            </a:r>
-          </a:p>
-          <a:p>
-            <a:r>
-              <a:rPr lang="en-US" dirty="0"/>
-              <a:t>c:\Hello_World  function_3</a:t>
-            </a:r>
-          </a:p>
-          <a:p>
-            <a:r>
-              <a:rPr lang="en-US" dirty="0"/>
-              <a:t>c:\Hello_World  function </a:t>
-            </a:r>
-            <a:r>
-              <a:rPr lang="en-US" dirty="0" err="1"/>
-              <a:t>some_functions</a:t>
-            </a:r>
-            <a:endParaRPr lang="en-US" dirty="0"/>
-          </a:p>
-          <a:p>
-            <a:r>
-              <a:rPr lang="en-US" dirty="0"/>
-              <a:t>c:\Hello_World  </a:t>
-            </a:r>
-            <a:r>
-              <a:rPr lang="en-US"/>
-              <a:t>all_functions</a:t>
-            </a:r>
-            <a:endParaRPr lang="en-US" dirty="0"/>
-          </a:p>
-          <a:p>
-            <a:endParaRPr lang="en-US" dirty="0"/>
-          </a:p>
-          <a:p>
-            <a:endParaRPr lang="en-US" dirty="0"/>
-          </a:p>
-          <a:p>
-            <a:pPr marL="0" indent="0">
-              <a:buNone/>
-            </a:pPr>
-            <a:endParaRPr lang="en-US" dirty="0"/>
-          </a:p>
-        </p:txBody>
-      </p:sp>
+        </p:nvPicPr>
+        <p:blipFill>
+          <a:blip r:embed="rId2">
+            <a:extLst>
+              <a:ext uri="{28A0092B-C50C-407E-A947-70E740481C1C}">
+                <a14:useLocalDpi xmlns:a14="http://schemas.microsoft.com/office/drawing/2010/main" val="0"/>
+              </a:ext>
+            </a:extLst>
+          </a:blip>
+          <a:stretch>
+            <a:fillRect/>
+          </a:stretch>
+        </p:blipFill>
+        <p:spPr>
+          <a:xfrm>
+            <a:off x="2136882" y="1328486"/>
+            <a:ext cx="7471592" cy="5513424"/>
+          </a:xfrm>
+        </p:spPr>
+      </p:pic>
     </p:spTree>
     <p:extLst>
       <p:ext uri="{BB962C8B-B14F-4D97-AF65-F5344CB8AC3E}">

--- a/Composable Batch File Helper.pptx
+++ b/Composable Batch File Helper.pptx
@@ -5,10 +5,10 @@
     <p:sldMasterId id="2147483648" r:id="rId2"/>
   </p:sldMasterIdLst>
   <p:notesMasterIdLst>
-    <p:notesMasterId r:id="rId16"/>
+    <p:notesMasterId r:id="rId15"/>
   </p:notesMasterIdLst>
   <p:handoutMasterIdLst>
-    <p:handoutMasterId r:id="rId17"/>
+    <p:handoutMasterId r:id="rId16"/>
   </p:handoutMasterIdLst>
   <p:sldIdLst>
     <p:sldId id="268" r:id="rId3"/>
@@ -17,13 +17,12 @@
     <p:sldId id="275" r:id="rId6"/>
     <p:sldId id="277" r:id="rId7"/>
     <p:sldId id="279" r:id="rId8"/>
-    <p:sldId id="276" r:id="rId9"/>
+    <p:sldId id="282" r:id="rId9"/>
     <p:sldId id="278" r:id="rId10"/>
     <p:sldId id="281" r:id="rId11"/>
     <p:sldId id="284" r:id="rId12"/>
-    <p:sldId id="282" r:id="rId13"/>
-    <p:sldId id="283" r:id="rId14"/>
-    <p:sldId id="273" r:id="rId15"/>
+    <p:sldId id="283" r:id="rId13"/>
+    <p:sldId id="273" r:id="rId14"/>
   </p:sldIdLst>
   <p:sldSz cx="12192000" cy="6858000"/>
   <p:notesSz cx="6858000" cy="9144000"/>
@@ -4326,109 +4325,6 @@
           <a:lstStyle/>
           <a:p>
             <a:r>
-              <a:rPr lang="en-US"/>
-              <a:t>                   Hello </a:t>
-            </a:r>
-            <a:r>
-              <a:rPr lang="en-US" dirty="0"/>
-              <a:t>World Demo</a:t>
-            </a:r>
-          </a:p>
-        </p:txBody>
-      </p:sp>
-      <p:pic>
-        <p:nvPicPr>
-          <p:cNvPr id="6" name="Content Placeholder 5">
-            <a:extLst>
-              <a:ext uri="{FF2B5EF4-FFF2-40B4-BE49-F238E27FC236}">
-                <a16:creationId xmlns:a16="http://schemas.microsoft.com/office/drawing/2014/main" id="{21913C1A-203A-4C79-8A27-095F533ABCA7}"/>
-              </a:ext>
-            </a:extLst>
-          </p:cNvPr>
-          <p:cNvPicPr>
-            <a:picLocks noGrp="1" noChangeAspect="1"/>
-          </p:cNvPicPr>
-          <p:nvPr>
-            <p:ph idx="1"/>
-          </p:nvPr>
-        </p:nvPicPr>
-        <p:blipFill>
-          <a:blip r:embed="rId2">
-            <a:extLst>
-              <a:ext uri="{28A0092B-C50C-407E-A947-70E740481C1C}">
-                <a14:useLocalDpi xmlns:a14="http://schemas.microsoft.com/office/drawing/2010/main" val="0"/>
-              </a:ext>
-            </a:extLst>
-          </a:blip>
-          <a:stretch>
-            <a:fillRect/>
-          </a:stretch>
-        </p:blipFill>
-        <p:spPr>
-          <a:xfrm>
-            <a:off x="2136882" y="1328486"/>
-            <a:ext cx="7471592" cy="5513424"/>
-          </a:xfrm>
-        </p:spPr>
-      </p:pic>
-    </p:spTree>
-    <p:extLst>
-      <p:ext uri="{BB962C8B-B14F-4D97-AF65-F5344CB8AC3E}">
-        <p14:creationId xmlns:p14="http://schemas.microsoft.com/office/powerpoint/2010/main" val="610424941"/>
-      </p:ext>
-    </p:extLst>
-  </p:cSld>
-  <p:clrMapOvr>
-    <a:masterClrMapping/>
-  </p:clrMapOvr>
-  <mc:AlternateContent xmlns:mc="http://schemas.openxmlformats.org/markup-compatibility/2006" xmlns:p14="http://schemas.microsoft.com/office/powerpoint/2010/main">
-    <mc:Choice Requires="p14">
-      <p:transition spd="med" p14:dur="700">
-        <p:fade/>
-      </p:transition>
-    </mc:Choice>
-    <mc:Fallback xmlns="">
-      <p:transition spd="med">
-        <p:fade/>
-      </p:transition>
-    </mc:Fallback>
-  </mc:AlternateContent>
-</p:sld>
-</file>
-
-<file path=ppt/slides/slide12.xml><?xml version="1.0" encoding="utf-8"?>
-<p:sld xmlns:a="http://schemas.openxmlformats.org/drawingml/2006/main" xmlns:r="http://schemas.openxmlformats.org/officeDocument/2006/relationships" xmlns:p="http://schemas.openxmlformats.org/presentationml/2006/main">
-  <p:cSld>
-    <p:spTree>
-      <p:nvGrpSpPr>
-        <p:cNvPr id="1" name=""/>
-        <p:cNvGrpSpPr/>
-        <p:nvPr/>
-      </p:nvGrpSpPr>
-      <p:grpSpPr>
-        <a:xfrm>
-          <a:off x="0" y="0"/>
-          <a:ext cx="0" cy="0"/>
-          <a:chOff x="0" y="0"/>
-          <a:chExt cx="0" cy="0"/>
-        </a:xfrm>
-      </p:grpSpPr>
-      <p:sp>
-        <p:nvSpPr>
-          <p:cNvPr id="2" name="Title 1"/>
-          <p:cNvSpPr>
-            <a:spLocks noGrp="1"/>
-          </p:cNvSpPr>
-          <p:nvPr>
-            <p:ph type="title"/>
-          </p:nvPr>
-        </p:nvSpPr>
-        <p:spPr/>
-        <p:txBody>
-          <a:bodyPr/>
-          <a:lstStyle/>
-          <a:p>
-            <a:r>
               <a:rPr lang="en-US" dirty="0"/>
               <a:t>Scalable Self-Documenting Scripting</a:t>
             </a:r>
@@ -4484,7 +4380,7 @@
 </p:sld>
 </file>
 
-<file path=ppt/slides/slide13.xml><?xml version="1.0" encoding="utf-8"?>
+<file path=ppt/slides/slide12.xml><?xml version="1.0" encoding="utf-8"?>
 <p:sld xmlns:a="http://schemas.openxmlformats.org/drawingml/2006/main" xmlns:r="http://schemas.openxmlformats.org/officeDocument/2006/relationships" xmlns:p="http://schemas.openxmlformats.org/presentationml/2006/main">
   <p:cSld>
     <p:spTree>
@@ -4958,7 +4854,7 @@
           <a:p>
             <a:r>
               <a:rPr lang="en-US" dirty="0"/>
-              <a:t>                       How to Modularize?</a:t>
+              <a:t>                     How to Modularize?</a:t>
             </a:r>
           </a:p>
         </p:txBody>
@@ -4973,10 +4869,15 @@
             <p:ph idx="1"/>
           </p:nvPr>
         </p:nvSpPr>
-        <p:spPr/>
+        <p:spPr>
+          <a:xfrm>
+            <a:off x="431800" y="1714500"/>
+            <a:ext cx="10693400" cy="4889500"/>
+          </a:xfrm>
+        </p:spPr>
         <p:txBody>
           <a:bodyPr>
-            <a:normAutofit fontScale="85000" lnSpcReduction="20000"/>
+            <a:normAutofit fontScale="92500" lnSpcReduction="10000"/>
           </a:bodyPr>
           <a:lstStyle/>
           <a:p>
@@ -5025,7 +4926,7 @@
                   </a:schemeClr>
                 </a:solidFill>
               </a:rPr>
-              <a:t>[label]</a:t>
+              <a:t>    * [label]</a:t>
             </a:r>
             <a:r>
               <a:rPr lang="en-US" dirty="0"/>
@@ -5045,7 +4946,7 @@
                   </a:schemeClr>
                 </a:solidFill>
               </a:rPr>
-              <a:t>call :[label]</a:t>
+              <a:t>    * call :[label]</a:t>
             </a:r>
             <a:r>
               <a:rPr lang="en-US" dirty="0"/>
@@ -5065,7 +4966,7 @@
                   </a:schemeClr>
                 </a:solidFill>
               </a:rPr>
-              <a:t>goto [label]</a:t>
+              <a:t>    * goto [label]</a:t>
             </a:r>
             <a:r>
               <a:rPr lang="en-US" dirty="0"/>
@@ -5085,7 +4986,7 @@
                   </a:schemeClr>
                 </a:solidFill>
               </a:rPr>
-              <a:t>exit/b</a:t>
+              <a:t>    * exit/b</a:t>
             </a:r>
             <a:r>
               <a:rPr lang="en-US" dirty="0"/>
@@ -5098,23 +4999,8 @@
             </a:pPr>
             <a:r>
               <a:rPr lang="en-US" dirty="0"/>
-              <a:t>functions, you have spaghetti code.</a:t>
-            </a:r>
-          </a:p>
-          <a:p>
-            <a:pPr marL="0" indent="0">
-              <a:buNone/>
-            </a:pPr>
-            <a:endParaRPr lang="en-US" dirty="0"/>
-          </a:p>
-          <a:p>
-            <a:pPr marL="0" indent="0">
-              <a:buNone/>
-            </a:pPr>
-            <a:endParaRPr lang="en-US" dirty="0"/>
-          </a:p>
-          <a:p>
-            <a:endParaRPr lang="en-US" dirty="0"/>
+              <a:t>                   functions, you have spaghetti code.</a:t>
+            </a:r>
           </a:p>
         </p:txBody>
       </p:sp>
@@ -5264,73 +5150,55 @@
           <a:lstStyle/>
           <a:p>
             <a:r>
+              <a:rPr lang="en-US"/>
+              <a:t>                   Hello </a:t>
+            </a:r>
+            <a:r>
               <a:rPr lang="en-US" dirty="0"/>
-              <a:t> </a:t>
-            </a:r>
-          </a:p>
-        </p:txBody>
-      </p:sp>
-      <p:sp>
-        <p:nvSpPr>
-          <p:cNvPr id="3" name="Content Placeholder 2"/>
-          <p:cNvSpPr>
-            <a:spLocks noGrp="1"/>
-          </p:cNvSpPr>
-          <p:nvPr>
-            <p:ph idx="1"/>
-          </p:nvPr>
-        </p:nvSpPr>
-        <p:spPr/>
-        <p:txBody>
-          <a:bodyPr>
-            <a:normAutofit/>
-          </a:bodyPr>
-          <a:lstStyle/>
-          <a:p>
-            <a:pPr marL="0" indent="0">
-              <a:buNone/>
-            </a:pPr>
-            <a:r>
-              <a:rPr lang="en-US" dirty="0"/>
-              <a:t> </a:t>
+              <a:t>World Demo</a:t>
             </a:r>
           </a:p>
         </p:txBody>
       </p:sp>
       <p:pic>
         <p:nvPicPr>
-          <p:cNvPr id="4" name="Picture 3">
+          <p:cNvPr id="6" name="Content Placeholder 5">
             <a:extLst>
               <a:ext uri="{FF2B5EF4-FFF2-40B4-BE49-F238E27FC236}">
-                <a16:creationId xmlns:a16="http://schemas.microsoft.com/office/drawing/2014/main" id="{41F6ABDD-6CCF-4241-8843-F4E819020155}"/>
+                <a16:creationId xmlns:a16="http://schemas.microsoft.com/office/drawing/2014/main" id="{21913C1A-203A-4C79-8A27-095F533ABCA7}"/>
               </a:ext>
             </a:extLst>
           </p:cNvPr>
           <p:cNvPicPr>
-            <a:picLocks noChangeAspect="1"/>
+            <a:picLocks noGrp="1" noChangeAspect="1"/>
           </p:cNvPicPr>
-          <p:nvPr/>
+          <p:nvPr>
+            <p:ph idx="1"/>
+          </p:nvPr>
         </p:nvPicPr>
         <p:blipFill>
-          <a:blip r:embed="rId2"/>
+          <a:blip r:embed="rId2">
+            <a:extLst>
+              <a:ext uri="{28A0092B-C50C-407E-A947-70E740481C1C}">
+                <a14:useLocalDpi xmlns:a14="http://schemas.microsoft.com/office/drawing/2010/main" val="0"/>
+              </a:ext>
+            </a:extLst>
+          </a:blip>
           <a:stretch>
             <a:fillRect/>
           </a:stretch>
         </p:blipFill>
         <p:spPr>
           <a:xfrm>
-            <a:off x="4127196" y="0"/>
-            <a:ext cx="3937608" cy="6858000"/>
+            <a:off x="2136882" y="1328486"/>
+            <a:ext cx="7471592" cy="5513424"/>
           </a:xfrm>
-          <a:prstGeom prst="rect">
-            <a:avLst/>
-          </a:prstGeom>
         </p:spPr>
       </p:pic>
     </p:spTree>
     <p:extLst>
       <p:ext uri="{BB962C8B-B14F-4D97-AF65-F5344CB8AC3E}">
-        <p14:creationId xmlns:p14="http://schemas.microsoft.com/office/powerpoint/2010/main" val="3503943722"/>
+        <p14:creationId xmlns:p14="http://schemas.microsoft.com/office/powerpoint/2010/main" val="610424941"/>
       </p:ext>
     </p:extLst>
   </p:cSld>

--- a/Composable Batch File Helper.pptx
+++ b/Composable Batch File Helper.pptx
@@ -5,10 +5,10 @@
     <p:sldMasterId id="2147483648" r:id="rId2"/>
   </p:sldMasterIdLst>
   <p:notesMasterIdLst>
-    <p:notesMasterId r:id="rId15"/>
+    <p:notesMasterId r:id="rId20"/>
   </p:notesMasterIdLst>
   <p:handoutMasterIdLst>
-    <p:handoutMasterId r:id="rId16"/>
+    <p:handoutMasterId r:id="rId21"/>
   </p:handoutMasterIdLst>
   <p:sldIdLst>
     <p:sldId id="268" r:id="rId3"/>
@@ -22,7 +22,12 @@
     <p:sldId id="281" r:id="rId11"/>
     <p:sldId id="284" r:id="rId12"/>
     <p:sldId id="283" r:id="rId13"/>
-    <p:sldId id="273" r:id="rId14"/>
+    <p:sldId id="285" r:id="rId14"/>
+    <p:sldId id="287" r:id="rId15"/>
+    <p:sldId id="286" r:id="rId16"/>
+    <p:sldId id="289" r:id="rId17"/>
+    <p:sldId id="288" r:id="rId18"/>
+    <p:sldId id="273" r:id="rId19"/>
   </p:sldIdLst>
   <p:sldSz cx="12192000" cy="6858000"/>
   <p:notesSz cx="6858000" cy="9144000"/>
@@ -4326,7 +4331,7 @@
           <a:p>
             <a:r>
               <a:rPr lang="en-US" dirty="0"/>
-              <a:t>Scalable Self-Documenting Scripting</a:t>
+              <a:t>                                   Menu</a:t>
             </a:r>
           </a:p>
         </p:txBody>
@@ -4350,7 +4355,15 @@
           <a:p>
             <a:r>
               <a:rPr lang="en-US" dirty="0"/>
-              <a:t>A cool thing about this architecture is that it is scalable in the sense that if you want some new script feature all you need to do is add a unique label and a code block and you are up and running.</a:t>
+              <a:t>All of the batch files in CBF use a functionalized, modular approach. To see a menu of all the available CBFs type "menu" or "</a:t>
+            </a:r>
+            <a:r>
+              <a:rPr lang="en-US" dirty="0" err="1"/>
+              <a:t>cbf</a:t>
+            </a:r>
+            <a:r>
+              <a:rPr lang="en-US" dirty="0"/>
+              <a:t>" at the prompt.</a:t>
             </a:r>
           </a:p>
         </p:txBody>
@@ -4381,6 +4394,475 @@
 </file>
 
 <file path=ppt/slides/slide12.xml><?xml version="1.0" encoding="utf-8"?>
+<p:sld xmlns:a="http://schemas.openxmlformats.org/drawingml/2006/main" xmlns:r="http://schemas.openxmlformats.org/officeDocument/2006/relationships" xmlns:p="http://schemas.openxmlformats.org/presentationml/2006/main">
+  <p:cSld>
+    <p:spTree>
+      <p:nvGrpSpPr>
+        <p:cNvPr id="1" name=""/>
+        <p:cNvGrpSpPr/>
+        <p:nvPr/>
+      </p:nvGrpSpPr>
+      <p:grpSpPr>
+        <a:xfrm>
+          <a:off x="0" y="0"/>
+          <a:ext cx="0" cy="0"/>
+          <a:chOff x="0" y="0"/>
+          <a:chExt cx="0" cy="0"/>
+        </a:xfrm>
+      </p:grpSpPr>
+      <p:sp>
+        <p:nvSpPr>
+          <p:cNvPr id="2" name="Title 1"/>
+          <p:cNvSpPr>
+            <a:spLocks noGrp="1"/>
+          </p:cNvSpPr>
+          <p:nvPr>
+            <p:ph type="title"/>
+          </p:nvPr>
+        </p:nvSpPr>
+        <p:spPr/>
+        <p:txBody>
+          <a:bodyPr/>
+          <a:lstStyle/>
+          <a:p>
+            <a:endParaRPr lang="en-US" dirty="0"/>
+          </a:p>
+        </p:txBody>
+      </p:sp>
+      <p:pic>
+        <p:nvPicPr>
+          <p:cNvPr id="5" name="Content Placeholder 4">
+            <a:extLst>
+              <a:ext uri="{FF2B5EF4-FFF2-40B4-BE49-F238E27FC236}">
+                <a16:creationId xmlns:a16="http://schemas.microsoft.com/office/drawing/2014/main" id="{9633F9BA-9DE1-4BB9-8F14-9ABC21CDB56D}"/>
+              </a:ext>
+            </a:extLst>
+          </p:cNvPr>
+          <p:cNvPicPr>
+            <a:picLocks noGrp="1" noChangeAspect="1"/>
+          </p:cNvPicPr>
+          <p:nvPr>
+            <p:ph idx="1"/>
+          </p:nvPr>
+        </p:nvPicPr>
+        <p:blipFill>
+          <a:blip r:embed="rId2">
+            <a:extLst>
+              <a:ext uri="{28A0092B-C50C-407E-A947-70E740481C1C}">
+                <a14:useLocalDpi xmlns:a14="http://schemas.microsoft.com/office/drawing/2010/main" val="0"/>
+              </a:ext>
+            </a:extLst>
+          </a:blip>
+          <a:stretch>
+            <a:fillRect/>
+          </a:stretch>
+        </p:blipFill>
+        <p:spPr>
+          <a:xfrm>
+            <a:off x="3175000" y="98045"/>
+            <a:ext cx="4382416" cy="6683756"/>
+          </a:xfrm>
+        </p:spPr>
+      </p:pic>
+    </p:spTree>
+    <p:extLst>
+      <p:ext uri="{BB962C8B-B14F-4D97-AF65-F5344CB8AC3E}">
+        <p14:creationId xmlns:p14="http://schemas.microsoft.com/office/powerpoint/2010/main" val="1995507255"/>
+      </p:ext>
+    </p:extLst>
+  </p:cSld>
+  <p:clrMapOvr>
+    <a:masterClrMapping/>
+  </p:clrMapOvr>
+  <mc:AlternateContent xmlns:mc="http://schemas.openxmlformats.org/markup-compatibility/2006" xmlns:p14="http://schemas.microsoft.com/office/powerpoint/2010/main">
+    <mc:Choice Requires="p14">
+      <p:transition spd="med" p14:dur="700">
+        <p:fade/>
+      </p:transition>
+    </mc:Choice>
+    <mc:Fallback xmlns="">
+      <p:transition spd="med">
+        <p:fade/>
+      </p:transition>
+    </mc:Fallback>
+  </mc:AlternateContent>
+</p:sld>
+</file>
+
+<file path=ppt/slides/slide13.xml><?xml version="1.0" encoding="utf-8"?>
+<p:sld xmlns:a="http://schemas.openxmlformats.org/drawingml/2006/main" xmlns:r="http://schemas.openxmlformats.org/officeDocument/2006/relationships" xmlns:p="http://schemas.openxmlformats.org/presentationml/2006/main">
+  <p:cSld>
+    <p:spTree>
+      <p:nvGrpSpPr>
+        <p:cNvPr id="1" name=""/>
+        <p:cNvGrpSpPr/>
+        <p:nvPr/>
+      </p:nvGrpSpPr>
+      <p:grpSpPr>
+        <a:xfrm>
+          <a:off x="0" y="0"/>
+          <a:ext cx="0" cy="0"/>
+          <a:chOff x="0" y="0"/>
+          <a:chExt cx="0" cy="0"/>
+        </a:xfrm>
+      </p:grpSpPr>
+      <p:sp>
+        <p:nvSpPr>
+          <p:cNvPr id="2" name="Title 1"/>
+          <p:cNvSpPr>
+            <a:spLocks noGrp="1"/>
+          </p:cNvSpPr>
+          <p:nvPr>
+            <p:ph type="title"/>
+          </p:nvPr>
+        </p:nvSpPr>
+        <p:spPr/>
+        <p:txBody>
+          <a:bodyPr/>
+          <a:lstStyle/>
+          <a:p>
+            <a:r>
+              <a:rPr lang="en-US" dirty="0"/>
+              <a:t>                             Getting Help</a:t>
+            </a:r>
+          </a:p>
+        </p:txBody>
+      </p:sp>
+      <p:sp>
+        <p:nvSpPr>
+          <p:cNvPr id="3" name="Content Placeholder 2"/>
+          <p:cNvSpPr>
+            <a:spLocks noGrp="1"/>
+          </p:cNvSpPr>
+          <p:nvPr>
+            <p:ph idx="1"/>
+          </p:nvPr>
+        </p:nvSpPr>
+        <p:spPr/>
+        <p:txBody>
+          <a:bodyPr>
+            <a:normAutofit/>
+          </a:bodyPr>
+          <a:lstStyle/>
+          <a:p>
+            <a:r>
+              <a:rPr lang="en-US" dirty="0"/>
+              <a:t>To get help with a particular batch file, at the prompt type "[batch file name]/?". For example:</a:t>
+            </a:r>
+          </a:p>
+          <a:p>
+            <a:endParaRPr lang="en-US" dirty="0"/>
+          </a:p>
+        </p:txBody>
+      </p:sp>
+      <p:pic>
+        <p:nvPicPr>
+          <p:cNvPr id="5" name="Picture 4">
+            <a:extLst>
+              <a:ext uri="{FF2B5EF4-FFF2-40B4-BE49-F238E27FC236}">
+                <a16:creationId xmlns:a16="http://schemas.microsoft.com/office/drawing/2014/main" id="{F4D664F6-5C94-408F-9BC8-258B098F786B}"/>
+              </a:ext>
+            </a:extLst>
+          </p:cNvPr>
+          <p:cNvPicPr>
+            <a:picLocks noChangeAspect="1"/>
+          </p:cNvPicPr>
+          <p:nvPr/>
+        </p:nvPicPr>
+        <p:blipFill>
+          <a:blip r:embed="rId2">
+            <a:extLst>
+              <a:ext uri="{28A0092B-C50C-407E-A947-70E740481C1C}">
+                <a14:useLocalDpi xmlns:a14="http://schemas.microsoft.com/office/drawing/2010/main" val="0"/>
+              </a:ext>
+            </a:extLst>
+          </a:blip>
+          <a:stretch>
+            <a:fillRect/>
+          </a:stretch>
+        </p:blipFill>
+        <p:spPr>
+          <a:xfrm>
+            <a:off x="2390369" y="2709660"/>
+            <a:ext cx="7778727" cy="3863860"/>
+          </a:xfrm>
+          <a:prstGeom prst="rect">
+            <a:avLst/>
+          </a:prstGeom>
+        </p:spPr>
+      </p:pic>
+    </p:spTree>
+    <p:extLst>
+      <p:ext uri="{BB962C8B-B14F-4D97-AF65-F5344CB8AC3E}">
+        <p14:creationId xmlns:p14="http://schemas.microsoft.com/office/powerpoint/2010/main" val="2181287513"/>
+      </p:ext>
+    </p:extLst>
+  </p:cSld>
+  <p:clrMapOvr>
+    <a:masterClrMapping/>
+  </p:clrMapOvr>
+  <mc:AlternateContent xmlns:mc="http://schemas.openxmlformats.org/markup-compatibility/2006" xmlns:p14="http://schemas.microsoft.com/office/powerpoint/2010/main">
+    <mc:Choice Requires="p14">
+      <p:transition spd="med" p14:dur="700">
+        <p:fade/>
+      </p:transition>
+    </mc:Choice>
+    <mc:Fallback xmlns="">
+      <p:transition spd="med">
+        <p:fade/>
+      </p:transition>
+    </mc:Fallback>
+  </mc:AlternateContent>
+</p:sld>
+</file>
+
+<file path=ppt/slides/slide14.xml><?xml version="1.0" encoding="utf-8"?>
+<p:sld xmlns:a="http://schemas.openxmlformats.org/drawingml/2006/main" xmlns:r="http://schemas.openxmlformats.org/officeDocument/2006/relationships" xmlns:p="http://schemas.openxmlformats.org/presentationml/2006/main">
+  <p:cSld>
+    <p:spTree>
+      <p:nvGrpSpPr>
+        <p:cNvPr id="1" name=""/>
+        <p:cNvGrpSpPr/>
+        <p:nvPr/>
+      </p:nvGrpSpPr>
+      <p:grpSpPr>
+        <a:xfrm>
+          <a:off x="0" y="0"/>
+          <a:ext cx="0" cy="0"/>
+          <a:chOff x="0" y="0"/>
+          <a:chExt cx="0" cy="0"/>
+        </a:xfrm>
+      </p:grpSpPr>
+      <p:sp>
+        <p:nvSpPr>
+          <p:cNvPr id="2" name="Title 1"/>
+          <p:cNvSpPr>
+            <a:spLocks noGrp="1"/>
+          </p:cNvSpPr>
+          <p:nvPr>
+            <p:ph type="title"/>
+          </p:nvPr>
+        </p:nvSpPr>
+        <p:spPr/>
+        <p:txBody>
+          <a:bodyPr/>
+          <a:lstStyle/>
+          <a:p>
+            <a:endParaRPr lang="en-US" dirty="0"/>
+          </a:p>
+        </p:txBody>
+      </p:sp>
+      <p:sp>
+        <p:nvSpPr>
+          <p:cNvPr id="3" name="Content Placeholder 2"/>
+          <p:cNvSpPr>
+            <a:spLocks noGrp="1"/>
+          </p:cNvSpPr>
+          <p:nvPr>
+            <p:ph idx="1"/>
+          </p:nvPr>
+        </p:nvSpPr>
+        <p:spPr/>
+        <p:txBody>
+          <a:bodyPr>
+            <a:normAutofit/>
+          </a:bodyPr>
+          <a:lstStyle/>
+          <a:p>
+            <a:endParaRPr lang="en-US" dirty="0"/>
+          </a:p>
+        </p:txBody>
+      </p:sp>
+    </p:spTree>
+    <p:extLst>
+      <p:ext uri="{BB962C8B-B14F-4D97-AF65-F5344CB8AC3E}">
+        <p14:creationId xmlns:p14="http://schemas.microsoft.com/office/powerpoint/2010/main" val="3706281842"/>
+      </p:ext>
+    </p:extLst>
+  </p:cSld>
+  <p:clrMapOvr>
+    <a:masterClrMapping/>
+  </p:clrMapOvr>
+  <mc:AlternateContent xmlns:mc="http://schemas.openxmlformats.org/markup-compatibility/2006" xmlns:p14="http://schemas.microsoft.com/office/powerpoint/2010/main">
+    <mc:Choice Requires="p14">
+      <p:transition spd="med" p14:dur="700">
+        <p:fade/>
+      </p:transition>
+    </mc:Choice>
+    <mc:Fallback xmlns="">
+      <p:transition spd="med">
+        <p:fade/>
+      </p:transition>
+    </mc:Fallback>
+  </mc:AlternateContent>
+</p:sld>
+</file>
+
+<file path=ppt/slides/slide15.xml><?xml version="1.0" encoding="utf-8"?>
+<p:sld xmlns:a="http://schemas.openxmlformats.org/drawingml/2006/main" xmlns:r="http://schemas.openxmlformats.org/officeDocument/2006/relationships" xmlns:p="http://schemas.openxmlformats.org/presentationml/2006/main">
+  <p:cSld>
+    <p:spTree>
+      <p:nvGrpSpPr>
+        <p:cNvPr id="1" name=""/>
+        <p:cNvGrpSpPr/>
+        <p:nvPr/>
+      </p:nvGrpSpPr>
+      <p:grpSpPr>
+        <a:xfrm>
+          <a:off x="0" y="0"/>
+          <a:ext cx="0" cy="0"/>
+          <a:chOff x="0" y="0"/>
+          <a:chExt cx="0" cy="0"/>
+        </a:xfrm>
+      </p:grpSpPr>
+      <p:sp>
+        <p:nvSpPr>
+          <p:cNvPr id="2" name="Title 1"/>
+          <p:cNvSpPr>
+            <a:spLocks noGrp="1"/>
+          </p:cNvSpPr>
+          <p:nvPr>
+            <p:ph type="title"/>
+          </p:nvPr>
+        </p:nvSpPr>
+        <p:spPr/>
+        <p:txBody>
+          <a:bodyPr/>
+          <a:lstStyle/>
+          <a:p>
+            <a:endParaRPr lang="en-US" dirty="0"/>
+          </a:p>
+        </p:txBody>
+      </p:sp>
+      <p:sp>
+        <p:nvSpPr>
+          <p:cNvPr id="3" name="Content Placeholder 2"/>
+          <p:cNvSpPr>
+            <a:spLocks noGrp="1"/>
+          </p:cNvSpPr>
+          <p:nvPr>
+            <p:ph idx="1"/>
+          </p:nvPr>
+        </p:nvSpPr>
+        <p:spPr/>
+        <p:txBody>
+          <a:bodyPr>
+            <a:normAutofit/>
+          </a:bodyPr>
+          <a:lstStyle/>
+          <a:p>
+            <a:endParaRPr lang="en-US" dirty="0"/>
+          </a:p>
+        </p:txBody>
+      </p:sp>
+    </p:spTree>
+    <p:extLst>
+      <p:ext uri="{BB962C8B-B14F-4D97-AF65-F5344CB8AC3E}">
+        <p14:creationId xmlns:p14="http://schemas.microsoft.com/office/powerpoint/2010/main" val="4251599209"/>
+      </p:ext>
+    </p:extLst>
+  </p:cSld>
+  <p:clrMapOvr>
+    <a:masterClrMapping/>
+  </p:clrMapOvr>
+  <mc:AlternateContent xmlns:mc="http://schemas.openxmlformats.org/markup-compatibility/2006" xmlns:p14="http://schemas.microsoft.com/office/powerpoint/2010/main">
+    <mc:Choice Requires="p14">
+      <p:transition spd="med" p14:dur="700">
+        <p:fade/>
+      </p:transition>
+    </mc:Choice>
+    <mc:Fallback xmlns="">
+      <p:transition spd="med">
+        <p:fade/>
+      </p:transition>
+    </mc:Fallback>
+  </mc:AlternateContent>
+</p:sld>
+</file>
+
+<file path=ppt/slides/slide16.xml><?xml version="1.0" encoding="utf-8"?>
+<p:sld xmlns:a="http://schemas.openxmlformats.org/drawingml/2006/main" xmlns:r="http://schemas.openxmlformats.org/officeDocument/2006/relationships" xmlns:p="http://schemas.openxmlformats.org/presentationml/2006/main">
+  <p:cSld>
+    <p:spTree>
+      <p:nvGrpSpPr>
+        <p:cNvPr id="1" name=""/>
+        <p:cNvGrpSpPr/>
+        <p:nvPr/>
+      </p:nvGrpSpPr>
+      <p:grpSpPr>
+        <a:xfrm>
+          <a:off x="0" y="0"/>
+          <a:ext cx="0" cy="0"/>
+          <a:chOff x="0" y="0"/>
+          <a:chExt cx="0" cy="0"/>
+        </a:xfrm>
+      </p:grpSpPr>
+      <p:sp>
+        <p:nvSpPr>
+          <p:cNvPr id="2" name="Title 1"/>
+          <p:cNvSpPr>
+            <a:spLocks noGrp="1"/>
+          </p:cNvSpPr>
+          <p:nvPr>
+            <p:ph type="title"/>
+          </p:nvPr>
+        </p:nvSpPr>
+        <p:spPr/>
+        <p:txBody>
+          <a:bodyPr/>
+          <a:lstStyle/>
+          <a:p>
+            <a:endParaRPr lang="en-US" dirty="0"/>
+          </a:p>
+        </p:txBody>
+      </p:sp>
+      <p:sp>
+        <p:nvSpPr>
+          <p:cNvPr id="3" name="Content Placeholder 2"/>
+          <p:cNvSpPr>
+            <a:spLocks noGrp="1"/>
+          </p:cNvSpPr>
+          <p:nvPr>
+            <p:ph idx="1"/>
+          </p:nvPr>
+        </p:nvSpPr>
+        <p:spPr/>
+        <p:txBody>
+          <a:bodyPr>
+            <a:normAutofit/>
+          </a:bodyPr>
+          <a:lstStyle/>
+          <a:p>
+            <a:endParaRPr lang="en-US" dirty="0"/>
+          </a:p>
+        </p:txBody>
+      </p:sp>
+    </p:spTree>
+    <p:extLst>
+      <p:ext uri="{BB962C8B-B14F-4D97-AF65-F5344CB8AC3E}">
+        <p14:creationId xmlns:p14="http://schemas.microsoft.com/office/powerpoint/2010/main" val="2466858671"/>
+      </p:ext>
+    </p:extLst>
+  </p:cSld>
+  <p:clrMapOvr>
+    <a:masterClrMapping/>
+  </p:clrMapOvr>
+  <mc:AlternateContent xmlns:mc="http://schemas.openxmlformats.org/markup-compatibility/2006" xmlns:p14="http://schemas.microsoft.com/office/powerpoint/2010/main">
+    <mc:Choice Requires="p14">
+      <p:transition spd="med" p14:dur="700">
+        <p:fade/>
+      </p:transition>
+    </mc:Choice>
+    <mc:Fallback xmlns="">
+      <p:transition spd="med">
+        <p:fade/>
+      </p:transition>
+    </mc:Fallback>
+  </mc:AlternateContent>
+</p:sld>
+</file>
+
+<file path=ppt/slides/slide17.xml><?xml version="1.0" encoding="utf-8"?>
 <p:sld xmlns:a="http://schemas.openxmlformats.org/drawingml/2006/main" xmlns:r="http://schemas.openxmlformats.org/officeDocument/2006/relationships" xmlns:p="http://schemas.openxmlformats.org/presentationml/2006/main">
   <p:cSld>
     <p:spTree>

--- a/Composable Batch File Helper.pptx
+++ b/Composable Batch File Helper.pptx
@@ -4648,7 +4648,10 @@
           <a:bodyPr/>
           <a:lstStyle/>
           <a:p>
-            <a:endParaRPr lang="en-US" dirty="0"/>
+            <a:r>
+              <a:rPr lang="en-US" dirty="0"/>
+              <a:t>Fast forward to the end?</a:t>
+            </a:r>
           </a:p>
         </p:txBody>
       </p:sp>

--- a/Composable Batch File Helper.pptx
+++ b/Composable Batch File Helper.pptx
@@ -230,7 +230,7 @@
           <a:p>
             <a:fld id="{34475077-A074-4E8C-B45E-964494945228}" type="datetimeFigureOut">
               <a:rPr lang="en-US"/>
-              <a:t>8/10/2018</a:t>
+              <a:t>8/13/2018</a:t>
             </a:fld>
             <a:endParaRPr/>
           </a:p>
@@ -395,7 +395,7 @@
           <a:p>
             <a:fld id="{6A2B48A4-4B96-49F4-8C25-4C9D06114B2C}" type="datetimeFigureOut">
               <a:rPr lang="en-US"/>
-              <a:t>8/10/2018</a:t>
+              <a:t>8/13/2018</a:t>
             </a:fld>
             <a:endParaRPr/>
           </a:p>
@@ -1026,7 +1026,7 @@
           <a:p>
             <a:fld id="{0402902D-A5F5-4D7D-AAA7-32469BA0BC4D}" type="datetimeFigureOut">
               <a:rPr lang="en-US"/>
-              <a:t>8/10/2018</a:t>
+              <a:t>8/13/2018</a:t>
             </a:fld>
             <a:endParaRPr/>
           </a:p>
@@ -1297,7 +1297,7 @@
           <a:p>
             <a:fld id="{0402902D-A5F5-4D7D-AAA7-32469BA0BC4D}" type="datetimeFigureOut">
               <a:rPr lang="en-US"/>
-              <a:t>8/10/2018</a:t>
+              <a:t>8/13/2018</a:t>
             </a:fld>
             <a:endParaRPr/>
           </a:p>
@@ -1479,7 +1479,7 @@
           <a:p>
             <a:fld id="{0402902D-A5F5-4D7D-AAA7-32469BA0BC4D}" type="datetimeFigureOut">
               <a:rPr lang="en-US"/>
-              <a:t>8/10/2018</a:t>
+              <a:t>8/13/2018</a:t>
             </a:fld>
             <a:endParaRPr/>
           </a:p>
@@ -2066,7 +2066,7 @@
           <a:p>
             <a:fld id="{0402902D-A5F5-4D7D-AAA7-32469BA0BC4D}" type="datetimeFigureOut">
               <a:rPr lang="en-US"/>
-              <a:t>8/10/2018</a:t>
+              <a:t>8/13/2018</a:t>
             </a:fld>
             <a:endParaRPr/>
           </a:p>
@@ -2514,7 +2514,7 @@
           <a:p>
             <a:fld id="{0402902D-A5F5-4D7D-AAA7-32469BA0BC4D}" type="datetimeFigureOut">
               <a:rPr lang="en-US"/>
-              <a:t>8/10/2018</a:t>
+              <a:t>8/13/2018</a:t>
             </a:fld>
             <a:endParaRPr/>
           </a:p>
@@ -2644,7 +2644,7 @@
           <a:p>
             <a:fld id="{0402902D-A5F5-4D7D-AAA7-32469BA0BC4D}" type="datetimeFigureOut">
               <a:rPr lang="en-US"/>
-              <a:t>8/10/2018</a:t>
+              <a:t>8/13/2018</a:t>
             </a:fld>
             <a:endParaRPr/>
           </a:p>
@@ -2751,7 +2751,7 @@
           <a:p>
             <a:fld id="{0402902D-A5F5-4D7D-AAA7-32469BA0BC4D}" type="datetimeFigureOut">
               <a:rPr lang="en-US"/>
-              <a:t>8/10/2018</a:t>
+              <a:t>8/13/2018</a:t>
             </a:fld>
             <a:endParaRPr/>
           </a:p>
@@ -3686,7 +3686,7 @@
             <a:fld id="{0402902D-A5F5-4D7D-AAA7-32469BA0BC4D}" type="datetimeFigureOut">
               <a:rPr lang="en-US"/>
               <a:pPr/>
-              <a:t>8/10/2018</a:t>
+              <a:t>8/13/2018</a:t>
             </a:fld>
             <a:endParaRPr/>
           </a:p>
@@ -4425,7 +4425,10 @@
           <a:bodyPr/>
           <a:lstStyle/>
           <a:p>
-            <a:endParaRPr lang="en-US" dirty="0"/>
+            <a:r>
+              <a:rPr lang="en-US" dirty="0"/>
+              <a:t> </a:t>
+            </a:r>
           </a:p>
         </p:txBody>
       </p:sp>
@@ -4523,7 +4526,7 @@
           <a:p>
             <a:r>
               <a:rPr lang="en-US" dirty="0"/>
-              <a:t>                             Getting Help</a:t>
+              <a:t>                            Getting Help</a:t>
             </a:r>
           </a:p>
         </p:txBody>
@@ -4557,10 +4560,10 @@
       </p:sp>
       <p:pic>
         <p:nvPicPr>
-          <p:cNvPr id="5" name="Picture 4">
+          <p:cNvPr id="6" name="Picture 5">
             <a:extLst>
               <a:ext uri="{FF2B5EF4-FFF2-40B4-BE49-F238E27FC236}">
-                <a16:creationId xmlns:a16="http://schemas.microsoft.com/office/drawing/2014/main" id="{F4D664F6-5C94-408F-9BC8-258B098F786B}"/>
+                <a16:creationId xmlns:a16="http://schemas.microsoft.com/office/drawing/2014/main" id="{32A206DB-6C5C-4361-A57E-94AC0CEDF065}"/>
               </a:ext>
             </a:extLst>
           </p:cNvPr>
@@ -4583,8 +4586,8 @@
         </p:blipFill>
         <p:spPr>
           <a:xfrm>
-            <a:off x="2390369" y="2709660"/>
-            <a:ext cx="7778727" cy="3863860"/>
+            <a:off x="2477685" y="2609353"/>
+            <a:ext cx="6872811" cy="4248647"/>
           </a:xfrm>
           <a:prstGeom prst="rect">
             <a:avLst/>
@@ -4650,7 +4653,7 @@
           <a:p>
             <a:r>
               <a:rPr lang="en-US" dirty="0"/>
-              <a:t>Fast forward to the end?</a:t>
+              <a:t>                Couldn’t care less? Questions?</a:t>
             </a:r>
           </a:p>
         </p:txBody>
@@ -4672,7 +4675,13 @@
           </a:bodyPr>
           <a:lstStyle/>
           <a:p>
-            <a:endParaRPr lang="en-US" dirty="0"/>
+            <a:pPr marL="0" indent="0">
+              <a:buNone/>
+            </a:pPr>
+            <a:r>
+              <a:rPr lang="en-US" dirty="0"/>
+              <a:t> </a:t>
+            </a:r>
           </a:p>
         </p:txBody>
       </p:sp>
@@ -4815,7 +4824,10 @@
           <a:bodyPr/>
           <a:lstStyle/>
           <a:p>
-            <a:endParaRPr lang="en-US" dirty="0"/>
+            <a:r>
+              <a:rPr lang="en-US" dirty="0"/>
+              <a:t>Extra Credit</a:t>
+            </a:r>
           </a:p>
         </p:txBody>
       </p:sp>
@@ -4836,7 +4848,10 @@
           </a:bodyPr>
           <a:lstStyle/>
           <a:p>
-            <a:endParaRPr lang="en-US" dirty="0"/>
+            <a:r>
+              <a:rPr lang="en-US" dirty="0"/>
+              <a:t>Run fs.bat and cs.bat to search like a boss.</a:t>
+            </a:r>
           </a:p>
         </p:txBody>
       </p:sp>

--- a/Composable Batch File Helper.pptx
+++ b/Composable Batch File Helper.pptx
@@ -5,10 +5,10 @@
     <p:sldMasterId id="2147483648" r:id="rId2"/>
   </p:sldMasterIdLst>
   <p:notesMasterIdLst>
-    <p:notesMasterId r:id="rId20"/>
+    <p:notesMasterId r:id="rId24"/>
   </p:notesMasterIdLst>
   <p:handoutMasterIdLst>
-    <p:handoutMasterId r:id="rId21"/>
+    <p:handoutMasterId r:id="rId25"/>
   </p:handoutMasterIdLst>
   <p:sldIdLst>
     <p:sldId id="268" r:id="rId3"/>
@@ -26,8 +26,12 @@
     <p:sldId id="287" r:id="rId15"/>
     <p:sldId id="286" r:id="rId16"/>
     <p:sldId id="289" r:id="rId17"/>
-    <p:sldId id="288" r:id="rId18"/>
-    <p:sldId id="273" r:id="rId19"/>
+    <p:sldId id="290" r:id="rId18"/>
+    <p:sldId id="292" r:id="rId19"/>
+    <p:sldId id="291" r:id="rId20"/>
+    <p:sldId id="293" r:id="rId21"/>
+    <p:sldId id="288" r:id="rId22"/>
+    <p:sldId id="273" r:id="rId23"/>
   </p:sldIdLst>
   <p:sldSz cx="12192000" cy="6858000"/>
   <p:notesSz cx="6858000" cy="9144000"/>
@@ -4742,7 +4746,10 @@
           <a:bodyPr/>
           <a:lstStyle/>
           <a:p>
-            <a:endParaRPr lang="en-US" dirty="0"/>
+            <a:r>
+              <a:rPr lang="en-US" dirty="0"/>
+              <a:t>Customize CBF by Leveraging Environment Variables</a:t>
+            </a:r>
           </a:p>
         </p:txBody>
       </p:sp>
@@ -4762,6 +4769,50 @@
             <a:normAutofit/>
           </a:bodyPr>
           <a:lstStyle/>
+          <a:p>
+            <a:r>
+              <a:rPr lang="en-US" dirty="0"/>
+              <a:t>Besides functionalization, another feature CBF promotes is </a:t>
+            </a:r>
+            <a:r>
+              <a:rPr lang="en-US" dirty="0">
+                <a:solidFill>
+                  <a:schemeClr val="accent2">
+                    <a:lumMod val="60000"/>
+                    <a:lumOff val="40000"/>
+                  </a:schemeClr>
+                </a:solidFill>
+              </a:rPr>
+              <a:t>leveraging environment variables</a:t>
+            </a:r>
+            <a:r>
+              <a:rPr lang="en-US" dirty="0"/>
+              <a:t> in order to customize your CBF user experience. This is achieved by </a:t>
+            </a:r>
+            <a:r>
+              <a:rPr lang="en-US" dirty="0">
+                <a:solidFill>
+                  <a:schemeClr val="accent2">
+                    <a:lumMod val="60000"/>
+                    <a:lumOff val="40000"/>
+                  </a:schemeClr>
+                </a:solidFill>
+              </a:rPr>
+              <a:t>mapping nicknames</a:t>
+            </a:r>
+            <a:r>
+              <a:rPr lang="en-US" dirty="0"/>
+              <a:t>/function names to environment variables. There is a CBF file named n.bat (Nicknames Dictionary) whose sole purpose is to do this mapping. For example, in n.bat, you could add a function with the nickname/function name of "docs" which maps the Documents folder to the </a:t>
+            </a:r>
+            <a:r>
+              <a:rPr lang="en-US" dirty="0" err="1"/>
+              <a:t>cbf_path</a:t>
+            </a:r>
+            <a:r>
+              <a:rPr lang="en-US" dirty="0"/>
+              <a:t> environment variable. Then because another batch file td.bat (Transform Directory) makes use of this mapping, typing "td docs" would navigate to the documents folder.</a:t>
+            </a:r>
+          </a:p>
           <a:p>
             <a:endParaRPr lang="en-US" dirty="0"/>
           </a:p>
@@ -4826,7 +4877,106 @@
           <a:p>
             <a:r>
               <a:rPr lang="en-US" dirty="0"/>
-              <a:t>Extra Credit</a:t>
+              <a:t>Using td is faster than cd.</a:t>
+            </a:r>
+          </a:p>
+        </p:txBody>
+      </p:sp>
+      <p:pic>
+        <p:nvPicPr>
+          <p:cNvPr id="5" name="Content Placeholder 4">
+            <a:extLst>
+              <a:ext uri="{FF2B5EF4-FFF2-40B4-BE49-F238E27FC236}">
+                <a16:creationId xmlns:a16="http://schemas.microsoft.com/office/drawing/2014/main" id="{452854D4-B8F2-41F4-AE72-4B3793300247}"/>
+              </a:ext>
+            </a:extLst>
+          </p:cNvPr>
+          <p:cNvPicPr>
+            <a:picLocks noGrp="1" noChangeAspect="1"/>
+          </p:cNvPicPr>
+          <p:nvPr>
+            <p:ph idx="1"/>
+          </p:nvPr>
+        </p:nvPicPr>
+        <p:blipFill>
+          <a:blip r:embed="rId2">
+            <a:extLst>
+              <a:ext uri="{28A0092B-C50C-407E-A947-70E740481C1C}">
+                <a14:useLocalDpi xmlns:a14="http://schemas.microsoft.com/office/drawing/2010/main" val="0"/>
+              </a:ext>
+            </a:extLst>
+          </a:blip>
+          <a:stretch>
+            <a:fillRect/>
+          </a:stretch>
+        </p:blipFill>
+        <p:spPr>
+          <a:xfrm>
+            <a:off x="1066800" y="1601256"/>
+            <a:ext cx="10660625" cy="4964644"/>
+          </a:xfrm>
+        </p:spPr>
+      </p:pic>
+    </p:spTree>
+    <p:extLst>
+      <p:ext uri="{BB962C8B-B14F-4D97-AF65-F5344CB8AC3E}">
+        <p14:creationId xmlns:p14="http://schemas.microsoft.com/office/powerpoint/2010/main" val="2326048032"/>
+      </p:ext>
+    </p:extLst>
+  </p:cSld>
+  <p:clrMapOvr>
+    <a:masterClrMapping/>
+  </p:clrMapOvr>
+  <mc:AlternateContent xmlns:mc="http://schemas.openxmlformats.org/markup-compatibility/2006" xmlns:p14="http://schemas.microsoft.com/office/powerpoint/2010/main">
+    <mc:Choice Requires="p14">
+      <p:transition spd="med" p14:dur="700">
+        <p:fade/>
+      </p:transition>
+    </mc:Choice>
+    <mc:Fallback xmlns="">
+      <p:transition spd="med">
+        <p:fade/>
+      </p:transition>
+    </mc:Fallback>
+  </mc:AlternateContent>
+</p:sld>
+</file>
+
+<file path=ppt/slides/slide17.xml><?xml version="1.0" encoding="utf-8"?>
+<p:sld xmlns:a="http://schemas.openxmlformats.org/drawingml/2006/main" xmlns:r="http://schemas.openxmlformats.org/officeDocument/2006/relationships" xmlns:p="http://schemas.openxmlformats.org/presentationml/2006/main">
+  <p:cSld>
+    <p:spTree>
+      <p:nvGrpSpPr>
+        <p:cNvPr id="1" name=""/>
+        <p:cNvGrpSpPr/>
+        <p:nvPr/>
+      </p:nvGrpSpPr>
+      <p:grpSpPr>
+        <a:xfrm>
+          <a:off x="0" y="0"/>
+          <a:ext cx="0" cy="0"/>
+          <a:chOff x="0" y="0"/>
+          <a:chExt cx="0" cy="0"/>
+        </a:xfrm>
+      </p:grpSpPr>
+      <p:sp>
+        <p:nvSpPr>
+          <p:cNvPr id="2" name="Title 1"/>
+          <p:cNvSpPr>
+            <a:spLocks noGrp="1"/>
+          </p:cNvSpPr>
+          <p:nvPr>
+            <p:ph type="title"/>
+          </p:nvPr>
+        </p:nvSpPr>
+        <p:spPr/>
+        <p:txBody>
+          <a:bodyPr/>
+          <a:lstStyle/>
+          <a:p>
+            <a:r>
+              <a:rPr lang="en-US" dirty="0"/>
+              <a:t>A few more customization examples.</a:t>
             </a:r>
           </a:p>
         </p:txBody>
@@ -4850,7 +5000,481 @@
           <a:p>
             <a:r>
               <a:rPr lang="en-US" dirty="0"/>
-              <a:t>Run fs.bat and cs.bat to search like a boss.</a:t>
+              <a:t>Since of.bat (Open Folder) also leverages the "</a:t>
+            </a:r>
+            <a:r>
+              <a:rPr lang="en-US" dirty="0" err="1"/>
+              <a:t>cbf_path</a:t>
+            </a:r>
+            <a:r>
+              <a:rPr lang="en-US" dirty="0"/>
+              <a:t>" environment variable, typing "of docs" would open the documents folder in Windows Explorer.</a:t>
+            </a:r>
+          </a:p>
+          <a:p>
+            <a:endParaRPr lang="en-US" dirty="0"/>
+          </a:p>
+        </p:txBody>
+      </p:sp>
+      <p:pic>
+        <p:nvPicPr>
+          <p:cNvPr id="5" name="Picture 4">
+            <a:extLst>
+              <a:ext uri="{FF2B5EF4-FFF2-40B4-BE49-F238E27FC236}">
+                <a16:creationId xmlns:a16="http://schemas.microsoft.com/office/drawing/2014/main" id="{C4D2EEC2-30C8-4165-9209-782A0E999113}"/>
+              </a:ext>
+            </a:extLst>
+          </p:cNvPr>
+          <p:cNvPicPr>
+            <a:picLocks noChangeAspect="1"/>
+          </p:cNvPicPr>
+          <p:nvPr/>
+        </p:nvPicPr>
+        <p:blipFill>
+          <a:blip r:embed="rId2">
+            <a:extLst>
+              <a:ext uri="{28A0092B-C50C-407E-A947-70E740481C1C}">
+                <a14:useLocalDpi xmlns:a14="http://schemas.microsoft.com/office/drawing/2010/main" val="0"/>
+              </a:ext>
+            </a:extLst>
+          </a:blip>
+          <a:stretch>
+            <a:fillRect/>
+          </a:stretch>
+        </p:blipFill>
+        <p:spPr>
+          <a:xfrm>
+            <a:off x="1183635" y="2909644"/>
+            <a:ext cx="10071627" cy="3821355"/>
+          </a:xfrm>
+          <a:prstGeom prst="rect">
+            <a:avLst/>
+          </a:prstGeom>
+        </p:spPr>
+      </p:pic>
+    </p:spTree>
+    <p:extLst>
+      <p:ext uri="{BB962C8B-B14F-4D97-AF65-F5344CB8AC3E}">
+        <p14:creationId xmlns:p14="http://schemas.microsoft.com/office/powerpoint/2010/main" val="3374077520"/>
+      </p:ext>
+    </p:extLst>
+  </p:cSld>
+  <p:clrMapOvr>
+    <a:masterClrMapping/>
+  </p:clrMapOvr>
+  <mc:AlternateContent xmlns:mc="http://schemas.openxmlformats.org/markup-compatibility/2006" xmlns:p14="http://schemas.microsoft.com/office/powerpoint/2010/main">
+    <mc:Choice Requires="p14">
+      <p:transition spd="med" p14:dur="700">
+        <p:fade/>
+      </p:transition>
+    </mc:Choice>
+    <mc:Fallback xmlns="">
+      <p:transition spd="med">
+        <p:fade/>
+      </p:transition>
+    </mc:Fallback>
+  </mc:AlternateContent>
+</p:sld>
+</file>
+
+<file path=ppt/slides/slide18.xml><?xml version="1.0" encoding="utf-8"?>
+<p:sld xmlns:a="http://schemas.openxmlformats.org/drawingml/2006/main" xmlns:r="http://schemas.openxmlformats.org/officeDocument/2006/relationships" xmlns:p="http://schemas.openxmlformats.org/presentationml/2006/main">
+  <p:cSld>
+    <p:spTree>
+      <p:nvGrpSpPr>
+        <p:cNvPr id="1" name=""/>
+        <p:cNvGrpSpPr/>
+        <p:nvPr/>
+      </p:nvGrpSpPr>
+      <p:grpSpPr>
+        <a:xfrm>
+          <a:off x="0" y="0"/>
+          <a:ext cx="0" cy="0"/>
+          <a:chOff x="0" y="0"/>
+          <a:chExt cx="0" cy="0"/>
+        </a:xfrm>
+      </p:grpSpPr>
+      <p:sp>
+        <p:nvSpPr>
+          <p:cNvPr id="2" name="Title 1"/>
+          <p:cNvSpPr>
+            <a:spLocks noGrp="1"/>
+          </p:cNvSpPr>
+          <p:nvPr>
+            <p:ph type="title"/>
+          </p:nvPr>
+        </p:nvSpPr>
+        <p:spPr/>
+        <p:txBody>
+          <a:bodyPr>
+            <a:normAutofit/>
+          </a:bodyPr>
+          <a:lstStyle/>
+          <a:p>
+            <a:r>
+              <a:rPr lang="en-US" dirty="0"/>
+              <a:t>Sf.bat (Surf) leverages the "</a:t>
+            </a:r>
+            <a:r>
+              <a:rPr lang="en-US" dirty="0" err="1"/>
+              <a:t>cbf_url</a:t>
+            </a:r>
+            <a:r>
+              <a:rPr lang="en-US" dirty="0"/>
+              <a:t>" environment variable. </a:t>
+            </a:r>
+          </a:p>
+        </p:txBody>
+      </p:sp>
+      <p:pic>
+        <p:nvPicPr>
+          <p:cNvPr id="5" name="Content Placeholder 4">
+            <a:extLst>
+              <a:ext uri="{FF2B5EF4-FFF2-40B4-BE49-F238E27FC236}">
+                <a16:creationId xmlns:a16="http://schemas.microsoft.com/office/drawing/2014/main" id="{1DC3B675-0239-4F32-8075-10BA9B0DED7E}"/>
+              </a:ext>
+            </a:extLst>
+          </p:cNvPr>
+          <p:cNvPicPr>
+            <a:picLocks noGrp="1" noChangeAspect="1"/>
+          </p:cNvPicPr>
+          <p:nvPr>
+            <p:ph idx="1"/>
+          </p:nvPr>
+        </p:nvPicPr>
+        <p:blipFill>
+          <a:blip r:embed="rId2">
+            <a:extLst>
+              <a:ext uri="{28A0092B-C50C-407E-A947-70E740481C1C}">
+                <a14:useLocalDpi xmlns:a14="http://schemas.microsoft.com/office/drawing/2010/main" val="0"/>
+              </a:ext>
+            </a:extLst>
+          </a:blip>
+          <a:stretch>
+            <a:fillRect/>
+          </a:stretch>
+        </p:blipFill>
+        <p:spPr>
+          <a:xfrm>
+            <a:off x="2441195" y="1224279"/>
+            <a:ext cx="6017005" cy="5623523"/>
+          </a:xfrm>
+        </p:spPr>
+      </p:pic>
+    </p:spTree>
+    <p:extLst>
+      <p:ext uri="{BB962C8B-B14F-4D97-AF65-F5344CB8AC3E}">
+        <p14:creationId xmlns:p14="http://schemas.microsoft.com/office/powerpoint/2010/main" val="2269962094"/>
+      </p:ext>
+    </p:extLst>
+  </p:cSld>
+  <p:clrMapOvr>
+    <a:masterClrMapping/>
+  </p:clrMapOvr>
+  <mc:AlternateContent xmlns:mc="http://schemas.openxmlformats.org/markup-compatibility/2006" xmlns:p14="http://schemas.microsoft.com/office/powerpoint/2010/main">
+    <mc:Choice Requires="p14">
+      <p:transition spd="med" p14:dur="700">
+        <p:fade/>
+      </p:transition>
+    </mc:Choice>
+    <mc:Fallback xmlns="">
+      <p:transition spd="med">
+        <p:fade/>
+      </p:transition>
+    </mc:Fallback>
+  </mc:AlternateContent>
+</p:sld>
+</file>
+
+<file path=ppt/slides/slide19.xml><?xml version="1.0" encoding="utf-8"?>
+<p:sld xmlns:a="http://schemas.openxmlformats.org/drawingml/2006/main" xmlns:r="http://schemas.openxmlformats.org/officeDocument/2006/relationships" xmlns:p="http://schemas.openxmlformats.org/presentationml/2006/main">
+  <p:cSld>
+    <p:spTree>
+      <p:nvGrpSpPr>
+        <p:cNvPr id="1" name=""/>
+        <p:cNvGrpSpPr/>
+        <p:nvPr/>
+      </p:nvGrpSpPr>
+      <p:grpSpPr>
+        <a:xfrm>
+          <a:off x="0" y="0"/>
+          <a:ext cx="0" cy="0"/>
+          <a:chOff x="0" y="0"/>
+          <a:chExt cx="0" cy="0"/>
+        </a:xfrm>
+      </p:grpSpPr>
+      <p:sp>
+        <p:nvSpPr>
+          <p:cNvPr id="2" name="Title 1"/>
+          <p:cNvSpPr>
+            <a:spLocks noGrp="1"/>
+          </p:cNvSpPr>
+          <p:nvPr>
+            <p:ph type="title"/>
+          </p:nvPr>
+        </p:nvSpPr>
+        <p:spPr/>
+        <p:txBody>
+          <a:bodyPr/>
+          <a:lstStyle/>
+          <a:p>
+            <a:r>
+              <a:rPr lang="en-US" dirty="0"/>
+              <a:t>No.bat (Notepad) leverages the "</a:t>
+            </a:r>
+            <a:r>
+              <a:rPr lang="en-US" dirty="0" err="1"/>
+              <a:t>cbf_filename</a:t>
+            </a:r>
+            <a:r>
+              <a:rPr lang="en-US" dirty="0"/>
+              <a:t>" environment variable.</a:t>
+            </a:r>
+          </a:p>
+        </p:txBody>
+      </p:sp>
+      <p:pic>
+        <p:nvPicPr>
+          <p:cNvPr id="5" name="Content Placeholder 4">
+            <a:extLst>
+              <a:ext uri="{FF2B5EF4-FFF2-40B4-BE49-F238E27FC236}">
+                <a16:creationId xmlns:a16="http://schemas.microsoft.com/office/drawing/2014/main" id="{03AF70C3-F104-4763-B72E-A389643D229F}"/>
+              </a:ext>
+            </a:extLst>
+          </p:cNvPr>
+          <p:cNvPicPr>
+            <a:picLocks noGrp="1" noChangeAspect="1"/>
+          </p:cNvPicPr>
+          <p:nvPr>
+            <p:ph idx="1"/>
+          </p:nvPr>
+        </p:nvPicPr>
+        <p:blipFill>
+          <a:blip r:embed="rId2">
+            <a:extLst>
+              <a:ext uri="{28A0092B-C50C-407E-A947-70E740481C1C}">
+                <a14:useLocalDpi xmlns:a14="http://schemas.microsoft.com/office/drawing/2010/main" val="0"/>
+              </a:ext>
+            </a:extLst>
+          </a:blip>
+          <a:stretch>
+            <a:fillRect/>
+          </a:stretch>
+        </p:blipFill>
+        <p:spPr>
+          <a:xfrm>
+            <a:off x="1181542" y="1435099"/>
+            <a:ext cx="8495858" cy="5402941"/>
+          </a:xfrm>
+        </p:spPr>
+      </p:pic>
+    </p:spTree>
+    <p:extLst>
+      <p:ext uri="{BB962C8B-B14F-4D97-AF65-F5344CB8AC3E}">
+        <p14:creationId xmlns:p14="http://schemas.microsoft.com/office/powerpoint/2010/main" val="2168486731"/>
+      </p:ext>
+    </p:extLst>
+  </p:cSld>
+  <p:clrMapOvr>
+    <a:masterClrMapping/>
+  </p:clrMapOvr>
+  <mc:AlternateContent xmlns:mc="http://schemas.openxmlformats.org/markup-compatibility/2006" xmlns:p14="http://schemas.microsoft.com/office/powerpoint/2010/main">
+    <mc:Choice Requires="p14">
+      <p:transition spd="med" p14:dur="700">
+        <p:fade/>
+      </p:transition>
+    </mc:Choice>
+    <mc:Fallback xmlns="">
+      <p:transition spd="med">
+        <p:fade/>
+      </p:transition>
+    </mc:Fallback>
+  </mc:AlternateContent>
+</p:sld>
+</file>
+
+<file path=ppt/slides/slide2.xml><?xml version="1.0" encoding="utf-8"?>
+<p:sld xmlns:a="http://schemas.openxmlformats.org/drawingml/2006/main" xmlns:r="http://schemas.openxmlformats.org/officeDocument/2006/relationships" xmlns:p="http://schemas.openxmlformats.org/presentationml/2006/main">
+  <p:cSld>
+    <p:spTree>
+      <p:nvGrpSpPr>
+        <p:cNvPr id="1" name=""/>
+        <p:cNvGrpSpPr/>
+        <p:nvPr/>
+      </p:nvGrpSpPr>
+      <p:grpSpPr>
+        <a:xfrm>
+          <a:off x="0" y="0"/>
+          <a:ext cx="0" cy="0"/>
+          <a:chOff x="0" y="0"/>
+          <a:chExt cx="0" cy="0"/>
+        </a:xfrm>
+      </p:grpSpPr>
+      <p:sp>
+        <p:nvSpPr>
+          <p:cNvPr id="2" name="Title 1"/>
+          <p:cNvSpPr>
+            <a:spLocks noGrp="1"/>
+          </p:cNvSpPr>
+          <p:nvPr>
+            <p:ph type="title"/>
+          </p:nvPr>
+        </p:nvSpPr>
+        <p:spPr/>
+        <p:txBody>
+          <a:bodyPr/>
+          <a:lstStyle/>
+          <a:p>
+            <a:r>
+              <a:rPr lang="en-US" dirty="0"/>
+              <a:t>               Most Batch Files Are A Mess</a:t>
+            </a:r>
+          </a:p>
+        </p:txBody>
+      </p:sp>
+      <p:sp>
+        <p:nvSpPr>
+          <p:cNvPr id="3" name="Content Placeholder 2"/>
+          <p:cNvSpPr>
+            <a:spLocks noGrp="1"/>
+          </p:cNvSpPr>
+          <p:nvPr>
+            <p:ph idx="1"/>
+          </p:nvPr>
+        </p:nvSpPr>
+        <p:spPr/>
+        <p:txBody>
+          <a:bodyPr>
+            <a:normAutofit/>
+          </a:bodyPr>
+          <a:lstStyle/>
+          <a:p>
+            <a:r>
+              <a:rPr lang="en-US"/>
+              <a:t>Most </a:t>
+            </a:r>
+            <a:r>
+              <a:rPr lang="en-US" dirty="0"/>
+              <a:t>batch files I've seen in the wild are pretty messy. They are often quite long and not well structured. I know this partly because I've written hundreds of them. I wrote batch files for years that were a mess. I like to think I'm a little better now.</a:t>
+            </a:r>
+          </a:p>
+          <a:p>
+            <a:r>
+              <a:rPr lang="en-US" dirty="0"/>
+              <a:t>For Example, I googled "typical batch file" and this was the first hit:</a:t>
+            </a:r>
+          </a:p>
+          <a:p>
+            <a:pPr marL="0" indent="0">
+              <a:buNone/>
+            </a:pPr>
+            <a:r>
+              <a:rPr lang="en-US" dirty="0"/>
+              <a:t>	</a:t>
+            </a:r>
+            <a:r>
+              <a:rPr lang="en-US" dirty="0">
+                <a:hlinkClick r:id="rId2"/>
+              </a:rPr>
+              <a:t>https://www.instructables.com/id/5-Cool-Batch-Files/</a:t>
+            </a:r>
+            <a:endParaRPr lang="en-US" dirty="0"/>
+          </a:p>
+          <a:p>
+            <a:endParaRPr lang="en-US" dirty="0"/>
+          </a:p>
+        </p:txBody>
+      </p:sp>
+    </p:spTree>
+    <p:extLst>
+      <p:ext uri="{BB962C8B-B14F-4D97-AF65-F5344CB8AC3E}">
+        <p14:creationId xmlns:p14="http://schemas.microsoft.com/office/powerpoint/2010/main" val="2888317160"/>
+      </p:ext>
+    </p:extLst>
+  </p:cSld>
+  <p:clrMapOvr>
+    <a:masterClrMapping/>
+  </p:clrMapOvr>
+  <mc:AlternateContent xmlns:mc="http://schemas.openxmlformats.org/markup-compatibility/2006" xmlns:p14="http://schemas.microsoft.com/office/powerpoint/2010/main">
+    <mc:Choice Requires="p14">
+      <p:transition spd="med" p14:dur="700">
+        <p:fade/>
+      </p:transition>
+    </mc:Choice>
+    <mc:Fallback xmlns="">
+      <p:transition spd="med">
+        <p:fade/>
+      </p:transition>
+    </mc:Fallback>
+  </mc:AlternateContent>
+</p:sld>
+</file>
+
+<file path=ppt/slides/slide20.xml><?xml version="1.0" encoding="utf-8"?>
+<p:sld xmlns:a="http://schemas.openxmlformats.org/drawingml/2006/main" xmlns:r="http://schemas.openxmlformats.org/officeDocument/2006/relationships" xmlns:p="http://schemas.openxmlformats.org/presentationml/2006/main">
+  <p:cSld>
+    <p:spTree>
+      <p:nvGrpSpPr>
+        <p:cNvPr id="1" name=""/>
+        <p:cNvGrpSpPr/>
+        <p:nvPr/>
+      </p:nvGrpSpPr>
+      <p:grpSpPr>
+        <a:xfrm>
+          <a:off x="0" y="0"/>
+          <a:ext cx="0" cy="0"/>
+          <a:chOff x="0" y="0"/>
+          <a:chExt cx="0" cy="0"/>
+        </a:xfrm>
+      </p:grpSpPr>
+      <p:sp>
+        <p:nvSpPr>
+          <p:cNvPr id="2" name="Title 1"/>
+          <p:cNvSpPr>
+            <a:spLocks noGrp="1"/>
+          </p:cNvSpPr>
+          <p:nvPr>
+            <p:ph type="title"/>
+          </p:nvPr>
+        </p:nvSpPr>
+        <p:spPr/>
+        <p:txBody>
+          <a:bodyPr/>
+          <a:lstStyle/>
+          <a:p>
+            <a:r>
+              <a:rPr lang="en-US" dirty="0"/>
+              <a:t>Extra Credit</a:t>
+            </a:r>
+          </a:p>
+        </p:txBody>
+      </p:sp>
+      <p:sp>
+        <p:nvSpPr>
+          <p:cNvPr id="3" name="Content Placeholder 2"/>
+          <p:cNvSpPr>
+            <a:spLocks noGrp="1"/>
+          </p:cNvSpPr>
+          <p:nvPr>
+            <p:ph idx="1"/>
+          </p:nvPr>
+        </p:nvSpPr>
+        <p:spPr/>
+        <p:txBody>
+          <a:bodyPr>
+            <a:normAutofit/>
+          </a:bodyPr>
+          <a:lstStyle/>
+          <a:p>
+            <a:r>
+              <a:rPr lang="en-US" dirty="0"/>
+              <a:t>Now that you know how navigate the file system like a boss using “td” and “of”, and surf like a boss using “sf”, it’s time to search folders like a boss.</a:t>
+            </a:r>
+          </a:p>
+          <a:p>
+            <a:r>
+              <a:rPr lang="en-US" dirty="0"/>
+              <a:t>Run fs.bat and cs.bat.</a:t>
             </a:r>
           </a:p>
         </p:txBody>
@@ -4880,7 +5504,7 @@
 </p:sld>
 </file>
 
-<file path=ppt/slides/slide17.xml><?xml version="1.0" encoding="utf-8"?>
+<file path=ppt/slides/slide21.xml><?xml version="1.0" encoding="utf-8"?>
 <p:sld xmlns:a="http://schemas.openxmlformats.org/drawingml/2006/main" xmlns:r="http://schemas.openxmlformats.org/officeDocument/2006/relationships" xmlns:p="http://schemas.openxmlformats.org/presentationml/2006/main">
   <p:cSld>
     <p:spTree>
@@ -4966,123 +5590,6 @@
     <p:extLst>
       <p:ext uri="{BB962C8B-B14F-4D97-AF65-F5344CB8AC3E}">
         <p14:creationId xmlns:p14="http://schemas.microsoft.com/office/powerpoint/2010/main" val="2235719706"/>
-      </p:ext>
-    </p:extLst>
-  </p:cSld>
-  <p:clrMapOvr>
-    <a:masterClrMapping/>
-  </p:clrMapOvr>
-  <mc:AlternateContent xmlns:mc="http://schemas.openxmlformats.org/markup-compatibility/2006" xmlns:p14="http://schemas.microsoft.com/office/powerpoint/2010/main">
-    <mc:Choice Requires="p14">
-      <p:transition spd="med" p14:dur="700">
-        <p:fade/>
-      </p:transition>
-    </mc:Choice>
-    <mc:Fallback xmlns="">
-      <p:transition spd="med">
-        <p:fade/>
-      </p:transition>
-    </mc:Fallback>
-  </mc:AlternateContent>
-</p:sld>
-</file>
-
-<file path=ppt/slides/slide2.xml><?xml version="1.0" encoding="utf-8"?>
-<p:sld xmlns:a="http://schemas.openxmlformats.org/drawingml/2006/main" xmlns:r="http://schemas.openxmlformats.org/officeDocument/2006/relationships" xmlns:p="http://schemas.openxmlformats.org/presentationml/2006/main">
-  <p:cSld>
-    <p:spTree>
-      <p:nvGrpSpPr>
-        <p:cNvPr id="1" name=""/>
-        <p:cNvGrpSpPr/>
-        <p:nvPr/>
-      </p:nvGrpSpPr>
-      <p:grpSpPr>
-        <a:xfrm>
-          <a:off x="0" y="0"/>
-          <a:ext cx="0" cy="0"/>
-          <a:chOff x="0" y="0"/>
-          <a:chExt cx="0" cy="0"/>
-        </a:xfrm>
-      </p:grpSpPr>
-      <p:sp>
-        <p:nvSpPr>
-          <p:cNvPr id="2" name="Title 1"/>
-          <p:cNvSpPr>
-            <a:spLocks noGrp="1"/>
-          </p:cNvSpPr>
-          <p:nvPr>
-            <p:ph type="title"/>
-          </p:nvPr>
-        </p:nvSpPr>
-        <p:spPr/>
-        <p:txBody>
-          <a:bodyPr/>
-          <a:lstStyle/>
-          <a:p>
-            <a:r>
-              <a:rPr lang="en-US" dirty="0"/>
-              <a:t>               Most Batch Files Are A Mess</a:t>
-            </a:r>
-          </a:p>
-        </p:txBody>
-      </p:sp>
-      <p:sp>
-        <p:nvSpPr>
-          <p:cNvPr id="3" name="Content Placeholder 2"/>
-          <p:cNvSpPr>
-            <a:spLocks noGrp="1"/>
-          </p:cNvSpPr>
-          <p:nvPr>
-            <p:ph idx="1"/>
-          </p:nvPr>
-        </p:nvSpPr>
-        <p:spPr/>
-        <p:txBody>
-          <a:bodyPr>
-            <a:normAutofit/>
-          </a:bodyPr>
-          <a:lstStyle/>
-          <a:p>
-            <a:r>
-              <a:rPr lang="en-US"/>
-              <a:t>Most </a:t>
-            </a:r>
-            <a:r>
-              <a:rPr lang="en-US" dirty="0"/>
-              <a:t>batch files I've seen in the wild are pretty messy. They are often quite long and not well structured. I know this partly because I've written hundreds of them. I wrote batch files for years that were a mess. I like to think I'm a little better now.</a:t>
-            </a:r>
-          </a:p>
-          <a:p>
-            <a:r>
-              <a:rPr lang="en-US" dirty="0"/>
-              <a:t>For Example, I googled "typical batch file" and this was the first hit:</a:t>
-            </a:r>
-          </a:p>
-          <a:p>
-            <a:pPr marL="0" indent="0">
-              <a:buNone/>
-            </a:pPr>
-            <a:r>
-              <a:rPr lang="en-US" dirty="0"/>
-              <a:t>	</a:t>
-            </a:r>
-            <a:r>
-              <a:rPr lang="en-US" dirty="0">
-                <a:hlinkClick r:id="rId2"/>
-              </a:rPr>
-              <a:t>https://www.instructables.com/id/5-Cool-Batch-Files/</a:t>
-            </a:r>
-            <a:endParaRPr lang="en-US" dirty="0"/>
-          </a:p>
-          <a:p>
-            <a:endParaRPr lang="en-US" dirty="0"/>
-          </a:p>
-        </p:txBody>
-      </p:sp>
-    </p:spTree>
-    <p:extLst>
-      <p:ext uri="{BB962C8B-B14F-4D97-AF65-F5344CB8AC3E}">
-        <p14:creationId xmlns:p14="http://schemas.microsoft.com/office/powerpoint/2010/main" val="2888317160"/>
       </p:ext>
     </p:extLst>
   </p:cSld>
@@ -5886,7 +6393,7 @@
           <a:p>
             <a:r>
               <a:rPr lang="en-US" dirty="0"/>
-              <a:t>Here's an example of some CBF environment variables:</a:t>
+              <a:t>Here's an example of how to set some CBF default environment variables:</a:t>
             </a:r>
           </a:p>
         </p:txBody>

--- a/Composable Batch File Helper.pptx
+++ b/Composable Batch File Helper.pptx
@@ -5465,6 +5465,12 @@
             <a:normAutofit/>
           </a:bodyPr>
           <a:lstStyle/>
+          <a:p>
+            <a:r>
+              <a:rPr lang="en-US" dirty="0"/>
+              <a:t>Running “m compose” shows a composer method.</a:t>
+            </a:r>
+          </a:p>
           <a:p>
             <a:r>
               <a:rPr lang="en-US" dirty="0"/>

--- a/Composable Batch File Helper.pptx
+++ b/Composable Batch File Helper.pptx
@@ -5,10 +5,10 @@
     <p:sldMasterId id="2147483648" r:id="rId2"/>
   </p:sldMasterIdLst>
   <p:notesMasterIdLst>
-    <p:notesMasterId r:id="rId24"/>
+    <p:notesMasterId r:id="rId25"/>
   </p:notesMasterIdLst>
   <p:handoutMasterIdLst>
-    <p:handoutMasterId r:id="rId25"/>
+    <p:handoutMasterId r:id="rId26"/>
   </p:handoutMasterIdLst>
   <p:sldIdLst>
     <p:sldId id="268" r:id="rId3"/>
@@ -31,7 +31,8 @@
     <p:sldId id="291" r:id="rId20"/>
     <p:sldId id="293" r:id="rId21"/>
     <p:sldId id="288" r:id="rId22"/>
-    <p:sldId id="273" r:id="rId23"/>
+    <p:sldId id="294" r:id="rId23"/>
+    <p:sldId id="273" r:id="rId24"/>
   </p:sldIdLst>
   <p:sldSz cx="12192000" cy="6858000"/>
   <p:notesSz cx="6858000" cy="9144000"/>
@@ -5444,47 +5445,46 @@
           <a:p>
             <a:r>
               <a:rPr lang="en-US" dirty="0"/>
-              <a:t>Extra Credit</a:t>
-            </a:r>
-          </a:p>
-        </p:txBody>
-      </p:sp>
-      <p:sp>
-        <p:nvSpPr>
-          <p:cNvPr id="3" name="Content Placeholder 2"/>
-          <p:cNvSpPr>
-            <a:spLocks noGrp="1"/>
-          </p:cNvSpPr>
+              <a:t>      Composer Method – Run them all together.</a:t>
+            </a:r>
+          </a:p>
+        </p:txBody>
+      </p:sp>
+      <p:pic>
+        <p:nvPicPr>
+          <p:cNvPr id="5" name="Content Placeholder 4">
+            <a:extLst>
+              <a:ext uri="{FF2B5EF4-FFF2-40B4-BE49-F238E27FC236}">
+                <a16:creationId xmlns:a16="http://schemas.microsoft.com/office/drawing/2014/main" id="{6DBC1C1F-F9A7-4564-949C-44AE7FAFA2A8}"/>
+              </a:ext>
+            </a:extLst>
+          </p:cNvPr>
+          <p:cNvPicPr>
+            <a:picLocks noGrp="1" noChangeAspect="1"/>
+          </p:cNvPicPr>
           <p:nvPr>
             <p:ph idx="1"/>
           </p:nvPr>
-        </p:nvSpPr>
-        <p:spPr/>
-        <p:txBody>
-          <a:bodyPr>
-            <a:normAutofit/>
-          </a:bodyPr>
-          <a:lstStyle/>
-          <a:p>
-            <a:r>
-              <a:rPr lang="en-US" dirty="0"/>
-              <a:t>Running “m compose” shows a composer method.</a:t>
-            </a:r>
-          </a:p>
-          <a:p>
-            <a:r>
-              <a:rPr lang="en-US" dirty="0"/>
-              <a:t>Now that you know how navigate the file system like a boss using “td” and “of”, and surf like a boss using “sf”, it’s time to search folders like a boss.</a:t>
-            </a:r>
-          </a:p>
-          <a:p>
-            <a:r>
-              <a:rPr lang="en-US" dirty="0"/>
-              <a:t>Run fs.bat and cs.bat.</a:t>
-            </a:r>
-          </a:p>
-        </p:txBody>
-      </p:sp>
+        </p:nvPicPr>
+        <p:blipFill>
+          <a:blip r:embed="rId2">
+            <a:extLst>
+              <a:ext uri="{28A0092B-C50C-407E-A947-70E740481C1C}">
+                <a14:useLocalDpi xmlns:a14="http://schemas.microsoft.com/office/drawing/2010/main" val="0"/>
+              </a:ext>
+            </a:extLst>
+          </a:blip>
+          <a:stretch>
+            <a:fillRect/>
+          </a:stretch>
+        </p:blipFill>
+        <p:spPr>
+          <a:xfrm>
+            <a:off x="1816100" y="1080213"/>
+            <a:ext cx="8382000" cy="5755077"/>
+          </a:xfrm>
+        </p:spPr>
+      </p:pic>
     </p:spTree>
     <p:extLst>
       <p:ext uri="{BB962C8B-B14F-4D97-AF65-F5344CB8AC3E}">
@@ -5511,6 +5511,100 @@
 </file>
 
 <file path=ppt/slides/slide21.xml><?xml version="1.0" encoding="utf-8"?>
+<p:sld xmlns:a="http://schemas.openxmlformats.org/drawingml/2006/main" xmlns:r="http://schemas.openxmlformats.org/officeDocument/2006/relationships" xmlns:p="http://schemas.openxmlformats.org/presentationml/2006/main">
+  <p:cSld>
+    <p:spTree>
+      <p:nvGrpSpPr>
+        <p:cNvPr id="1" name=""/>
+        <p:cNvGrpSpPr/>
+        <p:nvPr/>
+      </p:nvGrpSpPr>
+      <p:grpSpPr>
+        <a:xfrm>
+          <a:off x="0" y="0"/>
+          <a:ext cx="0" cy="0"/>
+          <a:chOff x="0" y="0"/>
+          <a:chExt cx="0" cy="0"/>
+        </a:xfrm>
+      </p:grpSpPr>
+      <p:sp>
+        <p:nvSpPr>
+          <p:cNvPr id="2" name="Title 1"/>
+          <p:cNvSpPr>
+            <a:spLocks noGrp="1"/>
+          </p:cNvSpPr>
+          <p:nvPr>
+            <p:ph type="title"/>
+          </p:nvPr>
+        </p:nvSpPr>
+        <p:spPr/>
+        <p:txBody>
+          <a:bodyPr/>
+          <a:lstStyle/>
+          <a:p>
+            <a:r>
+              <a:rPr lang="en-US" dirty="0"/>
+              <a:t>Extra Credit</a:t>
+            </a:r>
+          </a:p>
+        </p:txBody>
+      </p:sp>
+      <p:sp>
+        <p:nvSpPr>
+          <p:cNvPr id="3" name="Content Placeholder 2"/>
+          <p:cNvSpPr>
+            <a:spLocks noGrp="1"/>
+          </p:cNvSpPr>
+          <p:nvPr>
+            <p:ph idx="1"/>
+          </p:nvPr>
+        </p:nvSpPr>
+        <p:spPr/>
+        <p:txBody>
+          <a:bodyPr>
+            <a:normAutofit/>
+          </a:bodyPr>
+          <a:lstStyle/>
+          <a:p>
+            <a:r>
+              <a:rPr lang="en-US" dirty="0"/>
+              <a:t>Now that you know how navigate the file system, surf and edit like a boss, it’s time to search folders like a boss.</a:t>
+            </a:r>
+          </a:p>
+          <a:p>
+            <a:r>
+              <a:rPr lang="en-US" dirty="0"/>
+              <a:t>Run fs.bat and cs.bat.</a:t>
+            </a:r>
+          </a:p>
+        </p:txBody>
+      </p:sp>
+    </p:spTree>
+    <p:extLst>
+      <p:ext uri="{BB962C8B-B14F-4D97-AF65-F5344CB8AC3E}">
+        <p14:creationId xmlns:p14="http://schemas.microsoft.com/office/powerpoint/2010/main" val="1468763939"/>
+      </p:ext>
+    </p:extLst>
+  </p:cSld>
+  <p:clrMapOvr>
+    <a:masterClrMapping/>
+  </p:clrMapOvr>
+  <mc:AlternateContent xmlns:mc="http://schemas.openxmlformats.org/markup-compatibility/2006" xmlns:p14="http://schemas.microsoft.com/office/powerpoint/2010/main">
+    <mc:Choice Requires="p14">
+      <p:transition spd="med" p14:dur="700">
+        <p:fade/>
+      </p:transition>
+    </mc:Choice>
+    <mc:Fallback xmlns="">
+      <p:transition spd="med">
+        <p:fade/>
+      </p:transition>
+    </mc:Fallback>
+  </mc:AlternateContent>
+</p:sld>
+</file>
+
+<file path=ppt/slides/slide22.xml><?xml version="1.0" encoding="utf-8"?>
 <p:sld xmlns:a="http://schemas.openxmlformats.org/drawingml/2006/main" xmlns:r="http://schemas.openxmlformats.org/officeDocument/2006/relationships" xmlns:p="http://schemas.openxmlformats.org/presentationml/2006/main">
   <p:cSld>
     <p:spTree>

--- a/Composable Batch File Helper.pptx
+++ b/Composable Batch File Helper.pptx
@@ -5452,10 +5452,10 @@
       </p:sp>
       <p:pic>
         <p:nvPicPr>
-          <p:cNvPr id="5" name="Content Placeholder 4">
+          <p:cNvPr id="7" name="Content Placeholder 6">
             <a:extLst>
               <a:ext uri="{FF2B5EF4-FFF2-40B4-BE49-F238E27FC236}">
-                <a16:creationId xmlns:a16="http://schemas.microsoft.com/office/drawing/2014/main" id="{6DBC1C1F-F9A7-4564-949C-44AE7FAFA2A8}"/>
+                <a16:creationId xmlns:a16="http://schemas.microsoft.com/office/drawing/2014/main" id="{0FC408DC-F0A7-4D20-8C79-60FC9CF585D1}"/>
               </a:ext>
             </a:extLst>
           </p:cNvPr>
@@ -5480,8 +5480,8 @@
         </p:blipFill>
         <p:spPr>
           <a:xfrm>
-            <a:off x="1816100" y="1080213"/>
-            <a:ext cx="8382000" cy="5755077"/>
+            <a:off x="1883288" y="965200"/>
+            <a:ext cx="8518012" cy="5869080"/>
           </a:xfrm>
         </p:spPr>
       </p:pic>

--- a/Composable Batch File Helper.pptx
+++ b/Composable Batch File Helper.pptx
@@ -5,34 +5,35 @@
     <p:sldMasterId id="2147483648" r:id="rId2"/>
   </p:sldMasterIdLst>
   <p:notesMasterIdLst>
-    <p:notesMasterId r:id="rId25"/>
+    <p:notesMasterId r:id="rId26"/>
   </p:notesMasterIdLst>
   <p:handoutMasterIdLst>
-    <p:handoutMasterId r:id="rId26"/>
+    <p:handoutMasterId r:id="rId27"/>
   </p:handoutMasterIdLst>
   <p:sldIdLst>
     <p:sldId id="268" r:id="rId3"/>
-    <p:sldId id="280" r:id="rId4"/>
-    <p:sldId id="257" r:id="rId5"/>
-    <p:sldId id="275" r:id="rId6"/>
-    <p:sldId id="277" r:id="rId7"/>
-    <p:sldId id="279" r:id="rId8"/>
-    <p:sldId id="282" r:id="rId9"/>
-    <p:sldId id="278" r:id="rId10"/>
-    <p:sldId id="281" r:id="rId11"/>
-    <p:sldId id="284" r:id="rId12"/>
-    <p:sldId id="283" r:id="rId13"/>
-    <p:sldId id="285" r:id="rId14"/>
-    <p:sldId id="287" r:id="rId15"/>
-    <p:sldId id="286" r:id="rId16"/>
-    <p:sldId id="289" r:id="rId17"/>
-    <p:sldId id="290" r:id="rId18"/>
-    <p:sldId id="292" r:id="rId19"/>
-    <p:sldId id="291" r:id="rId20"/>
-    <p:sldId id="293" r:id="rId21"/>
-    <p:sldId id="288" r:id="rId22"/>
-    <p:sldId id="294" r:id="rId23"/>
-    <p:sldId id="273" r:id="rId24"/>
+    <p:sldId id="295" r:id="rId4"/>
+    <p:sldId id="280" r:id="rId5"/>
+    <p:sldId id="257" r:id="rId6"/>
+    <p:sldId id="275" r:id="rId7"/>
+    <p:sldId id="277" r:id="rId8"/>
+    <p:sldId id="279" r:id="rId9"/>
+    <p:sldId id="282" r:id="rId10"/>
+    <p:sldId id="278" r:id="rId11"/>
+    <p:sldId id="281" r:id="rId12"/>
+    <p:sldId id="284" r:id="rId13"/>
+    <p:sldId id="283" r:id="rId14"/>
+    <p:sldId id="285" r:id="rId15"/>
+    <p:sldId id="287" r:id="rId16"/>
+    <p:sldId id="286" r:id="rId17"/>
+    <p:sldId id="289" r:id="rId18"/>
+    <p:sldId id="290" r:id="rId19"/>
+    <p:sldId id="292" r:id="rId20"/>
+    <p:sldId id="291" r:id="rId21"/>
+    <p:sldId id="293" r:id="rId22"/>
+    <p:sldId id="288" r:id="rId23"/>
+    <p:sldId id="294" r:id="rId24"/>
+    <p:sldId id="273" r:id="rId25"/>
   </p:sldIdLst>
   <p:sldSz cx="12192000" cy="6858000"/>
   <p:notesSz cx="6858000" cy="9144000"/>
@@ -4160,7 +4161,7 @@
           <a:p>
             <a:r>
               <a:rPr lang="en-US" dirty="0"/>
-              <a:t>                          Old Technology</a:t>
+              <a:t>        Old Technology – Windows’ Batch Files</a:t>
             </a:r>
           </a:p>
         </p:txBody>
@@ -4184,7 +4185,19 @@
           <a:p>
             <a:r>
               <a:rPr lang="en-US" dirty="0"/>
-              <a:t>This presentation is about a really old technology, Windows' batch files. Does anybody use Windows' batch files?</a:t>
+              <a:t>Does anybody use Windows' batch files?</a:t>
+            </a:r>
+          </a:p>
+          <a:p>
+            <a:r>
+              <a:rPr lang="en-US" dirty="0"/>
+              <a:t>I told some friends I was giving a presentation on batch files and they laughed at me.</a:t>
+            </a:r>
+          </a:p>
+          <a:p>
+            <a:r>
+              <a:rPr lang="en-US" dirty="0"/>
+              <a:t>It’s an old scooter I’m obsessed with.</a:t>
             </a:r>
           </a:p>
         </p:txBody>
@@ -4248,39 +4261,50 @@
           <a:p>
             <a:r>
               <a:rPr lang="en-US" dirty="0"/>
-              <a:t>                            Done with Setup</a:t>
-            </a:r>
-          </a:p>
-        </p:txBody>
-      </p:sp>
-      <p:sp>
-        <p:nvSpPr>
-          <p:cNvPr id="3" name="Content Placeholder 2"/>
-          <p:cNvSpPr>
-            <a:spLocks noGrp="1"/>
-          </p:cNvSpPr>
+              <a:t>Here's an example of how to set some CBF default environment variables:</a:t>
+            </a:r>
+          </a:p>
+        </p:txBody>
+      </p:sp>
+      <p:pic>
+        <p:nvPicPr>
+          <p:cNvPr id="5" name="Content Placeholder 4">
+            <a:extLst>
+              <a:ext uri="{FF2B5EF4-FFF2-40B4-BE49-F238E27FC236}">
+                <a16:creationId xmlns:a16="http://schemas.microsoft.com/office/drawing/2014/main" id="{533C788E-B902-48A8-A7D0-00EC4991AE0B}"/>
+              </a:ext>
+            </a:extLst>
+          </p:cNvPr>
+          <p:cNvPicPr>
+            <a:picLocks noGrp="1" noChangeAspect="1"/>
+          </p:cNvPicPr>
           <p:nvPr>
             <p:ph idx="1"/>
           </p:nvPr>
-        </p:nvSpPr>
-        <p:spPr/>
-        <p:txBody>
-          <a:bodyPr>
-            <a:normAutofit/>
-          </a:bodyPr>
-          <a:lstStyle/>
-          <a:p>
-            <a:r>
-              <a:rPr lang="en-US" dirty="0"/>
-              <a:t>After you have cloned or downloaded the CBF repository, double click the shortcut titled "Composable Batch Files Helper" to open up a blue command prompt.</a:t>
-            </a:r>
-          </a:p>
-        </p:txBody>
-      </p:sp>
+        </p:nvPicPr>
+        <p:blipFill>
+          <a:blip r:embed="rId2">
+            <a:extLst>
+              <a:ext uri="{28A0092B-C50C-407E-A947-70E740481C1C}">
+                <a14:useLocalDpi xmlns:a14="http://schemas.microsoft.com/office/drawing/2010/main" val="0"/>
+              </a:ext>
+            </a:extLst>
+          </a:blip>
+          <a:stretch>
+            <a:fillRect/>
+          </a:stretch>
+        </p:blipFill>
+        <p:spPr>
+          <a:xfrm>
+            <a:off x="3048000" y="1426515"/>
+            <a:ext cx="5689600" cy="5420873"/>
+          </a:xfrm>
+        </p:spPr>
+      </p:pic>
     </p:spTree>
     <p:extLst>
       <p:ext uri="{BB962C8B-B14F-4D97-AF65-F5344CB8AC3E}">
-        <p14:creationId xmlns:p14="http://schemas.microsoft.com/office/powerpoint/2010/main" val="3030792914"/>
+        <p14:creationId xmlns:p14="http://schemas.microsoft.com/office/powerpoint/2010/main" val="2774527376"/>
       </p:ext>
     </p:extLst>
   </p:cSld>
@@ -4336,7 +4360,7 @@
           <a:p>
             <a:r>
               <a:rPr lang="en-US" dirty="0"/>
-              <a:t>                                   Menu</a:t>
+              <a:t>                            Done with Setup</a:t>
             </a:r>
           </a:p>
         </p:txBody>
@@ -4360,7 +4384,101 @@
           <a:p>
             <a:r>
               <a:rPr lang="en-US" dirty="0"/>
-              <a:t>All of the batch files in CBF use a functionalized, modular approach. To see a menu of all the available CBFs type "menu" or "</a:t>
+              <a:t>After you have cloned or downloaded the CBF repository, double click the shortcut titled "Composable Batch Files Helper" to open up a blue command prompt.</a:t>
+            </a:r>
+          </a:p>
+        </p:txBody>
+      </p:sp>
+    </p:spTree>
+    <p:extLst>
+      <p:ext uri="{BB962C8B-B14F-4D97-AF65-F5344CB8AC3E}">
+        <p14:creationId xmlns:p14="http://schemas.microsoft.com/office/powerpoint/2010/main" val="3030792914"/>
+      </p:ext>
+    </p:extLst>
+  </p:cSld>
+  <p:clrMapOvr>
+    <a:masterClrMapping/>
+  </p:clrMapOvr>
+  <mc:AlternateContent xmlns:mc="http://schemas.openxmlformats.org/markup-compatibility/2006" xmlns:p14="http://schemas.microsoft.com/office/powerpoint/2010/main">
+    <mc:Choice Requires="p14">
+      <p:transition spd="med" p14:dur="700">
+        <p:fade/>
+      </p:transition>
+    </mc:Choice>
+    <mc:Fallback xmlns="">
+      <p:transition spd="med">
+        <p:fade/>
+      </p:transition>
+    </mc:Fallback>
+  </mc:AlternateContent>
+</p:sld>
+</file>
+
+<file path=ppt/slides/slide12.xml><?xml version="1.0" encoding="utf-8"?>
+<p:sld xmlns:a="http://schemas.openxmlformats.org/drawingml/2006/main" xmlns:r="http://schemas.openxmlformats.org/officeDocument/2006/relationships" xmlns:p="http://schemas.openxmlformats.org/presentationml/2006/main">
+  <p:cSld>
+    <p:spTree>
+      <p:nvGrpSpPr>
+        <p:cNvPr id="1" name=""/>
+        <p:cNvGrpSpPr/>
+        <p:nvPr/>
+      </p:nvGrpSpPr>
+      <p:grpSpPr>
+        <a:xfrm>
+          <a:off x="0" y="0"/>
+          <a:ext cx="0" cy="0"/>
+          <a:chOff x="0" y="0"/>
+          <a:chExt cx="0" cy="0"/>
+        </a:xfrm>
+      </p:grpSpPr>
+      <p:sp>
+        <p:nvSpPr>
+          <p:cNvPr id="2" name="Title 1"/>
+          <p:cNvSpPr>
+            <a:spLocks noGrp="1"/>
+          </p:cNvSpPr>
+          <p:nvPr>
+            <p:ph type="title"/>
+          </p:nvPr>
+        </p:nvSpPr>
+        <p:spPr/>
+        <p:txBody>
+          <a:bodyPr/>
+          <a:lstStyle/>
+          <a:p>
+            <a:r>
+              <a:rPr lang="en-US" dirty="0"/>
+              <a:t>                                   Menu</a:t>
+            </a:r>
+          </a:p>
+        </p:txBody>
+      </p:sp>
+      <p:sp>
+        <p:nvSpPr>
+          <p:cNvPr id="3" name="Content Placeholder 2"/>
+          <p:cNvSpPr>
+            <a:spLocks noGrp="1"/>
+          </p:cNvSpPr>
+          <p:nvPr>
+            <p:ph idx="1"/>
+          </p:nvPr>
+        </p:nvSpPr>
+        <p:spPr/>
+        <p:txBody>
+          <a:bodyPr>
+            <a:normAutofit/>
+          </a:bodyPr>
+          <a:lstStyle/>
+          <a:p>
+            <a:r>
+              <a:rPr lang="en-US" dirty="0"/>
+              <a:t>All of the batch files in CBF use a functionalized, modular approach. </a:t>
+            </a:r>
+          </a:p>
+          <a:p>
+            <a:r>
+              <a:rPr lang="en-US" dirty="0"/>
+              <a:t>To see a menu of all the available CBFs type "menu" or "</a:t>
             </a:r>
             <a:r>
               <a:rPr lang="en-US" dirty="0" err="1"/>
@@ -4398,7 +4516,7 @@
 </p:sld>
 </file>
 
-<file path=ppt/slides/slide12.xml><?xml version="1.0" encoding="utf-8"?>
+<file path=ppt/slides/slide13.xml><?xml version="1.0" encoding="utf-8"?>
 <p:sld xmlns:a="http://schemas.openxmlformats.org/drawingml/2006/main" xmlns:r="http://schemas.openxmlformats.org/officeDocument/2006/relationships" xmlns:p="http://schemas.openxmlformats.org/presentationml/2006/main">
   <p:cSld>
     <p:spTree>
@@ -4497,7 +4615,7 @@
 </p:sld>
 </file>
 
-<file path=ppt/slides/slide13.xml><?xml version="1.0" encoding="utf-8"?>
+<file path=ppt/slides/slide14.xml><?xml version="1.0" encoding="utf-8"?>
 <p:sld xmlns:a="http://schemas.openxmlformats.org/drawingml/2006/main" xmlns:r="http://schemas.openxmlformats.org/officeDocument/2006/relationships" xmlns:p="http://schemas.openxmlformats.org/presentationml/2006/main">
   <p:cSld>
     <p:spTree>
@@ -4624,7 +4742,7 @@
 </p:sld>
 </file>
 
-<file path=ppt/slides/slide14.xml><?xml version="1.0" encoding="utf-8"?>
+<file path=ppt/slides/slide15.xml><?xml version="1.0" encoding="utf-8"?>
 <p:sld xmlns:a="http://schemas.openxmlformats.org/drawingml/2006/main" xmlns:r="http://schemas.openxmlformats.org/officeDocument/2006/relationships" xmlns:p="http://schemas.openxmlformats.org/presentationml/2006/main">
   <p:cSld>
     <p:spTree>
@@ -4658,7 +4776,7 @@
           <a:p>
             <a:r>
               <a:rPr lang="en-US" dirty="0"/>
-              <a:t>                Couldn’t care less? Questions?</a:t>
+              <a:t>              Part III of III - Customization</a:t>
             </a:r>
           </a:p>
         </p:txBody>
@@ -4680,12 +4798,9 @@
           </a:bodyPr>
           <a:lstStyle/>
           <a:p>
-            <a:pPr marL="0" indent="0">
-              <a:buNone/>
-            </a:pPr>
             <a:r>
               <a:rPr lang="en-US" dirty="0"/>
-              <a:t> </a:t>
+              <a:t>Questions so far?</a:t>
             </a:r>
           </a:p>
         </p:txBody>
@@ -4715,7 +4830,7 @@
 </p:sld>
 </file>
 
-<file path=ppt/slides/slide15.xml><?xml version="1.0" encoding="utf-8"?>
+<file path=ppt/slides/slide16.xml><?xml version="1.0" encoding="utf-8"?>
 <p:sld xmlns:a="http://schemas.openxmlformats.org/drawingml/2006/main" xmlns:r="http://schemas.openxmlformats.org/officeDocument/2006/relationships" xmlns:p="http://schemas.openxmlformats.org/presentationml/2006/main">
   <p:cSld>
     <p:spTree>
@@ -4844,7 +4959,7 @@
 </p:sld>
 </file>
 
-<file path=ppt/slides/slide16.xml><?xml version="1.0" encoding="utf-8"?>
+<file path=ppt/slides/slide17.xml><?xml version="1.0" encoding="utf-8"?>
 <p:sld xmlns:a="http://schemas.openxmlformats.org/drawingml/2006/main" xmlns:r="http://schemas.openxmlformats.org/officeDocument/2006/relationships" xmlns:p="http://schemas.openxmlformats.org/presentationml/2006/main">
   <p:cSld>
     <p:spTree>
@@ -4943,7 +5058,7 @@
 </p:sld>
 </file>
 
-<file path=ppt/slides/slide17.xml><?xml version="1.0" encoding="utf-8"?>
+<file path=ppt/slides/slide18.xml><?xml version="1.0" encoding="utf-8"?>
 <p:sld xmlns:a="http://schemas.openxmlformats.org/drawingml/2006/main" xmlns:r="http://schemas.openxmlformats.org/officeDocument/2006/relationships" xmlns:p="http://schemas.openxmlformats.org/presentationml/2006/main">
   <p:cSld>
     <p:spTree>
@@ -5078,7 +5193,7 @@
 </p:sld>
 </file>
 
-<file path=ppt/slides/slide18.xml><?xml version="1.0" encoding="utf-8"?>
+<file path=ppt/slides/slide19.xml><?xml version="1.0" encoding="utf-8"?>
 <p:sld xmlns:a="http://schemas.openxmlformats.org/drawingml/2006/main" xmlns:r="http://schemas.openxmlformats.org/officeDocument/2006/relationships" xmlns:p="http://schemas.openxmlformats.org/presentationml/2006/main">
   <p:cSld>
     <p:spTree>
@@ -5187,7 +5302,107 @@
 </p:sld>
 </file>
 
-<file path=ppt/slides/slide19.xml><?xml version="1.0" encoding="utf-8"?>
+<file path=ppt/slides/slide2.xml><?xml version="1.0" encoding="utf-8"?>
+<p:sld xmlns:a="http://schemas.openxmlformats.org/drawingml/2006/main" xmlns:r="http://schemas.openxmlformats.org/officeDocument/2006/relationships" xmlns:p="http://schemas.openxmlformats.org/presentationml/2006/main">
+  <p:cSld>
+    <p:spTree>
+      <p:nvGrpSpPr>
+        <p:cNvPr id="1" name=""/>
+        <p:cNvGrpSpPr/>
+        <p:nvPr/>
+      </p:nvGrpSpPr>
+      <p:grpSpPr>
+        <a:xfrm>
+          <a:off x="0" y="0"/>
+          <a:ext cx="0" cy="0"/>
+          <a:chOff x="0" y="0"/>
+          <a:chExt cx="0" cy="0"/>
+        </a:xfrm>
+      </p:grpSpPr>
+      <p:sp>
+        <p:nvSpPr>
+          <p:cNvPr id="2" name="Title 1"/>
+          <p:cNvSpPr>
+            <a:spLocks noGrp="1"/>
+          </p:cNvSpPr>
+          <p:nvPr>
+            <p:ph type="title"/>
+          </p:nvPr>
+        </p:nvSpPr>
+        <p:spPr/>
+        <p:txBody>
+          <a:bodyPr/>
+          <a:lstStyle/>
+          <a:p>
+            <a:r>
+              <a:rPr lang="en-US" dirty="0"/>
+              <a:t>                        Table of Contents</a:t>
+            </a:r>
+          </a:p>
+        </p:txBody>
+      </p:sp>
+      <p:sp>
+        <p:nvSpPr>
+          <p:cNvPr id="3" name="Content Placeholder 2"/>
+          <p:cNvSpPr>
+            <a:spLocks noGrp="1"/>
+          </p:cNvSpPr>
+          <p:nvPr>
+            <p:ph idx="1"/>
+          </p:nvPr>
+        </p:nvSpPr>
+        <p:spPr/>
+        <p:txBody>
+          <a:bodyPr>
+            <a:normAutofit/>
+          </a:bodyPr>
+          <a:lstStyle/>
+          <a:p>
+            <a:r>
+              <a:rPr lang="en-US" dirty="0"/>
+              <a:t>Part I – The Problem: Batch files are usually balls of mud.</a:t>
+            </a:r>
+          </a:p>
+          <a:p>
+            <a:r>
+              <a:rPr lang="en-US" dirty="0"/>
+              <a:t>Part II – The Answer: Functionalization.</a:t>
+            </a:r>
+          </a:p>
+          <a:p>
+            <a:r>
+              <a:rPr lang="en-US" dirty="0"/>
+              <a:t>Part II – Customization can increase your productivity.</a:t>
+            </a:r>
+          </a:p>
+        </p:txBody>
+      </p:sp>
+    </p:spTree>
+    <p:extLst>
+      <p:ext uri="{BB962C8B-B14F-4D97-AF65-F5344CB8AC3E}">
+        <p14:creationId xmlns:p14="http://schemas.microsoft.com/office/powerpoint/2010/main" val="627684300"/>
+      </p:ext>
+    </p:extLst>
+  </p:cSld>
+  <p:clrMapOvr>
+    <a:masterClrMapping/>
+  </p:clrMapOvr>
+  <mc:AlternateContent xmlns:mc="http://schemas.openxmlformats.org/markup-compatibility/2006" xmlns:p14="http://schemas.microsoft.com/office/powerpoint/2010/main">
+    <mc:Choice Requires="p14">
+      <p:transition spd="med" p14:dur="700">
+        <p:fade/>
+      </p:transition>
+    </mc:Choice>
+    <mc:Fallback xmlns="">
+      <p:transition spd="med">
+        <p:fade/>
+      </p:transition>
+    </mc:Fallback>
+  </mc:AlternateContent>
+</p:sld>
+</file>
+
+<file path=ppt/slides/slide20.xml><?xml version="1.0" encoding="utf-8"?>
 <p:sld xmlns:a="http://schemas.openxmlformats.org/drawingml/2006/main" xmlns:r="http://schemas.openxmlformats.org/officeDocument/2006/relationships" xmlns:p="http://schemas.openxmlformats.org/presentationml/2006/main">
   <p:cSld>
     <p:spTree>
@@ -5294,124 +5509,7 @@
 </p:sld>
 </file>
 
-<file path=ppt/slides/slide2.xml><?xml version="1.0" encoding="utf-8"?>
-<p:sld xmlns:a="http://schemas.openxmlformats.org/drawingml/2006/main" xmlns:r="http://schemas.openxmlformats.org/officeDocument/2006/relationships" xmlns:p="http://schemas.openxmlformats.org/presentationml/2006/main">
-  <p:cSld>
-    <p:spTree>
-      <p:nvGrpSpPr>
-        <p:cNvPr id="1" name=""/>
-        <p:cNvGrpSpPr/>
-        <p:nvPr/>
-      </p:nvGrpSpPr>
-      <p:grpSpPr>
-        <a:xfrm>
-          <a:off x="0" y="0"/>
-          <a:ext cx="0" cy="0"/>
-          <a:chOff x="0" y="0"/>
-          <a:chExt cx="0" cy="0"/>
-        </a:xfrm>
-      </p:grpSpPr>
-      <p:sp>
-        <p:nvSpPr>
-          <p:cNvPr id="2" name="Title 1"/>
-          <p:cNvSpPr>
-            <a:spLocks noGrp="1"/>
-          </p:cNvSpPr>
-          <p:nvPr>
-            <p:ph type="title"/>
-          </p:nvPr>
-        </p:nvSpPr>
-        <p:spPr/>
-        <p:txBody>
-          <a:bodyPr/>
-          <a:lstStyle/>
-          <a:p>
-            <a:r>
-              <a:rPr lang="en-US" dirty="0"/>
-              <a:t>               Most Batch Files Are A Mess</a:t>
-            </a:r>
-          </a:p>
-        </p:txBody>
-      </p:sp>
-      <p:sp>
-        <p:nvSpPr>
-          <p:cNvPr id="3" name="Content Placeholder 2"/>
-          <p:cNvSpPr>
-            <a:spLocks noGrp="1"/>
-          </p:cNvSpPr>
-          <p:nvPr>
-            <p:ph idx="1"/>
-          </p:nvPr>
-        </p:nvSpPr>
-        <p:spPr/>
-        <p:txBody>
-          <a:bodyPr>
-            <a:normAutofit/>
-          </a:bodyPr>
-          <a:lstStyle/>
-          <a:p>
-            <a:r>
-              <a:rPr lang="en-US"/>
-              <a:t>Most </a:t>
-            </a:r>
-            <a:r>
-              <a:rPr lang="en-US" dirty="0"/>
-              <a:t>batch files I've seen in the wild are pretty messy. They are often quite long and not well structured. I know this partly because I've written hundreds of them. I wrote batch files for years that were a mess. I like to think I'm a little better now.</a:t>
-            </a:r>
-          </a:p>
-          <a:p>
-            <a:r>
-              <a:rPr lang="en-US" dirty="0"/>
-              <a:t>For Example, I googled "typical batch file" and this was the first hit:</a:t>
-            </a:r>
-          </a:p>
-          <a:p>
-            <a:pPr marL="0" indent="0">
-              <a:buNone/>
-            </a:pPr>
-            <a:r>
-              <a:rPr lang="en-US" dirty="0"/>
-              <a:t>	</a:t>
-            </a:r>
-            <a:r>
-              <a:rPr lang="en-US" dirty="0">
-                <a:hlinkClick r:id="rId2"/>
-              </a:rPr>
-              <a:t>https://www.instructables.com/id/5-Cool-Batch-Files/</a:t>
-            </a:r>
-            <a:endParaRPr lang="en-US" dirty="0"/>
-          </a:p>
-          <a:p>
-            <a:endParaRPr lang="en-US" dirty="0"/>
-          </a:p>
-        </p:txBody>
-      </p:sp>
-    </p:spTree>
-    <p:extLst>
-      <p:ext uri="{BB962C8B-B14F-4D97-AF65-F5344CB8AC3E}">
-        <p14:creationId xmlns:p14="http://schemas.microsoft.com/office/powerpoint/2010/main" val="2888317160"/>
-      </p:ext>
-    </p:extLst>
-  </p:cSld>
-  <p:clrMapOvr>
-    <a:masterClrMapping/>
-  </p:clrMapOvr>
-  <mc:AlternateContent xmlns:mc="http://schemas.openxmlformats.org/markup-compatibility/2006" xmlns:p14="http://schemas.microsoft.com/office/powerpoint/2010/main">
-    <mc:Choice Requires="p14">
-      <p:transition spd="med" p14:dur="700">
-        <p:fade/>
-      </p:transition>
-    </mc:Choice>
-    <mc:Fallback xmlns="">
-      <p:transition spd="med">
-        <p:fade/>
-      </p:transition>
-    </mc:Fallback>
-  </mc:AlternateContent>
-</p:sld>
-</file>
-
-<file path=ppt/slides/slide20.xml><?xml version="1.0" encoding="utf-8"?>
+<file path=ppt/slides/slide21.xml><?xml version="1.0" encoding="utf-8"?>
 <p:sld xmlns:a="http://schemas.openxmlformats.org/drawingml/2006/main" xmlns:r="http://schemas.openxmlformats.org/officeDocument/2006/relationships" xmlns:p="http://schemas.openxmlformats.org/presentationml/2006/main">
   <p:cSld>
     <p:spTree>
@@ -5510,7 +5608,7 @@
 </p:sld>
 </file>
 
-<file path=ppt/slides/slide21.xml><?xml version="1.0" encoding="utf-8"?>
+<file path=ppt/slides/slide22.xml><?xml version="1.0" encoding="utf-8"?>
 <p:sld xmlns:a="http://schemas.openxmlformats.org/drawingml/2006/main" xmlns:r="http://schemas.openxmlformats.org/officeDocument/2006/relationships" xmlns:p="http://schemas.openxmlformats.org/presentationml/2006/main">
   <p:cSld>
     <p:spTree>
@@ -5544,7 +5642,7 @@
           <a:p>
             <a:r>
               <a:rPr lang="en-US" dirty="0"/>
-              <a:t>Extra Credit</a:t>
+              <a:t>Extra Credit – Cool Folder Searching Tools</a:t>
             </a:r>
           </a:p>
         </p:txBody>
@@ -5604,7 +5702,7 @@
 </p:sld>
 </file>
 
-<file path=ppt/slides/slide22.xml><?xml version="1.0" encoding="utf-8"?>
+<file path=ppt/slides/slide23.xml><?xml version="1.0" encoding="utf-8"?>
 <p:sld xmlns:a="http://schemas.openxmlformats.org/drawingml/2006/main" xmlns:r="http://schemas.openxmlformats.org/officeDocument/2006/relationships" xmlns:p="http://schemas.openxmlformats.org/presentationml/2006/main">
   <p:cSld>
     <p:spTree>
@@ -5634,7 +5732,7 @@
         <p:spPr>
           <a:xfrm>
             <a:off x="1161292" y="144011"/>
-            <a:ext cx="7843008" cy="1097280"/>
+            <a:ext cx="9836908" cy="1097280"/>
           </a:xfrm>
         </p:spPr>
         <p:txBody>
@@ -5645,7 +5743,7 @@
           <a:p>
             <a:r>
               <a:rPr lang="en-US" dirty="0"/>
-              <a:t>    To download and for more info., see:</a:t>
+              <a:t>Questions? To download and for more info., see:</a:t>
             </a:r>
           </a:p>
         </p:txBody>
@@ -5745,6 +5843,123 @@
           <a:p>
             <a:r>
               <a:rPr lang="en-US" dirty="0"/>
+              <a:t>Part I of III - The Problem: Most Batch Files Are A Mess</a:t>
+            </a:r>
+          </a:p>
+        </p:txBody>
+      </p:sp>
+      <p:sp>
+        <p:nvSpPr>
+          <p:cNvPr id="3" name="Content Placeholder 2"/>
+          <p:cNvSpPr>
+            <a:spLocks noGrp="1"/>
+          </p:cNvSpPr>
+          <p:nvPr>
+            <p:ph idx="1"/>
+          </p:nvPr>
+        </p:nvSpPr>
+        <p:spPr/>
+        <p:txBody>
+          <a:bodyPr>
+            <a:normAutofit/>
+          </a:bodyPr>
+          <a:lstStyle/>
+          <a:p>
+            <a:r>
+              <a:rPr lang="en-US"/>
+              <a:t>Most </a:t>
+            </a:r>
+            <a:r>
+              <a:rPr lang="en-US" dirty="0"/>
+              <a:t>batch files I've seen in the wild are pretty messy. They are often quite long and not well structured. I know this partly because I've written hundreds of them. I wrote batch files for years that were a mess. I like to think I'm a little better now.</a:t>
+            </a:r>
+          </a:p>
+          <a:p>
+            <a:r>
+              <a:rPr lang="en-US" dirty="0"/>
+              <a:t>For Example, I googled "typical batch file" and this was the first hit:</a:t>
+            </a:r>
+          </a:p>
+          <a:p>
+            <a:pPr marL="0" indent="0">
+              <a:buNone/>
+            </a:pPr>
+            <a:r>
+              <a:rPr lang="en-US" dirty="0"/>
+              <a:t>	</a:t>
+            </a:r>
+            <a:r>
+              <a:rPr lang="en-US" dirty="0">
+                <a:hlinkClick r:id="rId2"/>
+              </a:rPr>
+              <a:t>https://www.instructables.com/id/5-Cool-Batch-Files/</a:t>
+            </a:r>
+            <a:endParaRPr lang="en-US" dirty="0"/>
+          </a:p>
+          <a:p>
+            <a:endParaRPr lang="en-US" dirty="0"/>
+          </a:p>
+        </p:txBody>
+      </p:sp>
+    </p:spTree>
+    <p:extLst>
+      <p:ext uri="{BB962C8B-B14F-4D97-AF65-F5344CB8AC3E}">
+        <p14:creationId xmlns:p14="http://schemas.microsoft.com/office/powerpoint/2010/main" val="2888317160"/>
+      </p:ext>
+    </p:extLst>
+  </p:cSld>
+  <p:clrMapOvr>
+    <a:masterClrMapping/>
+  </p:clrMapOvr>
+  <mc:AlternateContent xmlns:mc="http://schemas.openxmlformats.org/markup-compatibility/2006" xmlns:p14="http://schemas.microsoft.com/office/powerpoint/2010/main">
+    <mc:Choice Requires="p14">
+      <p:transition spd="med" p14:dur="700">
+        <p:fade/>
+      </p:transition>
+    </mc:Choice>
+    <mc:Fallback xmlns="">
+      <p:transition spd="med">
+        <p:fade/>
+      </p:transition>
+    </mc:Fallback>
+  </mc:AlternateContent>
+</p:sld>
+</file>
+
+<file path=ppt/slides/slide4.xml><?xml version="1.0" encoding="utf-8"?>
+<p:sld xmlns:a="http://schemas.openxmlformats.org/drawingml/2006/main" xmlns:r="http://schemas.openxmlformats.org/officeDocument/2006/relationships" xmlns:p="http://schemas.openxmlformats.org/presentationml/2006/main">
+  <p:cSld>
+    <p:spTree>
+      <p:nvGrpSpPr>
+        <p:cNvPr id="1" name=""/>
+        <p:cNvGrpSpPr/>
+        <p:nvPr/>
+      </p:nvGrpSpPr>
+      <p:grpSpPr>
+        <a:xfrm>
+          <a:off x="0" y="0"/>
+          <a:ext cx="0" cy="0"/>
+          <a:chOff x="0" y="0"/>
+          <a:chExt cx="0" cy="0"/>
+        </a:xfrm>
+      </p:grpSpPr>
+      <p:sp>
+        <p:nvSpPr>
+          <p:cNvPr id="2" name="Title 1"/>
+          <p:cNvSpPr>
+            <a:spLocks noGrp="1"/>
+          </p:cNvSpPr>
+          <p:nvPr>
+            <p:ph type="title"/>
+          </p:nvPr>
+        </p:nvSpPr>
+        <p:spPr/>
+        <p:txBody>
+          <a:bodyPr/>
+          <a:lstStyle/>
+          <a:p>
+            <a:r>
+              <a:rPr lang="en-US" dirty="0"/>
               <a:t> </a:t>
             </a:r>
           </a:p>
@@ -5833,100 +6048,6 @@
 </p:sld>
 </file>
 
-<file path=ppt/slides/slide4.xml><?xml version="1.0" encoding="utf-8"?>
-<p:sld xmlns:a="http://schemas.openxmlformats.org/drawingml/2006/main" xmlns:r="http://schemas.openxmlformats.org/officeDocument/2006/relationships" xmlns:p="http://schemas.openxmlformats.org/presentationml/2006/main">
-  <p:cSld>
-    <p:spTree>
-      <p:nvGrpSpPr>
-        <p:cNvPr id="1" name=""/>
-        <p:cNvGrpSpPr/>
-        <p:nvPr/>
-      </p:nvGrpSpPr>
-      <p:grpSpPr>
-        <a:xfrm>
-          <a:off x="0" y="0"/>
-          <a:ext cx="0" cy="0"/>
-          <a:chOff x="0" y="0"/>
-          <a:chExt cx="0" cy="0"/>
-        </a:xfrm>
-      </p:grpSpPr>
-      <p:sp>
-        <p:nvSpPr>
-          <p:cNvPr id="2" name="Title 1"/>
-          <p:cNvSpPr>
-            <a:spLocks noGrp="1"/>
-          </p:cNvSpPr>
-          <p:nvPr>
-            <p:ph type="title"/>
-          </p:nvPr>
-        </p:nvSpPr>
-        <p:spPr/>
-        <p:txBody>
-          <a:bodyPr/>
-          <a:lstStyle/>
-          <a:p>
-            <a:r>
-              <a:rPr lang="en-US" dirty="0"/>
-              <a:t> </a:t>
-            </a:r>
-          </a:p>
-        </p:txBody>
-      </p:sp>
-      <p:sp>
-        <p:nvSpPr>
-          <p:cNvPr id="3" name="Content Placeholder 2"/>
-          <p:cNvSpPr>
-            <a:spLocks noGrp="1"/>
-          </p:cNvSpPr>
-          <p:nvPr>
-            <p:ph idx="1"/>
-          </p:nvPr>
-        </p:nvSpPr>
-        <p:spPr/>
-        <p:txBody>
-          <a:bodyPr>
-            <a:normAutofit/>
-          </a:bodyPr>
-          <a:lstStyle/>
-          <a:p>
-            <a:r>
-              <a:rPr lang="en-US" dirty="0"/>
-              <a:t>This small file has 19 goto statements! Makes my head hurt looking at it.</a:t>
-            </a:r>
-          </a:p>
-          <a:p>
-            <a:r>
-              <a:rPr lang="en-US" dirty="0"/>
-              <a:t>The lack of structure is a problem and leads to hard to read and understand code.</a:t>
-            </a:r>
-          </a:p>
-        </p:txBody>
-      </p:sp>
-    </p:spTree>
-    <p:extLst>
-      <p:ext uri="{BB962C8B-B14F-4D97-AF65-F5344CB8AC3E}">
-        <p14:creationId xmlns:p14="http://schemas.microsoft.com/office/powerpoint/2010/main" val="640977179"/>
-      </p:ext>
-    </p:extLst>
-  </p:cSld>
-  <p:clrMapOvr>
-    <a:masterClrMapping/>
-  </p:clrMapOvr>
-  <mc:AlternateContent xmlns:mc="http://schemas.openxmlformats.org/markup-compatibility/2006" xmlns:p14="http://schemas.microsoft.com/office/powerpoint/2010/main">
-    <mc:Choice Requires="p14">
-      <p:transition spd="med" p14:dur="700">
-        <p:fade/>
-      </p:transition>
-    </mc:Choice>
-    <mc:Fallback xmlns="">
-      <p:transition spd="med">
-        <p:fade/>
-      </p:transition>
-    </mc:Fallback>
-  </mc:AlternateContent>
-</p:sld>
-</file>
-
 <file path=ppt/slides/slide5.xml><?xml version="1.0" encoding="utf-8"?>
 <p:sld xmlns:a="http://schemas.openxmlformats.org/drawingml/2006/main" xmlns:r="http://schemas.openxmlformats.org/officeDocument/2006/relationships" xmlns:p="http://schemas.openxmlformats.org/presentationml/2006/main">
   <p:cSld>
@@ -5961,7 +6082,7 @@
           <a:p>
             <a:r>
               <a:rPr lang="en-US" dirty="0"/>
-              <a:t>                     How to Modularize?</a:t>
+              <a:t> </a:t>
             </a:r>
           </a:p>
         </p:txBody>
@@ -5976,137 +6097,22 @@
             <p:ph idx="1"/>
           </p:nvPr>
         </p:nvSpPr>
-        <p:spPr>
-          <a:xfrm>
-            <a:off x="431800" y="1714500"/>
-            <a:ext cx="10693400" cy="4889500"/>
-          </a:xfrm>
-        </p:spPr>
+        <p:spPr/>
         <p:txBody>
           <a:bodyPr>
-            <a:normAutofit fontScale="92500" lnSpcReduction="10000"/>
+            <a:normAutofit/>
           </a:bodyPr>
           <a:lstStyle/>
           <a:p>
             <a:r>
               <a:rPr lang="en-US" dirty="0"/>
-              <a:t>So let's impose some structure. In most programming languages there's a concept of a </a:t>
-            </a:r>
-            <a:r>
-              <a:rPr lang="en-US" dirty="0">
-                <a:solidFill>
-                  <a:schemeClr val="accent2">
-                    <a:lumMod val="60000"/>
-                    <a:lumOff val="40000"/>
-                  </a:schemeClr>
-                </a:solidFill>
-              </a:rPr>
-              <a:t>function</a:t>
-            </a:r>
+              <a:t>This small file has 19 goto statements! Makes my head hurt looking at it.</a:t>
+            </a:r>
+          </a:p>
+          <a:p>
             <a:r>
               <a:rPr lang="en-US" dirty="0"/>
-              <a:t>.</a:t>
-            </a:r>
-          </a:p>
-          <a:p>
-            <a:r>
-              <a:rPr lang="en-US" dirty="0"/>
-              <a:t>At the heart of Composable Batch Files is the enforcing the use of traditional functions or code blocks.</a:t>
-            </a:r>
-          </a:p>
-          <a:p>
-            <a:r>
-              <a:rPr lang="en-US" dirty="0"/>
-              <a:t>Anatomy of a function. Here are the basic structural elements:</a:t>
-            </a:r>
-          </a:p>
-          <a:p>
-            <a:pPr marL="0" indent="0">
-              <a:buNone/>
-            </a:pPr>
-            <a:r>
-              <a:rPr lang="en-US" dirty="0">
-                <a:solidFill>
-                  <a:schemeClr val="accent2">
-                    <a:lumMod val="60000"/>
-                    <a:lumOff val="40000"/>
-                  </a:schemeClr>
-                </a:solidFill>
-              </a:rPr>
-              <a:t>    * [label]</a:t>
-            </a:r>
-            <a:r>
-              <a:rPr lang="en-US" dirty="0"/>
-              <a:t> = function name (which must be unique)</a:t>
-            </a:r>
-          </a:p>
-          <a:p>
-            <a:pPr marL="0" indent="0">
-              <a:buNone/>
-            </a:pPr>
-            <a:r>
-              <a:rPr lang="en-US" dirty="0">
-                <a:solidFill>
-                  <a:schemeClr val="accent2">
-                    <a:lumMod val="60000"/>
-                    <a:lumOff val="40000"/>
-                  </a:schemeClr>
-                </a:solidFill>
-              </a:rPr>
-              <a:t>    * call :[label]</a:t>
-            </a:r>
-            <a:r>
-              <a:rPr lang="en-US" dirty="0"/>
-              <a:t> = function call to another function in this batch file.</a:t>
-            </a:r>
-          </a:p>
-          <a:p>
-            <a:pPr marL="0" indent="0">
-              <a:buNone/>
-            </a:pPr>
-            <a:r>
-              <a:rPr lang="en-US" dirty="0">
-                <a:solidFill>
-                  <a:schemeClr val="accent2">
-                    <a:lumMod val="60000"/>
-                    <a:lumOff val="40000"/>
-                  </a:schemeClr>
-                </a:solidFill>
-              </a:rPr>
-              <a:t>    * goto [label]</a:t>
-            </a:r>
-            <a:r>
-              <a:rPr lang="en-US" dirty="0"/>
-              <a:t> = also a function call, which does not return to the caller. Use judiciously.</a:t>
-            </a:r>
-          </a:p>
-          <a:p>
-            <a:pPr marL="0" indent="0">
-              <a:buNone/>
-            </a:pPr>
-            <a:r>
-              <a:rPr lang="en-US" dirty="0">
-                <a:solidFill>
-                  <a:schemeClr val="accent2">
-                    <a:lumMod val="60000"/>
-                    <a:lumOff val="40000"/>
-                  </a:schemeClr>
-                </a:solidFill>
-              </a:rPr>
-              <a:t>    * exit/b</a:t>
-            </a:r>
-            <a:r>
-              <a:rPr lang="en-US" dirty="0"/>
-              <a:t> = end of function. The lack of exit/b is the most common culprit. Without ending </a:t>
-            </a:r>
-          </a:p>
-          <a:p>
-            <a:pPr marL="0" indent="0">
-              <a:buNone/>
-            </a:pPr>
-            <a:r>
-              <a:rPr lang="en-US" dirty="0"/>
-              <a:t>                   functions, you have spaghetti code.</a:t>
+              <a:t>The lack of structure is a problem and leads to hard to read and understand code.</a:t>
             </a:r>
           </a:p>
         </p:txBody>
@@ -6114,7 +6120,7 @@
     </p:spTree>
     <p:extLst>
       <p:ext uri="{BB962C8B-B14F-4D97-AF65-F5344CB8AC3E}">
-        <p14:creationId xmlns:p14="http://schemas.microsoft.com/office/powerpoint/2010/main" val="3262004891"/>
+        <p14:creationId xmlns:p14="http://schemas.microsoft.com/office/powerpoint/2010/main" val="640977179"/>
       </p:ext>
     </p:extLst>
   </p:cSld>
@@ -6170,6 +6176,215 @@
           <a:p>
             <a:r>
               <a:rPr lang="en-US" dirty="0"/>
+              <a:t>Part II of III - How to Modularize? Functionalization</a:t>
+            </a:r>
+          </a:p>
+        </p:txBody>
+      </p:sp>
+      <p:sp>
+        <p:nvSpPr>
+          <p:cNvPr id="3" name="Content Placeholder 2"/>
+          <p:cNvSpPr>
+            <a:spLocks noGrp="1"/>
+          </p:cNvSpPr>
+          <p:nvPr>
+            <p:ph idx="1"/>
+          </p:nvPr>
+        </p:nvSpPr>
+        <p:spPr>
+          <a:xfrm>
+            <a:off x="431800" y="1714500"/>
+            <a:ext cx="10693400" cy="4889500"/>
+          </a:xfrm>
+        </p:spPr>
+        <p:txBody>
+          <a:bodyPr>
+            <a:normAutofit fontScale="92500" lnSpcReduction="10000"/>
+          </a:bodyPr>
+          <a:lstStyle/>
+          <a:p>
+            <a:r>
+              <a:rPr lang="en-US" dirty="0"/>
+              <a:t>So let's impose some structure. In most programming languages there's a concept of a </a:t>
+            </a:r>
+            <a:r>
+              <a:rPr lang="en-US" dirty="0">
+                <a:solidFill>
+                  <a:schemeClr val="accent2">
+                    <a:lumMod val="60000"/>
+                    <a:lumOff val="40000"/>
+                  </a:schemeClr>
+                </a:solidFill>
+              </a:rPr>
+              <a:t>function</a:t>
+            </a:r>
+            <a:r>
+              <a:rPr lang="en-US" dirty="0"/>
+              <a:t>.</a:t>
+            </a:r>
+          </a:p>
+          <a:p>
+            <a:r>
+              <a:rPr lang="en-US" dirty="0"/>
+              <a:t>At the heart of Composable Batch Files is the enforcing the use of traditional functions or code blocks.</a:t>
+            </a:r>
+          </a:p>
+          <a:p>
+            <a:r>
+              <a:rPr lang="en-US" dirty="0"/>
+              <a:t>Anatomy of a function. Here are the basic structural elements:</a:t>
+            </a:r>
+          </a:p>
+          <a:p>
+            <a:pPr marL="0" indent="0">
+              <a:buNone/>
+            </a:pPr>
+            <a:r>
+              <a:rPr lang="en-US" dirty="0">
+                <a:solidFill>
+                  <a:schemeClr val="accent2">
+                    <a:lumMod val="60000"/>
+                    <a:lumOff val="40000"/>
+                  </a:schemeClr>
+                </a:solidFill>
+              </a:rPr>
+              <a:t>    * [label]</a:t>
+            </a:r>
+            <a:r>
+              <a:rPr lang="en-US" dirty="0"/>
+              <a:t> = function name (which must be unique)</a:t>
+            </a:r>
+          </a:p>
+          <a:p>
+            <a:pPr marL="0" indent="0">
+              <a:buNone/>
+            </a:pPr>
+            <a:r>
+              <a:rPr lang="en-US" dirty="0">
+                <a:solidFill>
+                  <a:schemeClr val="accent2">
+                    <a:lumMod val="60000"/>
+                    <a:lumOff val="40000"/>
+                  </a:schemeClr>
+                </a:solidFill>
+              </a:rPr>
+              <a:t>    * call :[label]</a:t>
+            </a:r>
+            <a:r>
+              <a:rPr lang="en-US" dirty="0"/>
+              <a:t> = function call to another function in this batch file.</a:t>
+            </a:r>
+          </a:p>
+          <a:p>
+            <a:pPr marL="0" indent="0">
+              <a:buNone/>
+            </a:pPr>
+            <a:r>
+              <a:rPr lang="en-US" dirty="0">
+                <a:solidFill>
+                  <a:schemeClr val="accent2">
+                    <a:lumMod val="60000"/>
+                    <a:lumOff val="40000"/>
+                  </a:schemeClr>
+                </a:solidFill>
+              </a:rPr>
+              <a:t>    * goto [label]</a:t>
+            </a:r>
+            <a:r>
+              <a:rPr lang="en-US" dirty="0"/>
+              <a:t> = also a function call, which does not return to the caller. Use judiciously.</a:t>
+            </a:r>
+          </a:p>
+          <a:p>
+            <a:pPr marL="0" indent="0">
+              <a:buNone/>
+            </a:pPr>
+            <a:r>
+              <a:rPr lang="en-US" dirty="0">
+                <a:solidFill>
+                  <a:schemeClr val="accent2">
+                    <a:lumMod val="60000"/>
+                    <a:lumOff val="40000"/>
+                  </a:schemeClr>
+                </a:solidFill>
+              </a:rPr>
+              <a:t>    * exit/b</a:t>
+            </a:r>
+            <a:r>
+              <a:rPr lang="en-US" dirty="0"/>
+              <a:t> = end of function. The lack of exit/b is the most common culprit. Without ending </a:t>
+            </a:r>
+          </a:p>
+          <a:p>
+            <a:pPr marL="0" indent="0">
+              <a:buNone/>
+            </a:pPr>
+            <a:r>
+              <a:rPr lang="en-US" dirty="0"/>
+              <a:t>                   functions, you have spaghetti code.</a:t>
+            </a:r>
+          </a:p>
+        </p:txBody>
+      </p:sp>
+    </p:spTree>
+    <p:extLst>
+      <p:ext uri="{BB962C8B-B14F-4D97-AF65-F5344CB8AC3E}">
+        <p14:creationId xmlns:p14="http://schemas.microsoft.com/office/powerpoint/2010/main" val="3262004891"/>
+      </p:ext>
+    </p:extLst>
+  </p:cSld>
+  <p:clrMapOvr>
+    <a:masterClrMapping/>
+  </p:clrMapOvr>
+  <mc:AlternateContent xmlns:mc="http://schemas.openxmlformats.org/markup-compatibility/2006" xmlns:p14="http://schemas.microsoft.com/office/powerpoint/2010/main">
+    <mc:Choice Requires="p14">
+      <p:transition spd="med" p14:dur="700">
+        <p:fade/>
+      </p:transition>
+    </mc:Choice>
+    <mc:Fallback xmlns="">
+      <p:transition spd="med">
+        <p:fade/>
+      </p:transition>
+    </mc:Fallback>
+  </mc:AlternateContent>
+</p:sld>
+</file>
+
+<file path=ppt/slides/slide7.xml><?xml version="1.0" encoding="utf-8"?>
+<p:sld xmlns:a="http://schemas.openxmlformats.org/drawingml/2006/main" xmlns:r="http://schemas.openxmlformats.org/officeDocument/2006/relationships" xmlns:p="http://schemas.openxmlformats.org/presentationml/2006/main">
+  <p:cSld>
+    <p:spTree>
+      <p:nvGrpSpPr>
+        <p:cNvPr id="1" name=""/>
+        <p:cNvGrpSpPr/>
+        <p:nvPr/>
+      </p:nvGrpSpPr>
+      <p:grpSpPr>
+        <a:xfrm>
+          <a:off x="0" y="0"/>
+          <a:ext cx="0" cy="0"/>
+          <a:chOff x="0" y="0"/>
+          <a:chExt cx="0" cy="0"/>
+        </a:xfrm>
+      </p:grpSpPr>
+      <p:sp>
+        <p:nvSpPr>
+          <p:cNvPr id="2" name="Title 1"/>
+          <p:cNvSpPr>
+            <a:spLocks noGrp="1"/>
+          </p:cNvSpPr>
+          <p:nvPr>
+            <p:ph type="title"/>
+          </p:nvPr>
+        </p:nvSpPr>
+        <p:spPr/>
+        <p:txBody>
+          <a:bodyPr/>
+          <a:lstStyle/>
+          <a:p>
+            <a:r>
+              <a:rPr lang="en-US" dirty="0"/>
               <a:t>A More Structured and Functionalized Approach</a:t>
             </a:r>
           </a:p>
@@ -6224,7 +6439,7 @@
 </p:sld>
 </file>
 
-<file path=ppt/slides/slide7.xml><?xml version="1.0" encoding="utf-8"?>
+<file path=ppt/slides/slide8.xml><?xml version="1.0" encoding="utf-8"?>
 <p:sld xmlns:a="http://schemas.openxmlformats.org/drawingml/2006/main" xmlns:r="http://schemas.openxmlformats.org/officeDocument/2006/relationships" xmlns:p="http://schemas.openxmlformats.org/presentationml/2006/main">
   <p:cSld>
     <p:spTree>
@@ -6327,138 +6542,6 @@
 </p:sld>
 </file>
 
-<file path=ppt/slides/slide8.xml><?xml version="1.0" encoding="utf-8"?>
-<p:sld xmlns:a="http://schemas.openxmlformats.org/drawingml/2006/main" xmlns:r="http://schemas.openxmlformats.org/officeDocument/2006/relationships" xmlns:p="http://schemas.openxmlformats.org/presentationml/2006/main">
-  <p:cSld>
-    <p:spTree>
-      <p:nvGrpSpPr>
-        <p:cNvPr id="1" name=""/>
-        <p:cNvGrpSpPr/>
-        <p:nvPr/>
-      </p:nvGrpSpPr>
-      <p:grpSpPr>
-        <a:xfrm>
-          <a:off x="0" y="0"/>
-          <a:ext cx="0" cy="0"/>
-          <a:chOff x="0" y="0"/>
-          <a:chExt cx="0" cy="0"/>
-        </a:xfrm>
-      </p:grpSpPr>
-      <p:sp>
-        <p:nvSpPr>
-          <p:cNvPr id="2" name="Title 1"/>
-          <p:cNvSpPr>
-            <a:spLocks noGrp="1"/>
-          </p:cNvSpPr>
-          <p:nvPr>
-            <p:ph type="title"/>
-          </p:nvPr>
-        </p:nvSpPr>
-        <p:spPr/>
-        <p:txBody>
-          <a:bodyPr/>
-          <a:lstStyle/>
-          <a:p>
-            <a:r>
-              <a:rPr lang="en-US" dirty="0"/>
-              <a:t>                       Setup Instructions</a:t>
-            </a:r>
-          </a:p>
-        </p:txBody>
-      </p:sp>
-      <p:sp>
-        <p:nvSpPr>
-          <p:cNvPr id="3" name="Content Placeholder 2"/>
-          <p:cNvSpPr>
-            <a:spLocks noGrp="1"/>
-          </p:cNvSpPr>
-          <p:nvPr>
-            <p:ph idx="1"/>
-          </p:nvPr>
-        </p:nvSpPr>
-        <p:spPr>
-          <a:xfrm>
-            <a:off x="1066800" y="1714500"/>
-            <a:ext cx="10058400" cy="4457700"/>
-          </a:xfrm>
-        </p:spPr>
-        <p:txBody>
-          <a:bodyPr>
-            <a:normAutofit/>
-          </a:bodyPr>
-          <a:lstStyle/>
-          <a:p>
-            <a:r>
-              <a:rPr lang="en-US" dirty="0"/>
-              <a:t>Add %COMPOSABLE_BATCH_FILES% as an environment variable or, at least, add it to your path to where you installed the repository.</a:t>
-            </a:r>
-          </a:p>
-          <a:p>
-            <a:r>
-              <a:rPr lang="en-US" dirty="0"/>
-              <a:t>If you so choose, also add these environment variables for the following:</a:t>
-            </a:r>
-          </a:p>
-          <a:p>
-            <a:pPr marL="0" indent="0">
-              <a:buNone/>
-            </a:pPr>
-            <a:r>
-              <a:rPr lang="en-US" dirty="0"/>
-              <a:t>	* %CBF_DEFAULT_BROWSER%</a:t>
-            </a:r>
-          </a:p>
-          <a:p>
-            <a:pPr marL="0" indent="0">
-              <a:buNone/>
-            </a:pPr>
-            <a:r>
-              <a:rPr lang="en-US" dirty="0"/>
-              <a:t>	* %CBF_DEFAULT_TEXT_EDITOR%</a:t>
-            </a:r>
-          </a:p>
-          <a:p>
-            <a:pPr marL="0" indent="0">
-              <a:buNone/>
-            </a:pPr>
-            <a:r>
-              <a:rPr lang="en-US" dirty="0"/>
-              <a:t>	* %CBF_DEFAULT_REPOSITORY_FOLDER%</a:t>
-            </a:r>
-          </a:p>
-          <a:p>
-            <a:pPr marL="0" indent="0">
-              <a:buNone/>
-            </a:pPr>
-            <a:endParaRPr lang="en-US" dirty="0"/>
-          </a:p>
-        </p:txBody>
-      </p:sp>
-    </p:spTree>
-    <p:extLst>
-      <p:ext uri="{BB962C8B-B14F-4D97-AF65-F5344CB8AC3E}">
-        <p14:creationId xmlns:p14="http://schemas.microsoft.com/office/powerpoint/2010/main" val="3521850401"/>
-      </p:ext>
-    </p:extLst>
-  </p:cSld>
-  <p:clrMapOvr>
-    <a:masterClrMapping/>
-  </p:clrMapOvr>
-  <mc:AlternateContent xmlns:mc="http://schemas.openxmlformats.org/markup-compatibility/2006" xmlns:p14="http://schemas.microsoft.com/office/powerpoint/2010/main">
-    <mc:Choice Requires="p14">
-      <p:transition spd="med" p14:dur="700">
-        <p:fade/>
-      </p:transition>
-    </mc:Choice>
-    <mc:Fallback xmlns="">
-      <p:transition spd="med">
-        <p:fade/>
-      </p:transition>
-    </mc:Fallback>
-  </mc:AlternateContent>
-</p:sld>
-</file>
-
 <file path=ppt/slides/slide9.xml><?xml version="1.0" encoding="utf-8"?>
 <p:sld xmlns:a="http://schemas.openxmlformats.org/drawingml/2006/main" xmlns:r="http://schemas.openxmlformats.org/officeDocument/2006/relationships" xmlns:p="http://schemas.openxmlformats.org/presentationml/2006/main">
   <p:cSld>
@@ -6493,50 +6576,83 @@
           <a:p>
             <a:r>
               <a:rPr lang="en-US" dirty="0"/>
-              <a:t>Here's an example of how to set some CBF default environment variables:</a:t>
-            </a:r>
-          </a:p>
-        </p:txBody>
-      </p:sp>
-      <p:pic>
-        <p:nvPicPr>
-          <p:cNvPr id="5" name="Content Placeholder 4">
-            <a:extLst>
-              <a:ext uri="{FF2B5EF4-FFF2-40B4-BE49-F238E27FC236}">
-                <a16:creationId xmlns:a16="http://schemas.microsoft.com/office/drawing/2014/main" id="{533C788E-B902-48A8-A7D0-00EC4991AE0B}"/>
-              </a:ext>
-            </a:extLst>
-          </p:cNvPr>
-          <p:cNvPicPr>
-            <a:picLocks noGrp="1" noChangeAspect="1"/>
-          </p:cNvPicPr>
+              <a:t>                       Setup Instructions</a:t>
+            </a:r>
+          </a:p>
+        </p:txBody>
+      </p:sp>
+      <p:sp>
+        <p:nvSpPr>
+          <p:cNvPr id="3" name="Content Placeholder 2"/>
+          <p:cNvSpPr>
+            <a:spLocks noGrp="1"/>
+          </p:cNvSpPr>
           <p:nvPr>
             <p:ph idx="1"/>
           </p:nvPr>
-        </p:nvPicPr>
-        <p:blipFill>
-          <a:blip r:embed="rId2">
-            <a:extLst>
-              <a:ext uri="{28A0092B-C50C-407E-A947-70E740481C1C}">
-                <a14:useLocalDpi xmlns:a14="http://schemas.microsoft.com/office/drawing/2010/main" val="0"/>
-              </a:ext>
-            </a:extLst>
-          </a:blip>
-          <a:stretch>
-            <a:fillRect/>
-          </a:stretch>
-        </p:blipFill>
+        </p:nvSpPr>
         <p:spPr>
           <a:xfrm>
-            <a:off x="3048000" y="1426515"/>
-            <a:ext cx="5689600" cy="5420873"/>
+            <a:off x="1066800" y="1714500"/>
+            <a:ext cx="10058400" cy="4457700"/>
           </a:xfrm>
         </p:spPr>
-      </p:pic>
+        <p:txBody>
+          <a:bodyPr>
+            <a:normAutofit/>
+          </a:bodyPr>
+          <a:lstStyle/>
+          <a:p>
+            <a:r>
+              <a:rPr lang="en-US" dirty="0"/>
+              <a:t>Add %COMPOSABLE_BATCH_FILES% as an environment variable or, at least, add it to your path to where you installed the repository.</a:t>
+            </a:r>
+          </a:p>
+          <a:p>
+            <a:r>
+              <a:rPr lang="en-US" dirty="0"/>
+              <a:t>If you so choose, also add these environment variables for the following:</a:t>
+            </a:r>
+          </a:p>
+          <a:p>
+            <a:pPr marL="0" indent="0">
+              <a:buNone/>
+            </a:pPr>
+            <a:r>
+              <a:rPr lang="en-US" dirty="0"/>
+              <a:t>	* %CBF_DEFAULT_BROWSER%</a:t>
+            </a:r>
+          </a:p>
+          <a:p>
+            <a:pPr marL="0" indent="0">
+              <a:buNone/>
+            </a:pPr>
+            <a:r>
+              <a:rPr lang="en-US" dirty="0"/>
+              <a:t>	* %CBF_DEFAULT_TEXT_EDITOR%</a:t>
+            </a:r>
+          </a:p>
+          <a:p>
+            <a:pPr marL="0" indent="0">
+              <a:buNone/>
+            </a:pPr>
+            <a:r>
+              <a:rPr lang="en-US" dirty="0"/>
+              <a:t>	* %CBF_DEFAULT_REPOSITORY_FOLDER%</a:t>
+            </a:r>
+          </a:p>
+          <a:p>
+            <a:pPr marL="0" indent="0">
+              <a:buNone/>
+            </a:pPr>
+            <a:endParaRPr lang="en-US" dirty="0"/>
+          </a:p>
+        </p:txBody>
+      </p:sp>
     </p:spTree>
     <p:extLst>
       <p:ext uri="{BB962C8B-B14F-4D97-AF65-F5344CB8AC3E}">
-        <p14:creationId xmlns:p14="http://schemas.microsoft.com/office/powerpoint/2010/main" val="2774527376"/>
+        <p14:creationId xmlns:p14="http://schemas.microsoft.com/office/powerpoint/2010/main" val="3521850401"/>
       </p:ext>
     </p:extLst>
   </p:cSld>

--- a/Composable Batch File Helper.pptx
+++ b/Composable Batch File Helper.pptx
@@ -4185,13 +4185,7 @@
           <a:p>
             <a:r>
               <a:rPr lang="en-US" dirty="0"/>
-              <a:t>Does anybody use Windows' batch files?</a:t>
-            </a:r>
-          </a:p>
-          <a:p>
-            <a:r>
-              <a:rPr lang="en-US" dirty="0"/>
-              <a:t>I told some friends I was giving a presentation on batch files and they laughed at me.</a:t>
+              <a:t>I told some friends I was giving a presentation on batch files and they laughed.</a:t>
             </a:r>
           </a:p>
           <a:p>
@@ -4199,6 +4193,18 @@
               <a:rPr lang="en-US" dirty="0"/>
               <a:t>It’s an old scooter I’m obsessed with.</a:t>
             </a:r>
+          </a:p>
+          <a:p>
+            <a:r>
+              <a:rPr lang="en-US" dirty="0"/>
+              <a:t>Does anybody use Windows' batch files?</a:t>
+            </a:r>
+          </a:p>
+          <a:p>
+            <a:pPr marL="0" indent="0">
+              <a:buNone/>
+            </a:pPr>
+            <a:endParaRPr lang="en-US" dirty="0"/>
           </a:p>
         </p:txBody>
       </p:sp>
@@ -5372,7 +5378,7 @@
           <a:p>
             <a:r>
               <a:rPr lang="en-US" dirty="0"/>
-              <a:t>Part II – Customization can increase your productivity.</a:t>
+              <a:t>Part III – Customization can increase your productivity.</a:t>
             </a:r>
           </a:p>
         </p:txBody>

--- a/Composable Batch File Helper.pptx
+++ b/Composable Batch File Helper.pptx
@@ -5,35 +5,32 @@
     <p:sldMasterId id="2147483648" r:id="rId2"/>
   </p:sldMasterIdLst>
   <p:notesMasterIdLst>
-    <p:notesMasterId r:id="rId26"/>
+    <p:notesMasterId r:id="rId23"/>
   </p:notesMasterIdLst>
   <p:handoutMasterIdLst>
-    <p:handoutMasterId r:id="rId27"/>
+    <p:handoutMasterId r:id="rId24"/>
   </p:handoutMasterIdLst>
   <p:sldIdLst>
     <p:sldId id="268" r:id="rId3"/>
     <p:sldId id="295" r:id="rId4"/>
     <p:sldId id="280" r:id="rId5"/>
     <p:sldId id="257" r:id="rId6"/>
-    <p:sldId id="275" r:id="rId7"/>
-    <p:sldId id="277" r:id="rId8"/>
-    <p:sldId id="279" r:id="rId9"/>
-    <p:sldId id="282" r:id="rId10"/>
-    <p:sldId id="278" r:id="rId11"/>
-    <p:sldId id="281" r:id="rId12"/>
-    <p:sldId id="284" r:id="rId13"/>
-    <p:sldId id="283" r:id="rId14"/>
-    <p:sldId id="285" r:id="rId15"/>
-    <p:sldId id="287" r:id="rId16"/>
-    <p:sldId id="286" r:id="rId17"/>
-    <p:sldId id="289" r:id="rId18"/>
-    <p:sldId id="290" r:id="rId19"/>
-    <p:sldId id="292" r:id="rId20"/>
-    <p:sldId id="291" r:id="rId21"/>
-    <p:sldId id="293" r:id="rId22"/>
-    <p:sldId id="288" r:id="rId23"/>
-    <p:sldId id="294" r:id="rId24"/>
-    <p:sldId id="273" r:id="rId25"/>
+    <p:sldId id="277" r:id="rId7"/>
+    <p:sldId id="282" r:id="rId8"/>
+    <p:sldId id="278" r:id="rId9"/>
+    <p:sldId id="281" r:id="rId10"/>
+    <p:sldId id="284" r:id="rId11"/>
+    <p:sldId id="285" r:id="rId12"/>
+    <p:sldId id="287" r:id="rId13"/>
+    <p:sldId id="286" r:id="rId14"/>
+    <p:sldId id="289" r:id="rId15"/>
+    <p:sldId id="290" r:id="rId16"/>
+    <p:sldId id="292" r:id="rId17"/>
+    <p:sldId id="291" r:id="rId18"/>
+    <p:sldId id="293" r:id="rId19"/>
+    <p:sldId id="288" r:id="rId20"/>
+    <p:sldId id="294" r:id="rId21"/>
+    <p:sldId id="273" r:id="rId22"/>
   </p:sldIdLst>
   <p:sldSz cx="12192000" cy="6858000"/>
   <p:notesSz cx="6858000" cy="9144000"/>
@@ -4260,24 +4257,29 @@
             <p:ph type="title"/>
           </p:nvPr>
         </p:nvSpPr>
-        <p:spPr/>
+        <p:spPr>
+          <a:xfrm>
+            <a:off x="1066800" y="202501"/>
+            <a:ext cx="10058400" cy="1097280"/>
+          </a:xfrm>
+        </p:spPr>
         <p:txBody>
           <a:bodyPr/>
           <a:lstStyle/>
           <a:p>
             <a:r>
               <a:rPr lang="en-US" dirty="0"/>
-              <a:t>Here's an example of how to set some CBF default environment variables:</a:t>
+              <a:t>                                Menu</a:t>
             </a:r>
           </a:p>
         </p:txBody>
       </p:sp>
       <p:pic>
         <p:nvPicPr>
-          <p:cNvPr id="5" name="Content Placeholder 4">
+          <p:cNvPr id="7" name="Content Placeholder 6">
             <a:extLst>
               <a:ext uri="{FF2B5EF4-FFF2-40B4-BE49-F238E27FC236}">
-                <a16:creationId xmlns:a16="http://schemas.microsoft.com/office/drawing/2014/main" id="{533C788E-B902-48A8-A7D0-00EC4991AE0B}"/>
+                <a16:creationId xmlns:a16="http://schemas.microsoft.com/office/drawing/2014/main" id="{C8E16FAA-D011-475E-8592-CBF74B00CAF0}"/>
               </a:ext>
             </a:extLst>
           </p:cNvPr>
@@ -4302,300 +4304,235 @@
         </p:blipFill>
         <p:spPr>
           <a:xfrm>
-            <a:off x="3048000" y="1426515"/>
-            <a:ext cx="5689600" cy="5420873"/>
+            <a:off x="5690805" y="1457044"/>
+            <a:ext cx="3478361" cy="5332679"/>
           </a:xfrm>
         </p:spPr>
       </p:pic>
-    </p:spTree>
-    <p:extLst>
-      <p:ext uri="{BB962C8B-B14F-4D97-AF65-F5344CB8AC3E}">
-        <p14:creationId xmlns:p14="http://schemas.microsoft.com/office/powerpoint/2010/main" val="2774527376"/>
-      </p:ext>
-    </p:extLst>
-  </p:cSld>
-  <p:clrMapOvr>
-    <a:masterClrMapping/>
-  </p:clrMapOvr>
-  <mc:AlternateContent xmlns:mc="http://schemas.openxmlformats.org/markup-compatibility/2006" xmlns:p14="http://schemas.microsoft.com/office/powerpoint/2010/main">
-    <mc:Choice Requires="p14">
-      <p:transition spd="med" p14:dur="700">
-        <p:fade/>
-      </p:transition>
-    </mc:Choice>
-    <mc:Fallback xmlns="">
-      <p:transition spd="med">
-        <p:fade/>
-      </p:transition>
-    </mc:Fallback>
-  </mc:AlternateContent>
-</p:sld>
-</file>
-
-<file path=ppt/slides/slide11.xml><?xml version="1.0" encoding="utf-8"?>
-<p:sld xmlns:a="http://schemas.openxmlformats.org/drawingml/2006/main" xmlns:r="http://schemas.openxmlformats.org/officeDocument/2006/relationships" xmlns:p="http://schemas.openxmlformats.org/presentationml/2006/main">
-  <p:cSld>
-    <p:spTree>
-      <p:nvGrpSpPr>
-        <p:cNvPr id="1" name=""/>
-        <p:cNvGrpSpPr/>
-        <p:nvPr/>
-      </p:nvGrpSpPr>
-      <p:grpSpPr>
-        <a:xfrm>
-          <a:off x="0" y="0"/>
-          <a:ext cx="0" cy="0"/>
-          <a:chOff x="0" y="0"/>
-          <a:chExt cx="0" cy="0"/>
-        </a:xfrm>
-      </p:grpSpPr>
-      <p:sp>
-        <p:nvSpPr>
-          <p:cNvPr id="2" name="Title 1"/>
-          <p:cNvSpPr>
-            <a:spLocks noGrp="1"/>
-          </p:cNvSpPr>
-          <p:nvPr>
-            <p:ph type="title"/>
-          </p:nvPr>
-        </p:nvSpPr>
-        <p:spPr/>
-        <p:txBody>
-          <a:bodyPr/>
-          <a:lstStyle/>
-          <a:p>
-            <a:r>
-              <a:rPr lang="en-US" dirty="0"/>
-              <a:t>                            Done with Setup</a:t>
-            </a:r>
-          </a:p>
-        </p:txBody>
-      </p:sp>
-      <p:sp>
-        <p:nvSpPr>
-          <p:cNvPr id="3" name="Content Placeholder 2"/>
-          <p:cNvSpPr>
-            <a:spLocks noGrp="1"/>
-          </p:cNvSpPr>
-          <p:nvPr>
-            <p:ph idx="1"/>
-          </p:nvPr>
-        </p:nvSpPr>
-        <p:spPr/>
-        <p:txBody>
-          <a:bodyPr>
-            <a:normAutofit/>
-          </a:bodyPr>
-          <a:lstStyle/>
-          <a:p>
-            <a:r>
-              <a:rPr lang="en-US" dirty="0"/>
-              <a:t>After you have cloned or downloaded the CBF repository, double click the shortcut titled "Composable Batch Files Helper" to open up a blue command prompt.</a:t>
-            </a:r>
-          </a:p>
-        </p:txBody>
-      </p:sp>
-    </p:spTree>
-    <p:extLst>
-      <p:ext uri="{BB962C8B-B14F-4D97-AF65-F5344CB8AC3E}">
-        <p14:creationId xmlns:p14="http://schemas.microsoft.com/office/powerpoint/2010/main" val="3030792914"/>
-      </p:ext>
-    </p:extLst>
-  </p:cSld>
-  <p:clrMapOvr>
-    <a:masterClrMapping/>
-  </p:clrMapOvr>
-  <mc:AlternateContent xmlns:mc="http://schemas.openxmlformats.org/markup-compatibility/2006" xmlns:p14="http://schemas.microsoft.com/office/powerpoint/2010/main">
-    <mc:Choice Requires="p14">
-      <p:transition spd="med" p14:dur="700">
-        <p:fade/>
-      </p:transition>
-    </mc:Choice>
-    <mc:Fallback xmlns="">
-      <p:transition spd="med">
-        <p:fade/>
-      </p:transition>
-    </mc:Fallback>
-  </mc:AlternateContent>
-</p:sld>
-</file>
-
-<file path=ppt/slides/slide12.xml><?xml version="1.0" encoding="utf-8"?>
-<p:sld xmlns:a="http://schemas.openxmlformats.org/drawingml/2006/main" xmlns:r="http://schemas.openxmlformats.org/officeDocument/2006/relationships" xmlns:p="http://schemas.openxmlformats.org/presentationml/2006/main">
-  <p:cSld>
-    <p:spTree>
-      <p:nvGrpSpPr>
-        <p:cNvPr id="1" name=""/>
-        <p:cNvGrpSpPr/>
-        <p:nvPr/>
-      </p:nvGrpSpPr>
-      <p:grpSpPr>
-        <a:xfrm>
-          <a:off x="0" y="0"/>
-          <a:ext cx="0" cy="0"/>
-          <a:chOff x="0" y="0"/>
-          <a:chExt cx="0" cy="0"/>
-        </a:xfrm>
-      </p:grpSpPr>
-      <p:sp>
-        <p:nvSpPr>
-          <p:cNvPr id="2" name="Title 1"/>
-          <p:cNvSpPr>
-            <a:spLocks noGrp="1"/>
-          </p:cNvSpPr>
-          <p:nvPr>
-            <p:ph type="title"/>
-          </p:nvPr>
-        </p:nvSpPr>
-        <p:spPr/>
-        <p:txBody>
-          <a:bodyPr/>
-          <a:lstStyle/>
-          <a:p>
-            <a:r>
-              <a:rPr lang="en-US" dirty="0"/>
-              <a:t>                                   Menu</a:t>
-            </a:r>
-          </a:p>
-        </p:txBody>
-      </p:sp>
-      <p:sp>
-        <p:nvSpPr>
-          <p:cNvPr id="3" name="Content Placeholder 2"/>
-          <p:cNvSpPr>
-            <a:spLocks noGrp="1"/>
-          </p:cNvSpPr>
-          <p:nvPr>
-            <p:ph idx="1"/>
-          </p:nvPr>
-        </p:nvSpPr>
-        <p:spPr/>
-        <p:txBody>
-          <a:bodyPr>
-            <a:normAutofit/>
-          </a:bodyPr>
-          <a:lstStyle/>
-          <a:p>
-            <a:r>
-              <a:rPr lang="en-US" dirty="0"/>
-              <a:t>All of the batch files in CBF use a functionalized, modular approach. </a:t>
-            </a:r>
-          </a:p>
-          <a:p>
-            <a:r>
-              <a:rPr lang="en-US" dirty="0"/>
-              <a:t>To see a menu of all the available CBFs type "menu" or "</a:t>
-            </a:r>
-            <a:r>
-              <a:rPr lang="en-US" dirty="0" err="1"/>
-              <a:t>cbf</a:t>
-            </a:r>
-            <a:r>
-              <a:rPr lang="en-US" dirty="0"/>
-              <a:t>" at the prompt.</a:t>
-            </a:r>
-          </a:p>
-        </p:txBody>
-      </p:sp>
-    </p:spTree>
-    <p:extLst>
-      <p:ext uri="{BB962C8B-B14F-4D97-AF65-F5344CB8AC3E}">
-        <p14:creationId xmlns:p14="http://schemas.microsoft.com/office/powerpoint/2010/main" val="2645714553"/>
-      </p:ext>
-    </p:extLst>
-  </p:cSld>
-  <p:clrMapOvr>
-    <a:masterClrMapping/>
-  </p:clrMapOvr>
-  <mc:AlternateContent xmlns:mc="http://schemas.openxmlformats.org/markup-compatibility/2006" xmlns:p14="http://schemas.microsoft.com/office/powerpoint/2010/main">
-    <mc:Choice Requires="p14">
-      <p:transition spd="med" p14:dur="700">
-        <p:fade/>
-      </p:transition>
-    </mc:Choice>
-    <mc:Fallback xmlns="">
-      <p:transition spd="med">
-        <p:fade/>
-      </p:transition>
-    </mc:Fallback>
-  </mc:AlternateContent>
-</p:sld>
-</file>
-
-<file path=ppt/slides/slide13.xml><?xml version="1.0" encoding="utf-8"?>
-<p:sld xmlns:a="http://schemas.openxmlformats.org/drawingml/2006/main" xmlns:r="http://schemas.openxmlformats.org/officeDocument/2006/relationships" xmlns:p="http://schemas.openxmlformats.org/presentationml/2006/main">
-  <p:cSld>
-    <p:spTree>
-      <p:nvGrpSpPr>
-        <p:cNvPr id="1" name=""/>
-        <p:cNvGrpSpPr/>
-        <p:nvPr/>
-      </p:nvGrpSpPr>
-      <p:grpSpPr>
-        <a:xfrm>
-          <a:off x="0" y="0"/>
-          <a:ext cx="0" cy="0"/>
-          <a:chOff x="0" y="0"/>
-          <a:chExt cx="0" cy="0"/>
-        </a:xfrm>
-      </p:grpSpPr>
-      <p:sp>
-        <p:nvSpPr>
-          <p:cNvPr id="2" name="Title 1"/>
-          <p:cNvSpPr>
-            <a:spLocks noGrp="1"/>
-          </p:cNvSpPr>
-          <p:nvPr>
-            <p:ph type="title"/>
-          </p:nvPr>
-        </p:nvSpPr>
-        <p:spPr/>
-        <p:txBody>
-          <a:bodyPr/>
-          <a:lstStyle/>
-          <a:p>
-            <a:r>
-              <a:rPr lang="en-US" dirty="0"/>
-              <a:t> </a:t>
-            </a:r>
-          </a:p>
-        </p:txBody>
-      </p:sp>
-      <p:pic>
-        <p:nvPicPr>
-          <p:cNvPr id="5" name="Content Placeholder 4">
+      <p:sp>
+        <p:nvSpPr>
+          <p:cNvPr id="9" name="Content Placeholder 2">
             <a:extLst>
               <a:ext uri="{FF2B5EF4-FFF2-40B4-BE49-F238E27FC236}">
-                <a16:creationId xmlns:a16="http://schemas.microsoft.com/office/drawing/2014/main" id="{9633F9BA-9DE1-4BB9-8F14-9ABC21CDB56D}"/>
+                <a16:creationId xmlns:a16="http://schemas.microsoft.com/office/drawing/2014/main" id="{9711FAE4-0EFC-4A76-A554-F222837DF7DF}"/>
               </a:ext>
             </a:extLst>
           </p:cNvPr>
-          <p:cNvPicPr>
-            <a:picLocks noGrp="1" noChangeAspect="1"/>
-          </p:cNvPicPr>
-          <p:nvPr>
-            <p:ph idx="1"/>
-          </p:nvPr>
-        </p:nvPicPr>
-        <p:blipFill>
-          <a:blip r:embed="rId2">
-            <a:extLst>
-              <a:ext uri="{28A0092B-C50C-407E-A947-70E740481C1C}">
-                <a14:useLocalDpi xmlns:a14="http://schemas.microsoft.com/office/drawing/2010/main" val="0"/>
-              </a:ext>
-            </a:extLst>
-          </a:blip>
-          <a:stretch>
-            <a:fillRect/>
-          </a:stretch>
-        </p:blipFill>
+          <p:cNvSpPr txBox="1">
+            <a:spLocks/>
+          </p:cNvSpPr>
+          <p:nvPr/>
+        </p:nvSpPr>
         <p:spPr>
           <a:xfrm>
-            <a:off x="3175000" y="98045"/>
-            <a:ext cx="4382416" cy="6683756"/>
+            <a:off x="1066800" y="2486288"/>
+            <a:ext cx="4335710" cy="3058836"/>
           </a:xfrm>
+          <a:prstGeom prst="rect">
+            <a:avLst/>
+          </a:prstGeom>
         </p:spPr>
-      </p:pic>
+        <p:txBody>
+          <a:bodyPr vert="horz" lIns="91440" tIns="45720" rIns="91440" bIns="45720" rtlCol="0">
+            <a:normAutofit/>
+          </a:bodyPr>
+          <a:lstStyle>
+            <a:lvl1pPr marL="274320" indent="-274320" algn="l" defTabSz="914400" rtl="0" eaLnBrk="1" latinLnBrk="0" hangingPunct="1">
+              <a:spcBef>
+                <a:spcPts val="2200"/>
+              </a:spcBef>
+              <a:buClr>
+                <a:schemeClr val="tx1">
+                  <a:lumMod val="65000"/>
+                </a:schemeClr>
+              </a:buClr>
+              <a:buFont typeface="Arial" pitchFamily="34" charset="0"/>
+              <a:buChar char="•"/>
+              <a:defRPr sz="2200" kern="1200">
+                <a:solidFill>
+                  <a:schemeClr val="tx1"/>
+                </a:solidFill>
+                <a:latin typeface="+mn-lt"/>
+                <a:ea typeface="+mn-ea"/>
+                <a:cs typeface="+mn-cs"/>
+              </a:defRPr>
+            </a:lvl1pPr>
+            <a:lvl2pPr marL="594360" indent="-274320" algn="l" defTabSz="914400" rtl="0" eaLnBrk="1" latinLnBrk="0" hangingPunct="1">
+              <a:spcBef>
+                <a:spcPts val="1600"/>
+              </a:spcBef>
+              <a:buClr>
+                <a:schemeClr val="tx1">
+                  <a:lumMod val="65000"/>
+                </a:schemeClr>
+              </a:buClr>
+              <a:buFont typeface="Arial" pitchFamily="34" charset="0"/>
+              <a:buChar char="•"/>
+              <a:defRPr sz="2000" kern="1200">
+                <a:solidFill>
+                  <a:schemeClr val="tx1"/>
+                </a:solidFill>
+                <a:latin typeface="+mn-lt"/>
+                <a:ea typeface="+mn-ea"/>
+                <a:cs typeface="+mn-cs"/>
+              </a:defRPr>
+            </a:lvl2pPr>
+            <a:lvl3pPr marL="868680" indent="-228600" algn="l" defTabSz="914400" rtl="0" eaLnBrk="1" latinLnBrk="0" hangingPunct="1">
+              <a:spcBef>
+                <a:spcPts val="1200"/>
+              </a:spcBef>
+              <a:buClr>
+                <a:schemeClr val="tx1">
+                  <a:lumMod val="65000"/>
+                </a:schemeClr>
+              </a:buClr>
+              <a:buFont typeface="Arial" pitchFamily="34" charset="0"/>
+              <a:buChar char="•"/>
+              <a:defRPr sz="1800" kern="1200">
+                <a:solidFill>
+                  <a:schemeClr val="tx1"/>
+                </a:solidFill>
+                <a:latin typeface="+mn-lt"/>
+                <a:ea typeface="+mn-ea"/>
+                <a:cs typeface="+mn-cs"/>
+              </a:defRPr>
+            </a:lvl3pPr>
+            <a:lvl4pPr marL="1188720" indent="-228600" algn="l" defTabSz="914400" rtl="0" eaLnBrk="1" latinLnBrk="0" hangingPunct="1">
+              <a:spcBef>
+                <a:spcPts val="1000"/>
+              </a:spcBef>
+              <a:buClr>
+                <a:schemeClr val="tx1">
+                  <a:lumMod val="65000"/>
+                </a:schemeClr>
+              </a:buClr>
+              <a:buFont typeface="Arial" pitchFamily="34" charset="0"/>
+              <a:buChar char="•"/>
+              <a:defRPr sz="1600" kern="1200">
+                <a:solidFill>
+                  <a:schemeClr val="tx1"/>
+                </a:solidFill>
+                <a:latin typeface="+mn-lt"/>
+                <a:ea typeface="+mn-ea"/>
+                <a:cs typeface="+mn-cs"/>
+              </a:defRPr>
+            </a:lvl4pPr>
+            <a:lvl5pPr marL="1417320" indent="-228600" algn="l" defTabSz="914400" rtl="0" eaLnBrk="1" latinLnBrk="0" hangingPunct="1">
+              <a:spcBef>
+                <a:spcPts val="800"/>
+              </a:spcBef>
+              <a:buClr>
+                <a:schemeClr val="tx1">
+                  <a:lumMod val="65000"/>
+                </a:schemeClr>
+              </a:buClr>
+              <a:buFont typeface="Arial" pitchFamily="34" charset="0"/>
+              <a:buChar char="•"/>
+              <a:defRPr sz="1600" kern="1200">
+                <a:solidFill>
+                  <a:schemeClr val="tx1"/>
+                </a:solidFill>
+                <a:latin typeface="+mn-lt"/>
+                <a:ea typeface="+mn-ea"/>
+                <a:cs typeface="+mn-cs"/>
+              </a:defRPr>
+            </a:lvl5pPr>
+            <a:lvl6pPr marL="1645920" indent="-228600" algn="l" defTabSz="914400" rtl="0" eaLnBrk="1" latinLnBrk="0" hangingPunct="1">
+              <a:spcBef>
+                <a:spcPts val="600"/>
+              </a:spcBef>
+              <a:buClr>
+                <a:schemeClr val="tx1">
+                  <a:lumMod val="65000"/>
+                </a:schemeClr>
+              </a:buClr>
+              <a:buFont typeface="Arial" pitchFamily="34" charset="0"/>
+              <a:buChar char="•"/>
+              <a:defRPr sz="1600" kern="1200">
+                <a:solidFill>
+                  <a:schemeClr val="tx1"/>
+                </a:solidFill>
+                <a:latin typeface="+mn-lt"/>
+                <a:ea typeface="+mn-ea"/>
+                <a:cs typeface="+mn-cs"/>
+              </a:defRPr>
+            </a:lvl6pPr>
+            <a:lvl7pPr marL="1874520" indent="-228600" algn="l" defTabSz="914400" rtl="0" eaLnBrk="1" latinLnBrk="0" hangingPunct="1">
+              <a:spcBef>
+                <a:spcPts val="600"/>
+              </a:spcBef>
+              <a:buClr>
+                <a:schemeClr val="tx1">
+                  <a:lumMod val="65000"/>
+                </a:schemeClr>
+              </a:buClr>
+              <a:buFont typeface="Arial" pitchFamily="34" charset="0"/>
+              <a:buChar char="•"/>
+              <a:defRPr sz="1600" kern="1200">
+                <a:solidFill>
+                  <a:schemeClr val="tx1"/>
+                </a:solidFill>
+                <a:latin typeface="+mn-lt"/>
+                <a:ea typeface="+mn-ea"/>
+                <a:cs typeface="+mn-cs"/>
+              </a:defRPr>
+            </a:lvl7pPr>
+            <a:lvl8pPr marL="2103120" indent="-228600" algn="l" defTabSz="914400" rtl="0" eaLnBrk="1" latinLnBrk="0" hangingPunct="1">
+              <a:spcBef>
+                <a:spcPts val="600"/>
+              </a:spcBef>
+              <a:buClr>
+                <a:schemeClr val="tx1">
+                  <a:lumMod val="65000"/>
+                </a:schemeClr>
+              </a:buClr>
+              <a:buFont typeface="Arial" pitchFamily="34" charset="0"/>
+              <a:buChar char="•"/>
+              <a:defRPr sz="1600" kern="1200">
+                <a:solidFill>
+                  <a:schemeClr val="tx1"/>
+                </a:solidFill>
+                <a:latin typeface="+mn-lt"/>
+                <a:ea typeface="+mn-ea"/>
+                <a:cs typeface="+mn-cs"/>
+              </a:defRPr>
+            </a:lvl8pPr>
+            <a:lvl9pPr marL="2331720" indent="-228600" algn="l" defTabSz="914400" rtl="0" eaLnBrk="1" latinLnBrk="0" hangingPunct="1">
+              <a:spcBef>
+                <a:spcPts val="600"/>
+              </a:spcBef>
+              <a:buClr>
+                <a:schemeClr val="tx1">
+                  <a:lumMod val="65000"/>
+                </a:schemeClr>
+              </a:buClr>
+              <a:buFont typeface="Arial" pitchFamily="34" charset="0"/>
+              <a:buChar char="•"/>
+              <a:defRPr sz="1600" kern="1200">
+                <a:solidFill>
+                  <a:schemeClr val="tx1"/>
+                </a:solidFill>
+                <a:latin typeface="+mn-lt"/>
+                <a:ea typeface="+mn-ea"/>
+                <a:cs typeface="+mn-cs"/>
+              </a:defRPr>
+            </a:lvl9pPr>
+          </a:lstStyle>
+          <a:p>
+            <a:r>
+              <a:rPr lang="en-US"/>
+              <a:t>All of the batch files in CBF use a functionalized, modular approach. </a:t>
+            </a:r>
+          </a:p>
+          <a:p>
+            <a:r>
+              <a:rPr lang="en-US"/>
+              <a:t>To see a menu of all the available CBFs type "menu" or "cbf" at the prompt.</a:t>
+            </a:r>
+            <a:endParaRPr lang="en-US" dirty="0"/>
+          </a:p>
+        </p:txBody>
+      </p:sp>
     </p:spTree>
     <p:extLst>
       <p:ext uri="{BB962C8B-B14F-4D97-AF65-F5344CB8AC3E}">
@@ -4621,7 +4558,7 @@
 </p:sld>
 </file>
 
-<file path=ppt/slides/slide14.xml><?xml version="1.0" encoding="utf-8"?>
+<file path=ppt/slides/slide11.xml><?xml version="1.0" encoding="utf-8"?>
 <p:sld xmlns:a="http://schemas.openxmlformats.org/drawingml/2006/main" xmlns:r="http://schemas.openxmlformats.org/officeDocument/2006/relationships" xmlns:p="http://schemas.openxmlformats.org/presentationml/2006/main">
   <p:cSld>
     <p:spTree>
@@ -4748,7 +4685,7 @@
 </p:sld>
 </file>
 
-<file path=ppt/slides/slide15.xml><?xml version="1.0" encoding="utf-8"?>
+<file path=ppt/slides/slide12.xml><?xml version="1.0" encoding="utf-8"?>
 <p:sld xmlns:a="http://schemas.openxmlformats.org/drawingml/2006/main" xmlns:r="http://schemas.openxmlformats.org/officeDocument/2006/relationships" xmlns:p="http://schemas.openxmlformats.org/presentationml/2006/main">
   <p:cSld>
     <p:spTree>
@@ -4836,7 +4773,7 @@
 </p:sld>
 </file>
 
-<file path=ppt/slides/slide16.xml><?xml version="1.0" encoding="utf-8"?>
+<file path=ppt/slides/slide13.xml><?xml version="1.0" encoding="utf-8"?>
 <p:sld xmlns:a="http://schemas.openxmlformats.org/drawingml/2006/main" xmlns:r="http://schemas.openxmlformats.org/officeDocument/2006/relationships" xmlns:p="http://schemas.openxmlformats.org/presentationml/2006/main">
   <p:cSld>
     <p:spTree>
@@ -4965,7 +4902,7 @@
 </p:sld>
 </file>
 
-<file path=ppt/slides/slide17.xml><?xml version="1.0" encoding="utf-8"?>
+<file path=ppt/slides/slide14.xml><?xml version="1.0" encoding="utf-8"?>
 <p:sld xmlns:a="http://schemas.openxmlformats.org/drawingml/2006/main" xmlns:r="http://schemas.openxmlformats.org/officeDocument/2006/relationships" xmlns:p="http://schemas.openxmlformats.org/presentationml/2006/main">
   <p:cSld>
     <p:spTree>
@@ -5064,7 +5001,7 @@
 </p:sld>
 </file>
 
-<file path=ppt/slides/slide18.xml><?xml version="1.0" encoding="utf-8"?>
+<file path=ppt/slides/slide15.xml><?xml version="1.0" encoding="utf-8"?>
 <p:sld xmlns:a="http://schemas.openxmlformats.org/drawingml/2006/main" xmlns:r="http://schemas.openxmlformats.org/officeDocument/2006/relationships" xmlns:p="http://schemas.openxmlformats.org/presentationml/2006/main">
   <p:cSld>
     <p:spTree>
@@ -5199,7 +5136,7 @@
 </p:sld>
 </file>
 
-<file path=ppt/slides/slide19.xml><?xml version="1.0" encoding="utf-8"?>
+<file path=ppt/slides/slide16.xml><?xml version="1.0" encoding="utf-8"?>
 <p:sld xmlns:a="http://schemas.openxmlformats.org/drawingml/2006/main" xmlns:r="http://schemas.openxmlformats.org/officeDocument/2006/relationships" xmlns:p="http://schemas.openxmlformats.org/presentationml/2006/main">
   <p:cSld>
     <p:spTree>
@@ -5308,107 +5245,7 @@
 </p:sld>
 </file>
 
-<file path=ppt/slides/slide2.xml><?xml version="1.0" encoding="utf-8"?>
-<p:sld xmlns:a="http://schemas.openxmlformats.org/drawingml/2006/main" xmlns:r="http://schemas.openxmlformats.org/officeDocument/2006/relationships" xmlns:p="http://schemas.openxmlformats.org/presentationml/2006/main">
-  <p:cSld>
-    <p:spTree>
-      <p:nvGrpSpPr>
-        <p:cNvPr id="1" name=""/>
-        <p:cNvGrpSpPr/>
-        <p:nvPr/>
-      </p:nvGrpSpPr>
-      <p:grpSpPr>
-        <a:xfrm>
-          <a:off x="0" y="0"/>
-          <a:ext cx="0" cy="0"/>
-          <a:chOff x="0" y="0"/>
-          <a:chExt cx="0" cy="0"/>
-        </a:xfrm>
-      </p:grpSpPr>
-      <p:sp>
-        <p:nvSpPr>
-          <p:cNvPr id="2" name="Title 1"/>
-          <p:cNvSpPr>
-            <a:spLocks noGrp="1"/>
-          </p:cNvSpPr>
-          <p:nvPr>
-            <p:ph type="title"/>
-          </p:nvPr>
-        </p:nvSpPr>
-        <p:spPr/>
-        <p:txBody>
-          <a:bodyPr/>
-          <a:lstStyle/>
-          <a:p>
-            <a:r>
-              <a:rPr lang="en-US" dirty="0"/>
-              <a:t>                        Table of Contents</a:t>
-            </a:r>
-          </a:p>
-        </p:txBody>
-      </p:sp>
-      <p:sp>
-        <p:nvSpPr>
-          <p:cNvPr id="3" name="Content Placeholder 2"/>
-          <p:cNvSpPr>
-            <a:spLocks noGrp="1"/>
-          </p:cNvSpPr>
-          <p:nvPr>
-            <p:ph idx="1"/>
-          </p:nvPr>
-        </p:nvSpPr>
-        <p:spPr/>
-        <p:txBody>
-          <a:bodyPr>
-            <a:normAutofit/>
-          </a:bodyPr>
-          <a:lstStyle/>
-          <a:p>
-            <a:r>
-              <a:rPr lang="en-US" dirty="0"/>
-              <a:t>Part I – The Problem: Batch files are usually balls of mud.</a:t>
-            </a:r>
-          </a:p>
-          <a:p>
-            <a:r>
-              <a:rPr lang="en-US" dirty="0"/>
-              <a:t>Part II – The Answer: Functionalization.</a:t>
-            </a:r>
-          </a:p>
-          <a:p>
-            <a:r>
-              <a:rPr lang="en-US" dirty="0"/>
-              <a:t>Part III – Customization can increase your productivity.</a:t>
-            </a:r>
-          </a:p>
-        </p:txBody>
-      </p:sp>
-    </p:spTree>
-    <p:extLst>
-      <p:ext uri="{BB962C8B-B14F-4D97-AF65-F5344CB8AC3E}">
-        <p14:creationId xmlns:p14="http://schemas.microsoft.com/office/powerpoint/2010/main" val="627684300"/>
-      </p:ext>
-    </p:extLst>
-  </p:cSld>
-  <p:clrMapOvr>
-    <a:masterClrMapping/>
-  </p:clrMapOvr>
-  <mc:AlternateContent xmlns:mc="http://schemas.openxmlformats.org/markup-compatibility/2006" xmlns:p14="http://schemas.microsoft.com/office/powerpoint/2010/main">
-    <mc:Choice Requires="p14">
-      <p:transition spd="med" p14:dur="700">
-        <p:fade/>
-      </p:transition>
-    </mc:Choice>
-    <mc:Fallback xmlns="">
-      <p:transition spd="med">
-        <p:fade/>
-      </p:transition>
-    </mc:Fallback>
-  </mc:AlternateContent>
-</p:sld>
-</file>
-
-<file path=ppt/slides/slide20.xml><?xml version="1.0" encoding="utf-8"?>
+<file path=ppt/slides/slide17.xml><?xml version="1.0" encoding="utf-8"?>
 <p:sld xmlns:a="http://schemas.openxmlformats.org/drawingml/2006/main" xmlns:r="http://schemas.openxmlformats.org/officeDocument/2006/relationships" xmlns:p="http://schemas.openxmlformats.org/presentationml/2006/main">
   <p:cSld>
     <p:spTree>
@@ -5515,7 +5352,7 @@
 </p:sld>
 </file>
 
-<file path=ppt/slides/slide21.xml><?xml version="1.0" encoding="utf-8"?>
+<file path=ppt/slides/slide18.xml><?xml version="1.0" encoding="utf-8"?>
 <p:sld xmlns:a="http://schemas.openxmlformats.org/drawingml/2006/main" xmlns:r="http://schemas.openxmlformats.org/officeDocument/2006/relationships" xmlns:p="http://schemas.openxmlformats.org/presentationml/2006/main">
   <p:cSld>
     <p:spTree>
@@ -5614,7 +5451,7 @@
 </p:sld>
 </file>
 
-<file path=ppt/slides/slide22.xml><?xml version="1.0" encoding="utf-8"?>
+<file path=ppt/slides/slide19.xml><?xml version="1.0" encoding="utf-8"?>
 <p:sld xmlns:a="http://schemas.openxmlformats.org/drawingml/2006/main" xmlns:r="http://schemas.openxmlformats.org/officeDocument/2006/relationships" xmlns:p="http://schemas.openxmlformats.org/presentationml/2006/main">
   <p:cSld>
     <p:spTree>
@@ -5678,7 +5515,48 @@
           <a:p>
             <a:r>
               <a:rPr lang="en-US" dirty="0"/>
-              <a:t>Run fs.bat and cs.bat.</a:t>
+              <a:t>Run fs.bat, td </a:t>
+            </a:r>
+            <a:r>
+              <a:rPr lang="en-US" dirty="0" err="1"/>
+              <a:t>ux</a:t>
+            </a:r>
+            <a:r>
+              <a:rPr lang="en-US" dirty="0"/>
+              <a:t>, fs *.</a:t>
+            </a:r>
+            <a:r>
+              <a:rPr lang="en-US" dirty="0" err="1"/>
+              <a:t>sln</a:t>
+            </a:r>
+            <a:endParaRPr lang="en-US" dirty="0"/>
+          </a:p>
+          <a:p>
+            <a:r>
+              <a:rPr lang="en-US" dirty="0"/>
+              <a:t>know you can do the same thing in Windows Explorer, but you can use this method if you prefer the command line or perhaps need a text file of the search results.</a:t>
+            </a:r>
+          </a:p>
+          <a:p>
+            <a:r>
+              <a:rPr lang="en-US" dirty="0"/>
+              <a:t>Run cs.bat, td </a:t>
+            </a:r>
+            <a:r>
+              <a:rPr lang="en-US" dirty="0" err="1"/>
+              <a:t>ux</a:t>
+            </a:r>
+            <a:r>
+              <a:rPr lang="en-US" dirty="0"/>
+              <a:t>, cs </a:t>
+            </a:r>
+            <a:r>
+              <a:rPr lang="en-US" dirty="0" err="1"/>
+              <a:t>UriImageSource</a:t>
+            </a:r>
+            <a:r>
+              <a:rPr lang="en-US" dirty="0"/>
+              <a:t> *.cs</a:t>
             </a:r>
           </a:p>
         </p:txBody>
@@ -5708,7 +5586,107 @@
 </p:sld>
 </file>
 
-<file path=ppt/slides/slide23.xml><?xml version="1.0" encoding="utf-8"?>
+<file path=ppt/slides/slide2.xml><?xml version="1.0" encoding="utf-8"?>
+<p:sld xmlns:a="http://schemas.openxmlformats.org/drawingml/2006/main" xmlns:r="http://schemas.openxmlformats.org/officeDocument/2006/relationships" xmlns:p="http://schemas.openxmlformats.org/presentationml/2006/main">
+  <p:cSld>
+    <p:spTree>
+      <p:nvGrpSpPr>
+        <p:cNvPr id="1" name=""/>
+        <p:cNvGrpSpPr/>
+        <p:nvPr/>
+      </p:nvGrpSpPr>
+      <p:grpSpPr>
+        <a:xfrm>
+          <a:off x="0" y="0"/>
+          <a:ext cx="0" cy="0"/>
+          <a:chOff x="0" y="0"/>
+          <a:chExt cx="0" cy="0"/>
+        </a:xfrm>
+      </p:grpSpPr>
+      <p:sp>
+        <p:nvSpPr>
+          <p:cNvPr id="2" name="Title 1"/>
+          <p:cNvSpPr>
+            <a:spLocks noGrp="1"/>
+          </p:cNvSpPr>
+          <p:nvPr>
+            <p:ph type="title"/>
+          </p:nvPr>
+        </p:nvSpPr>
+        <p:spPr/>
+        <p:txBody>
+          <a:bodyPr/>
+          <a:lstStyle/>
+          <a:p>
+            <a:r>
+              <a:rPr lang="en-US" dirty="0"/>
+              <a:t>                        Table of Contents</a:t>
+            </a:r>
+          </a:p>
+        </p:txBody>
+      </p:sp>
+      <p:sp>
+        <p:nvSpPr>
+          <p:cNvPr id="3" name="Content Placeholder 2"/>
+          <p:cNvSpPr>
+            <a:spLocks noGrp="1"/>
+          </p:cNvSpPr>
+          <p:nvPr>
+            <p:ph idx="1"/>
+          </p:nvPr>
+        </p:nvSpPr>
+        <p:spPr/>
+        <p:txBody>
+          <a:bodyPr>
+            <a:normAutofit/>
+          </a:bodyPr>
+          <a:lstStyle/>
+          <a:p>
+            <a:r>
+              <a:rPr lang="en-US" dirty="0"/>
+              <a:t>Part I – The Problem: Batch files are usually balls of mud.</a:t>
+            </a:r>
+          </a:p>
+          <a:p>
+            <a:r>
+              <a:rPr lang="en-US" dirty="0"/>
+              <a:t>Part II – The Answer: Functionalization.</a:t>
+            </a:r>
+          </a:p>
+          <a:p>
+            <a:r>
+              <a:rPr lang="en-US" dirty="0"/>
+              <a:t>Part III – Customization can increase your productivity.</a:t>
+            </a:r>
+          </a:p>
+        </p:txBody>
+      </p:sp>
+    </p:spTree>
+    <p:extLst>
+      <p:ext uri="{BB962C8B-B14F-4D97-AF65-F5344CB8AC3E}">
+        <p14:creationId xmlns:p14="http://schemas.microsoft.com/office/powerpoint/2010/main" val="627684300"/>
+      </p:ext>
+    </p:extLst>
+  </p:cSld>
+  <p:clrMapOvr>
+    <a:masterClrMapping/>
+  </p:clrMapOvr>
+  <mc:AlternateContent xmlns:mc="http://schemas.openxmlformats.org/markup-compatibility/2006" xmlns:p14="http://schemas.microsoft.com/office/powerpoint/2010/main">
+    <mc:Choice Requires="p14">
+      <p:transition spd="med" p14:dur="700">
+        <p:fade/>
+      </p:transition>
+    </mc:Choice>
+    <mc:Fallback xmlns="">
+      <p:transition spd="med">
+        <p:fade/>
+      </p:transition>
+    </mc:Fallback>
+  </mc:AlternateContent>
+</p:sld>
+</file>
+
+<file path=ppt/slides/slide20.xml><?xml version="1.0" encoding="utf-8"?>
 <p:sld xmlns:a="http://schemas.openxmlformats.org/drawingml/2006/main" xmlns:r="http://schemas.openxmlformats.org/officeDocument/2006/relationships" xmlns:p="http://schemas.openxmlformats.org/presentationml/2006/main">
   <p:cSld>
     <p:spTree>
@@ -6021,7 +5999,7 @@
         </p:blipFill>
         <p:spPr>
           <a:xfrm>
-            <a:off x="3339941" y="0"/>
+            <a:off x="4816405" y="0"/>
             <a:ext cx="5512118" cy="6858000"/>
           </a:xfrm>
           <a:prstGeom prst="rect">
@@ -6029,6 +6007,237 @@
           </a:prstGeom>
         </p:spPr>
       </p:pic>
+      <p:sp>
+        <p:nvSpPr>
+          <p:cNvPr id="5" name="Content Placeholder 2">
+            <a:extLst>
+              <a:ext uri="{FF2B5EF4-FFF2-40B4-BE49-F238E27FC236}">
+                <a16:creationId xmlns:a16="http://schemas.microsoft.com/office/drawing/2014/main" id="{625AECB0-B75E-43FF-B247-06E2EC7CF7AC}"/>
+              </a:ext>
+            </a:extLst>
+          </p:cNvPr>
+          <p:cNvSpPr txBox="1">
+            <a:spLocks/>
+          </p:cNvSpPr>
+          <p:nvPr/>
+        </p:nvSpPr>
+        <p:spPr>
+          <a:xfrm>
+            <a:off x="696285" y="2374085"/>
+            <a:ext cx="3598877" cy="3447876"/>
+          </a:xfrm>
+          <a:prstGeom prst="rect">
+            <a:avLst/>
+          </a:prstGeom>
+        </p:spPr>
+        <p:txBody>
+          <a:bodyPr vert="horz" lIns="91440" tIns="45720" rIns="91440" bIns="45720" rtlCol="0">
+            <a:normAutofit/>
+          </a:bodyPr>
+          <a:lstStyle>
+            <a:lvl1pPr marL="274320" indent="-274320" algn="l" defTabSz="914400" rtl="0" eaLnBrk="1" latinLnBrk="0" hangingPunct="1">
+              <a:spcBef>
+                <a:spcPts val="2200"/>
+              </a:spcBef>
+              <a:buClr>
+                <a:schemeClr val="tx1">
+                  <a:lumMod val="65000"/>
+                </a:schemeClr>
+              </a:buClr>
+              <a:buFont typeface="Arial" pitchFamily="34" charset="0"/>
+              <a:buChar char="•"/>
+              <a:defRPr sz="2200" kern="1200">
+                <a:solidFill>
+                  <a:schemeClr val="tx1"/>
+                </a:solidFill>
+                <a:latin typeface="+mn-lt"/>
+                <a:ea typeface="+mn-ea"/>
+                <a:cs typeface="+mn-cs"/>
+              </a:defRPr>
+            </a:lvl1pPr>
+            <a:lvl2pPr marL="594360" indent="-274320" algn="l" defTabSz="914400" rtl="0" eaLnBrk="1" latinLnBrk="0" hangingPunct="1">
+              <a:spcBef>
+                <a:spcPts val="1600"/>
+              </a:spcBef>
+              <a:buClr>
+                <a:schemeClr val="tx1">
+                  <a:lumMod val="65000"/>
+                </a:schemeClr>
+              </a:buClr>
+              <a:buFont typeface="Arial" pitchFamily="34" charset="0"/>
+              <a:buChar char="•"/>
+              <a:defRPr sz="2000" kern="1200">
+                <a:solidFill>
+                  <a:schemeClr val="tx1"/>
+                </a:solidFill>
+                <a:latin typeface="+mn-lt"/>
+                <a:ea typeface="+mn-ea"/>
+                <a:cs typeface="+mn-cs"/>
+              </a:defRPr>
+            </a:lvl2pPr>
+            <a:lvl3pPr marL="868680" indent="-228600" algn="l" defTabSz="914400" rtl="0" eaLnBrk="1" latinLnBrk="0" hangingPunct="1">
+              <a:spcBef>
+                <a:spcPts val="1200"/>
+              </a:spcBef>
+              <a:buClr>
+                <a:schemeClr val="tx1">
+                  <a:lumMod val="65000"/>
+                </a:schemeClr>
+              </a:buClr>
+              <a:buFont typeface="Arial" pitchFamily="34" charset="0"/>
+              <a:buChar char="•"/>
+              <a:defRPr sz="1800" kern="1200">
+                <a:solidFill>
+                  <a:schemeClr val="tx1"/>
+                </a:solidFill>
+                <a:latin typeface="+mn-lt"/>
+                <a:ea typeface="+mn-ea"/>
+                <a:cs typeface="+mn-cs"/>
+              </a:defRPr>
+            </a:lvl3pPr>
+            <a:lvl4pPr marL="1188720" indent="-228600" algn="l" defTabSz="914400" rtl="0" eaLnBrk="1" latinLnBrk="0" hangingPunct="1">
+              <a:spcBef>
+                <a:spcPts val="1000"/>
+              </a:spcBef>
+              <a:buClr>
+                <a:schemeClr val="tx1">
+                  <a:lumMod val="65000"/>
+                </a:schemeClr>
+              </a:buClr>
+              <a:buFont typeface="Arial" pitchFamily="34" charset="0"/>
+              <a:buChar char="•"/>
+              <a:defRPr sz="1600" kern="1200">
+                <a:solidFill>
+                  <a:schemeClr val="tx1"/>
+                </a:solidFill>
+                <a:latin typeface="+mn-lt"/>
+                <a:ea typeface="+mn-ea"/>
+                <a:cs typeface="+mn-cs"/>
+              </a:defRPr>
+            </a:lvl4pPr>
+            <a:lvl5pPr marL="1417320" indent="-228600" algn="l" defTabSz="914400" rtl="0" eaLnBrk="1" latinLnBrk="0" hangingPunct="1">
+              <a:spcBef>
+                <a:spcPts val="800"/>
+              </a:spcBef>
+              <a:buClr>
+                <a:schemeClr val="tx1">
+                  <a:lumMod val="65000"/>
+                </a:schemeClr>
+              </a:buClr>
+              <a:buFont typeface="Arial" pitchFamily="34" charset="0"/>
+              <a:buChar char="•"/>
+              <a:defRPr sz="1600" kern="1200">
+                <a:solidFill>
+                  <a:schemeClr val="tx1"/>
+                </a:solidFill>
+                <a:latin typeface="+mn-lt"/>
+                <a:ea typeface="+mn-ea"/>
+                <a:cs typeface="+mn-cs"/>
+              </a:defRPr>
+            </a:lvl5pPr>
+            <a:lvl6pPr marL="1645920" indent="-228600" algn="l" defTabSz="914400" rtl="0" eaLnBrk="1" latinLnBrk="0" hangingPunct="1">
+              <a:spcBef>
+                <a:spcPts val="600"/>
+              </a:spcBef>
+              <a:buClr>
+                <a:schemeClr val="tx1">
+                  <a:lumMod val="65000"/>
+                </a:schemeClr>
+              </a:buClr>
+              <a:buFont typeface="Arial" pitchFamily="34" charset="0"/>
+              <a:buChar char="•"/>
+              <a:defRPr sz="1600" kern="1200">
+                <a:solidFill>
+                  <a:schemeClr val="tx1"/>
+                </a:solidFill>
+                <a:latin typeface="+mn-lt"/>
+                <a:ea typeface="+mn-ea"/>
+                <a:cs typeface="+mn-cs"/>
+              </a:defRPr>
+            </a:lvl6pPr>
+            <a:lvl7pPr marL="1874520" indent="-228600" algn="l" defTabSz="914400" rtl="0" eaLnBrk="1" latinLnBrk="0" hangingPunct="1">
+              <a:spcBef>
+                <a:spcPts val="600"/>
+              </a:spcBef>
+              <a:buClr>
+                <a:schemeClr val="tx1">
+                  <a:lumMod val="65000"/>
+                </a:schemeClr>
+              </a:buClr>
+              <a:buFont typeface="Arial" pitchFamily="34" charset="0"/>
+              <a:buChar char="•"/>
+              <a:defRPr sz="1600" kern="1200">
+                <a:solidFill>
+                  <a:schemeClr val="tx1"/>
+                </a:solidFill>
+                <a:latin typeface="+mn-lt"/>
+                <a:ea typeface="+mn-ea"/>
+                <a:cs typeface="+mn-cs"/>
+              </a:defRPr>
+            </a:lvl7pPr>
+            <a:lvl8pPr marL="2103120" indent="-228600" algn="l" defTabSz="914400" rtl="0" eaLnBrk="1" latinLnBrk="0" hangingPunct="1">
+              <a:spcBef>
+                <a:spcPts val="600"/>
+              </a:spcBef>
+              <a:buClr>
+                <a:schemeClr val="tx1">
+                  <a:lumMod val="65000"/>
+                </a:schemeClr>
+              </a:buClr>
+              <a:buFont typeface="Arial" pitchFamily="34" charset="0"/>
+              <a:buChar char="•"/>
+              <a:defRPr sz="1600" kern="1200">
+                <a:solidFill>
+                  <a:schemeClr val="tx1"/>
+                </a:solidFill>
+                <a:latin typeface="+mn-lt"/>
+                <a:ea typeface="+mn-ea"/>
+                <a:cs typeface="+mn-cs"/>
+              </a:defRPr>
+            </a:lvl8pPr>
+            <a:lvl9pPr marL="2331720" indent="-228600" algn="l" defTabSz="914400" rtl="0" eaLnBrk="1" latinLnBrk="0" hangingPunct="1">
+              <a:spcBef>
+                <a:spcPts val="600"/>
+              </a:spcBef>
+              <a:buClr>
+                <a:schemeClr val="tx1">
+                  <a:lumMod val="65000"/>
+                </a:schemeClr>
+              </a:buClr>
+              <a:buFont typeface="Arial" pitchFamily="34" charset="0"/>
+              <a:buChar char="•"/>
+              <a:defRPr sz="1600" kern="1200">
+                <a:solidFill>
+                  <a:schemeClr val="tx1"/>
+                </a:solidFill>
+                <a:latin typeface="+mn-lt"/>
+                <a:ea typeface="+mn-ea"/>
+                <a:cs typeface="+mn-cs"/>
+              </a:defRPr>
+            </a:lvl9pPr>
+          </a:lstStyle>
+          <a:p>
+            <a:r>
+              <a:rPr lang="en-US" dirty="0"/>
+              <a:t>This small file has 19 </a:t>
+            </a:r>
+            <a:r>
+              <a:rPr lang="en-US" dirty="0" err="1"/>
+              <a:t>goto</a:t>
+            </a:r>
+            <a:r>
+              <a:rPr lang="en-US" dirty="0"/>
+              <a:t> statements! Makes my head hurt looking at it.</a:t>
+            </a:r>
+          </a:p>
+          <a:p>
+            <a:r>
+              <a:rPr lang="en-US" dirty="0"/>
+              <a:t>The lack of structure is a problem and leads to hard to read and understand code.</a:t>
+            </a:r>
+          </a:p>
+        </p:txBody>
+      </p:sp>
     </p:spTree>
     <p:extLst>
       <p:ext uri="{BB962C8B-B14F-4D97-AF65-F5344CB8AC3E}">
@@ -6088,7 +6297,7 @@
           <a:p>
             <a:r>
               <a:rPr lang="en-US" dirty="0"/>
-              <a:t> </a:t>
+              <a:t>Part II of III - How to Modularize? Functionalization</a:t>
             </a:r>
           </a:p>
         </p:txBody>
@@ -6103,22 +6312,137 @@
             <p:ph idx="1"/>
           </p:nvPr>
         </p:nvSpPr>
-        <p:spPr/>
+        <p:spPr>
+          <a:xfrm>
+            <a:off x="431800" y="1714500"/>
+            <a:ext cx="10693400" cy="4889500"/>
+          </a:xfrm>
+        </p:spPr>
         <p:txBody>
           <a:bodyPr>
-            <a:normAutofit/>
+            <a:normAutofit fontScale="92500" lnSpcReduction="10000"/>
           </a:bodyPr>
           <a:lstStyle/>
           <a:p>
             <a:r>
               <a:rPr lang="en-US" dirty="0"/>
-              <a:t>This small file has 19 goto statements! Makes my head hurt looking at it.</a:t>
-            </a:r>
-          </a:p>
-          <a:p>
+              <a:t>So let's impose some structure. In most programming languages there's a concept of a </a:t>
+            </a:r>
+            <a:r>
+              <a:rPr lang="en-US" dirty="0">
+                <a:solidFill>
+                  <a:schemeClr val="accent2">
+                    <a:lumMod val="60000"/>
+                    <a:lumOff val="40000"/>
+                  </a:schemeClr>
+                </a:solidFill>
+              </a:rPr>
+              <a:t>function</a:t>
+            </a:r>
             <a:r>
               <a:rPr lang="en-US" dirty="0"/>
-              <a:t>The lack of structure is a problem and leads to hard to read and understand code.</a:t>
+              <a:t>.</a:t>
+            </a:r>
+          </a:p>
+          <a:p>
+            <a:r>
+              <a:rPr lang="en-US" dirty="0"/>
+              <a:t>At the heart of Composable Batch Files is the enforcing the use of traditional functions or code blocks.</a:t>
+            </a:r>
+          </a:p>
+          <a:p>
+            <a:r>
+              <a:rPr lang="en-US" dirty="0"/>
+              <a:t>Anatomy of a function. Here are the basic structural elements:</a:t>
+            </a:r>
+          </a:p>
+          <a:p>
+            <a:pPr marL="0" indent="0">
+              <a:buNone/>
+            </a:pPr>
+            <a:r>
+              <a:rPr lang="en-US" dirty="0">
+                <a:solidFill>
+                  <a:schemeClr val="accent2">
+                    <a:lumMod val="60000"/>
+                    <a:lumOff val="40000"/>
+                  </a:schemeClr>
+                </a:solidFill>
+              </a:rPr>
+              <a:t>    * [label]</a:t>
+            </a:r>
+            <a:r>
+              <a:rPr lang="en-US" dirty="0"/>
+              <a:t> = function name (which must be unique)</a:t>
+            </a:r>
+          </a:p>
+          <a:p>
+            <a:pPr marL="0" indent="0">
+              <a:buNone/>
+            </a:pPr>
+            <a:r>
+              <a:rPr lang="en-US" dirty="0">
+                <a:solidFill>
+                  <a:schemeClr val="accent2">
+                    <a:lumMod val="60000"/>
+                    <a:lumOff val="40000"/>
+                  </a:schemeClr>
+                </a:solidFill>
+              </a:rPr>
+              <a:t>    * call :[label]</a:t>
+            </a:r>
+            <a:r>
+              <a:rPr lang="en-US" dirty="0"/>
+              <a:t> = function call to another function in this batch file.</a:t>
+            </a:r>
+          </a:p>
+          <a:p>
+            <a:pPr marL="0" indent="0">
+              <a:buNone/>
+            </a:pPr>
+            <a:r>
+              <a:rPr lang="en-US" dirty="0">
+                <a:solidFill>
+                  <a:schemeClr val="accent2">
+                    <a:lumMod val="60000"/>
+                    <a:lumOff val="40000"/>
+                  </a:schemeClr>
+                </a:solidFill>
+              </a:rPr>
+              <a:t>    * goto [label]</a:t>
+            </a:r>
+            <a:r>
+              <a:rPr lang="en-US" dirty="0"/>
+              <a:t> = also a function call, which does not return to the caller. Use judiciously.</a:t>
+            </a:r>
+          </a:p>
+          <a:p>
+            <a:pPr marL="0" indent="0">
+              <a:buNone/>
+            </a:pPr>
+            <a:r>
+              <a:rPr lang="en-US" dirty="0">
+                <a:solidFill>
+                  <a:schemeClr val="accent2">
+                    <a:lumMod val="60000"/>
+                    <a:lumOff val="40000"/>
+                  </a:schemeClr>
+                </a:solidFill>
+              </a:rPr>
+              <a:t>    * exit/b</a:t>
+            </a:r>
+            <a:r>
+              <a:rPr lang="en-US" dirty="0"/>
+              <a:t> = end of function. The lack of exit/b is the most common culprit. Without ending </a:t>
+            </a:r>
+          </a:p>
+          <a:p>
+            <a:pPr marL="0" indent="0">
+              <a:buNone/>
+            </a:pPr>
+            <a:r>
+              <a:rPr lang="en-US" dirty="0"/>
+              <a:t>                   functions, you have spaghetti code.</a:t>
             </a:r>
           </a:p>
         </p:txBody>
@@ -6126,7 +6450,7 @@
     </p:spTree>
     <p:extLst>
       <p:ext uri="{BB962C8B-B14F-4D97-AF65-F5344CB8AC3E}">
-        <p14:creationId xmlns:p14="http://schemas.microsoft.com/office/powerpoint/2010/main" val="640977179"/>
+        <p14:creationId xmlns:p14="http://schemas.microsoft.com/office/powerpoint/2010/main" val="3262004891"/>
       </p:ext>
     </p:extLst>
   </p:cSld>
@@ -6175,159 +6499,278 @@
             <p:ph type="title"/>
           </p:nvPr>
         </p:nvSpPr>
-        <p:spPr/>
-        <p:txBody>
-          <a:bodyPr/>
-          <a:lstStyle/>
-          <a:p>
-            <a:r>
-              <a:rPr lang="en-US" dirty="0"/>
-              <a:t>Part II of III - How to Modularize? Functionalization</a:t>
-            </a:r>
-          </a:p>
-        </p:txBody>
-      </p:sp>
-      <p:sp>
-        <p:nvSpPr>
-          <p:cNvPr id="3" name="Content Placeholder 2"/>
-          <p:cNvSpPr>
-            <a:spLocks noGrp="1"/>
-          </p:cNvSpPr>
-          <p:nvPr>
-            <p:ph idx="1"/>
-          </p:nvPr>
-        </p:nvSpPr>
         <p:spPr>
           <a:xfrm>
-            <a:off x="431800" y="1714500"/>
-            <a:ext cx="10693400" cy="4889500"/>
+            <a:off x="1129004" y="621042"/>
+            <a:ext cx="9032032" cy="545285"/>
           </a:xfrm>
         </p:spPr>
         <p:txBody>
           <a:bodyPr>
-            <a:normAutofit fontScale="92500" lnSpcReduction="10000"/>
+            <a:normAutofit fontScale="90000"/>
           </a:bodyPr>
           <a:lstStyle/>
           <a:p>
+            <a:pPr algn="ctr"/>
             <a:r>
               <a:rPr lang="en-US" dirty="0"/>
-              <a:t>So let's impose some structure. In most programming languages there's a concept of a </a:t>
-            </a:r>
-            <a:r>
-              <a:rPr lang="en-US" dirty="0">
+              <a:t>Hello World Demo - A Functionalized Approach</a:t>
+            </a:r>
+            <a:br>
+              <a:rPr lang="en-US" dirty="0"/>
+            </a:br>
+            <a:endParaRPr lang="en-US" dirty="0"/>
+          </a:p>
+        </p:txBody>
+      </p:sp>
+      <p:pic>
+        <p:nvPicPr>
+          <p:cNvPr id="6" name="Content Placeholder 5">
+            <a:extLst>
+              <a:ext uri="{FF2B5EF4-FFF2-40B4-BE49-F238E27FC236}">
+                <a16:creationId xmlns:a16="http://schemas.microsoft.com/office/drawing/2014/main" id="{21913C1A-203A-4C79-8A27-095F533ABCA7}"/>
+              </a:ext>
+            </a:extLst>
+          </p:cNvPr>
+          <p:cNvPicPr>
+            <a:picLocks noGrp="1" noChangeAspect="1"/>
+          </p:cNvPicPr>
+          <p:nvPr>
+            <p:ph idx="1"/>
+          </p:nvPr>
+        </p:nvPicPr>
+        <p:blipFill>
+          <a:blip r:embed="rId2">
+            <a:extLst>
+              <a:ext uri="{28A0092B-C50C-407E-A947-70E740481C1C}">
+                <a14:useLocalDpi xmlns:a14="http://schemas.microsoft.com/office/drawing/2010/main" val="0"/>
+              </a:ext>
+            </a:extLst>
+          </a:blip>
+          <a:stretch>
+            <a:fillRect/>
+          </a:stretch>
+        </p:blipFill>
+        <p:spPr>
+          <a:xfrm>
+            <a:off x="4127077" y="1448462"/>
+            <a:ext cx="6792356" cy="5344224"/>
+          </a:xfrm>
+        </p:spPr>
+      </p:pic>
+      <p:sp>
+        <p:nvSpPr>
+          <p:cNvPr id="4" name="Content Placeholder 2">
+            <a:extLst>
+              <a:ext uri="{FF2B5EF4-FFF2-40B4-BE49-F238E27FC236}">
+                <a16:creationId xmlns:a16="http://schemas.microsoft.com/office/drawing/2014/main" id="{A3E992D7-0D9E-476F-ACAC-83945AC959DA}"/>
+              </a:ext>
+            </a:extLst>
+          </p:cNvPr>
+          <p:cNvSpPr txBox="1">
+            <a:spLocks/>
+          </p:cNvSpPr>
+          <p:nvPr/>
+        </p:nvSpPr>
+        <p:spPr>
+          <a:xfrm>
+            <a:off x="186985" y="2556492"/>
+            <a:ext cx="3823982" cy="2884873"/>
+          </a:xfrm>
+          <a:prstGeom prst="rect">
+            <a:avLst/>
+          </a:prstGeom>
+        </p:spPr>
+        <p:txBody>
+          <a:bodyPr vert="horz" lIns="91440" tIns="45720" rIns="91440" bIns="45720" rtlCol="0">
+            <a:normAutofit/>
+          </a:bodyPr>
+          <a:lstStyle>
+            <a:lvl1pPr marL="274320" indent="-274320" algn="l" defTabSz="914400" rtl="0" eaLnBrk="1" latinLnBrk="0" hangingPunct="1">
+              <a:spcBef>
+                <a:spcPts val="2200"/>
+              </a:spcBef>
+              <a:buClr>
+                <a:schemeClr val="tx1">
+                  <a:lumMod val="65000"/>
+                </a:schemeClr>
+              </a:buClr>
+              <a:buFont typeface="Arial" pitchFamily="34" charset="0"/>
+              <a:buChar char="•"/>
+              <a:defRPr sz="2200" kern="1200">
                 <a:solidFill>
-                  <a:schemeClr val="accent2">
-                    <a:lumMod val="60000"/>
-                    <a:lumOff val="40000"/>
-                  </a:schemeClr>
+                  <a:schemeClr val="tx1"/>
                 </a:solidFill>
-              </a:rPr>
-              <a:t>function</a:t>
-            </a:r>
+                <a:latin typeface="+mn-lt"/>
+                <a:ea typeface="+mn-ea"/>
+                <a:cs typeface="+mn-cs"/>
+              </a:defRPr>
+            </a:lvl1pPr>
+            <a:lvl2pPr marL="594360" indent="-274320" algn="l" defTabSz="914400" rtl="0" eaLnBrk="1" latinLnBrk="0" hangingPunct="1">
+              <a:spcBef>
+                <a:spcPts val="1600"/>
+              </a:spcBef>
+              <a:buClr>
+                <a:schemeClr val="tx1">
+                  <a:lumMod val="65000"/>
+                </a:schemeClr>
+              </a:buClr>
+              <a:buFont typeface="Arial" pitchFamily="34" charset="0"/>
+              <a:buChar char="•"/>
+              <a:defRPr sz="2000" kern="1200">
+                <a:solidFill>
+                  <a:schemeClr val="tx1"/>
+                </a:solidFill>
+                <a:latin typeface="+mn-lt"/>
+                <a:ea typeface="+mn-ea"/>
+                <a:cs typeface="+mn-cs"/>
+              </a:defRPr>
+            </a:lvl2pPr>
+            <a:lvl3pPr marL="868680" indent="-228600" algn="l" defTabSz="914400" rtl="0" eaLnBrk="1" latinLnBrk="0" hangingPunct="1">
+              <a:spcBef>
+                <a:spcPts val="1200"/>
+              </a:spcBef>
+              <a:buClr>
+                <a:schemeClr val="tx1">
+                  <a:lumMod val="65000"/>
+                </a:schemeClr>
+              </a:buClr>
+              <a:buFont typeface="Arial" pitchFamily="34" charset="0"/>
+              <a:buChar char="•"/>
+              <a:defRPr sz="1800" kern="1200">
+                <a:solidFill>
+                  <a:schemeClr val="tx1"/>
+                </a:solidFill>
+                <a:latin typeface="+mn-lt"/>
+                <a:ea typeface="+mn-ea"/>
+                <a:cs typeface="+mn-cs"/>
+              </a:defRPr>
+            </a:lvl3pPr>
+            <a:lvl4pPr marL="1188720" indent="-228600" algn="l" defTabSz="914400" rtl="0" eaLnBrk="1" latinLnBrk="0" hangingPunct="1">
+              <a:spcBef>
+                <a:spcPts val="1000"/>
+              </a:spcBef>
+              <a:buClr>
+                <a:schemeClr val="tx1">
+                  <a:lumMod val="65000"/>
+                </a:schemeClr>
+              </a:buClr>
+              <a:buFont typeface="Arial" pitchFamily="34" charset="0"/>
+              <a:buChar char="•"/>
+              <a:defRPr sz="1600" kern="1200">
+                <a:solidFill>
+                  <a:schemeClr val="tx1"/>
+                </a:solidFill>
+                <a:latin typeface="+mn-lt"/>
+                <a:ea typeface="+mn-ea"/>
+                <a:cs typeface="+mn-cs"/>
+              </a:defRPr>
+            </a:lvl4pPr>
+            <a:lvl5pPr marL="1417320" indent="-228600" algn="l" defTabSz="914400" rtl="0" eaLnBrk="1" latinLnBrk="0" hangingPunct="1">
+              <a:spcBef>
+                <a:spcPts val="800"/>
+              </a:spcBef>
+              <a:buClr>
+                <a:schemeClr val="tx1">
+                  <a:lumMod val="65000"/>
+                </a:schemeClr>
+              </a:buClr>
+              <a:buFont typeface="Arial" pitchFamily="34" charset="0"/>
+              <a:buChar char="•"/>
+              <a:defRPr sz="1600" kern="1200">
+                <a:solidFill>
+                  <a:schemeClr val="tx1"/>
+                </a:solidFill>
+                <a:latin typeface="+mn-lt"/>
+                <a:ea typeface="+mn-ea"/>
+                <a:cs typeface="+mn-cs"/>
+              </a:defRPr>
+            </a:lvl5pPr>
+            <a:lvl6pPr marL="1645920" indent="-228600" algn="l" defTabSz="914400" rtl="0" eaLnBrk="1" latinLnBrk="0" hangingPunct="1">
+              <a:spcBef>
+                <a:spcPts val="600"/>
+              </a:spcBef>
+              <a:buClr>
+                <a:schemeClr val="tx1">
+                  <a:lumMod val="65000"/>
+                </a:schemeClr>
+              </a:buClr>
+              <a:buFont typeface="Arial" pitchFamily="34" charset="0"/>
+              <a:buChar char="•"/>
+              <a:defRPr sz="1600" kern="1200">
+                <a:solidFill>
+                  <a:schemeClr val="tx1"/>
+                </a:solidFill>
+                <a:latin typeface="+mn-lt"/>
+                <a:ea typeface="+mn-ea"/>
+                <a:cs typeface="+mn-cs"/>
+              </a:defRPr>
+            </a:lvl6pPr>
+            <a:lvl7pPr marL="1874520" indent="-228600" algn="l" defTabSz="914400" rtl="0" eaLnBrk="1" latinLnBrk="0" hangingPunct="1">
+              <a:spcBef>
+                <a:spcPts val="600"/>
+              </a:spcBef>
+              <a:buClr>
+                <a:schemeClr val="tx1">
+                  <a:lumMod val="65000"/>
+                </a:schemeClr>
+              </a:buClr>
+              <a:buFont typeface="Arial" pitchFamily="34" charset="0"/>
+              <a:buChar char="•"/>
+              <a:defRPr sz="1600" kern="1200">
+                <a:solidFill>
+                  <a:schemeClr val="tx1"/>
+                </a:solidFill>
+                <a:latin typeface="+mn-lt"/>
+                <a:ea typeface="+mn-ea"/>
+                <a:cs typeface="+mn-cs"/>
+              </a:defRPr>
+            </a:lvl7pPr>
+            <a:lvl8pPr marL="2103120" indent="-228600" algn="l" defTabSz="914400" rtl="0" eaLnBrk="1" latinLnBrk="0" hangingPunct="1">
+              <a:spcBef>
+                <a:spcPts val="600"/>
+              </a:spcBef>
+              <a:buClr>
+                <a:schemeClr val="tx1">
+                  <a:lumMod val="65000"/>
+                </a:schemeClr>
+              </a:buClr>
+              <a:buFont typeface="Arial" pitchFamily="34" charset="0"/>
+              <a:buChar char="•"/>
+              <a:defRPr sz="1600" kern="1200">
+                <a:solidFill>
+                  <a:schemeClr val="tx1"/>
+                </a:solidFill>
+                <a:latin typeface="+mn-lt"/>
+                <a:ea typeface="+mn-ea"/>
+                <a:cs typeface="+mn-cs"/>
+              </a:defRPr>
+            </a:lvl8pPr>
+            <a:lvl9pPr marL="2331720" indent="-228600" algn="l" defTabSz="914400" rtl="0" eaLnBrk="1" latinLnBrk="0" hangingPunct="1">
+              <a:spcBef>
+                <a:spcPts val="600"/>
+              </a:spcBef>
+              <a:buClr>
+                <a:schemeClr val="tx1">
+                  <a:lumMod val="65000"/>
+                </a:schemeClr>
+              </a:buClr>
+              <a:buFont typeface="Arial" pitchFamily="34" charset="0"/>
+              <a:buChar char="•"/>
+              <a:defRPr sz="1600" kern="1200">
+                <a:solidFill>
+                  <a:schemeClr val="tx1"/>
+                </a:solidFill>
+                <a:latin typeface="+mn-lt"/>
+                <a:ea typeface="+mn-ea"/>
+                <a:cs typeface="+mn-cs"/>
+              </a:defRPr>
+            </a:lvl9pPr>
+          </a:lstStyle>
+          <a:p>
             <a:r>
               <a:rPr lang="en-US" dirty="0"/>
-              <a:t>.</a:t>
-            </a:r>
-          </a:p>
-          <a:p>
-            <a:r>
-              <a:rPr lang="en-US" dirty="0"/>
-              <a:t>At the heart of Composable Batch Files is the enforcing the use of traditional functions or code blocks.</a:t>
-            </a:r>
-          </a:p>
-          <a:p>
-            <a:r>
-              <a:rPr lang="en-US" dirty="0"/>
-              <a:t>Anatomy of a function. Here are the basic structural elements:</a:t>
-            </a:r>
-          </a:p>
-          <a:p>
-            <a:pPr marL="0" indent="0">
-              <a:buNone/>
-            </a:pPr>
-            <a:r>
-              <a:rPr lang="en-US" dirty="0">
-                <a:solidFill>
-                  <a:schemeClr val="accent2">
-                    <a:lumMod val="60000"/>
-                    <a:lumOff val="40000"/>
-                  </a:schemeClr>
-                </a:solidFill>
-              </a:rPr>
-              <a:t>    * [label]</a:t>
-            </a:r>
-            <a:r>
-              <a:rPr lang="en-US" dirty="0"/>
-              <a:t> = function name (which must be unique)</a:t>
-            </a:r>
-          </a:p>
-          <a:p>
-            <a:pPr marL="0" indent="0">
-              <a:buNone/>
-            </a:pPr>
-            <a:r>
-              <a:rPr lang="en-US" dirty="0">
-                <a:solidFill>
-                  <a:schemeClr val="accent2">
-                    <a:lumMod val="60000"/>
-                    <a:lumOff val="40000"/>
-                  </a:schemeClr>
-                </a:solidFill>
-              </a:rPr>
-              <a:t>    * call :[label]</a:t>
-            </a:r>
-            <a:r>
-              <a:rPr lang="en-US" dirty="0"/>
-              <a:t> = function call to another function in this batch file.</a:t>
-            </a:r>
-          </a:p>
-          <a:p>
-            <a:pPr marL="0" indent="0">
-              <a:buNone/>
-            </a:pPr>
-            <a:r>
-              <a:rPr lang="en-US" dirty="0">
-                <a:solidFill>
-                  <a:schemeClr val="accent2">
-                    <a:lumMod val="60000"/>
-                    <a:lumOff val="40000"/>
-                  </a:schemeClr>
-                </a:solidFill>
-              </a:rPr>
-              <a:t>    * goto [label]</a:t>
-            </a:r>
-            <a:r>
-              <a:rPr lang="en-US" dirty="0"/>
-              <a:t> = also a function call, which does not return to the caller. Use judiciously.</a:t>
-            </a:r>
-          </a:p>
-          <a:p>
-            <a:pPr marL="0" indent="0">
-              <a:buNone/>
-            </a:pPr>
-            <a:r>
-              <a:rPr lang="en-US" dirty="0">
-                <a:solidFill>
-                  <a:schemeClr val="accent2">
-                    <a:lumMod val="60000"/>
-                    <a:lumOff val="40000"/>
-                  </a:schemeClr>
-                </a:solidFill>
-              </a:rPr>
-              <a:t>    * exit/b</a:t>
-            </a:r>
-            <a:r>
-              <a:rPr lang="en-US" dirty="0"/>
-              <a:t> = end of function. The lack of exit/b is the most common culprit. Without ending </a:t>
-            </a:r>
-          </a:p>
-          <a:p>
-            <a:pPr marL="0" indent="0">
-              <a:buNone/>
-            </a:pPr>
-            <a:r>
-              <a:rPr lang="en-US" dirty="0"/>
-              <a:t>                   functions, you have spaghetti code.</a:t>
+              <a:t>Building the batch file around the a set of functions can turn a normally disorganized environment into a structured and organized one.</a:t>
             </a:r>
           </a:p>
         </p:txBody>
@@ -6335,7 +6778,7 @@
     </p:spTree>
     <p:extLst>
       <p:ext uri="{BB962C8B-B14F-4D97-AF65-F5344CB8AC3E}">
-        <p14:creationId xmlns:p14="http://schemas.microsoft.com/office/powerpoint/2010/main" val="3262004891"/>
+        <p14:creationId xmlns:p14="http://schemas.microsoft.com/office/powerpoint/2010/main" val="610424941"/>
       </p:ext>
     </p:extLst>
   </p:cSld>
@@ -6391,7 +6834,7 @@
           <a:p>
             <a:r>
               <a:rPr lang="en-US" dirty="0"/>
-              <a:t>A More Structured and Functionalized Approach</a:t>
+              <a:t>                       Setup Instructions</a:t>
             </a:r>
           </a:p>
         </p:txBody>
@@ -6406,7 +6849,12 @@
             <p:ph idx="1"/>
           </p:nvPr>
         </p:nvSpPr>
-        <p:spPr/>
+        <p:spPr>
+          <a:xfrm>
+            <a:off x="1066800" y="1714500"/>
+            <a:ext cx="10058400" cy="4457700"/>
+          </a:xfrm>
+        </p:spPr>
         <p:txBody>
           <a:bodyPr>
             <a:normAutofit/>
@@ -6415,15 +6863,54 @@
           <a:p>
             <a:r>
               <a:rPr lang="en-US" dirty="0"/>
-              <a:t>Building the batch file around the a set of functions can turn a normally disorganized environment into a structured and organized one.</a:t>
-            </a:r>
+              <a:t>Add %COMPOSABLE_BATCH_FILES% as an environment variable or, at least, add it to your path to where you installed the repository.</a:t>
+            </a:r>
+          </a:p>
+          <a:p>
+            <a:r>
+              <a:rPr lang="en-US" dirty="0"/>
+              <a:t>If you so choose, also add these environment variables for the following:</a:t>
+            </a:r>
+          </a:p>
+          <a:p>
+            <a:pPr marL="0" indent="0">
+              <a:buNone/>
+            </a:pPr>
+            <a:r>
+              <a:rPr lang="en-US" dirty="0"/>
+              <a:t>	* %CBF_DEFAULT_BROWSER%</a:t>
+            </a:r>
+          </a:p>
+          <a:p>
+            <a:pPr marL="0" indent="0">
+              <a:buNone/>
+            </a:pPr>
+            <a:r>
+              <a:rPr lang="en-US" dirty="0"/>
+              <a:t>	* %CBF_DEFAULT_TEXT_EDITOR%</a:t>
+            </a:r>
+          </a:p>
+          <a:p>
+            <a:pPr marL="0" indent="0">
+              <a:buNone/>
+            </a:pPr>
+            <a:r>
+              <a:rPr lang="en-US" dirty="0"/>
+              <a:t>	* %CBF_DEFAULT_REPOSITORY_FOLDER%</a:t>
+            </a:r>
+          </a:p>
+          <a:p>
+            <a:pPr marL="0" indent="0">
+              <a:buNone/>
+            </a:pPr>
+            <a:endParaRPr lang="en-US" dirty="0"/>
           </a:p>
         </p:txBody>
       </p:sp>
     </p:spTree>
     <p:extLst>
       <p:ext uri="{BB962C8B-B14F-4D97-AF65-F5344CB8AC3E}">
-        <p14:creationId xmlns:p14="http://schemas.microsoft.com/office/powerpoint/2010/main" val="2364582589"/>
+        <p14:creationId xmlns:p14="http://schemas.microsoft.com/office/powerpoint/2010/main" val="3521850401"/>
       </p:ext>
     </p:extLst>
   </p:cSld>
@@ -6478,22 +6965,18 @@
           <a:lstStyle/>
           <a:p>
             <a:r>
-              <a:rPr lang="en-US"/>
-              <a:t>                   Hello </a:t>
-            </a:r>
-            <a:r>
               <a:rPr lang="en-US" dirty="0"/>
-              <a:t>World Demo</a:t>
+              <a:t>Here's an example of how to set some CBF default environment variables:</a:t>
             </a:r>
           </a:p>
         </p:txBody>
       </p:sp>
       <p:pic>
         <p:nvPicPr>
-          <p:cNvPr id="6" name="Content Placeholder 5">
+          <p:cNvPr id="5" name="Content Placeholder 4">
             <a:extLst>
               <a:ext uri="{FF2B5EF4-FFF2-40B4-BE49-F238E27FC236}">
-                <a16:creationId xmlns:a16="http://schemas.microsoft.com/office/drawing/2014/main" id="{21913C1A-203A-4C79-8A27-095F533ABCA7}"/>
+                <a16:creationId xmlns:a16="http://schemas.microsoft.com/office/drawing/2014/main" id="{533C788E-B902-48A8-A7D0-00EC4991AE0B}"/>
               </a:ext>
             </a:extLst>
           </p:cNvPr>
@@ -6518,15 +7001,15 @@
         </p:blipFill>
         <p:spPr>
           <a:xfrm>
-            <a:off x="2136882" y="1328486"/>
-            <a:ext cx="7471592" cy="5513424"/>
+            <a:off x="3048000" y="1426515"/>
+            <a:ext cx="5689600" cy="5420873"/>
           </a:xfrm>
         </p:spPr>
       </p:pic>
     </p:spTree>
     <p:extLst>
       <p:ext uri="{BB962C8B-B14F-4D97-AF65-F5344CB8AC3E}">
-        <p14:creationId xmlns:p14="http://schemas.microsoft.com/office/powerpoint/2010/main" val="610424941"/>
+        <p14:creationId xmlns:p14="http://schemas.microsoft.com/office/powerpoint/2010/main" val="2774527376"/>
       </p:ext>
     </p:extLst>
   </p:cSld>
@@ -6582,7 +7065,7 @@
           <a:p>
             <a:r>
               <a:rPr lang="en-US" dirty="0"/>
-              <a:t>                       Setup Instructions</a:t>
+              <a:t>                            Done with Setup</a:t>
             </a:r>
           </a:p>
         </p:txBody>
@@ -6597,12 +7080,7 @@
             <p:ph idx="1"/>
           </p:nvPr>
         </p:nvSpPr>
-        <p:spPr>
-          <a:xfrm>
-            <a:off x="1066800" y="1714500"/>
-            <a:ext cx="10058400" cy="4457700"/>
-          </a:xfrm>
-        </p:spPr>
+        <p:spPr/>
         <p:txBody>
           <a:bodyPr>
             <a:normAutofit/>
@@ -6611,54 +7089,87 @@
           <a:p>
             <a:r>
               <a:rPr lang="en-US" dirty="0"/>
-              <a:t>Add %COMPOSABLE_BATCH_FILES% as an environment variable or, at least, add it to your path to where you installed the repository.</a:t>
-            </a:r>
-          </a:p>
-          <a:p>
-            <a:r>
-              <a:rPr lang="en-US" dirty="0"/>
-              <a:t>If you so choose, also add these environment variables for the following:</a:t>
-            </a:r>
-          </a:p>
-          <a:p>
-            <a:pPr marL="0" indent="0">
-              <a:buNone/>
-            </a:pPr>
-            <a:r>
-              <a:rPr lang="en-US" dirty="0"/>
-              <a:t>	* %CBF_DEFAULT_BROWSER%</a:t>
-            </a:r>
-          </a:p>
-          <a:p>
-            <a:pPr marL="0" indent="0">
-              <a:buNone/>
-            </a:pPr>
-            <a:r>
-              <a:rPr lang="en-US" dirty="0"/>
-              <a:t>	* %CBF_DEFAULT_TEXT_EDITOR%</a:t>
-            </a:r>
-          </a:p>
-          <a:p>
-            <a:pPr marL="0" indent="0">
-              <a:buNone/>
-            </a:pPr>
-            <a:r>
-              <a:rPr lang="en-US" dirty="0"/>
-              <a:t>	* %CBF_DEFAULT_REPOSITORY_FOLDER%</a:t>
-            </a:r>
-          </a:p>
-          <a:p>
-            <a:pPr marL="0" indent="0">
-              <a:buNone/>
-            </a:pPr>
-            <a:endParaRPr lang="en-US" dirty="0"/>
-          </a:p>
-        </p:txBody>
-      </p:sp>
+              <a:t>After you have cloned or downloaded the CBF repository, double click the shortcut titled "Composable Batch Files Helper" to open up a blue command prompt.</a:t>
+            </a:r>
+          </a:p>
+        </p:txBody>
+      </p:sp>
+      <p:pic>
+        <p:nvPicPr>
+          <p:cNvPr id="5" name="Picture 4">
+            <a:extLst>
+              <a:ext uri="{FF2B5EF4-FFF2-40B4-BE49-F238E27FC236}">
+                <a16:creationId xmlns:a16="http://schemas.microsoft.com/office/drawing/2014/main" id="{71150A36-B264-41F5-8778-4C6D7FCBB6F1}"/>
+              </a:ext>
+            </a:extLst>
+          </p:cNvPr>
+          <p:cNvPicPr>
+            <a:picLocks noChangeAspect="1"/>
+          </p:cNvPicPr>
+          <p:nvPr/>
+        </p:nvPicPr>
+        <p:blipFill>
+          <a:blip r:embed="rId2">
+            <a:extLst>
+              <a:ext uri="{28A0092B-C50C-407E-A947-70E740481C1C}">
+                <a14:useLocalDpi xmlns:a14="http://schemas.microsoft.com/office/drawing/2010/main" val="0"/>
+              </a:ext>
+            </a:extLst>
+          </a:blip>
+          <a:stretch>
+            <a:fillRect/>
+          </a:stretch>
+        </p:blipFill>
+        <p:spPr>
+          <a:xfrm>
+            <a:off x="482056" y="3051495"/>
+            <a:ext cx="6764681" cy="3302000"/>
+          </a:xfrm>
+          <a:prstGeom prst="rect">
+            <a:avLst/>
+          </a:prstGeom>
+        </p:spPr>
+      </p:pic>
+      <p:pic>
+        <p:nvPicPr>
+          <p:cNvPr id="7" name="Picture 6">
+            <a:extLst>
+              <a:ext uri="{FF2B5EF4-FFF2-40B4-BE49-F238E27FC236}">
+                <a16:creationId xmlns:a16="http://schemas.microsoft.com/office/drawing/2014/main" id="{02BD94F8-CA38-49A2-B1FC-E5F4F843AC20}"/>
+              </a:ext>
+            </a:extLst>
+          </p:cNvPr>
+          <p:cNvPicPr>
+            <a:picLocks noChangeAspect="1"/>
+          </p:cNvPicPr>
+          <p:nvPr/>
+        </p:nvPicPr>
+        <p:blipFill>
+          <a:blip r:embed="rId3">
+            <a:extLst>
+              <a:ext uri="{28A0092B-C50C-407E-A947-70E740481C1C}">
+                <a14:useLocalDpi xmlns:a14="http://schemas.microsoft.com/office/drawing/2010/main" val="0"/>
+              </a:ext>
+            </a:extLst>
+          </a:blip>
+          <a:stretch>
+            <a:fillRect/>
+          </a:stretch>
+        </p:blipFill>
+        <p:spPr>
+          <a:xfrm>
+            <a:off x="7370998" y="3576656"/>
+            <a:ext cx="4338946" cy="2251677"/>
+          </a:xfrm>
+          <a:prstGeom prst="rect">
+            <a:avLst/>
+          </a:prstGeom>
+        </p:spPr>
+      </p:pic>
     </p:spTree>
     <p:extLst>
       <p:ext uri="{BB962C8B-B14F-4D97-AF65-F5344CB8AC3E}">
-        <p14:creationId xmlns:p14="http://schemas.microsoft.com/office/powerpoint/2010/main" val="3521850401"/>
+        <p14:creationId xmlns:p14="http://schemas.microsoft.com/office/powerpoint/2010/main" val="3030792914"/>
       </p:ext>
     </p:extLst>
   </p:cSld>

--- a/Composable Batch File Helper.pptx
+++ b/Composable Batch File Helper.pptx
@@ -4198,6 +4198,12 @@
             </a:r>
           </a:p>
           <a:p>
+            <a:r>
+              <a:rPr lang="en-US" dirty="0"/>
+              <a:t>I like them and think they are still relevant because you can create self-documenting scripts that you can evolve and perfect over time.</a:t>
+            </a:r>
+          </a:p>
+          <a:p>
             <a:pPr marL="0" indent="0">
               <a:buNone/>
             </a:pPr>
@@ -5485,7 +5491,7 @@
           <a:p>
             <a:r>
               <a:rPr lang="en-US" dirty="0"/>
-              <a:t>Extra Credit – Cool Folder Searching Tools</a:t>
+              <a:t>Live Demo</a:t>
             </a:r>
           </a:p>
         </p:txBody>
@@ -5503,13 +5509,25 @@
         <p:spPr/>
         <p:txBody>
           <a:bodyPr>
-            <a:normAutofit/>
+            <a:normAutofit lnSpcReduction="10000"/>
           </a:bodyPr>
           <a:lstStyle/>
           <a:p>
             <a:r>
               <a:rPr lang="en-US" dirty="0"/>
+              <a:t>Just to prove it works, run: m demo</a:t>
+            </a:r>
+          </a:p>
+          <a:p>
+            <a:r>
+              <a:rPr lang="en-US" dirty="0"/>
               <a:t>Now that you know how navigate the file system, surf and edit like a boss, it’s time to search folders like a boss.</a:t>
+            </a:r>
+          </a:p>
+          <a:p>
+            <a:r>
+              <a:rPr lang="en-US" dirty="0"/>
+              <a:t>Some cool out-of-the-box batch files I use on a regular basis.</a:t>
             </a:r>
           </a:p>
           <a:p>
@@ -5620,7 +5638,7 @@
           <a:p>
             <a:r>
               <a:rPr lang="en-US" dirty="0"/>
-              <a:t>                        Table of Contents</a:t>
+              <a:t>                 Table of Contents</a:t>
             </a:r>
           </a:p>
         </p:txBody>
@@ -5650,7 +5668,7 @@
           <a:p>
             <a:r>
               <a:rPr lang="en-US" dirty="0"/>
-              <a:t>Part II – The Answer: Functionalization.</a:t>
+              <a:t>Part II – The Answer in my opinion is functionalization.</a:t>
             </a:r>
           </a:p>
           <a:p>
@@ -5658,6 +5676,12 @@
               <a:rPr lang="en-US" dirty="0"/>
               <a:t>Part III – Customization can increase your productivity.</a:t>
             </a:r>
+          </a:p>
+          <a:p>
+            <a:pPr marL="0" indent="0">
+              <a:buNone/>
+            </a:pPr>
+            <a:endParaRPr lang="en-US" dirty="0"/>
           </a:p>
         </p:txBody>
       </p:sp>

--- a/Composable Batch File Helper.pptx
+++ b/Composable Batch File Helper.pptx
@@ -233,7 +233,7 @@
           <a:p>
             <a:fld id="{34475077-A074-4E8C-B45E-964494945228}" type="datetimeFigureOut">
               <a:rPr lang="en-US"/>
-              <a:t>8/13/2018</a:t>
+              <a:t>8/14/2018</a:t>
             </a:fld>
             <a:endParaRPr/>
           </a:p>
@@ -398,7 +398,7 @@
           <a:p>
             <a:fld id="{6A2B48A4-4B96-49F4-8C25-4C9D06114B2C}" type="datetimeFigureOut">
               <a:rPr lang="en-US"/>
-              <a:t>8/13/2018</a:t>
+              <a:t>8/14/2018</a:t>
             </a:fld>
             <a:endParaRPr/>
           </a:p>
@@ -1029,7 +1029,7 @@
           <a:p>
             <a:fld id="{0402902D-A5F5-4D7D-AAA7-32469BA0BC4D}" type="datetimeFigureOut">
               <a:rPr lang="en-US"/>
-              <a:t>8/13/2018</a:t>
+              <a:t>8/14/2018</a:t>
             </a:fld>
             <a:endParaRPr/>
           </a:p>
@@ -1300,7 +1300,7 @@
           <a:p>
             <a:fld id="{0402902D-A5F5-4D7D-AAA7-32469BA0BC4D}" type="datetimeFigureOut">
               <a:rPr lang="en-US"/>
-              <a:t>8/13/2018</a:t>
+              <a:t>8/14/2018</a:t>
             </a:fld>
             <a:endParaRPr/>
           </a:p>
@@ -1482,7 +1482,7 @@
           <a:p>
             <a:fld id="{0402902D-A5F5-4D7D-AAA7-32469BA0BC4D}" type="datetimeFigureOut">
               <a:rPr lang="en-US"/>
-              <a:t>8/13/2018</a:t>
+              <a:t>8/14/2018</a:t>
             </a:fld>
             <a:endParaRPr/>
           </a:p>
@@ -2069,7 +2069,7 @@
           <a:p>
             <a:fld id="{0402902D-A5F5-4D7D-AAA7-32469BA0BC4D}" type="datetimeFigureOut">
               <a:rPr lang="en-US"/>
-              <a:t>8/13/2018</a:t>
+              <a:t>8/14/2018</a:t>
             </a:fld>
             <a:endParaRPr/>
           </a:p>
@@ -2517,7 +2517,7 @@
           <a:p>
             <a:fld id="{0402902D-A5F5-4D7D-AAA7-32469BA0BC4D}" type="datetimeFigureOut">
               <a:rPr lang="en-US"/>
-              <a:t>8/13/2018</a:t>
+              <a:t>8/14/2018</a:t>
             </a:fld>
             <a:endParaRPr/>
           </a:p>
@@ -2647,7 +2647,7 @@
           <a:p>
             <a:fld id="{0402902D-A5F5-4D7D-AAA7-32469BA0BC4D}" type="datetimeFigureOut">
               <a:rPr lang="en-US"/>
-              <a:t>8/13/2018</a:t>
+              <a:t>8/14/2018</a:t>
             </a:fld>
             <a:endParaRPr/>
           </a:p>
@@ -2754,7 +2754,7 @@
           <a:p>
             <a:fld id="{0402902D-A5F5-4D7D-AAA7-32469BA0BC4D}" type="datetimeFigureOut">
               <a:rPr lang="en-US"/>
-              <a:t>8/13/2018</a:t>
+              <a:t>8/14/2018</a:t>
             </a:fld>
             <a:endParaRPr/>
           </a:p>
@@ -3689,7 +3689,7 @@
             <a:fld id="{0402902D-A5F5-4D7D-AAA7-32469BA0BC4D}" type="datetimeFigureOut">
               <a:rPr lang="en-US"/>
               <a:pPr/>
-              <a:t>8/13/2018</a:t>
+              <a:t>8/14/2018</a:t>
             </a:fld>
             <a:endParaRPr/>
           </a:p>
@@ -4188,19 +4188,13 @@
           <a:p>
             <a:r>
               <a:rPr lang="en-US" dirty="0"/>
-              <a:t>It’s an old scooter I’m obsessed with.</a:t>
+              <a:t>I like them and think they are still relevant because you can create self-documenting scripts that you can evolve and perfect over time.</a:t>
             </a:r>
           </a:p>
           <a:p>
             <a:r>
               <a:rPr lang="en-US" dirty="0"/>
               <a:t>Does anybody use Windows' batch files?</a:t>
-            </a:r>
-          </a:p>
-          <a:p>
-            <a:r>
-              <a:rPr lang="en-US" dirty="0"/>
-              <a:t>I like them and think they are still relevant because you can create self-documenting scripts that you can evolve and perfect over time.</a:t>
             </a:r>
           </a:p>
           <a:p>
@@ -6918,15 +6912,6 @@
             <a:pPr marL="0" indent="0">
               <a:buNone/>
             </a:pPr>
-            <a:r>
-              <a:rPr lang="en-US" dirty="0"/>
-              <a:t>	* %CBF_DEFAULT_REPOSITORY_FOLDER%</a:t>
-            </a:r>
-          </a:p>
-          <a:p>
-            <a:pPr marL="0" indent="0">
-              <a:buNone/>
-            </a:pPr>
             <a:endParaRPr lang="en-US" dirty="0"/>
           </a:p>
         </p:txBody>
@@ -7156,10 +7141,10 @@
       </p:pic>
       <p:pic>
         <p:nvPicPr>
-          <p:cNvPr id="7" name="Picture 6">
+          <p:cNvPr id="6" name="Picture 5">
             <a:extLst>
               <a:ext uri="{FF2B5EF4-FFF2-40B4-BE49-F238E27FC236}">
-                <a16:creationId xmlns:a16="http://schemas.microsoft.com/office/drawing/2014/main" id="{02BD94F8-CA38-49A2-B1FC-E5F4F843AC20}"/>
+                <a16:creationId xmlns:a16="http://schemas.microsoft.com/office/drawing/2014/main" id="{E32F2653-FEC0-4093-B7FA-104FDAD60AE7}"/>
               </a:ext>
             </a:extLst>
           </p:cNvPr>
@@ -7182,8 +7167,8 @@
         </p:blipFill>
         <p:spPr>
           <a:xfrm>
-            <a:off x="7370998" y="3576656"/>
-            <a:ext cx="4338946" cy="2251677"/>
+            <a:off x="7377623" y="3647273"/>
+            <a:ext cx="3949966" cy="2070921"/>
           </a:xfrm>
           <a:prstGeom prst="rect">
             <a:avLst/>

--- a/Composable Batch File Helper.pptx
+++ b/Composable Batch File Helper.pptx
@@ -5,10 +5,10 @@
     <p:sldMasterId id="2147483648" r:id="rId2"/>
   </p:sldMasterIdLst>
   <p:notesMasterIdLst>
-    <p:notesMasterId r:id="rId23"/>
+    <p:notesMasterId r:id="rId22"/>
   </p:notesMasterIdLst>
   <p:handoutMasterIdLst>
-    <p:handoutMasterId r:id="rId24"/>
+    <p:handoutMasterId r:id="rId23"/>
   </p:handoutMasterIdLst>
   <p:sldIdLst>
     <p:sldId id="268" r:id="rId3"/>
@@ -22,15 +22,14 @@
     <p:sldId id="284" r:id="rId11"/>
     <p:sldId id="285" r:id="rId12"/>
     <p:sldId id="287" r:id="rId13"/>
-    <p:sldId id="286" r:id="rId14"/>
-    <p:sldId id="289" r:id="rId15"/>
-    <p:sldId id="290" r:id="rId16"/>
-    <p:sldId id="292" r:id="rId17"/>
-    <p:sldId id="291" r:id="rId18"/>
-    <p:sldId id="293" r:id="rId19"/>
-    <p:sldId id="288" r:id="rId20"/>
-    <p:sldId id="294" r:id="rId21"/>
-    <p:sldId id="273" r:id="rId22"/>
+    <p:sldId id="289" r:id="rId14"/>
+    <p:sldId id="290" r:id="rId15"/>
+    <p:sldId id="292" r:id="rId16"/>
+    <p:sldId id="291" r:id="rId17"/>
+    <p:sldId id="293" r:id="rId18"/>
+    <p:sldId id="288" r:id="rId19"/>
+    <p:sldId id="294" r:id="rId20"/>
+    <p:sldId id="273" r:id="rId21"/>
   </p:sldIdLst>
   <p:sldSz cx="12192000" cy="6858000"/>
   <p:notesSz cx="6858000" cy="9144000"/>
@@ -4158,7 +4157,7 @@
           <a:p>
             <a:r>
               <a:rPr lang="en-US" dirty="0"/>
-              <a:t>        Old Technology – Windows’ Batch Files</a:t>
+              <a:t>      Old Technology – Windows’ Batch Files</a:t>
             </a:r>
           </a:p>
         </p:txBody>
@@ -4188,7 +4187,7 @@
           <a:p>
             <a:r>
               <a:rPr lang="en-US" dirty="0"/>
-              <a:t>I like them and think they are still relevant because you can create self-documenting scripts that you can evolve and perfect over time.</a:t>
+              <a:t>I like batch files and think they are still relevant because you can create self-documenting scripts that you can evolve and perfect over time.</a:t>
             </a:r>
           </a:p>
           <a:p>
@@ -4520,16 +4519,23 @@
           </a:lstStyle>
           <a:p>
             <a:r>
-              <a:rPr lang="en-US"/>
+              <a:rPr lang="en-US" dirty="0"/>
               <a:t>All of the batch files in CBF use a functionalized, modular approach. </a:t>
             </a:r>
           </a:p>
           <a:p>
             <a:r>
-              <a:rPr lang="en-US"/>
-              <a:t>To see a menu of all the available CBFs type "menu" or "cbf" at the prompt.</a:t>
-            </a:r>
-            <a:endParaRPr lang="en-US" dirty="0"/>
+              <a:rPr lang="en-US" dirty="0"/>
+              <a:t>To see a menu of all of the out-of-the-box available CBFs type "menu" or "</a:t>
+            </a:r>
+            <a:r>
+              <a:rPr lang="en-US" dirty="0" err="1"/>
+              <a:t>cbf</a:t>
+            </a:r>
+            <a:r>
+              <a:rPr lang="en-US" dirty="0"/>
+              <a:t>" at the prompt.</a:t>
+            </a:r>
           </a:p>
         </p:txBody>
       </p:sp>
@@ -4719,95 +4725,7 @@
           <a:p>
             <a:r>
               <a:rPr lang="en-US" dirty="0"/>
-              <a:t>              Part III of III - Customization</a:t>
-            </a:r>
-          </a:p>
-        </p:txBody>
-      </p:sp>
-      <p:sp>
-        <p:nvSpPr>
-          <p:cNvPr id="3" name="Content Placeholder 2"/>
-          <p:cNvSpPr>
-            <a:spLocks noGrp="1"/>
-          </p:cNvSpPr>
-          <p:nvPr>
-            <p:ph idx="1"/>
-          </p:nvPr>
-        </p:nvSpPr>
-        <p:spPr/>
-        <p:txBody>
-          <a:bodyPr>
-            <a:normAutofit/>
-          </a:bodyPr>
-          <a:lstStyle/>
-          <a:p>
-            <a:r>
-              <a:rPr lang="en-US" dirty="0"/>
-              <a:t>Questions so far?</a:t>
-            </a:r>
-          </a:p>
-        </p:txBody>
-      </p:sp>
-    </p:spTree>
-    <p:extLst>
-      <p:ext uri="{BB962C8B-B14F-4D97-AF65-F5344CB8AC3E}">
-        <p14:creationId xmlns:p14="http://schemas.microsoft.com/office/powerpoint/2010/main" val="3706281842"/>
-      </p:ext>
-    </p:extLst>
-  </p:cSld>
-  <p:clrMapOvr>
-    <a:masterClrMapping/>
-  </p:clrMapOvr>
-  <mc:AlternateContent xmlns:mc="http://schemas.openxmlformats.org/markup-compatibility/2006" xmlns:p14="http://schemas.microsoft.com/office/powerpoint/2010/main">
-    <mc:Choice Requires="p14">
-      <p:transition spd="med" p14:dur="700">
-        <p:fade/>
-      </p:transition>
-    </mc:Choice>
-    <mc:Fallback xmlns="">
-      <p:transition spd="med">
-        <p:fade/>
-      </p:transition>
-    </mc:Fallback>
-  </mc:AlternateContent>
-</p:sld>
-</file>
-
-<file path=ppt/slides/slide13.xml><?xml version="1.0" encoding="utf-8"?>
-<p:sld xmlns:a="http://schemas.openxmlformats.org/drawingml/2006/main" xmlns:r="http://schemas.openxmlformats.org/officeDocument/2006/relationships" xmlns:p="http://schemas.openxmlformats.org/presentationml/2006/main">
-  <p:cSld>
-    <p:spTree>
-      <p:nvGrpSpPr>
-        <p:cNvPr id="1" name=""/>
-        <p:cNvGrpSpPr/>
-        <p:nvPr/>
-      </p:nvGrpSpPr>
-      <p:grpSpPr>
-        <a:xfrm>
-          <a:off x="0" y="0"/>
-          <a:ext cx="0" cy="0"/>
-          <a:chOff x="0" y="0"/>
-          <a:chExt cx="0" cy="0"/>
-        </a:xfrm>
-      </p:grpSpPr>
-      <p:sp>
-        <p:nvSpPr>
-          <p:cNvPr id="2" name="Title 1"/>
-          <p:cNvSpPr>
-            <a:spLocks noGrp="1"/>
-          </p:cNvSpPr>
-          <p:nvPr>
-            <p:ph type="title"/>
-          </p:nvPr>
-        </p:nvSpPr>
-        <p:spPr/>
-        <p:txBody>
-          <a:bodyPr/>
-          <a:lstStyle/>
-          <a:p>
-            <a:r>
-              <a:rPr lang="en-US" dirty="0"/>
-              <a:t>Customize CBF by Leveraging Environment Variables</a:t>
+              <a:t>Part III of III: Customize CBF by Leveraging Environment Variables</a:t>
             </a:r>
           </a:p>
         </p:txBody>
@@ -4902,7 +4820,7 @@
 </p:sld>
 </file>
 
-<file path=ppt/slides/slide14.xml><?xml version="1.0" encoding="utf-8"?>
+<file path=ppt/slides/slide13.xml><?xml version="1.0" encoding="utf-8"?>
 <p:sld xmlns:a="http://schemas.openxmlformats.org/drawingml/2006/main" xmlns:r="http://schemas.openxmlformats.org/officeDocument/2006/relationships" xmlns:p="http://schemas.openxmlformats.org/presentationml/2006/main">
   <p:cSld>
     <p:spTree>
@@ -5001,7 +4919,7 @@
 </p:sld>
 </file>
 
-<file path=ppt/slides/slide15.xml><?xml version="1.0" encoding="utf-8"?>
+<file path=ppt/slides/slide14.xml><?xml version="1.0" encoding="utf-8"?>
 <p:sld xmlns:a="http://schemas.openxmlformats.org/drawingml/2006/main" xmlns:r="http://schemas.openxmlformats.org/officeDocument/2006/relationships" xmlns:p="http://schemas.openxmlformats.org/presentationml/2006/main">
   <p:cSld>
     <p:spTree>
@@ -5136,7 +5054,7 @@
 </p:sld>
 </file>
 
-<file path=ppt/slides/slide16.xml><?xml version="1.0" encoding="utf-8"?>
+<file path=ppt/slides/slide15.xml><?xml version="1.0" encoding="utf-8"?>
 <p:sld xmlns:a="http://schemas.openxmlformats.org/drawingml/2006/main" xmlns:r="http://schemas.openxmlformats.org/officeDocument/2006/relationships" xmlns:p="http://schemas.openxmlformats.org/presentationml/2006/main">
   <p:cSld>
     <p:spTree>
@@ -5245,7 +5163,7 @@
 </p:sld>
 </file>
 
-<file path=ppt/slides/slide17.xml><?xml version="1.0" encoding="utf-8"?>
+<file path=ppt/slides/slide16.xml><?xml version="1.0" encoding="utf-8"?>
 <p:sld xmlns:a="http://schemas.openxmlformats.org/drawingml/2006/main" xmlns:r="http://schemas.openxmlformats.org/officeDocument/2006/relationships" xmlns:p="http://schemas.openxmlformats.org/presentationml/2006/main">
   <p:cSld>
     <p:spTree>
@@ -5352,7 +5270,7 @@
 </p:sld>
 </file>
 
-<file path=ppt/slides/slide18.xml><?xml version="1.0" encoding="utf-8"?>
+<file path=ppt/slides/slide17.xml><?xml version="1.0" encoding="utf-8"?>
 <p:sld xmlns:a="http://schemas.openxmlformats.org/drawingml/2006/main" xmlns:r="http://schemas.openxmlformats.org/officeDocument/2006/relationships" xmlns:p="http://schemas.openxmlformats.org/presentationml/2006/main">
   <p:cSld>
     <p:spTree>
@@ -5451,7 +5369,7 @@
 </p:sld>
 </file>
 
-<file path=ppt/slides/slide19.xml><?xml version="1.0" encoding="utf-8"?>
+<file path=ppt/slides/slide18.xml><?xml version="1.0" encoding="utf-8"?>
 <p:sld xmlns:a="http://schemas.openxmlformats.org/drawingml/2006/main" xmlns:r="http://schemas.openxmlformats.org/officeDocument/2006/relationships" xmlns:p="http://schemas.openxmlformats.org/presentationml/2006/main">
   <p:cSld>
     <p:spTree>
@@ -5509,8 +5427,13 @@
           <a:p>
             <a:r>
               <a:rPr lang="en-US" dirty="0"/>
-              <a:t>Just to prove it works, run: m demo</a:t>
-            </a:r>
+              <a:t>Just to prove it works, run: </a:t>
+            </a:r>
+            <a:r>
+              <a:rPr lang="en-US"/>
+              <a:t>m compose</a:t>
+            </a:r>
+            <a:endParaRPr lang="en-US" dirty="0"/>
           </a:p>
           <a:p>
             <a:r>
@@ -5598,113 +5521,7 @@
 </p:sld>
 </file>
 
-<file path=ppt/slides/slide2.xml><?xml version="1.0" encoding="utf-8"?>
-<p:sld xmlns:a="http://schemas.openxmlformats.org/drawingml/2006/main" xmlns:r="http://schemas.openxmlformats.org/officeDocument/2006/relationships" xmlns:p="http://schemas.openxmlformats.org/presentationml/2006/main">
-  <p:cSld>
-    <p:spTree>
-      <p:nvGrpSpPr>
-        <p:cNvPr id="1" name=""/>
-        <p:cNvGrpSpPr/>
-        <p:nvPr/>
-      </p:nvGrpSpPr>
-      <p:grpSpPr>
-        <a:xfrm>
-          <a:off x="0" y="0"/>
-          <a:ext cx="0" cy="0"/>
-          <a:chOff x="0" y="0"/>
-          <a:chExt cx="0" cy="0"/>
-        </a:xfrm>
-      </p:grpSpPr>
-      <p:sp>
-        <p:nvSpPr>
-          <p:cNvPr id="2" name="Title 1"/>
-          <p:cNvSpPr>
-            <a:spLocks noGrp="1"/>
-          </p:cNvSpPr>
-          <p:nvPr>
-            <p:ph type="title"/>
-          </p:nvPr>
-        </p:nvSpPr>
-        <p:spPr/>
-        <p:txBody>
-          <a:bodyPr/>
-          <a:lstStyle/>
-          <a:p>
-            <a:r>
-              <a:rPr lang="en-US" dirty="0"/>
-              <a:t>                 Table of Contents</a:t>
-            </a:r>
-          </a:p>
-        </p:txBody>
-      </p:sp>
-      <p:sp>
-        <p:nvSpPr>
-          <p:cNvPr id="3" name="Content Placeholder 2"/>
-          <p:cNvSpPr>
-            <a:spLocks noGrp="1"/>
-          </p:cNvSpPr>
-          <p:nvPr>
-            <p:ph idx="1"/>
-          </p:nvPr>
-        </p:nvSpPr>
-        <p:spPr/>
-        <p:txBody>
-          <a:bodyPr>
-            <a:normAutofit/>
-          </a:bodyPr>
-          <a:lstStyle/>
-          <a:p>
-            <a:r>
-              <a:rPr lang="en-US" dirty="0"/>
-              <a:t>Part I – The Problem: Batch files are usually balls of mud.</a:t>
-            </a:r>
-          </a:p>
-          <a:p>
-            <a:r>
-              <a:rPr lang="en-US" dirty="0"/>
-              <a:t>Part II – The Answer in my opinion is functionalization.</a:t>
-            </a:r>
-          </a:p>
-          <a:p>
-            <a:r>
-              <a:rPr lang="en-US" dirty="0"/>
-              <a:t>Part III – Customization can increase your productivity.</a:t>
-            </a:r>
-          </a:p>
-          <a:p>
-            <a:pPr marL="0" indent="0">
-              <a:buNone/>
-            </a:pPr>
-            <a:endParaRPr lang="en-US" dirty="0"/>
-          </a:p>
-        </p:txBody>
-      </p:sp>
-    </p:spTree>
-    <p:extLst>
-      <p:ext uri="{BB962C8B-B14F-4D97-AF65-F5344CB8AC3E}">
-        <p14:creationId xmlns:p14="http://schemas.microsoft.com/office/powerpoint/2010/main" val="627684300"/>
-      </p:ext>
-    </p:extLst>
-  </p:cSld>
-  <p:clrMapOvr>
-    <a:masterClrMapping/>
-  </p:clrMapOvr>
-  <mc:AlternateContent xmlns:mc="http://schemas.openxmlformats.org/markup-compatibility/2006" xmlns:p14="http://schemas.microsoft.com/office/powerpoint/2010/main">
-    <mc:Choice Requires="p14">
-      <p:transition spd="med" p14:dur="700">
-        <p:fade/>
-      </p:transition>
-    </mc:Choice>
-    <mc:Fallback xmlns="">
-      <p:transition spd="med">
-        <p:fade/>
-      </p:transition>
-    </mc:Fallback>
-  </mc:AlternateContent>
-</p:sld>
-</file>
-
-<file path=ppt/slides/slide20.xml><?xml version="1.0" encoding="utf-8"?>
+<file path=ppt/slides/slide19.xml><?xml version="1.0" encoding="utf-8"?>
 <p:sld xmlns:a="http://schemas.openxmlformats.org/drawingml/2006/main" xmlns:r="http://schemas.openxmlformats.org/officeDocument/2006/relationships" xmlns:p="http://schemas.openxmlformats.org/presentationml/2006/main">
   <p:cSld>
     <p:spTree>
@@ -5790,6 +5607,112 @@
     <p:extLst>
       <p:ext uri="{BB962C8B-B14F-4D97-AF65-F5344CB8AC3E}">
         <p14:creationId xmlns:p14="http://schemas.microsoft.com/office/powerpoint/2010/main" val="2235719706"/>
+      </p:ext>
+    </p:extLst>
+  </p:cSld>
+  <p:clrMapOvr>
+    <a:masterClrMapping/>
+  </p:clrMapOvr>
+  <mc:AlternateContent xmlns:mc="http://schemas.openxmlformats.org/markup-compatibility/2006" xmlns:p14="http://schemas.microsoft.com/office/powerpoint/2010/main">
+    <mc:Choice Requires="p14">
+      <p:transition spd="med" p14:dur="700">
+        <p:fade/>
+      </p:transition>
+    </mc:Choice>
+    <mc:Fallback xmlns="">
+      <p:transition spd="med">
+        <p:fade/>
+      </p:transition>
+    </mc:Fallback>
+  </mc:AlternateContent>
+</p:sld>
+</file>
+
+<file path=ppt/slides/slide2.xml><?xml version="1.0" encoding="utf-8"?>
+<p:sld xmlns:a="http://schemas.openxmlformats.org/drawingml/2006/main" xmlns:r="http://schemas.openxmlformats.org/officeDocument/2006/relationships" xmlns:p="http://schemas.openxmlformats.org/presentationml/2006/main">
+  <p:cSld>
+    <p:spTree>
+      <p:nvGrpSpPr>
+        <p:cNvPr id="1" name=""/>
+        <p:cNvGrpSpPr/>
+        <p:nvPr/>
+      </p:nvGrpSpPr>
+      <p:grpSpPr>
+        <a:xfrm>
+          <a:off x="0" y="0"/>
+          <a:ext cx="0" cy="0"/>
+          <a:chOff x="0" y="0"/>
+          <a:chExt cx="0" cy="0"/>
+        </a:xfrm>
+      </p:grpSpPr>
+      <p:sp>
+        <p:nvSpPr>
+          <p:cNvPr id="2" name="Title 1"/>
+          <p:cNvSpPr>
+            <a:spLocks noGrp="1"/>
+          </p:cNvSpPr>
+          <p:nvPr>
+            <p:ph type="title"/>
+          </p:nvPr>
+        </p:nvSpPr>
+        <p:spPr/>
+        <p:txBody>
+          <a:bodyPr/>
+          <a:lstStyle/>
+          <a:p>
+            <a:r>
+              <a:rPr lang="en-US" dirty="0"/>
+              <a:t>                 Table of Contents</a:t>
+            </a:r>
+          </a:p>
+        </p:txBody>
+      </p:sp>
+      <p:sp>
+        <p:nvSpPr>
+          <p:cNvPr id="3" name="Content Placeholder 2"/>
+          <p:cNvSpPr>
+            <a:spLocks noGrp="1"/>
+          </p:cNvSpPr>
+          <p:nvPr>
+            <p:ph idx="1"/>
+          </p:nvPr>
+        </p:nvSpPr>
+        <p:spPr/>
+        <p:txBody>
+          <a:bodyPr>
+            <a:normAutofit/>
+          </a:bodyPr>
+          <a:lstStyle/>
+          <a:p>
+            <a:r>
+              <a:rPr lang="en-US" dirty="0"/>
+              <a:t>Part I – The Problem: Batch files are usually balls of mud.</a:t>
+            </a:r>
+          </a:p>
+          <a:p>
+            <a:r>
+              <a:rPr lang="en-US" dirty="0"/>
+              <a:t>Part II – The Answer in my opinion is functionalization.</a:t>
+            </a:r>
+          </a:p>
+          <a:p>
+            <a:r>
+              <a:rPr lang="en-US" dirty="0"/>
+              <a:t>Part III – Customization can increase your productivity.</a:t>
+            </a:r>
+          </a:p>
+          <a:p>
+            <a:pPr marL="0" indent="0">
+              <a:buNone/>
+            </a:pPr>
+            <a:endParaRPr lang="en-US" dirty="0"/>
+          </a:p>
+        </p:txBody>
+      </p:sp>
+    </p:spTree>
+    <p:extLst>
+      <p:ext uri="{BB962C8B-B14F-4D97-AF65-F5344CB8AC3E}">
+        <p14:creationId xmlns:p14="http://schemas.microsoft.com/office/powerpoint/2010/main" val="627684300"/>
       </p:ext>
     </p:extLst>
   </p:cSld>
@@ -7098,7 +7021,7 @@
           <a:p>
             <a:r>
               <a:rPr lang="en-US" dirty="0"/>
-              <a:t>After you have cloned or downloaded the CBF repository, double click the shortcut titled "Composable Batch Files Helper" to open up a blue command prompt.</a:t>
+              <a:t>After you have cloned or downloaded the CBF repository, double click the shortcut titled "Composable Batch Files Helper" to open up a blue command prompt, which will initialize your environment.</a:t>
             </a:r>
           </a:p>
         </p:txBody>

--- a/Composable Batch File Helper.pptx
+++ b/Composable Batch File Helper.pptx
@@ -4181,7 +4181,7 @@
           <a:p>
             <a:r>
               <a:rPr lang="en-US" dirty="0"/>
-              <a:t>I told some friends I was giving a presentation on batch files and they laughed.</a:t>
+              <a:t>I told some friends I was giving a presentation on batch files and they laughed, I guess because though it was such old tech.</a:t>
             </a:r>
           </a:p>
           <a:p>
@@ -4854,7 +4854,7 @@
           <a:p>
             <a:r>
               <a:rPr lang="en-US" dirty="0"/>
-              <a:t>Using td is faster than cd.</a:t>
+              <a:t>Creating a nickname function in n.bat is like creating a bookmark for your file system.</a:t>
             </a:r>
           </a:p>
         </p:txBody>
@@ -4889,8 +4889,8 @@
         </p:blipFill>
         <p:spPr>
           <a:xfrm>
-            <a:off x="1066800" y="1601256"/>
-            <a:ext cx="10660625" cy="4964644"/>
+            <a:off x="1066801" y="1585520"/>
+            <a:ext cx="10145613" cy="4739780"/>
           </a:xfrm>
         </p:spPr>
       </p:pic>
@@ -5427,13 +5427,8 @@
           <a:p>
             <a:r>
               <a:rPr lang="en-US" dirty="0"/>
-              <a:t>Just to prove it works, run: </a:t>
-            </a:r>
-            <a:r>
-              <a:rPr lang="en-US"/>
-              <a:t>m compose</a:t>
-            </a:r>
-            <a:endParaRPr lang="en-US" dirty="0"/>
+              <a:t>Just to prove it works, run: m compose</a:t>
+            </a:r>
           </a:p>
           <a:p>
             <a:r>
@@ -5469,7 +5464,7 @@
           <a:p>
             <a:r>
               <a:rPr lang="en-US" dirty="0"/>
-              <a:t>know you can do the same thing in Windows Explorer, but you can use this method if you prefer the command line or perhaps need a text file of the search results.</a:t>
+              <a:t>I know you can do the same thing in Windows Explorer, but you can use this method if you prefer the command line or perhaps need a text file of the search results.</a:t>
             </a:r>
           </a:p>
           <a:p>
@@ -5698,7 +5693,7 @@
           <a:p>
             <a:r>
               <a:rPr lang="en-US" dirty="0"/>
-              <a:t>Part III – Customization can increase your productivity.</a:t>
+              <a:t>Part III – How customization can increase your productivity.</a:t>
             </a:r>
           </a:p>
           <a:p>
@@ -6288,7 +6283,7 @@
           <a:p>
             <a:r>
               <a:rPr lang="en-US" dirty="0"/>
-              <a:t>At the heart of Composable Batch Files is the enforcing the use of traditional functions or code blocks.</a:t>
+              <a:t>At the heart of Composable Batch Files is the enforcing the use of traditional functions or decoupled code blocks.</a:t>
             </a:r>
           </a:p>
           <a:p>
@@ -6455,7 +6450,7 @@
             <a:pPr algn="ctr"/>
             <a:r>
               <a:rPr lang="en-US" dirty="0"/>
-              <a:t>Hello World Demo - A Functionalized Approach</a:t>
+              <a:t>Hello World - A Functionalized Approach</a:t>
             </a:r>
             <a:br>
               <a:rPr lang="en-US" dirty="0"/>

--- a/Composable Batch File Helper.pptx
+++ b/Composable Batch File Helper.pptx
@@ -4325,7 +4325,7 @@
         <p:spPr>
           <a:xfrm>
             <a:off x="1066800" y="2486288"/>
-            <a:ext cx="4335710" cy="3058836"/>
+            <a:ext cx="4335710" cy="2708617"/>
           </a:xfrm>
           <a:prstGeom prst="rect">
             <a:avLst/>
@@ -4520,12 +4520,6 @@
           <a:p>
             <a:r>
               <a:rPr lang="en-US" dirty="0"/>
-              <a:t>All of the batch files in CBF use a functionalized, modular approach. </a:t>
-            </a:r>
-          </a:p>
-          <a:p>
-            <a:r>
-              <a:rPr lang="en-US" dirty="0"/>
               <a:t>To see a menu of all of the out-of-the-box available CBFs type "menu" or "</a:t>
             </a:r>
             <a:r>
@@ -4535,6 +4529,12 @@
             <a:r>
               <a:rPr lang="en-US" dirty="0"/>
               <a:t>" at the prompt.</a:t>
+            </a:r>
+          </a:p>
+          <a:p>
+            <a:r>
+              <a:rPr lang="en-US" dirty="0"/>
+              <a:t>All of the batch files in CBF use a functionalized, modular approach. </a:t>
             </a:r>
           </a:p>
         </p:txBody>
@@ -5681,7 +5681,7 @@
           <a:p>
             <a:r>
               <a:rPr lang="en-US" dirty="0"/>
-              <a:t>Part I – The Problem: Batch files are usually balls of mud.</a:t>
+              <a:t>Part I – The Problem: Many batch files have spaghetti code.</a:t>
             </a:r>
           </a:p>
           <a:p>
@@ -5791,7 +5791,7 @@
             </a:r>
             <a:r>
               <a:rPr lang="en-US" dirty="0"/>
-              <a:t>batch files I've seen in the wild are pretty messy. They are often quite long and not well structured. I know this partly because I've written hundreds of them. I wrote batch files for years that were a mess. I like to think I'm a little better now.</a:t>
+              <a:t>batch files I've seen in the wild are pretty messy. They are often quite long and not well structured. I know this partly because I've written hundreds of them over the years that were a mess. I like to think I'm a little better now.</a:t>
             </a:r>
           </a:p>
           <a:p>
@@ -6169,7 +6169,7 @@
           <a:p>
             <a:r>
               <a:rPr lang="en-US" dirty="0"/>
-              <a:t>The lack of structure is a problem and leads to hard to read and understand code.</a:t>
+              <a:t>The lack of standard structure is a problem and leads to code that is hard to follow and understand.</a:t>
             </a:r>
           </a:p>
         </p:txBody>
@@ -6233,7 +6233,7 @@
           <a:p>
             <a:r>
               <a:rPr lang="en-US" dirty="0"/>
-              <a:t>Part II of III - How to Modularize? Functionalization</a:t>
+              <a:t>Part II of III - How to Modularize?</a:t>
             </a:r>
           </a:p>
         </p:txBody>
@@ -6250,13 +6250,13 @@
         </p:nvSpPr>
         <p:spPr>
           <a:xfrm>
-            <a:off x="431800" y="1714500"/>
-            <a:ext cx="10693400" cy="4889500"/>
+            <a:off x="431799" y="1714500"/>
+            <a:ext cx="11554581" cy="4889500"/>
           </a:xfrm>
         </p:spPr>
         <p:txBody>
           <a:bodyPr>
-            <a:normAutofit fontScale="92500" lnSpcReduction="10000"/>
+            <a:normAutofit lnSpcReduction="10000"/>
           </a:bodyPr>
           <a:lstStyle/>
           <a:p>
@@ -6277,13 +6277,7 @@
             </a:r>
             <a:r>
               <a:rPr lang="en-US" dirty="0"/>
-              <a:t>.</a:t>
-            </a:r>
-          </a:p>
-          <a:p>
-            <a:r>
-              <a:rPr lang="en-US" dirty="0"/>
-              <a:t>At the heart of Composable Batch Files is the enforcing the use of traditional functions or decoupled code blocks.</a:t>
+              <a:t>. At the heart of Composable Batch Files is the enforcing the use of traditional functions or decoupled code blocks.</a:t>
             </a:r>
           </a:p>
           <a:p>
@@ -6309,7 +6303,7 @@
             </a:r>
             <a:r>
               <a:rPr lang="en-US" dirty="0"/>
-              <a:t> = function name (which must be unique)</a:t>
+              <a:t> = function name (which must be unique within the file).</a:t>
             </a:r>
           </a:p>
           <a:p>
@@ -6365,11 +6359,11 @@
                   </a:schemeClr>
                 </a:solidFill>
               </a:rPr>
-              <a:t>    * exit/b</a:t>
+              <a:t>    * call [batch2] [label]</a:t>
             </a:r>
             <a:r>
               <a:rPr lang="en-US" dirty="0"/>
-              <a:t> = end of function. The lack of exit/b is the most common culprit. Without ending </a:t>
+              <a:t>  = call to another batch file function.</a:t>
             </a:r>
           </a:p>
           <a:p>
@@ -6377,8 +6371,19 @@
               <a:buNone/>
             </a:pPr>
             <a:r>
+              <a:rPr lang="en-US" dirty="0">
+                <a:solidFill>
+                  <a:schemeClr val="accent2">
+                    <a:lumMod val="60000"/>
+                    <a:lumOff val="40000"/>
+                  </a:schemeClr>
+                </a:solidFill>
+              </a:rPr>
+              <a:t>    * exit/b</a:t>
+            </a:r>
+            <a:r>
               <a:rPr lang="en-US" dirty="0"/>
-              <a:t>                   functions, you have spaghetti code.</a:t>
+              <a:t> = end of function. The lack of exit/b is the most common culprit. Without ending  functions, you have spaghetti code.</a:t>
             </a:r>
           </a:p>
         </p:txBody>
@@ -6770,7 +6775,7 @@
           <a:p>
             <a:r>
               <a:rPr lang="en-US" dirty="0"/>
-              <a:t>                       Setup Instructions</a:t>
+              <a:t>                   Repo Setup Instructions</a:t>
             </a:r>
           </a:p>
         </p:txBody>

--- a/Composable Batch File Helper.pptx
+++ b/Composable Batch File Helper.pptx
@@ -5098,7 +5098,7 @@
             </a:r>
             <a:r>
               <a:rPr lang="en-US" dirty="0"/>
-              <a:t>" environment variable. </a:t>
+              <a:t>" environment variable. Acts a like a text-based bookmark.</a:t>
             </a:r>
           </a:p>
         </p:txBody>
@@ -5192,7 +5192,9 @@
         </p:nvSpPr>
         <p:spPr/>
         <p:txBody>
-          <a:bodyPr/>
+          <a:bodyPr>
+            <a:normAutofit fontScale="90000"/>
+          </a:bodyPr>
           <a:lstStyle/>
           <a:p>
             <a:r>
@@ -5205,7 +5207,7 @@
             </a:r>
             <a:r>
               <a:rPr lang="en-US" dirty="0"/>
-              <a:t>" environment variable.</a:t>
+              <a:t>" environment variable. Like a bookmark for a filename.</a:t>
             </a:r>
           </a:p>
         </p:txBody>

--- a/Composable Batch File Helper.pptx
+++ b/Composable Batch File Helper.pptx
@@ -5423,11 +5423,18 @@
         <p:spPr/>
         <p:txBody>
           <a:bodyPr>
-            <a:normAutofit lnSpcReduction="10000"/>
+            <a:normAutofit/>
           </a:bodyPr>
           <a:lstStyle/>
           <a:p>
             <a:r>
+              <a:rPr lang="en-US" dirty="0" err="1"/>
+              <a:t>Hello_World</a:t>
+            </a:r>
+            <a:endParaRPr lang="en-US" dirty="0"/>
+          </a:p>
+          <a:p>
+            <a:r>
               <a:rPr lang="en-US" dirty="0"/>
               <a:t>Just to prove it works, run: m compose</a:t>
             </a:r>
@@ -5435,13 +5442,7 @@
           <a:p>
             <a:r>
               <a:rPr lang="en-US" dirty="0"/>
-              <a:t>Now that you know how navigate the file system, surf and edit like a boss, it’s time to search folders like a boss.</a:t>
-            </a:r>
-          </a:p>
-          <a:p>
-            <a:r>
-              <a:rPr lang="en-US" dirty="0"/>
-              <a:t>Some cool out-of-the-box batch files I use on a regular basis.</a:t>
+              <a:t>2 of my favorite out-of-the-box batch files I use on a regular basis.</a:t>
             </a:r>
           </a:p>
           <a:p>

--- a/Composable Batch File Helper.pptx
+++ b/Composable Batch File Helper.pptx
@@ -4181,7 +4181,7 @@
           <a:p>
             <a:r>
               <a:rPr lang="en-US" dirty="0"/>
-              <a:t>I told some friends I was giving a presentation on batch files and they laughed, I guess because though it was such old tech.</a:t>
+              <a:t>I told some friends I was giving a presentation on batch files and they laughed. I guess because though it was such old tech or unworthy of discussion?</a:t>
             </a:r>
           </a:p>
           <a:p>
@@ -4791,6 +4791,15 @@
             </a:r>
           </a:p>
           <a:p>
+            <a:r>
+              <a:rPr lang="en-US" dirty="0"/>
+              <a:t>This is like creating a bookmark for a folder.</a:t>
+            </a:r>
+          </a:p>
+          <a:p>
+            <a:pPr marL="0" indent="0">
+              <a:buNone/>
+            </a:pPr>
             <a:endParaRPr lang="en-US" dirty="0"/>
           </a:p>
         </p:txBody>
@@ -4854,7 +4863,7 @@
           <a:p>
             <a:r>
               <a:rPr lang="en-US" dirty="0"/>
-              <a:t>Creating a nickname function in n.bat is like creating a bookmark for your file system.</a:t>
+              <a:t>TD is probably my favorite CBF because it speeds up navigating the file system.</a:t>
             </a:r>
           </a:p>
         </p:txBody>
@@ -4953,7 +4962,7 @@
           <a:p>
             <a:r>
               <a:rPr lang="en-US" dirty="0"/>
-              <a:t>A few more customization examples.</a:t>
+              <a:t>Leverages the same environment variable.</a:t>
             </a:r>
           </a:p>
         </p:txBody>
@@ -5461,6 +5470,14 @@
             <a:r>
               <a:rPr lang="en-US" dirty="0" err="1"/>
               <a:t>sln</a:t>
+            </a:r>
+            <a:r>
+              <a:rPr lang="en-US" dirty="0"/>
+              <a:t> against 92 </a:t>
+            </a:r>
+            <a:r>
+              <a:rPr lang="en-US"/>
+              <a:t>Xamarin University Repos</a:t>
             </a:r>
             <a:endParaRPr lang="en-US" dirty="0"/>
           </a:p>

--- a/Composable Batch File Helper.pptx
+++ b/Composable Batch File Helper.pptx
@@ -5451,40 +5451,7 @@
           <a:p>
             <a:r>
               <a:rPr lang="en-US" dirty="0"/>
-              <a:t>2 of my favorite out-of-the-box batch files I use on a regular basis.</a:t>
-            </a:r>
-          </a:p>
-          <a:p>
-            <a:r>
-              <a:rPr lang="en-US" dirty="0"/>
-              <a:t>Run fs.bat, td </a:t>
-            </a:r>
-            <a:r>
-              <a:rPr lang="en-US" dirty="0" err="1"/>
-              <a:t>ux</a:t>
-            </a:r>
-            <a:r>
-              <a:rPr lang="en-US" dirty="0"/>
-              <a:t>, fs *.</a:t>
-            </a:r>
-            <a:r>
-              <a:rPr lang="en-US" dirty="0" err="1"/>
-              <a:t>sln</a:t>
-            </a:r>
-            <a:r>
-              <a:rPr lang="en-US" dirty="0"/>
-              <a:t> against 92 </a:t>
-            </a:r>
-            <a:r>
-              <a:rPr lang="en-US"/>
-              <a:t>Xamarin University Repos</a:t>
-            </a:r>
-            <a:endParaRPr lang="en-US" dirty="0"/>
-          </a:p>
-          <a:p>
-            <a:r>
-              <a:rPr lang="en-US" dirty="0"/>
-              <a:t>I know you can do the same thing in Windows Explorer, but you can use this method if you prefer the command line or perhaps need a text file of the search results.</a:t>
+              <a:t>1 of my favorite out-of-the-box batch files I use on a regular basis.</a:t>
             </a:r>
           </a:p>
           <a:p>

--- a/Composable Batch File Helper.pptx
+++ b/Composable Batch File Helper.pptx
@@ -5440,7 +5440,10 @@
               <a:rPr lang="en-US" dirty="0" err="1"/>
               <a:t>Hello_World</a:t>
             </a:r>
-            <a:endParaRPr lang="en-US" dirty="0"/>
+            <a:r>
+              <a:rPr lang="en-US" dirty="0"/>
+              <a:t>, function_1, function_2, composer</a:t>
+            </a:r>
           </a:p>
           <a:p>
             <a:r>
@@ -5465,7 +5468,16 @@
             </a:r>
             <a:r>
               <a:rPr lang="en-US" dirty="0"/>
-              <a:t>, cs </a:t>
+              <a:t> (Entire Xamarin University Catalog),</a:t>
+            </a:r>
+          </a:p>
+          <a:p>
+            <a:pPr marL="0" indent="0">
+              <a:buNone/>
+            </a:pPr>
+            <a:r>
+              <a:rPr lang="en-US" dirty="0"/>
+              <a:t>		 cs </a:t>
             </a:r>
             <a:r>
               <a:rPr lang="en-US" dirty="0" err="1"/>
